--- a/Manuscript/figures/Figure_backdoor.pptx
+++ b/Manuscript/figures/Figure_backdoor.pptx
@@ -259,7 +259,7 @@
           <a:p>
             <a:fld id="{B6BE89FA-A3DD-450C-8B51-349954979103}" type="datetimeFigureOut">
               <a:rPr lang="zh-CN" altLang="en-US" smtClean="0"/>
-              <a:t>2021-12-22</a:t>
+              <a:t>2021-12-24</a:t>
             </a:fld>
             <a:endParaRPr lang="zh-CN" altLang="en-US"/>
           </a:p>
@@ -457,7 +457,7 @@
           <a:p>
             <a:fld id="{B6BE89FA-A3DD-450C-8B51-349954979103}" type="datetimeFigureOut">
               <a:rPr lang="zh-CN" altLang="en-US" smtClean="0"/>
-              <a:t>2021-12-22</a:t>
+              <a:t>2021-12-24</a:t>
             </a:fld>
             <a:endParaRPr lang="zh-CN" altLang="en-US"/>
           </a:p>
@@ -665,7 +665,7 @@
           <a:p>
             <a:fld id="{B6BE89FA-A3DD-450C-8B51-349954979103}" type="datetimeFigureOut">
               <a:rPr lang="zh-CN" altLang="en-US" smtClean="0"/>
-              <a:t>2021-12-22</a:t>
+              <a:t>2021-12-24</a:t>
             </a:fld>
             <a:endParaRPr lang="zh-CN" altLang="en-US"/>
           </a:p>
@@ -863,7 +863,7 @@
           <a:p>
             <a:fld id="{B6BE89FA-A3DD-450C-8B51-349954979103}" type="datetimeFigureOut">
               <a:rPr lang="zh-CN" altLang="en-US" smtClean="0"/>
-              <a:t>2021-12-22</a:t>
+              <a:t>2021-12-24</a:t>
             </a:fld>
             <a:endParaRPr lang="zh-CN" altLang="en-US"/>
           </a:p>
@@ -1138,7 +1138,7 @@
           <a:p>
             <a:fld id="{B6BE89FA-A3DD-450C-8B51-349954979103}" type="datetimeFigureOut">
               <a:rPr lang="zh-CN" altLang="en-US" smtClean="0"/>
-              <a:t>2021-12-22</a:t>
+              <a:t>2021-12-24</a:t>
             </a:fld>
             <a:endParaRPr lang="zh-CN" altLang="en-US"/>
           </a:p>
@@ -1403,7 +1403,7 @@
           <a:p>
             <a:fld id="{B6BE89FA-A3DD-450C-8B51-349954979103}" type="datetimeFigureOut">
               <a:rPr lang="zh-CN" altLang="en-US" smtClean="0"/>
-              <a:t>2021-12-22</a:t>
+              <a:t>2021-12-24</a:t>
             </a:fld>
             <a:endParaRPr lang="zh-CN" altLang="en-US"/>
           </a:p>
@@ -1815,7 +1815,7 @@
           <a:p>
             <a:fld id="{B6BE89FA-A3DD-450C-8B51-349954979103}" type="datetimeFigureOut">
               <a:rPr lang="zh-CN" altLang="en-US" smtClean="0"/>
-              <a:t>2021-12-22</a:t>
+              <a:t>2021-12-24</a:t>
             </a:fld>
             <a:endParaRPr lang="zh-CN" altLang="en-US"/>
           </a:p>
@@ -1956,7 +1956,7 @@
           <a:p>
             <a:fld id="{B6BE89FA-A3DD-450C-8B51-349954979103}" type="datetimeFigureOut">
               <a:rPr lang="zh-CN" altLang="en-US" smtClean="0"/>
-              <a:t>2021-12-22</a:t>
+              <a:t>2021-12-24</a:t>
             </a:fld>
             <a:endParaRPr lang="zh-CN" altLang="en-US"/>
           </a:p>
@@ -2069,7 +2069,7 @@
           <a:p>
             <a:fld id="{B6BE89FA-A3DD-450C-8B51-349954979103}" type="datetimeFigureOut">
               <a:rPr lang="zh-CN" altLang="en-US" smtClean="0"/>
-              <a:t>2021-12-22</a:t>
+              <a:t>2021-12-24</a:t>
             </a:fld>
             <a:endParaRPr lang="zh-CN" altLang="en-US"/>
           </a:p>
@@ -2380,7 +2380,7 @@
           <a:p>
             <a:fld id="{B6BE89FA-A3DD-450C-8B51-349954979103}" type="datetimeFigureOut">
               <a:rPr lang="zh-CN" altLang="en-US" smtClean="0"/>
-              <a:t>2021-12-22</a:t>
+              <a:t>2021-12-24</a:t>
             </a:fld>
             <a:endParaRPr lang="zh-CN" altLang="en-US"/>
           </a:p>
@@ -2668,7 +2668,7 @@
           <a:p>
             <a:fld id="{B6BE89FA-A3DD-450C-8B51-349954979103}" type="datetimeFigureOut">
               <a:rPr lang="zh-CN" altLang="en-US" smtClean="0"/>
-              <a:t>2021-12-22</a:t>
+              <a:t>2021-12-24</a:t>
             </a:fld>
             <a:endParaRPr lang="zh-CN" altLang="en-US"/>
           </a:p>
@@ -2909,7 +2909,7 @@
           <a:p>
             <a:fld id="{B6BE89FA-A3DD-450C-8B51-349954979103}" type="datetimeFigureOut">
               <a:rPr lang="zh-CN" altLang="en-US" smtClean="0"/>
-              <a:t>2021-12-22</a:t>
+              <a:t>2021-12-24</a:t>
             </a:fld>
             <a:endParaRPr lang="zh-CN" altLang="en-US"/>
           </a:p>
@@ -3326,1240 +3326,6 @@
           <a:chExt cx="0" cy="0"/>
         </a:xfrm>
       </p:grpSpPr>
-      <p:grpSp>
-        <p:nvGrpSpPr>
-          <p:cNvPr id="94" name="组合 93">
-            <a:extLst>
-              <a:ext uri="{FF2B5EF4-FFF2-40B4-BE49-F238E27FC236}">
-                <a16:creationId xmlns:a16="http://schemas.microsoft.com/office/drawing/2014/main" id="{87276B22-50E0-4B80-B42E-82C2DADE6CA2}"/>
-              </a:ext>
-            </a:extLst>
-          </p:cNvPr>
-          <p:cNvGrpSpPr/>
-          <p:nvPr/>
-        </p:nvGrpSpPr>
-        <p:grpSpPr>
-          <a:xfrm>
-            <a:off x="4872740" y="2901796"/>
-            <a:ext cx="979128" cy="1306098"/>
-            <a:chOff x="5206872" y="2939932"/>
-            <a:chExt cx="979128" cy="1306098"/>
-          </a:xfrm>
-        </p:grpSpPr>
-        <p:sp>
-          <p:nvSpPr>
-            <p:cNvPr id="20" name="流程图: 接点 19">
-              <a:extLst>
-                <a:ext uri="{FF2B5EF4-FFF2-40B4-BE49-F238E27FC236}">
-                  <a16:creationId xmlns:a16="http://schemas.microsoft.com/office/drawing/2014/main" id="{9D58A14D-79EA-4A86-A7D2-313512CAE73D}"/>
-                </a:ext>
-              </a:extLst>
-            </p:cNvPr>
-            <p:cNvSpPr/>
-            <p:nvPr/>
-          </p:nvSpPr>
-          <p:spPr>
-            <a:xfrm>
-              <a:off x="5206872" y="3128810"/>
-              <a:ext cx="180000" cy="180000"/>
-            </a:xfrm>
-            <a:prstGeom prst="flowChartConnector">
-              <a:avLst/>
-            </a:prstGeom>
-          </p:spPr>
-          <p:style>
-            <a:lnRef idx="2">
-              <a:schemeClr val="accent5">
-                <a:shade val="50000"/>
-              </a:schemeClr>
-            </a:lnRef>
-            <a:fillRef idx="1">
-              <a:schemeClr val="accent5"/>
-            </a:fillRef>
-            <a:effectRef idx="0">
-              <a:schemeClr val="accent5"/>
-            </a:effectRef>
-            <a:fontRef idx="minor">
-              <a:schemeClr val="lt1"/>
-            </a:fontRef>
-          </p:style>
-          <p:txBody>
-            <a:bodyPr rtlCol="0" anchor="ctr"/>
-            <a:lstStyle/>
-            <a:p>
-              <a:pPr algn="ctr"/>
-              <a:endParaRPr lang="zh-CN" altLang="en-US"/>
-            </a:p>
-          </p:txBody>
-        </p:sp>
-        <p:sp>
-          <p:nvSpPr>
-            <p:cNvPr id="21" name="流程图: 接点 20">
-              <a:extLst>
-                <a:ext uri="{FF2B5EF4-FFF2-40B4-BE49-F238E27FC236}">
-                  <a16:creationId xmlns:a16="http://schemas.microsoft.com/office/drawing/2014/main" id="{EF306096-B00A-4E30-83A2-730B526B11AF}"/>
-                </a:ext>
-              </a:extLst>
-            </p:cNvPr>
-            <p:cNvSpPr/>
-            <p:nvPr/>
-          </p:nvSpPr>
-          <p:spPr>
-            <a:xfrm>
-              <a:off x="5206872" y="3504176"/>
-              <a:ext cx="180000" cy="180000"/>
-            </a:xfrm>
-            <a:prstGeom prst="flowChartConnector">
-              <a:avLst/>
-            </a:prstGeom>
-          </p:spPr>
-          <p:style>
-            <a:lnRef idx="2">
-              <a:schemeClr val="accent5">
-                <a:shade val="50000"/>
-              </a:schemeClr>
-            </a:lnRef>
-            <a:fillRef idx="1">
-              <a:schemeClr val="accent5"/>
-            </a:fillRef>
-            <a:effectRef idx="0">
-              <a:schemeClr val="accent5"/>
-            </a:effectRef>
-            <a:fontRef idx="minor">
-              <a:schemeClr val="lt1"/>
-            </a:fontRef>
-          </p:style>
-          <p:txBody>
-            <a:bodyPr rtlCol="0" anchor="ctr"/>
-            <a:lstStyle/>
-            <a:p>
-              <a:pPr algn="ctr"/>
-              <a:endParaRPr lang="zh-CN" altLang="en-US"/>
-            </a:p>
-          </p:txBody>
-        </p:sp>
-        <p:sp>
-          <p:nvSpPr>
-            <p:cNvPr id="22" name="流程图: 接点 21">
-              <a:extLst>
-                <a:ext uri="{FF2B5EF4-FFF2-40B4-BE49-F238E27FC236}">
-                  <a16:creationId xmlns:a16="http://schemas.microsoft.com/office/drawing/2014/main" id="{E4A16A18-A797-49A2-9349-F284F3070591}"/>
-                </a:ext>
-              </a:extLst>
-            </p:cNvPr>
-            <p:cNvSpPr/>
-            <p:nvPr/>
-          </p:nvSpPr>
-          <p:spPr>
-            <a:xfrm>
-              <a:off x="5206872" y="3879542"/>
-              <a:ext cx="180000" cy="180000"/>
-            </a:xfrm>
-            <a:prstGeom prst="flowChartConnector">
-              <a:avLst/>
-            </a:prstGeom>
-          </p:spPr>
-          <p:style>
-            <a:lnRef idx="2">
-              <a:schemeClr val="accent5">
-                <a:shade val="50000"/>
-              </a:schemeClr>
-            </a:lnRef>
-            <a:fillRef idx="1">
-              <a:schemeClr val="accent5"/>
-            </a:fillRef>
-            <a:effectRef idx="0">
-              <a:schemeClr val="accent5"/>
-            </a:effectRef>
-            <a:fontRef idx="minor">
-              <a:schemeClr val="lt1"/>
-            </a:fontRef>
-          </p:style>
-          <p:txBody>
-            <a:bodyPr rtlCol="0" anchor="ctr"/>
-            <a:lstStyle/>
-            <a:p>
-              <a:pPr algn="ctr"/>
-              <a:endParaRPr lang="zh-CN" altLang="en-US"/>
-            </a:p>
-          </p:txBody>
-        </p:sp>
-        <p:sp>
-          <p:nvSpPr>
-            <p:cNvPr id="23" name="流程图: 接点 22">
-              <a:extLst>
-                <a:ext uri="{FF2B5EF4-FFF2-40B4-BE49-F238E27FC236}">
-                  <a16:creationId xmlns:a16="http://schemas.microsoft.com/office/drawing/2014/main" id="{503E1F56-0E9D-4594-86A7-539E1336D772}"/>
-                </a:ext>
-              </a:extLst>
-            </p:cNvPr>
-            <p:cNvSpPr/>
-            <p:nvPr/>
-          </p:nvSpPr>
-          <p:spPr>
-            <a:xfrm>
-              <a:off x="5615249" y="4066030"/>
-              <a:ext cx="180000" cy="180000"/>
-            </a:xfrm>
-            <a:prstGeom prst="flowChartConnector">
-              <a:avLst/>
-            </a:prstGeom>
-          </p:spPr>
-          <p:style>
-            <a:lnRef idx="2">
-              <a:schemeClr val="accent2">
-                <a:shade val="50000"/>
-              </a:schemeClr>
-            </a:lnRef>
-            <a:fillRef idx="1">
-              <a:schemeClr val="accent2"/>
-            </a:fillRef>
-            <a:effectRef idx="0">
-              <a:schemeClr val="accent2"/>
-            </a:effectRef>
-            <a:fontRef idx="minor">
-              <a:schemeClr val="lt1"/>
-            </a:fontRef>
-          </p:style>
-          <p:txBody>
-            <a:bodyPr rtlCol="0" anchor="ctr"/>
-            <a:lstStyle/>
-            <a:p>
-              <a:pPr algn="ctr"/>
-              <a:endParaRPr lang="zh-CN" altLang="en-US"/>
-            </a:p>
-          </p:txBody>
-        </p:sp>
-        <p:sp>
-          <p:nvSpPr>
-            <p:cNvPr id="24" name="流程图: 接点 23">
-              <a:extLst>
-                <a:ext uri="{FF2B5EF4-FFF2-40B4-BE49-F238E27FC236}">
-                  <a16:creationId xmlns:a16="http://schemas.microsoft.com/office/drawing/2014/main" id="{802A4FDF-62AC-47AB-B2A1-E948528A40BB}"/>
-                </a:ext>
-              </a:extLst>
-            </p:cNvPr>
-            <p:cNvSpPr/>
-            <p:nvPr/>
-          </p:nvSpPr>
-          <p:spPr>
-            <a:xfrm>
-              <a:off x="5615249" y="2939932"/>
-              <a:ext cx="180000" cy="180000"/>
-            </a:xfrm>
-            <a:prstGeom prst="flowChartConnector">
-              <a:avLst/>
-            </a:prstGeom>
-          </p:spPr>
-          <p:style>
-            <a:lnRef idx="2">
-              <a:schemeClr val="accent2">
-                <a:shade val="50000"/>
-              </a:schemeClr>
-            </a:lnRef>
-            <a:fillRef idx="1">
-              <a:schemeClr val="accent2"/>
-            </a:fillRef>
-            <a:effectRef idx="0">
-              <a:schemeClr val="accent2"/>
-            </a:effectRef>
-            <a:fontRef idx="minor">
-              <a:schemeClr val="lt1"/>
-            </a:fontRef>
-          </p:style>
-          <p:txBody>
-            <a:bodyPr rtlCol="0" anchor="ctr"/>
-            <a:lstStyle/>
-            <a:p>
-              <a:pPr algn="ctr"/>
-              <a:endParaRPr lang="zh-CN" altLang="en-US"/>
-            </a:p>
-          </p:txBody>
-        </p:sp>
-        <p:sp>
-          <p:nvSpPr>
-            <p:cNvPr id="25" name="流程图: 接点 24">
-              <a:extLst>
-                <a:ext uri="{FF2B5EF4-FFF2-40B4-BE49-F238E27FC236}">
-                  <a16:creationId xmlns:a16="http://schemas.microsoft.com/office/drawing/2014/main" id="{2FB9DCFC-1213-4B32-BFBA-0050BE5B7D2D}"/>
-                </a:ext>
-              </a:extLst>
-            </p:cNvPr>
-            <p:cNvSpPr/>
-            <p:nvPr/>
-          </p:nvSpPr>
-          <p:spPr>
-            <a:xfrm>
-              <a:off x="5615249" y="3315298"/>
-              <a:ext cx="180000" cy="180000"/>
-            </a:xfrm>
-            <a:prstGeom prst="flowChartConnector">
-              <a:avLst/>
-            </a:prstGeom>
-          </p:spPr>
-          <p:style>
-            <a:lnRef idx="2">
-              <a:schemeClr val="accent2">
-                <a:shade val="50000"/>
-              </a:schemeClr>
-            </a:lnRef>
-            <a:fillRef idx="1">
-              <a:schemeClr val="accent2"/>
-            </a:fillRef>
-            <a:effectRef idx="0">
-              <a:schemeClr val="accent2"/>
-            </a:effectRef>
-            <a:fontRef idx="minor">
-              <a:schemeClr val="lt1"/>
-            </a:fontRef>
-          </p:style>
-          <p:txBody>
-            <a:bodyPr rtlCol="0" anchor="ctr"/>
-            <a:lstStyle/>
-            <a:p>
-              <a:pPr algn="ctr"/>
-              <a:endParaRPr lang="zh-CN" altLang="en-US"/>
-            </a:p>
-          </p:txBody>
-        </p:sp>
-        <p:sp>
-          <p:nvSpPr>
-            <p:cNvPr id="26" name="流程图: 接点 25">
-              <a:extLst>
-                <a:ext uri="{FF2B5EF4-FFF2-40B4-BE49-F238E27FC236}">
-                  <a16:creationId xmlns:a16="http://schemas.microsoft.com/office/drawing/2014/main" id="{FB65F01D-13FA-4FBD-8331-13C3BEBCB409}"/>
-                </a:ext>
-              </a:extLst>
-            </p:cNvPr>
-            <p:cNvSpPr/>
-            <p:nvPr/>
-          </p:nvSpPr>
-          <p:spPr>
-            <a:xfrm>
-              <a:off x="5615249" y="3690664"/>
-              <a:ext cx="180000" cy="180000"/>
-            </a:xfrm>
-            <a:prstGeom prst="flowChartConnector">
-              <a:avLst/>
-            </a:prstGeom>
-          </p:spPr>
-          <p:style>
-            <a:lnRef idx="2">
-              <a:schemeClr val="accent2">
-                <a:shade val="50000"/>
-              </a:schemeClr>
-            </a:lnRef>
-            <a:fillRef idx="1">
-              <a:schemeClr val="accent2"/>
-            </a:fillRef>
-            <a:effectRef idx="0">
-              <a:schemeClr val="accent2"/>
-            </a:effectRef>
-            <a:fontRef idx="minor">
-              <a:schemeClr val="lt1"/>
-            </a:fontRef>
-          </p:style>
-          <p:txBody>
-            <a:bodyPr rtlCol="0" anchor="ctr"/>
-            <a:lstStyle/>
-            <a:p>
-              <a:pPr algn="ctr"/>
-              <a:endParaRPr lang="zh-CN" altLang="en-US"/>
-            </a:p>
-          </p:txBody>
-        </p:sp>
-        <p:sp>
-          <p:nvSpPr>
-            <p:cNvPr id="30" name="流程图: 接点 29">
-              <a:extLst>
-                <a:ext uri="{FF2B5EF4-FFF2-40B4-BE49-F238E27FC236}">
-                  <a16:creationId xmlns:a16="http://schemas.microsoft.com/office/drawing/2014/main" id="{B29E49F0-9605-490E-A462-62C4CF838397}"/>
-                </a:ext>
-              </a:extLst>
-            </p:cNvPr>
-            <p:cNvSpPr/>
-            <p:nvPr/>
-          </p:nvSpPr>
-          <p:spPr>
-            <a:xfrm>
-              <a:off x="6006000" y="3315298"/>
-              <a:ext cx="180000" cy="180000"/>
-            </a:xfrm>
-            <a:prstGeom prst="flowChartConnector">
-              <a:avLst/>
-            </a:prstGeom>
-          </p:spPr>
-          <p:style>
-            <a:lnRef idx="2">
-              <a:schemeClr val="accent6">
-                <a:shade val="50000"/>
-              </a:schemeClr>
-            </a:lnRef>
-            <a:fillRef idx="1">
-              <a:schemeClr val="accent6"/>
-            </a:fillRef>
-            <a:effectRef idx="0">
-              <a:schemeClr val="accent6"/>
-            </a:effectRef>
-            <a:fontRef idx="minor">
-              <a:schemeClr val="lt1"/>
-            </a:fontRef>
-          </p:style>
-          <p:txBody>
-            <a:bodyPr rtlCol="0" anchor="ctr"/>
-            <a:lstStyle/>
-            <a:p>
-              <a:pPr algn="ctr"/>
-              <a:endParaRPr lang="zh-CN" altLang="en-US"/>
-            </a:p>
-          </p:txBody>
-        </p:sp>
-        <p:sp>
-          <p:nvSpPr>
-            <p:cNvPr id="32" name="流程图: 接点 31">
-              <a:extLst>
-                <a:ext uri="{FF2B5EF4-FFF2-40B4-BE49-F238E27FC236}">
-                  <a16:creationId xmlns:a16="http://schemas.microsoft.com/office/drawing/2014/main" id="{38877CE8-F16E-4836-83FB-6AF23FC62778}"/>
-                </a:ext>
-              </a:extLst>
-            </p:cNvPr>
-            <p:cNvSpPr/>
-            <p:nvPr/>
-          </p:nvSpPr>
-          <p:spPr>
-            <a:xfrm>
-              <a:off x="6006000" y="3690664"/>
-              <a:ext cx="180000" cy="180000"/>
-            </a:xfrm>
-            <a:prstGeom prst="flowChartConnector">
-              <a:avLst/>
-            </a:prstGeom>
-          </p:spPr>
-          <p:style>
-            <a:lnRef idx="2">
-              <a:schemeClr val="accent6">
-                <a:shade val="50000"/>
-              </a:schemeClr>
-            </a:lnRef>
-            <a:fillRef idx="1">
-              <a:schemeClr val="accent6"/>
-            </a:fillRef>
-            <a:effectRef idx="0">
-              <a:schemeClr val="accent6"/>
-            </a:effectRef>
-            <a:fontRef idx="minor">
-              <a:schemeClr val="lt1"/>
-            </a:fontRef>
-          </p:style>
-          <p:txBody>
-            <a:bodyPr rtlCol="0" anchor="ctr"/>
-            <a:lstStyle/>
-            <a:p>
-              <a:pPr algn="ctr"/>
-              <a:endParaRPr lang="zh-CN" altLang="en-US"/>
-            </a:p>
-          </p:txBody>
-        </p:sp>
-        <p:cxnSp>
-          <p:nvCxnSpPr>
-            <p:cNvPr id="34" name="直接连接符 33">
-              <a:extLst>
-                <a:ext uri="{FF2B5EF4-FFF2-40B4-BE49-F238E27FC236}">
-                  <a16:creationId xmlns:a16="http://schemas.microsoft.com/office/drawing/2014/main" id="{C35DBA5F-C38D-4976-A320-91497BAAC443}"/>
-                </a:ext>
-              </a:extLst>
-            </p:cNvPr>
-            <p:cNvCxnSpPr>
-              <a:cxnSpLocks/>
-              <a:stCxn id="20" idx="6"/>
-              <a:endCxn id="24" idx="2"/>
-            </p:cNvCxnSpPr>
-            <p:nvPr/>
-          </p:nvCxnSpPr>
-          <p:spPr>
-            <a:xfrm flipV="1">
-              <a:off x="5386872" y="3029932"/>
-              <a:ext cx="228377" cy="188878"/>
-            </a:xfrm>
-            <a:prstGeom prst="line">
-              <a:avLst/>
-            </a:prstGeom>
-          </p:spPr>
-          <p:style>
-            <a:lnRef idx="1">
-              <a:schemeClr val="dk1"/>
-            </a:lnRef>
-            <a:fillRef idx="0">
-              <a:schemeClr val="dk1"/>
-            </a:fillRef>
-            <a:effectRef idx="0">
-              <a:schemeClr val="dk1"/>
-            </a:effectRef>
-            <a:fontRef idx="minor">
-              <a:schemeClr val="tx1"/>
-            </a:fontRef>
-          </p:style>
-        </p:cxnSp>
-        <p:cxnSp>
-          <p:nvCxnSpPr>
-            <p:cNvPr id="37" name="直接连接符 36">
-              <a:extLst>
-                <a:ext uri="{FF2B5EF4-FFF2-40B4-BE49-F238E27FC236}">
-                  <a16:creationId xmlns:a16="http://schemas.microsoft.com/office/drawing/2014/main" id="{8026301F-4BC5-4974-8C67-B9B4FEDD9DCD}"/>
-                </a:ext>
-              </a:extLst>
-            </p:cNvPr>
-            <p:cNvCxnSpPr>
-              <a:cxnSpLocks/>
-              <a:stCxn id="20" idx="6"/>
-              <a:endCxn id="25" idx="2"/>
-            </p:cNvCxnSpPr>
-            <p:nvPr/>
-          </p:nvCxnSpPr>
-          <p:spPr>
-            <a:xfrm>
-              <a:off x="5386872" y="3218810"/>
-              <a:ext cx="228377" cy="186488"/>
-            </a:xfrm>
-            <a:prstGeom prst="line">
-              <a:avLst/>
-            </a:prstGeom>
-          </p:spPr>
-          <p:style>
-            <a:lnRef idx="1">
-              <a:schemeClr val="dk1"/>
-            </a:lnRef>
-            <a:fillRef idx="0">
-              <a:schemeClr val="dk1"/>
-            </a:fillRef>
-            <a:effectRef idx="0">
-              <a:schemeClr val="dk1"/>
-            </a:effectRef>
-            <a:fontRef idx="minor">
-              <a:schemeClr val="tx1"/>
-            </a:fontRef>
-          </p:style>
-        </p:cxnSp>
-        <p:cxnSp>
-          <p:nvCxnSpPr>
-            <p:cNvPr id="40" name="直接连接符 39">
-              <a:extLst>
-                <a:ext uri="{FF2B5EF4-FFF2-40B4-BE49-F238E27FC236}">
-                  <a16:creationId xmlns:a16="http://schemas.microsoft.com/office/drawing/2014/main" id="{E8DFCF99-6EF3-4B4B-9E26-7DE9D1A12D60}"/>
-                </a:ext>
-              </a:extLst>
-            </p:cNvPr>
-            <p:cNvCxnSpPr>
-              <a:cxnSpLocks/>
-              <a:stCxn id="20" idx="6"/>
-              <a:endCxn id="26" idx="2"/>
-            </p:cNvCxnSpPr>
-            <p:nvPr/>
-          </p:nvCxnSpPr>
-          <p:spPr>
-            <a:xfrm>
-              <a:off x="5386872" y="3218810"/>
-              <a:ext cx="228377" cy="561854"/>
-            </a:xfrm>
-            <a:prstGeom prst="line">
-              <a:avLst/>
-            </a:prstGeom>
-          </p:spPr>
-          <p:style>
-            <a:lnRef idx="1">
-              <a:schemeClr val="dk1"/>
-            </a:lnRef>
-            <a:fillRef idx="0">
-              <a:schemeClr val="dk1"/>
-            </a:fillRef>
-            <a:effectRef idx="0">
-              <a:schemeClr val="dk1"/>
-            </a:effectRef>
-            <a:fontRef idx="minor">
-              <a:schemeClr val="tx1"/>
-            </a:fontRef>
-          </p:style>
-        </p:cxnSp>
-        <p:cxnSp>
-          <p:nvCxnSpPr>
-            <p:cNvPr id="43" name="直接连接符 42">
-              <a:extLst>
-                <a:ext uri="{FF2B5EF4-FFF2-40B4-BE49-F238E27FC236}">
-                  <a16:creationId xmlns:a16="http://schemas.microsoft.com/office/drawing/2014/main" id="{4C216F43-B47A-43DC-B1CA-611DD4AFC3BE}"/>
-                </a:ext>
-              </a:extLst>
-            </p:cNvPr>
-            <p:cNvCxnSpPr>
-              <a:cxnSpLocks/>
-              <a:stCxn id="20" idx="6"/>
-              <a:endCxn id="23" idx="2"/>
-            </p:cNvCxnSpPr>
-            <p:nvPr/>
-          </p:nvCxnSpPr>
-          <p:spPr>
-            <a:xfrm>
-              <a:off x="5386872" y="3218810"/>
-              <a:ext cx="228377" cy="937220"/>
-            </a:xfrm>
-            <a:prstGeom prst="line">
-              <a:avLst/>
-            </a:prstGeom>
-          </p:spPr>
-          <p:style>
-            <a:lnRef idx="1">
-              <a:schemeClr val="dk1"/>
-            </a:lnRef>
-            <a:fillRef idx="0">
-              <a:schemeClr val="dk1"/>
-            </a:fillRef>
-            <a:effectRef idx="0">
-              <a:schemeClr val="dk1"/>
-            </a:effectRef>
-            <a:fontRef idx="minor">
-              <a:schemeClr val="tx1"/>
-            </a:fontRef>
-          </p:style>
-        </p:cxnSp>
-        <p:cxnSp>
-          <p:nvCxnSpPr>
-            <p:cNvPr id="46" name="直接连接符 45">
-              <a:extLst>
-                <a:ext uri="{FF2B5EF4-FFF2-40B4-BE49-F238E27FC236}">
-                  <a16:creationId xmlns:a16="http://schemas.microsoft.com/office/drawing/2014/main" id="{3482F4A0-B94C-45A5-A83F-96CF9EBD4F57}"/>
-                </a:ext>
-              </a:extLst>
-            </p:cNvPr>
-            <p:cNvCxnSpPr>
-              <a:cxnSpLocks/>
-              <a:stCxn id="21" idx="6"/>
-              <a:endCxn id="24" idx="2"/>
-            </p:cNvCxnSpPr>
-            <p:nvPr/>
-          </p:nvCxnSpPr>
-          <p:spPr>
-            <a:xfrm flipV="1">
-              <a:off x="5386872" y="3029932"/>
-              <a:ext cx="228377" cy="564244"/>
-            </a:xfrm>
-            <a:prstGeom prst="line">
-              <a:avLst/>
-            </a:prstGeom>
-          </p:spPr>
-          <p:style>
-            <a:lnRef idx="1">
-              <a:schemeClr val="dk1"/>
-            </a:lnRef>
-            <a:fillRef idx="0">
-              <a:schemeClr val="dk1"/>
-            </a:fillRef>
-            <a:effectRef idx="0">
-              <a:schemeClr val="dk1"/>
-            </a:effectRef>
-            <a:fontRef idx="minor">
-              <a:schemeClr val="tx1"/>
-            </a:fontRef>
-          </p:style>
-        </p:cxnSp>
-        <p:cxnSp>
-          <p:nvCxnSpPr>
-            <p:cNvPr id="49" name="直接连接符 48">
-              <a:extLst>
-                <a:ext uri="{FF2B5EF4-FFF2-40B4-BE49-F238E27FC236}">
-                  <a16:creationId xmlns:a16="http://schemas.microsoft.com/office/drawing/2014/main" id="{C4ED03B4-4DD0-4B9B-8197-B1F893D2C71D}"/>
-                </a:ext>
-              </a:extLst>
-            </p:cNvPr>
-            <p:cNvCxnSpPr>
-              <a:cxnSpLocks/>
-              <a:stCxn id="21" idx="6"/>
-              <a:endCxn id="25" idx="2"/>
-            </p:cNvCxnSpPr>
-            <p:nvPr/>
-          </p:nvCxnSpPr>
-          <p:spPr>
-            <a:xfrm flipV="1">
-              <a:off x="5386872" y="3405298"/>
-              <a:ext cx="228377" cy="188878"/>
-            </a:xfrm>
-            <a:prstGeom prst="line">
-              <a:avLst/>
-            </a:prstGeom>
-          </p:spPr>
-          <p:style>
-            <a:lnRef idx="1">
-              <a:schemeClr val="dk1"/>
-            </a:lnRef>
-            <a:fillRef idx="0">
-              <a:schemeClr val="dk1"/>
-            </a:fillRef>
-            <a:effectRef idx="0">
-              <a:schemeClr val="dk1"/>
-            </a:effectRef>
-            <a:fontRef idx="minor">
-              <a:schemeClr val="tx1"/>
-            </a:fontRef>
-          </p:style>
-        </p:cxnSp>
-        <p:cxnSp>
-          <p:nvCxnSpPr>
-            <p:cNvPr id="52" name="直接连接符 51">
-              <a:extLst>
-                <a:ext uri="{FF2B5EF4-FFF2-40B4-BE49-F238E27FC236}">
-                  <a16:creationId xmlns:a16="http://schemas.microsoft.com/office/drawing/2014/main" id="{4C397B7C-C5B1-4F3D-ABEA-F9530C9F60F4}"/>
-                </a:ext>
-              </a:extLst>
-            </p:cNvPr>
-            <p:cNvCxnSpPr>
-              <a:cxnSpLocks/>
-              <a:stCxn id="21" idx="6"/>
-              <a:endCxn id="26" idx="2"/>
-            </p:cNvCxnSpPr>
-            <p:nvPr/>
-          </p:nvCxnSpPr>
-          <p:spPr>
-            <a:xfrm>
-              <a:off x="5386872" y="3594176"/>
-              <a:ext cx="228377" cy="186488"/>
-            </a:xfrm>
-            <a:prstGeom prst="line">
-              <a:avLst/>
-            </a:prstGeom>
-          </p:spPr>
-          <p:style>
-            <a:lnRef idx="1">
-              <a:schemeClr val="dk1"/>
-            </a:lnRef>
-            <a:fillRef idx="0">
-              <a:schemeClr val="dk1"/>
-            </a:fillRef>
-            <a:effectRef idx="0">
-              <a:schemeClr val="dk1"/>
-            </a:effectRef>
-            <a:fontRef idx="minor">
-              <a:schemeClr val="tx1"/>
-            </a:fontRef>
-          </p:style>
-        </p:cxnSp>
-        <p:cxnSp>
-          <p:nvCxnSpPr>
-            <p:cNvPr id="55" name="直接连接符 54">
-              <a:extLst>
-                <a:ext uri="{FF2B5EF4-FFF2-40B4-BE49-F238E27FC236}">
-                  <a16:creationId xmlns:a16="http://schemas.microsoft.com/office/drawing/2014/main" id="{AFC01B91-7F5B-4EAA-8CA0-4F1EDA08321E}"/>
-                </a:ext>
-              </a:extLst>
-            </p:cNvPr>
-            <p:cNvCxnSpPr>
-              <a:cxnSpLocks/>
-              <a:stCxn id="21" idx="6"/>
-              <a:endCxn id="23" idx="2"/>
-            </p:cNvCxnSpPr>
-            <p:nvPr/>
-          </p:nvCxnSpPr>
-          <p:spPr>
-            <a:xfrm>
-              <a:off x="5386872" y="3594176"/>
-              <a:ext cx="228377" cy="561854"/>
-            </a:xfrm>
-            <a:prstGeom prst="line">
-              <a:avLst/>
-            </a:prstGeom>
-          </p:spPr>
-          <p:style>
-            <a:lnRef idx="1">
-              <a:schemeClr val="dk1"/>
-            </a:lnRef>
-            <a:fillRef idx="0">
-              <a:schemeClr val="dk1"/>
-            </a:fillRef>
-            <a:effectRef idx="0">
-              <a:schemeClr val="dk1"/>
-            </a:effectRef>
-            <a:fontRef idx="minor">
-              <a:schemeClr val="tx1"/>
-            </a:fontRef>
-          </p:style>
-        </p:cxnSp>
-        <p:cxnSp>
-          <p:nvCxnSpPr>
-            <p:cNvPr id="58" name="直接连接符 57">
-              <a:extLst>
-                <a:ext uri="{FF2B5EF4-FFF2-40B4-BE49-F238E27FC236}">
-                  <a16:creationId xmlns:a16="http://schemas.microsoft.com/office/drawing/2014/main" id="{59FDB12B-5147-4F06-80B3-20B450B908B6}"/>
-                </a:ext>
-              </a:extLst>
-            </p:cNvPr>
-            <p:cNvCxnSpPr>
-              <a:cxnSpLocks/>
-              <a:stCxn id="22" idx="6"/>
-              <a:endCxn id="24" idx="2"/>
-            </p:cNvCxnSpPr>
-            <p:nvPr/>
-          </p:nvCxnSpPr>
-          <p:spPr>
-            <a:xfrm flipV="1">
-              <a:off x="5386872" y="3029932"/>
-              <a:ext cx="228377" cy="939610"/>
-            </a:xfrm>
-            <a:prstGeom prst="line">
-              <a:avLst/>
-            </a:prstGeom>
-          </p:spPr>
-          <p:style>
-            <a:lnRef idx="1">
-              <a:schemeClr val="dk1"/>
-            </a:lnRef>
-            <a:fillRef idx="0">
-              <a:schemeClr val="dk1"/>
-            </a:fillRef>
-            <a:effectRef idx="0">
-              <a:schemeClr val="dk1"/>
-            </a:effectRef>
-            <a:fontRef idx="minor">
-              <a:schemeClr val="tx1"/>
-            </a:fontRef>
-          </p:style>
-        </p:cxnSp>
-        <p:cxnSp>
-          <p:nvCxnSpPr>
-            <p:cNvPr id="61" name="直接连接符 60">
-              <a:extLst>
-                <a:ext uri="{FF2B5EF4-FFF2-40B4-BE49-F238E27FC236}">
-                  <a16:creationId xmlns:a16="http://schemas.microsoft.com/office/drawing/2014/main" id="{80B35E8E-C763-47F6-A9B9-A02FEA25C6EF}"/>
-                </a:ext>
-              </a:extLst>
-            </p:cNvPr>
-            <p:cNvCxnSpPr>
-              <a:cxnSpLocks/>
-              <a:stCxn id="22" idx="6"/>
-              <a:endCxn id="25" idx="2"/>
-            </p:cNvCxnSpPr>
-            <p:nvPr/>
-          </p:nvCxnSpPr>
-          <p:spPr>
-            <a:xfrm flipV="1">
-              <a:off x="5386872" y="3405298"/>
-              <a:ext cx="228377" cy="564244"/>
-            </a:xfrm>
-            <a:prstGeom prst="line">
-              <a:avLst/>
-            </a:prstGeom>
-          </p:spPr>
-          <p:style>
-            <a:lnRef idx="1">
-              <a:schemeClr val="dk1"/>
-            </a:lnRef>
-            <a:fillRef idx="0">
-              <a:schemeClr val="dk1"/>
-            </a:fillRef>
-            <a:effectRef idx="0">
-              <a:schemeClr val="dk1"/>
-            </a:effectRef>
-            <a:fontRef idx="minor">
-              <a:schemeClr val="tx1"/>
-            </a:fontRef>
-          </p:style>
-        </p:cxnSp>
-        <p:cxnSp>
-          <p:nvCxnSpPr>
-            <p:cNvPr id="64" name="直接连接符 63">
-              <a:extLst>
-                <a:ext uri="{FF2B5EF4-FFF2-40B4-BE49-F238E27FC236}">
-                  <a16:creationId xmlns:a16="http://schemas.microsoft.com/office/drawing/2014/main" id="{FF15A5C4-A29C-4BD8-B7A9-EAF3EBEBE297}"/>
-                </a:ext>
-              </a:extLst>
-            </p:cNvPr>
-            <p:cNvCxnSpPr>
-              <a:cxnSpLocks/>
-              <a:stCxn id="22" idx="6"/>
-              <a:endCxn id="26" idx="2"/>
-            </p:cNvCxnSpPr>
-            <p:nvPr/>
-          </p:nvCxnSpPr>
-          <p:spPr>
-            <a:xfrm flipV="1">
-              <a:off x="5386872" y="3780664"/>
-              <a:ext cx="228377" cy="188878"/>
-            </a:xfrm>
-            <a:prstGeom prst="line">
-              <a:avLst/>
-            </a:prstGeom>
-          </p:spPr>
-          <p:style>
-            <a:lnRef idx="1">
-              <a:schemeClr val="dk1"/>
-            </a:lnRef>
-            <a:fillRef idx="0">
-              <a:schemeClr val="dk1"/>
-            </a:fillRef>
-            <a:effectRef idx="0">
-              <a:schemeClr val="dk1"/>
-            </a:effectRef>
-            <a:fontRef idx="minor">
-              <a:schemeClr val="tx1"/>
-            </a:fontRef>
-          </p:style>
-        </p:cxnSp>
-        <p:cxnSp>
-          <p:nvCxnSpPr>
-            <p:cNvPr id="67" name="直接连接符 66">
-              <a:extLst>
-                <a:ext uri="{FF2B5EF4-FFF2-40B4-BE49-F238E27FC236}">
-                  <a16:creationId xmlns:a16="http://schemas.microsoft.com/office/drawing/2014/main" id="{FD853268-EB0E-43B6-922A-B16C1696DBF8}"/>
-                </a:ext>
-              </a:extLst>
-            </p:cNvPr>
-            <p:cNvCxnSpPr>
-              <a:cxnSpLocks/>
-              <a:stCxn id="22" idx="6"/>
-              <a:endCxn id="23" idx="2"/>
-            </p:cNvCxnSpPr>
-            <p:nvPr/>
-          </p:nvCxnSpPr>
-          <p:spPr>
-            <a:xfrm>
-              <a:off x="5386872" y="3969542"/>
-              <a:ext cx="228377" cy="186488"/>
-            </a:xfrm>
-            <a:prstGeom prst="line">
-              <a:avLst/>
-            </a:prstGeom>
-          </p:spPr>
-          <p:style>
-            <a:lnRef idx="1">
-              <a:schemeClr val="dk1"/>
-            </a:lnRef>
-            <a:fillRef idx="0">
-              <a:schemeClr val="dk1"/>
-            </a:fillRef>
-            <a:effectRef idx="0">
-              <a:schemeClr val="dk1"/>
-            </a:effectRef>
-            <a:fontRef idx="minor">
-              <a:schemeClr val="tx1"/>
-            </a:fontRef>
-          </p:style>
-        </p:cxnSp>
-        <p:cxnSp>
-          <p:nvCxnSpPr>
-            <p:cNvPr id="70" name="直接连接符 69">
-              <a:extLst>
-                <a:ext uri="{FF2B5EF4-FFF2-40B4-BE49-F238E27FC236}">
-                  <a16:creationId xmlns:a16="http://schemas.microsoft.com/office/drawing/2014/main" id="{97F2BD77-CDB5-4B13-9DAE-A2011A3B0C6F}"/>
-                </a:ext>
-              </a:extLst>
-            </p:cNvPr>
-            <p:cNvCxnSpPr>
-              <a:cxnSpLocks/>
-              <a:stCxn id="24" idx="6"/>
-              <a:endCxn id="30" idx="2"/>
-            </p:cNvCxnSpPr>
-            <p:nvPr/>
-          </p:nvCxnSpPr>
-          <p:spPr>
-            <a:xfrm>
-              <a:off x="5795249" y="3029932"/>
-              <a:ext cx="210751" cy="375366"/>
-            </a:xfrm>
-            <a:prstGeom prst="line">
-              <a:avLst/>
-            </a:prstGeom>
-          </p:spPr>
-          <p:style>
-            <a:lnRef idx="1">
-              <a:schemeClr val="dk1"/>
-            </a:lnRef>
-            <a:fillRef idx="0">
-              <a:schemeClr val="dk1"/>
-            </a:fillRef>
-            <a:effectRef idx="0">
-              <a:schemeClr val="dk1"/>
-            </a:effectRef>
-            <a:fontRef idx="minor">
-              <a:schemeClr val="tx1"/>
-            </a:fontRef>
-          </p:style>
-        </p:cxnSp>
-        <p:cxnSp>
-          <p:nvCxnSpPr>
-            <p:cNvPr id="73" name="直接连接符 72">
-              <a:extLst>
-                <a:ext uri="{FF2B5EF4-FFF2-40B4-BE49-F238E27FC236}">
-                  <a16:creationId xmlns:a16="http://schemas.microsoft.com/office/drawing/2014/main" id="{E7F3651C-C027-4D57-93B6-F6902309A861}"/>
-                </a:ext>
-              </a:extLst>
-            </p:cNvPr>
-            <p:cNvCxnSpPr>
-              <a:cxnSpLocks/>
-              <a:stCxn id="25" idx="6"/>
-              <a:endCxn id="30" idx="2"/>
-            </p:cNvCxnSpPr>
-            <p:nvPr/>
-          </p:nvCxnSpPr>
-          <p:spPr>
-            <a:xfrm>
-              <a:off x="5795249" y="3405298"/>
-              <a:ext cx="210751" cy="0"/>
-            </a:xfrm>
-            <a:prstGeom prst="line">
-              <a:avLst/>
-            </a:prstGeom>
-          </p:spPr>
-          <p:style>
-            <a:lnRef idx="1">
-              <a:schemeClr val="dk1"/>
-            </a:lnRef>
-            <a:fillRef idx="0">
-              <a:schemeClr val="dk1"/>
-            </a:fillRef>
-            <a:effectRef idx="0">
-              <a:schemeClr val="dk1"/>
-            </a:effectRef>
-            <a:fontRef idx="minor">
-              <a:schemeClr val="tx1"/>
-            </a:fontRef>
-          </p:style>
-        </p:cxnSp>
-        <p:cxnSp>
-          <p:nvCxnSpPr>
-            <p:cNvPr id="76" name="直接连接符 75">
-              <a:extLst>
-                <a:ext uri="{FF2B5EF4-FFF2-40B4-BE49-F238E27FC236}">
-                  <a16:creationId xmlns:a16="http://schemas.microsoft.com/office/drawing/2014/main" id="{81968B7A-94E6-4637-80D7-C67FF63C0776}"/>
-                </a:ext>
-              </a:extLst>
-            </p:cNvPr>
-            <p:cNvCxnSpPr>
-              <a:cxnSpLocks/>
-              <a:stCxn id="26" idx="6"/>
-              <a:endCxn id="30" idx="2"/>
-            </p:cNvCxnSpPr>
-            <p:nvPr/>
-          </p:nvCxnSpPr>
-          <p:spPr>
-            <a:xfrm flipV="1">
-              <a:off x="5795249" y="3405298"/>
-              <a:ext cx="210751" cy="375366"/>
-            </a:xfrm>
-            <a:prstGeom prst="line">
-              <a:avLst/>
-            </a:prstGeom>
-          </p:spPr>
-          <p:style>
-            <a:lnRef idx="1">
-              <a:schemeClr val="dk1"/>
-            </a:lnRef>
-            <a:fillRef idx="0">
-              <a:schemeClr val="dk1"/>
-            </a:fillRef>
-            <a:effectRef idx="0">
-              <a:schemeClr val="dk1"/>
-            </a:effectRef>
-            <a:fontRef idx="minor">
-              <a:schemeClr val="tx1"/>
-            </a:fontRef>
-          </p:style>
-        </p:cxnSp>
-        <p:cxnSp>
-          <p:nvCxnSpPr>
-            <p:cNvPr id="80" name="直接连接符 79">
-              <a:extLst>
-                <a:ext uri="{FF2B5EF4-FFF2-40B4-BE49-F238E27FC236}">
-                  <a16:creationId xmlns:a16="http://schemas.microsoft.com/office/drawing/2014/main" id="{F2800F0D-2AD1-4E9C-B55C-9232DC2C6850}"/>
-                </a:ext>
-              </a:extLst>
-            </p:cNvPr>
-            <p:cNvCxnSpPr>
-              <a:cxnSpLocks/>
-              <a:stCxn id="23" idx="6"/>
-              <a:endCxn id="30" idx="2"/>
-            </p:cNvCxnSpPr>
-            <p:nvPr/>
-          </p:nvCxnSpPr>
-          <p:spPr>
-            <a:xfrm flipV="1">
-              <a:off x="5795249" y="3405298"/>
-              <a:ext cx="210751" cy="750732"/>
-            </a:xfrm>
-            <a:prstGeom prst="line">
-              <a:avLst/>
-            </a:prstGeom>
-          </p:spPr>
-          <p:style>
-            <a:lnRef idx="1">
-              <a:schemeClr val="dk1"/>
-            </a:lnRef>
-            <a:fillRef idx="0">
-              <a:schemeClr val="dk1"/>
-            </a:fillRef>
-            <a:effectRef idx="0">
-              <a:schemeClr val="dk1"/>
-            </a:effectRef>
-            <a:fontRef idx="minor">
-              <a:schemeClr val="tx1"/>
-            </a:fontRef>
-          </p:style>
-        </p:cxnSp>
-        <p:cxnSp>
-          <p:nvCxnSpPr>
-            <p:cNvPr id="83" name="直接连接符 82">
-              <a:extLst>
-                <a:ext uri="{FF2B5EF4-FFF2-40B4-BE49-F238E27FC236}">
-                  <a16:creationId xmlns:a16="http://schemas.microsoft.com/office/drawing/2014/main" id="{6F97C6F6-4A4D-4A8D-9164-31A55A0664CF}"/>
-                </a:ext>
-              </a:extLst>
-            </p:cNvPr>
-            <p:cNvCxnSpPr>
-              <a:cxnSpLocks/>
-              <a:stCxn id="32" idx="2"/>
-              <a:endCxn id="24" idx="6"/>
-            </p:cNvCxnSpPr>
-            <p:nvPr/>
-          </p:nvCxnSpPr>
-          <p:spPr>
-            <a:xfrm flipH="1" flipV="1">
-              <a:off x="5795249" y="3029932"/>
-              <a:ext cx="210751" cy="750732"/>
-            </a:xfrm>
-            <a:prstGeom prst="line">
-              <a:avLst/>
-            </a:prstGeom>
-          </p:spPr>
-          <p:style>
-            <a:lnRef idx="1">
-              <a:schemeClr val="dk1"/>
-            </a:lnRef>
-            <a:fillRef idx="0">
-              <a:schemeClr val="dk1"/>
-            </a:fillRef>
-            <a:effectRef idx="0">
-              <a:schemeClr val="dk1"/>
-            </a:effectRef>
-            <a:fontRef idx="minor">
-              <a:schemeClr val="tx1"/>
-            </a:fontRef>
-          </p:style>
-        </p:cxnSp>
-        <p:cxnSp>
-          <p:nvCxnSpPr>
-            <p:cNvPr id="86" name="直接连接符 85">
-              <a:extLst>
-                <a:ext uri="{FF2B5EF4-FFF2-40B4-BE49-F238E27FC236}">
-                  <a16:creationId xmlns:a16="http://schemas.microsoft.com/office/drawing/2014/main" id="{CE4E7735-7745-418E-92BC-3F9754200C50}"/>
-                </a:ext>
-              </a:extLst>
-            </p:cNvPr>
-            <p:cNvCxnSpPr>
-              <a:cxnSpLocks/>
-              <a:endCxn id="25" idx="6"/>
-            </p:cNvCxnSpPr>
-            <p:nvPr/>
-          </p:nvCxnSpPr>
-          <p:spPr>
-            <a:xfrm flipH="1" flipV="1">
-              <a:off x="5795249" y="3405298"/>
-              <a:ext cx="210751" cy="375366"/>
-            </a:xfrm>
-            <a:prstGeom prst="line">
-              <a:avLst/>
-            </a:prstGeom>
-          </p:spPr>
-          <p:style>
-            <a:lnRef idx="1">
-              <a:schemeClr val="dk1"/>
-            </a:lnRef>
-            <a:fillRef idx="0">
-              <a:schemeClr val="dk1"/>
-            </a:fillRef>
-            <a:effectRef idx="0">
-              <a:schemeClr val="dk1"/>
-            </a:effectRef>
-            <a:fontRef idx="minor">
-              <a:schemeClr val="tx1"/>
-            </a:fontRef>
-          </p:style>
-        </p:cxnSp>
-        <p:cxnSp>
-          <p:nvCxnSpPr>
-            <p:cNvPr id="89" name="直接连接符 88">
-              <a:extLst>
-                <a:ext uri="{FF2B5EF4-FFF2-40B4-BE49-F238E27FC236}">
-                  <a16:creationId xmlns:a16="http://schemas.microsoft.com/office/drawing/2014/main" id="{DA8E5220-D1D1-4703-A892-2EECA8223DD6}"/>
-                </a:ext>
-              </a:extLst>
-            </p:cNvPr>
-            <p:cNvCxnSpPr>
-              <a:cxnSpLocks/>
-              <a:stCxn id="32" idx="2"/>
-              <a:endCxn id="26" idx="6"/>
-            </p:cNvCxnSpPr>
-            <p:nvPr/>
-          </p:nvCxnSpPr>
-          <p:spPr>
-            <a:xfrm flipH="1">
-              <a:off x="5795249" y="3780664"/>
-              <a:ext cx="210751" cy="0"/>
-            </a:xfrm>
-            <a:prstGeom prst="line">
-              <a:avLst/>
-            </a:prstGeom>
-          </p:spPr>
-          <p:style>
-            <a:lnRef idx="1">
-              <a:schemeClr val="dk1"/>
-            </a:lnRef>
-            <a:fillRef idx="0">
-              <a:schemeClr val="dk1"/>
-            </a:fillRef>
-            <a:effectRef idx="0">
-              <a:schemeClr val="dk1"/>
-            </a:effectRef>
-            <a:fontRef idx="minor">
-              <a:schemeClr val="tx1"/>
-            </a:fontRef>
-          </p:style>
-        </p:cxnSp>
-        <p:cxnSp>
-          <p:nvCxnSpPr>
-            <p:cNvPr id="92" name="直接连接符 91">
-              <a:extLst>
-                <a:ext uri="{FF2B5EF4-FFF2-40B4-BE49-F238E27FC236}">
-                  <a16:creationId xmlns:a16="http://schemas.microsoft.com/office/drawing/2014/main" id="{E1A77E20-9E24-4A6F-99CF-3B64707AA1B9}"/>
-                </a:ext>
-              </a:extLst>
-            </p:cNvPr>
-            <p:cNvCxnSpPr>
-              <a:cxnSpLocks/>
-              <a:stCxn id="32" idx="2"/>
-              <a:endCxn id="23" idx="6"/>
-            </p:cNvCxnSpPr>
-            <p:nvPr/>
-          </p:nvCxnSpPr>
-          <p:spPr>
-            <a:xfrm flipH="1">
-              <a:off x="5795249" y="3780664"/>
-              <a:ext cx="210751" cy="375366"/>
-            </a:xfrm>
-            <a:prstGeom prst="line">
-              <a:avLst/>
-            </a:prstGeom>
-          </p:spPr>
-          <p:style>
-            <a:lnRef idx="1">
-              <a:schemeClr val="dk1"/>
-            </a:lnRef>
-            <a:fillRef idx="0">
-              <a:schemeClr val="dk1"/>
-            </a:fillRef>
-            <a:effectRef idx="0">
-              <a:schemeClr val="dk1"/>
-            </a:effectRef>
-            <a:fontRef idx="minor">
-              <a:schemeClr val="tx1"/>
-            </a:fontRef>
-          </p:style>
-        </p:cxnSp>
-      </p:grpSp>
       <p:grpSp>
         <p:nvGrpSpPr>
           <p:cNvPr id="109" name="组合 108">
@@ -5278,7 +4044,6 @@
           <p:cNvCxnSpPr>
             <a:cxnSpLocks/>
             <a:stCxn id="98" idx="3"/>
-            <a:endCxn id="21" idx="2"/>
           </p:cNvCxnSpPr>
           <p:nvPr/>
         </p:nvCxnSpPr>
@@ -5634,6 +4399,1427 @@
           </a:p>
         </p:txBody>
       </p:sp>
+      <p:grpSp>
+        <p:nvGrpSpPr>
+          <p:cNvPr id="146" name="组合 145">
+            <a:extLst>
+              <a:ext uri="{FF2B5EF4-FFF2-40B4-BE49-F238E27FC236}">
+                <a16:creationId xmlns:a16="http://schemas.microsoft.com/office/drawing/2014/main" id="{AD2BCFDB-94B1-4EDD-A318-E214D941E7F4}"/>
+              </a:ext>
+            </a:extLst>
+          </p:cNvPr>
+          <p:cNvGrpSpPr/>
+          <p:nvPr/>
+        </p:nvGrpSpPr>
+        <p:grpSpPr>
+          <a:xfrm>
+            <a:off x="4873635" y="3051669"/>
+            <a:ext cx="976750" cy="986490"/>
+            <a:chOff x="7679563" y="1172136"/>
+            <a:chExt cx="976750" cy="986490"/>
+          </a:xfrm>
+        </p:grpSpPr>
+        <p:sp>
+          <p:nvSpPr>
+            <p:cNvPr id="60" name="流程图: 接点 59">
+              <a:extLst>
+                <a:ext uri="{FF2B5EF4-FFF2-40B4-BE49-F238E27FC236}">
+                  <a16:creationId xmlns:a16="http://schemas.microsoft.com/office/drawing/2014/main" id="{85B71C90-8B63-43A7-9EBE-12A555CA2438}"/>
+                </a:ext>
+              </a:extLst>
+            </p:cNvPr>
+            <p:cNvSpPr/>
+            <p:nvPr/>
+          </p:nvSpPr>
+          <p:spPr>
+            <a:xfrm>
+              <a:off x="7679563" y="1307746"/>
+              <a:ext cx="180000" cy="180000"/>
+            </a:xfrm>
+            <a:prstGeom prst="flowChartConnector">
+              <a:avLst/>
+            </a:prstGeom>
+          </p:spPr>
+          <p:style>
+            <a:lnRef idx="1">
+              <a:schemeClr val="dk1"/>
+            </a:lnRef>
+            <a:fillRef idx="2">
+              <a:schemeClr val="dk1"/>
+            </a:fillRef>
+            <a:effectRef idx="1">
+              <a:schemeClr val="dk1"/>
+            </a:effectRef>
+            <a:fontRef idx="minor">
+              <a:schemeClr val="dk1"/>
+            </a:fontRef>
+          </p:style>
+          <p:txBody>
+            <a:bodyPr rtlCol="0" anchor="ctr"/>
+            <a:lstStyle/>
+            <a:p>
+              <a:pPr algn="ctr"/>
+              <a:endParaRPr lang="zh-CN" altLang="en-US"/>
+            </a:p>
+          </p:txBody>
+        </p:sp>
+        <p:sp>
+          <p:nvSpPr>
+            <p:cNvPr id="62" name="流程图: 接点 61">
+              <a:extLst>
+                <a:ext uri="{FF2B5EF4-FFF2-40B4-BE49-F238E27FC236}">
+                  <a16:creationId xmlns:a16="http://schemas.microsoft.com/office/drawing/2014/main" id="{3C285D03-EB67-4F97-B293-DD8898540170}"/>
+                </a:ext>
+              </a:extLst>
+            </p:cNvPr>
+            <p:cNvSpPr/>
+            <p:nvPr/>
+          </p:nvSpPr>
+          <p:spPr>
+            <a:xfrm>
+              <a:off x="7679563" y="1576576"/>
+              <a:ext cx="180000" cy="180000"/>
+            </a:xfrm>
+            <a:prstGeom prst="flowChartConnector">
+              <a:avLst/>
+            </a:prstGeom>
+          </p:spPr>
+          <p:style>
+            <a:lnRef idx="1">
+              <a:schemeClr val="dk1"/>
+            </a:lnRef>
+            <a:fillRef idx="2">
+              <a:schemeClr val="dk1"/>
+            </a:fillRef>
+            <a:effectRef idx="1">
+              <a:schemeClr val="dk1"/>
+            </a:effectRef>
+            <a:fontRef idx="minor">
+              <a:schemeClr val="dk1"/>
+            </a:fontRef>
+          </p:style>
+          <p:txBody>
+            <a:bodyPr rtlCol="0" anchor="ctr"/>
+            <a:lstStyle/>
+            <a:p>
+              <a:pPr algn="ctr"/>
+              <a:endParaRPr lang="zh-CN" altLang="en-US"/>
+            </a:p>
+          </p:txBody>
+        </p:sp>
+        <p:sp>
+          <p:nvSpPr>
+            <p:cNvPr id="63" name="流程图: 接点 62">
+              <a:extLst>
+                <a:ext uri="{FF2B5EF4-FFF2-40B4-BE49-F238E27FC236}">
+                  <a16:creationId xmlns:a16="http://schemas.microsoft.com/office/drawing/2014/main" id="{8D2F946F-64F9-414B-8975-C9882F3CB012}"/>
+                </a:ext>
+              </a:extLst>
+            </p:cNvPr>
+            <p:cNvSpPr/>
+            <p:nvPr/>
+          </p:nvSpPr>
+          <p:spPr>
+            <a:xfrm>
+              <a:off x="7679563" y="1845406"/>
+              <a:ext cx="180000" cy="180000"/>
+            </a:xfrm>
+            <a:prstGeom prst="flowChartConnector">
+              <a:avLst/>
+            </a:prstGeom>
+          </p:spPr>
+          <p:style>
+            <a:lnRef idx="1">
+              <a:schemeClr val="dk1"/>
+            </a:lnRef>
+            <a:fillRef idx="2">
+              <a:schemeClr val="dk1"/>
+            </a:fillRef>
+            <a:effectRef idx="1">
+              <a:schemeClr val="dk1"/>
+            </a:effectRef>
+            <a:fontRef idx="minor">
+              <a:schemeClr val="dk1"/>
+            </a:fontRef>
+          </p:style>
+          <p:txBody>
+            <a:bodyPr rtlCol="0" anchor="ctr"/>
+            <a:lstStyle/>
+            <a:p>
+              <a:pPr algn="ctr"/>
+              <a:endParaRPr lang="zh-CN" altLang="en-US"/>
+            </a:p>
+          </p:txBody>
+        </p:sp>
+        <p:sp>
+          <p:nvSpPr>
+            <p:cNvPr id="66" name="流程图: 接点 65">
+              <a:extLst>
+                <a:ext uri="{FF2B5EF4-FFF2-40B4-BE49-F238E27FC236}">
+                  <a16:creationId xmlns:a16="http://schemas.microsoft.com/office/drawing/2014/main" id="{A5FDEA6C-C078-4EBE-A4C2-7AF7AA4645D6}"/>
+                </a:ext>
+              </a:extLst>
+            </p:cNvPr>
+            <p:cNvSpPr/>
+            <p:nvPr/>
+          </p:nvSpPr>
+          <p:spPr>
+            <a:xfrm>
+              <a:off x="8087940" y="1978626"/>
+              <a:ext cx="180000" cy="180000"/>
+            </a:xfrm>
+            <a:prstGeom prst="flowChartConnector">
+              <a:avLst/>
+            </a:prstGeom>
+          </p:spPr>
+          <p:style>
+            <a:lnRef idx="1">
+              <a:schemeClr val="dk1"/>
+            </a:lnRef>
+            <a:fillRef idx="2">
+              <a:schemeClr val="dk1"/>
+            </a:fillRef>
+            <a:effectRef idx="1">
+              <a:schemeClr val="dk1"/>
+            </a:effectRef>
+            <a:fontRef idx="minor">
+              <a:schemeClr val="dk1"/>
+            </a:fontRef>
+          </p:style>
+          <p:txBody>
+            <a:bodyPr rtlCol="0" anchor="ctr"/>
+            <a:lstStyle/>
+            <a:p>
+              <a:pPr algn="ctr"/>
+              <a:endParaRPr lang="zh-CN" altLang="en-US"/>
+            </a:p>
+          </p:txBody>
+        </p:sp>
+        <p:sp>
+          <p:nvSpPr>
+            <p:cNvPr id="68" name="流程图: 接点 67">
+              <a:extLst>
+                <a:ext uri="{FF2B5EF4-FFF2-40B4-BE49-F238E27FC236}">
+                  <a16:creationId xmlns:a16="http://schemas.microsoft.com/office/drawing/2014/main" id="{221186AB-D0B0-415B-A561-90215F54CC28}"/>
+                </a:ext>
+              </a:extLst>
+            </p:cNvPr>
+            <p:cNvSpPr/>
+            <p:nvPr/>
+          </p:nvSpPr>
+          <p:spPr>
+            <a:xfrm>
+              <a:off x="8087940" y="1172136"/>
+              <a:ext cx="180000" cy="180000"/>
+            </a:xfrm>
+            <a:prstGeom prst="flowChartConnector">
+              <a:avLst/>
+            </a:prstGeom>
+          </p:spPr>
+          <p:style>
+            <a:lnRef idx="1">
+              <a:schemeClr val="dk1"/>
+            </a:lnRef>
+            <a:fillRef idx="2">
+              <a:schemeClr val="dk1"/>
+            </a:fillRef>
+            <a:effectRef idx="1">
+              <a:schemeClr val="dk1"/>
+            </a:effectRef>
+            <a:fontRef idx="minor">
+              <a:schemeClr val="dk1"/>
+            </a:fontRef>
+          </p:style>
+          <p:txBody>
+            <a:bodyPr rtlCol="0" anchor="ctr"/>
+            <a:lstStyle/>
+            <a:p>
+              <a:pPr algn="ctr"/>
+              <a:endParaRPr lang="zh-CN" altLang="en-US"/>
+            </a:p>
+          </p:txBody>
+        </p:sp>
+        <p:sp>
+          <p:nvSpPr>
+            <p:cNvPr id="69" name="流程图: 接点 68">
+              <a:extLst>
+                <a:ext uri="{FF2B5EF4-FFF2-40B4-BE49-F238E27FC236}">
+                  <a16:creationId xmlns:a16="http://schemas.microsoft.com/office/drawing/2014/main" id="{7ADA5FA3-2479-4D01-B8FD-376669BCAF0C}"/>
+                </a:ext>
+              </a:extLst>
+            </p:cNvPr>
+            <p:cNvSpPr/>
+            <p:nvPr/>
+          </p:nvSpPr>
+          <p:spPr>
+            <a:xfrm>
+              <a:off x="8087940" y="1440966"/>
+              <a:ext cx="180000" cy="180000"/>
+            </a:xfrm>
+            <a:prstGeom prst="flowChartConnector">
+              <a:avLst/>
+            </a:prstGeom>
+          </p:spPr>
+          <p:style>
+            <a:lnRef idx="1">
+              <a:schemeClr val="dk1"/>
+            </a:lnRef>
+            <a:fillRef idx="2">
+              <a:schemeClr val="dk1"/>
+            </a:fillRef>
+            <a:effectRef idx="1">
+              <a:schemeClr val="dk1"/>
+            </a:effectRef>
+            <a:fontRef idx="minor">
+              <a:schemeClr val="dk1"/>
+            </a:fontRef>
+          </p:style>
+          <p:txBody>
+            <a:bodyPr rtlCol="0" anchor="ctr"/>
+            <a:lstStyle/>
+            <a:p>
+              <a:pPr algn="ctr"/>
+              <a:endParaRPr lang="zh-CN" altLang="en-US"/>
+            </a:p>
+          </p:txBody>
+        </p:sp>
+        <p:sp>
+          <p:nvSpPr>
+            <p:cNvPr id="71" name="流程图: 接点 70">
+              <a:extLst>
+                <a:ext uri="{FF2B5EF4-FFF2-40B4-BE49-F238E27FC236}">
+                  <a16:creationId xmlns:a16="http://schemas.microsoft.com/office/drawing/2014/main" id="{13329268-0DB8-4DE1-9689-10451D4898F0}"/>
+                </a:ext>
+              </a:extLst>
+            </p:cNvPr>
+            <p:cNvSpPr/>
+            <p:nvPr/>
+          </p:nvSpPr>
+          <p:spPr>
+            <a:xfrm>
+              <a:off x="8087940" y="1709796"/>
+              <a:ext cx="180000" cy="180000"/>
+            </a:xfrm>
+            <a:prstGeom prst="flowChartConnector">
+              <a:avLst/>
+            </a:prstGeom>
+          </p:spPr>
+          <p:style>
+            <a:lnRef idx="1">
+              <a:schemeClr val="dk1"/>
+            </a:lnRef>
+            <a:fillRef idx="2">
+              <a:schemeClr val="dk1"/>
+            </a:fillRef>
+            <a:effectRef idx="1">
+              <a:schemeClr val="dk1"/>
+            </a:effectRef>
+            <a:fontRef idx="minor">
+              <a:schemeClr val="dk1"/>
+            </a:fontRef>
+          </p:style>
+          <p:txBody>
+            <a:bodyPr rtlCol="0" anchor="ctr"/>
+            <a:lstStyle/>
+            <a:p>
+              <a:pPr algn="ctr"/>
+              <a:endParaRPr lang="zh-CN" altLang="en-US"/>
+            </a:p>
+          </p:txBody>
+        </p:sp>
+        <p:sp>
+          <p:nvSpPr>
+            <p:cNvPr id="72" name="流程图: 接点 71">
+              <a:extLst>
+                <a:ext uri="{FF2B5EF4-FFF2-40B4-BE49-F238E27FC236}">
+                  <a16:creationId xmlns:a16="http://schemas.microsoft.com/office/drawing/2014/main" id="{C8BB1696-6787-40DF-9EFE-E03640167AAF}"/>
+                </a:ext>
+              </a:extLst>
+            </p:cNvPr>
+            <p:cNvSpPr/>
+            <p:nvPr/>
+          </p:nvSpPr>
+          <p:spPr>
+            <a:xfrm>
+              <a:off x="8476313" y="1311307"/>
+              <a:ext cx="180000" cy="180000"/>
+            </a:xfrm>
+            <a:prstGeom prst="flowChartConnector">
+              <a:avLst/>
+            </a:prstGeom>
+          </p:spPr>
+          <p:style>
+            <a:lnRef idx="1">
+              <a:schemeClr val="dk1"/>
+            </a:lnRef>
+            <a:fillRef idx="2">
+              <a:schemeClr val="dk1"/>
+            </a:fillRef>
+            <a:effectRef idx="1">
+              <a:schemeClr val="dk1"/>
+            </a:effectRef>
+            <a:fontRef idx="minor">
+              <a:schemeClr val="dk1"/>
+            </a:fontRef>
+          </p:style>
+          <p:txBody>
+            <a:bodyPr rtlCol="0" anchor="ctr"/>
+            <a:lstStyle/>
+            <a:p>
+              <a:pPr algn="ctr"/>
+              <a:endParaRPr lang="zh-CN" altLang="en-US"/>
+            </a:p>
+          </p:txBody>
+        </p:sp>
+        <p:sp>
+          <p:nvSpPr>
+            <p:cNvPr id="74" name="流程图: 接点 73">
+              <a:extLst>
+                <a:ext uri="{FF2B5EF4-FFF2-40B4-BE49-F238E27FC236}">
+                  <a16:creationId xmlns:a16="http://schemas.microsoft.com/office/drawing/2014/main" id="{88A6E4B1-33DB-4241-B356-75B4C5838C7E}"/>
+                </a:ext>
+              </a:extLst>
+            </p:cNvPr>
+            <p:cNvSpPr/>
+            <p:nvPr/>
+          </p:nvSpPr>
+          <p:spPr>
+            <a:xfrm>
+              <a:off x="8476313" y="1848967"/>
+              <a:ext cx="180000" cy="180000"/>
+            </a:xfrm>
+            <a:prstGeom prst="flowChartConnector">
+              <a:avLst/>
+            </a:prstGeom>
+          </p:spPr>
+          <p:style>
+            <a:lnRef idx="1">
+              <a:schemeClr val="dk1"/>
+            </a:lnRef>
+            <a:fillRef idx="2">
+              <a:schemeClr val="dk1"/>
+            </a:fillRef>
+            <a:effectRef idx="1">
+              <a:schemeClr val="dk1"/>
+            </a:effectRef>
+            <a:fontRef idx="minor">
+              <a:schemeClr val="dk1"/>
+            </a:fontRef>
+          </p:style>
+          <p:txBody>
+            <a:bodyPr rtlCol="0" anchor="ctr"/>
+            <a:lstStyle/>
+            <a:p>
+              <a:pPr algn="ctr"/>
+              <a:endParaRPr lang="zh-CN" altLang="en-US"/>
+            </a:p>
+          </p:txBody>
+        </p:sp>
+        <p:cxnSp>
+          <p:nvCxnSpPr>
+            <p:cNvPr id="75" name="直接连接符 74">
+              <a:extLst>
+                <a:ext uri="{FF2B5EF4-FFF2-40B4-BE49-F238E27FC236}">
+                  <a16:creationId xmlns:a16="http://schemas.microsoft.com/office/drawing/2014/main" id="{C13BB3C7-311B-4501-A34D-397270191375}"/>
+                </a:ext>
+              </a:extLst>
+            </p:cNvPr>
+            <p:cNvCxnSpPr>
+              <a:cxnSpLocks/>
+              <a:stCxn id="60" idx="6"/>
+              <a:endCxn id="68" idx="2"/>
+            </p:cNvCxnSpPr>
+            <p:nvPr/>
+          </p:nvCxnSpPr>
+          <p:spPr>
+            <a:xfrm flipV="1">
+              <a:off x="7859563" y="1262136"/>
+              <a:ext cx="228377" cy="135610"/>
+            </a:xfrm>
+            <a:prstGeom prst="line">
+              <a:avLst/>
+            </a:prstGeom>
+          </p:spPr>
+          <p:style>
+            <a:lnRef idx="1">
+              <a:schemeClr val="dk1"/>
+            </a:lnRef>
+            <a:fillRef idx="2">
+              <a:schemeClr val="dk1"/>
+            </a:fillRef>
+            <a:effectRef idx="1">
+              <a:schemeClr val="dk1"/>
+            </a:effectRef>
+            <a:fontRef idx="minor">
+              <a:schemeClr val="dk1"/>
+            </a:fontRef>
+          </p:style>
+        </p:cxnSp>
+        <p:cxnSp>
+          <p:nvCxnSpPr>
+            <p:cNvPr id="77" name="直接连接符 76">
+              <a:extLst>
+                <a:ext uri="{FF2B5EF4-FFF2-40B4-BE49-F238E27FC236}">
+                  <a16:creationId xmlns:a16="http://schemas.microsoft.com/office/drawing/2014/main" id="{8261DF91-2413-4700-822A-6EF94BB10E54}"/>
+                </a:ext>
+              </a:extLst>
+            </p:cNvPr>
+            <p:cNvCxnSpPr>
+              <a:cxnSpLocks/>
+              <a:stCxn id="60" idx="6"/>
+              <a:endCxn id="69" idx="2"/>
+            </p:cNvCxnSpPr>
+            <p:nvPr/>
+          </p:nvCxnSpPr>
+          <p:spPr>
+            <a:xfrm>
+              <a:off x="7859563" y="1397746"/>
+              <a:ext cx="228377" cy="133220"/>
+            </a:xfrm>
+            <a:prstGeom prst="line">
+              <a:avLst/>
+            </a:prstGeom>
+          </p:spPr>
+          <p:style>
+            <a:lnRef idx="1">
+              <a:schemeClr val="dk1"/>
+            </a:lnRef>
+            <a:fillRef idx="2">
+              <a:schemeClr val="dk1"/>
+            </a:fillRef>
+            <a:effectRef idx="1">
+              <a:schemeClr val="dk1"/>
+            </a:effectRef>
+            <a:fontRef idx="minor">
+              <a:schemeClr val="dk1"/>
+            </a:fontRef>
+          </p:style>
+        </p:cxnSp>
+        <p:cxnSp>
+          <p:nvCxnSpPr>
+            <p:cNvPr id="78" name="直接连接符 77">
+              <a:extLst>
+                <a:ext uri="{FF2B5EF4-FFF2-40B4-BE49-F238E27FC236}">
+                  <a16:creationId xmlns:a16="http://schemas.microsoft.com/office/drawing/2014/main" id="{7F6C4C2F-63F1-450D-9AA8-6A797E44322C}"/>
+                </a:ext>
+              </a:extLst>
+            </p:cNvPr>
+            <p:cNvCxnSpPr>
+              <a:cxnSpLocks/>
+              <a:stCxn id="60" idx="6"/>
+              <a:endCxn id="71" idx="2"/>
+            </p:cNvCxnSpPr>
+            <p:nvPr/>
+          </p:nvCxnSpPr>
+          <p:spPr>
+            <a:xfrm>
+              <a:off x="7859563" y="1397746"/>
+              <a:ext cx="228377" cy="402050"/>
+            </a:xfrm>
+            <a:prstGeom prst="line">
+              <a:avLst/>
+            </a:prstGeom>
+          </p:spPr>
+          <p:style>
+            <a:lnRef idx="1">
+              <a:schemeClr val="dk1"/>
+            </a:lnRef>
+            <a:fillRef idx="2">
+              <a:schemeClr val="dk1"/>
+            </a:fillRef>
+            <a:effectRef idx="1">
+              <a:schemeClr val="dk1"/>
+            </a:effectRef>
+            <a:fontRef idx="minor">
+              <a:schemeClr val="dk1"/>
+            </a:fontRef>
+          </p:style>
+        </p:cxnSp>
+        <p:cxnSp>
+          <p:nvCxnSpPr>
+            <p:cNvPr id="79" name="直接连接符 78">
+              <a:extLst>
+                <a:ext uri="{FF2B5EF4-FFF2-40B4-BE49-F238E27FC236}">
+                  <a16:creationId xmlns:a16="http://schemas.microsoft.com/office/drawing/2014/main" id="{48FFFC49-2E8F-455C-9791-83A16231C178}"/>
+                </a:ext>
+              </a:extLst>
+            </p:cNvPr>
+            <p:cNvCxnSpPr>
+              <a:cxnSpLocks/>
+              <a:stCxn id="60" idx="6"/>
+              <a:endCxn id="66" idx="2"/>
+            </p:cNvCxnSpPr>
+            <p:nvPr/>
+          </p:nvCxnSpPr>
+          <p:spPr>
+            <a:xfrm>
+              <a:off x="7859563" y="1397746"/>
+              <a:ext cx="228377" cy="670880"/>
+            </a:xfrm>
+            <a:prstGeom prst="line">
+              <a:avLst/>
+            </a:prstGeom>
+          </p:spPr>
+          <p:style>
+            <a:lnRef idx="1">
+              <a:schemeClr val="dk1"/>
+            </a:lnRef>
+            <a:fillRef idx="2">
+              <a:schemeClr val="dk1"/>
+            </a:fillRef>
+            <a:effectRef idx="1">
+              <a:schemeClr val="dk1"/>
+            </a:effectRef>
+            <a:fontRef idx="minor">
+              <a:schemeClr val="dk1"/>
+            </a:fontRef>
+          </p:style>
+        </p:cxnSp>
+        <p:cxnSp>
+          <p:nvCxnSpPr>
+            <p:cNvPr id="81" name="直接连接符 80">
+              <a:extLst>
+                <a:ext uri="{FF2B5EF4-FFF2-40B4-BE49-F238E27FC236}">
+                  <a16:creationId xmlns:a16="http://schemas.microsoft.com/office/drawing/2014/main" id="{DAE48BAA-0F06-486F-B0DB-E2B2AA40D887}"/>
+                </a:ext>
+              </a:extLst>
+            </p:cNvPr>
+            <p:cNvCxnSpPr>
+              <a:cxnSpLocks/>
+              <a:stCxn id="62" idx="6"/>
+              <a:endCxn id="68" idx="2"/>
+            </p:cNvCxnSpPr>
+            <p:nvPr/>
+          </p:nvCxnSpPr>
+          <p:spPr>
+            <a:xfrm flipV="1">
+              <a:off x="7859563" y="1262136"/>
+              <a:ext cx="228377" cy="404440"/>
+            </a:xfrm>
+            <a:prstGeom prst="line">
+              <a:avLst/>
+            </a:prstGeom>
+          </p:spPr>
+          <p:style>
+            <a:lnRef idx="1">
+              <a:schemeClr val="dk1"/>
+            </a:lnRef>
+            <a:fillRef idx="2">
+              <a:schemeClr val="dk1"/>
+            </a:fillRef>
+            <a:effectRef idx="1">
+              <a:schemeClr val="dk1"/>
+            </a:effectRef>
+            <a:fontRef idx="minor">
+              <a:schemeClr val="dk1"/>
+            </a:fontRef>
+          </p:style>
+        </p:cxnSp>
+        <p:cxnSp>
+          <p:nvCxnSpPr>
+            <p:cNvPr id="82" name="直接连接符 81">
+              <a:extLst>
+                <a:ext uri="{FF2B5EF4-FFF2-40B4-BE49-F238E27FC236}">
+                  <a16:creationId xmlns:a16="http://schemas.microsoft.com/office/drawing/2014/main" id="{46A8AED9-4AE1-4F8B-AB3C-EF40D614B812}"/>
+                </a:ext>
+              </a:extLst>
+            </p:cNvPr>
+            <p:cNvCxnSpPr>
+              <a:cxnSpLocks/>
+              <a:stCxn id="62" idx="6"/>
+              <a:endCxn id="69" idx="2"/>
+            </p:cNvCxnSpPr>
+            <p:nvPr/>
+          </p:nvCxnSpPr>
+          <p:spPr>
+            <a:xfrm flipV="1">
+              <a:off x="7859563" y="1530966"/>
+              <a:ext cx="228377" cy="135610"/>
+            </a:xfrm>
+            <a:prstGeom prst="line">
+              <a:avLst/>
+            </a:prstGeom>
+          </p:spPr>
+          <p:style>
+            <a:lnRef idx="1">
+              <a:schemeClr val="dk1"/>
+            </a:lnRef>
+            <a:fillRef idx="2">
+              <a:schemeClr val="dk1"/>
+            </a:fillRef>
+            <a:effectRef idx="1">
+              <a:schemeClr val="dk1"/>
+            </a:effectRef>
+            <a:fontRef idx="minor">
+              <a:schemeClr val="dk1"/>
+            </a:fontRef>
+          </p:style>
+        </p:cxnSp>
+        <p:cxnSp>
+          <p:nvCxnSpPr>
+            <p:cNvPr id="84" name="直接连接符 83">
+              <a:extLst>
+                <a:ext uri="{FF2B5EF4-FFF2-40B4-BE49-F238E27FC236}">
+                  <a16:creationId xmlns:a16="http://schemas.microsoft.com/office/drawing/2014/main" id="{E92935E3-E62F-4AA8-A98B-F2463CDB98CC}"/>
+                </a:ext>
+              </a:extLst>
+            </p:cNvPr>
+            <p:cNvCxnSpPr>
+              <a:cxnSpLocks/>
+              <a:stCxn id="62" idx="6"/>
+              <a:endCxn id="71" idx="2"/>
+            </p:cNvCxnSpPr>
+            <p:nvPr/>
+          </p:nvCxnSpPr>
+          <p:spPr>
+            <a:xfrm>
+              <a:off x="7859563" y="1666576"/>
+              <a:ext cx="228377" cy="133220"/>
+            </a:xfrm>
+            <a:prstGeom prst="line">
+              <a:avLst/>
+            </a:prstGeom>
+          </p:spPr>
+          <p:style>
+            <a:lnRef idx="1">
+              <a:schemeClr val="dk1"/>
+            </a:lnRef>
+            <a:fillRef idx="2">
+              <a:schemeClr val="dk1"/>
+            </a:fillRef>
+            <a:effectRef idx="1">
+              <a:schemeClr val="dk1"/>
+            </a:effectRef>
+            <a:fontRef idx="minor">
+              <a:schemeClr val="dk1"/>
+            </a:fontRef>
+          </p:style>
+        </p:cxnSp>
+        <p:cxnSp>
+          <p:nvCxnSpPr>
+            <p:cNvPr id="85" name="直接连接符 84">
+              <a:extLst>
+                <a:ext uri="{FF2B5EF4-FFF2-40B4-BE49-F238E27FC236}">
+                  <a16:creationId xmlns:a16="http://schemas.microsoft.com/office/drawing/2014/main" id="{80FAFD79-BAFD-4852-ACE1-243BB7568C16}"/>
+                </a:ext>
+              </a:extLst>
+            </p:cNvPr>
+            <p:cNvCxnSpPr>
+              <a:cxnSpLocks/>
+              <a:stCxn id="62" idx="6"/>
+              <a:endCxn id="66" idx="2"/>
+            </p:cNvCxnSpPr>
+            <p:nvPr/>
+          </p:nvCxnSpPr>
+          <p:spPr>
+            <a:xfrm>
+              <a:off x="7859563" y="1666576"/>
+              <a:ext cx="228377" cy="402050"/>
+            </a:xfrm>
+            <a:prstGeom prst="line">
+              <a:avLst/>
+            </a:prstGeom>
+          </p:spPr>
+          <p:style>
+            <a:lnRef idx="1">
+              <a:schemeClr val="dk1"/>
+            </a:lnRef>
+            <a:fillRef idx="2">
+              <a:schemeClr val="dk1"/>
+            </a:fillRef>
+            <a:effectRef idx="1">
+              <a:schemeClr val="dk1"/>
+            </a:effectRef>
+            <a:fontRef idx="minor">
+              <a:schemeClr val="dk1"/>
+            </a:fontRef>
+          </p:style>
+        </p:cxnSp>
+        <p:cxnSp>
+          <p:nvCxnSpPr>
+            <p:cNvPr id="87" name="直接连接符 86">
+              <a:extLst>
+                <a:ext uri="{FF2B5EF4-FFF2-40B4-BE49-F238E27FC236}">
+                  <a16:creationId xmlns:a16="http://schemas.microsoft.com/office/drawing/2014/main" id="{6DA00E4D-ED65-4DB3-8BEE-082F265A2638}"/>
+                </a:ext>
+              </a:extLst>
+            </p:cNvPr>
+            <p:cNvCxnSpPr>
+              <a:cxnSpLocks/>
+              <a:stCxn id="63" idx="6"/>
+              <a:endCxn id="68" idx="2"/>
+            </p:cNvCxnSpPr>
+            <p:nvPr/>
+          </p:nvCxnSpPr>
+          <p:spPr>
+            <a:xfrm flipV="1">
+              <a:off x="7859563" y="1262136"/>
+              <a:ext cx="228377" cy="673270"/>
+            </a:xfrm>
+            <a:prstGeom prst="line">
+              <a:avLst/>
+            </a:prstGeom>
+          </p:spPr>
+          <p:style>
+            <a:lnRef idx="1">
+              <a:schemeClr val="dk1"/>
+            </a:lnRef>
+            <a:fillRef idx="2">
+              <a:schemeClr val="dk1"/>
+            </a:fillRef>
+            <a:effectRef idx="1">
+              <a:schemeClr val="dk1"/>
+            </a:effectRef>
+            <a:fontRef idx="minor">
+              <a:schemeClr val="dk1"/>
+            </a:fontRef>
+          </p:style>
+        </p:cxnSp>
+        <p:cxnSp>
+          <p:nvCxnSpPr>
+            <p:cNvPr id="88" name="直接连接符 87">
+              <a:extLst>
+                <a:ext uri="{FF2B5EF4-FFF2-40B4-BE49-F238E27FC236}">
+                  <a16:creationId xmlns:a16="http://schemas.microsoft.com/office/drawing/2014/main" id="{05F46ECE-1D7A-436A-938B-0BE5DF1D7194}"/>
+                </a:ext>
+              </a:extLst>
+            </p:cNvPr>
+            <p:cNvCxnSpPr>
+              <a:cxnSpLocks/>
+              <a:stCxn id="63" idx="6"/>
+              <a:endCxn id="69" idx="2"/>
+            </p:cNvCxnSpPr>
+            <p:nvPr/>
+          </p:nvCxnSpPr>
+          <p:spPr>
+            <a:xfrm flipV="1">
+              <a:off x="7859563" y="1530966"/>
+              <a:ext cx="228377" cy="404440"/>
+            </a:xfrm>
+            <a:prstGeom prst="line">
+              <a:avLst/>
+            </a:prstGeom>
+          </p:spPr>
+          <p:style>
+            <a:lnRef idx="1">
+              <a:schemeClr val="dk1"/>
+            </a:lnRef>
+            <a:fillRef idx="2">
+              <a:schemeClr val="dk1"/>
+            </a:fillRef>
+            <a:effectRef idx="1">
+              <a:schemeClr val="dk1"/>
+            </a:effectRef>
+            <a:fontRef idx="minor">
+              <a:schemeClr val="dk1"/>
+            </a:fontRef>
+          </p:style>
+        </p:cxnSp>
+        <p:cxnSp>
+          <p:nvCxnSpPr>
+            <p:cNvPr id="90" name="直接连接符 89">
+              <a:extLst>
+                <a:ext uri="{FF2B5EF4-FFF2-40B4-BE49-F238E27FC236}">
+                  <a16:creationId xmlns:a16="http://schemas.microsoft.com/office/drawing/2014/main" id="{CD076A59-4174-4FE4-8B96-1987F3493877}"/>
+                </a:ext>
+              </a:extLst>
+            </p:cNvPr>
+            <p:cNvCxnSpPr>
+              <a:cxnSpLocks/>
+              <a:stCxn id="63" idx="6"/>
+              <a:endCxn id="71" idx="2"/>
+            </p:cNvCxnSpPr>
+            <p:nvPr/>
+          </p:nvCxnSpPr>
+          <p:spPr>
+            <a:xfrm flipV="1">
+              <a:off x="7859563" y="1799796"/>
+              <a:ext cx="228377" cy="135610"/>
+            </a:xfrm>
+            <a:prstGeom prst="line">
+              <a:avLst/>
+            </a:prstGeom>
+          </p:spPr>
+          <p:style>
+            <a:lnRef idx="1">
+              <a:schemeClr val="dk1"/>
+            </a:lnRef>
+            <a:fillRef idx="2">
+              <a:schemeClr val="dk1"/>
+            </a:fillRef>
+            <a:effectRef idx="1">
+              <a:schemeClr val="dk1"/>
+            </a:effectRef>
+            <a:fontRef idx="minor">
+              <a:schemeClr val="dk1"/>
+            </a:fontRef>
+          </p:style>
+        </p:cxnSp>
+        <p:cxnSp>
+          <p:nvCxnSpPr>
+            <p:cNvPr id="91" name="直接连接符 90">
+              <a:extLst>
+                <a:ext uri="{FF2B5EF4-FFF2-40B4-BE49-F238E27FC236}">
+                  <a16:creationId xmlns:a16="http://schemas.microsoft.com/office/drawing/2014/main" id="{142F1D5B-A297-4BF5-AE89-85C5A243113F}"/>
+                </a:ext>
+              </a:extLst>
+            </p:cNvPr>
+            <p:cNvCxnSpPr>
+              <a:cxnSpLocks/>
+              <a:stCxn id="63" idx="6"/>
+              <a:endCxn id="66" idx="2"/>
+            </p:cNvCxnSpPr>
+            <p:nvPr/>
+          </p:nvCxnSpPr>
+          <p:spPr>
+            <a:xfrm>
+              <a:off x="7859563" y="1935406"/>
+              <a:ext cx="228377" cy="133220"/>
+            </a:xfrm>
+            <a:prstGeom prst="line">
+              <a:avLst/>
+            </a:prstGeom>
+          </p:spPr>
+          <p:style>
+            <a:lnRef idx="1">
+              <a:schemeClr val="dk1"/>
+            </a:lnRef>
+            <a:fillRef idx="2">
+              <a:schemeClr val="dk1"/>
+            </a:fillRef>
+            <a:effectRef idx="1">
+              <a:schemeClr val="dk1"/>
+            </a:effectRef>
+            <a:fontRef idx="minor">
+              <a:schemeClr val="dk1"/>
+            </a:fontRef>
+          </p:style>
+        </p:cxnSp>
+        <p:cxnSp>
+          <p:nvCxnSpPr>
+            <p:cNvPr id="93" name="直接连接符 92">
+              <a:extLst>
+                <a:ext uri="{FF2B5EF4-FFF2-40B4-BE49-F238E27FC236}">
+                  <a16:creationId xmlns:a16="http://schemas.microsoft.com/office/drawing/2014/main" id="{80978647-93B4-4D95-92F7-5BB5068D7AEE}"/>
+                </a:ext>
+              </a:extLst>
+            </p:cNvPr>
+            <p:cNvCxnSpPr>
+              <a:cxnSpLocks/>
+              <a:stCxn id="68" idx="6"/>
+              <a:endCxn id="72" idx="2"/>
+            </p:cNvCxnSpPr>
+            <p:nvPr/>
+          </p:nvCxnSpPr>
+          <p:spPr>
+            <a:xfrm>
+              <a:off x="8267940" y="1262136"/>
+              <a:ext cx="208373" cy="139171"/>
+            </a:xfrm>
+            <a:prstGeom prst="line">
+              <a:avLst/>
+            </a:prstGeom>
+          </p:spPr>
+          <p:style>
+            <a:lnRef idx="1">
+              <a:schemeClr val="dk1"/>
+            </a:lnRef>
+            <a:fillRef idx="2">
+              <a:schemeClr val="dk1"/>
+            </a:fillRef>
+            <a:effectRef idx="1">
+              <a:schemeClr val="dk1"/>
+            </a:effectRef>
+            <a:fontRef idx="minor">
+              <a:schemeClr val="dk1"/>
+            </a:fontRef>
+          </p:style>
+        </p:cxnSp>
+        <p:cxnSp>
+          <p:nvCxnSpPr>
+            <p:cNvPr id="99" name="直接连接符 98">
+              <a:extLst>
+                <a:ext uri="{FF2B5EF4-FFF2-40B4-BE49-F238E27FC236}">
+                  <a16:creationId xmlns:a16="http://schemas.microsoft.com/office/drawing/2014/main" id="{9D1E2681-C419-4402-BEB3-C994618FA172}"/>
+                </a:ext>
+              </a:extLst>
+            </p:cNvPr>
+            <p:cNvCxnSpPr>
+              <a:cxnSpLocks/>
+              <a:stCxn id="69" idx="6"/>
+              <a:endCxn id="72" idx="2"/>
+            </p:cNvCxnSpPr>
+            <p:nvPr/>
+          </p:nvCxnSpPr>
+          <p:spPr>
+            <a:xfrm flipV="1">
+              <a:off x="8267940" y="1401307"/>
+              <a:ext cx="208373" cy="129659"/>
+            </a:xfrm>
+            <a:prstGeom prst="line">
+              <a:avLst/>
+            </a:prstGeom>
+          </p:spPr>
+          <p:style>
+            <a:lnRef idx="1">
+              <a:schemeClr val="dk1"/>
+            </a:lnRef>
+            <a:fillRef idx="2">
+              <a:schemeClr val="dk1"/>
+            </a:fillRef>
+            <a:effectRef idx="1">
+              <a:schemeClr val="dk1"/>
+            </a:effectRef>
+            <a:fontRef idx="minor">
+              <a:schemeClr val="dk1"/>
+            </a:fontRef>
+          </p:style>
+        </p:cxnSp>
+        <p:cxnSp>
+          <p:nvCxnSpPr>
+            <p:cNvPr id="100" name="直接连接符 99">
+              <a:extLst>
+                <a:ext uri="{FF2B5EF4-FFF2-40B4-BE49-F238E27FC236}">
+                  <a16:creationId xmlns:a16="http://schemas.microsoft.com/office/drawing/2014/main" id="{A468775C-1BB9-4C10-8ED7-28F1511854ED}"/>
+                </a:ext>
+              </a:extLst>
+            </p:cNvPr>
+            <p:cNvCxnSpPr>
+              <a:cxnSpLocks/>
+              <a:stCxn id="71" idx="6"/>
+              <a:endCxn id="72" idx="2"/>
+            </p:cNvCxnSpPr>
+            <p:nvPr/>
+          </p:nvCxnSpPr>
+          <p:spPr>
+            <a:xfrm flipV="1">
+              <a:off x="8267940" y="1401307"/>
+              <a:ext cx="208373" cy="398489"/>
+            </a:xfrm>
+            <a:prstGeom prst="line">
+              <a:avLst/>
+            </a:prstGeom>
+          </p:spPr>
+          <p:style>
+            <a:lnRef idx="1">
+              <a:schemeClr val="dk1"/>
+            </a:lnRef>
+            <a:fillRef idx="2">
+              <a:schemeClr val="dk1"/>
+            </a:fillRef>
+            <a:effectRef idx="1">
+              <a:schemeClr val="dk1"/>
+            </a:effectRef>
+            <a:fontRef idx="minor">
+              <a:schemeClr val="dk1"/>
+            </a:fontRef>
+          </p:style>
+        </p:cxnSp>
+        <p:cxnSp>
+          <p:nvCxnSpPr>
+            <p:cNvPr id="101" name="直接连接符 100">
+              <a:extLst>
+                <a:ext uri="{FF2B5EF4-FFF2-40B4-BE49-F238E27FC236}">
+                  <a16:creationId xmlns:a16="http://schemas.microsoft.com/office/drawing/2014/main" id="{411F5145-9591-43DE-ABF8-0F247E37480B}"/>
+                </a:ext>
+              </a:extLst>
+            </p:cNvPr>
+            <p:cNvCxnSpPr>
+              <a:cxnSpLocks/>
+              <a:stCxn id="66" idx="6"/>
+              <a:endCxn id="72" idx="2"/>
+            </p:cNvCxnSpPr>
+            <p:nvPr/>
+          </p:nvCxnSpPr>
+          <p:spPr>
+            <a:xfrm flipV="1">
+              <a:off x="8267940" y="1401307"/>
+              <a:ext cx="208373" cy="667319"/>
+            </a:xfrm>
+            <a:prstGeom prst="line">
+              <a:avLst/>
+            </a:prstGeom>
+          </p:spPr>
+          <p:style>
+            <a:lnRef idx="1">
+              <a:schemeClr val="dk1"/>
+            </a:lnRef>
+            <a:fillRef idx="2">
+              <a:schemeClr val="dk1"/>
+            </a:fillRef>
+            <a:effectRef idx="1">
+              <a:schemeClr val="dk1"/>
+            </a:effectRef>
+            <a:fontRef idx="minor">
+              <a:schemeClr val="dk1"/>
+            </a:fontRef>
+          </p:style>
+        </p:cxnSp>
+        <p:cxnSp>
+          <p:nvCxnSpPr>
+            <p:cNvPr id="103" name="直接连接符 102">
+              <a:extLst>
+                <a:ext uri="{FF2B5EF4-FFF2-40B4-BE49-F238E27FC236}">
+                  <a16:creationId xmlns:a16="http://schemas.microsoft.com/office/drawing/2014/main" id="{BA938D93-D435-4339-A14A-8B64C731EC3C}"/>
+                </a:ext>
+              </a:extLst>
+            </p:cNvPr>
+            <p:cNvCxnSpPr>
+              <a:cxnSpLocks/>
+              <a:stCxn id="74" idx="2"/>
+              <a:endCxn id="68" idx="6"/>
+            </p:cNvCxnSpPr>
+            <p:nvPr/>
+          </p:nvCxnSpPr>
+          <p:spPr>
+            <a:xfrm flipH="1" flipV="1">
+              <a:off x="8267940" y="1262136"/>
+              <a:ext cx="208373" cy="676831"/>
+            </a:xfrm>
+            <a:prstGeom prst="line">
+              <a:avLst/>
+            </a:prstGeom>
+          </p:spPr>
+          <p:style>
+            <a:lnRef idx="1">
+              <a:schemeClr val="dk1"/>
+            </a:lnRef>
+            <a:fillRef idx="2">
+              <a:schemeClr val="dk1"/>
+            </a:fillRef>
+            <a:effectRef idx="1">
+              <a:schemeClr val="dk1"/>
+            </a:effectRef>
+            <a:fontRef idx="minor">
+              <a:schemeClr val="dk1"/>
+            </a:fontRef>
+          </p:style>
+        </p:cxnSp>
+        <p:cxnSp>
+          <p:nvCxnSpPr>
+            <p:cNvPr id="104" name="直接连接符 103">
+              <a:extLst>
+                <a:ext uri="{FF2B5EF4-FFF2-40B4-BE49-F238E27FC236}">
+                  <a16:creationId xmlns:a16="http://schemas.microsoft.com/office/drawing/2014/main" id="{D62F970D-5DFE-4DFD-BC98-D3B747C22D87}"/>
+                </a:ext>
+              </a:extLst>
+            </p:cNvPr>
+            <p:cNvCxnSpPr>
+              <a:cxnSpLocks/>
+              <a:stCxn id="74" idx="2"/>
+              <a:endCxn id="69" idx="6"/>
+            </p:cNvCxnSpPr>
+            <p:nvPr/>
+          </p:nvCxnSpPr>
+          <p:spPr>
+            <a:xfrm flipH="1" flipV="1">
+              <a:off x="8267940" y="1530966"/>
+              <a:ext cx="208373" cy="408001"/>
+            </a:xfrm>
+            <a:prstGeom prst="line">
+              <a:avLst/>
+            </a:prstGeom>
+          </p:spPr>
+          <p:style>
+            <a:lnRef idx="1">
+              <a:schemeClr val="dk1"/>
+            </a:lnRef>
+            <a:fillRef idx="2">
+              <a:schemeClr val="dk1"/>
+            </a:fillRef>
+            <a:effectRef idx="1">
+              <a:schemeClr val="dk1"/>
+            </a:effectRef>
+            <a:fontRef idx="minor">
+              <a:schemeClr val="dk1"/>
+            </a:fontRef>
+          </p:style>
+        </p:cxnSp>
+        <p:cxnSp>
+          <p:nvCxnSpPr>
+            <p:cNvPr id="105" name="直接连接符 104">
+              <a:extLst>
+                <a:ext uri="{FF2B5EF4-FFF2-40B4-BE49-F238E27FC236}">
+                  <a16:creationId xmlns:a16="http://schemas.microsoft.com/office/drawing/2014/main" id="{051FF4D6-D9D9-4A22-9F46-CCFA6905BF51}"/>
+                </a:ext>
+              </a:extLst>
+            </p:cNvPr>
+            <p:cNvCxnSpPr>
+              <a:cxnSpLocks/>
+              <a:stCxn id="74" idx="2"/>
+              <a:endCxn id="71" idx="6"/>
+            </p:cNvCxnSpPr>
+            <p:nvPr/>
+          </p:nvCxnSpPr>
+          <p:spPr>
+            <a:xfrm flipH="1" flipV="1">
+              <a:off x="8267940" y="1799796"/>
+              <a:ext cx="208373" cy="139171"/>
+            </a:xfrm>
+            <a:prstGeom prst="line">
+              <a:avLst/>
+            </a:prstGeom>
+          </p:spPr>
+          <p:style>
+            <a:lnRef idx="1">
+              <a:schemeClr val="dk1"/>
+            </a:lnRef>
+            <a:fillRef idx="2">
+              <a:schemeClr val="dk1"/>
+            </a:fillRef>
+            <a:effectRef idx="1">
+              <a:schemeClr val="dk1"/>
+            </a:effectRef>
+            <a:fontRef idx="minor">
+              <a:schemeClr val="dk1"/>
+            </a:fontRef>
+          </p:style>
+        </p:cxnSp>
+        <p:cxnSp>
+          <p:nvCxnSpPr>
+            <p:cNvPr id="106" name="直接连接符 105">
+              <a:extLst>
+                <a:ext uri="{FF2B5EF4-FFF2-40B4-BE49-F238E27FC236}">
+                  <a16:creationId xmlns:a16="http://schemas.microsoft.com/office/drawing/2014/main" id="{095C9DA9-9BB9-47A3-8437-C4733FC911AE}"/>
+                </a:ext>
+              </a:extLst>
+            </p:cNvPr>
+            <p:cNvCxnSpPr>
+              <a:cxnSpLocks/>
+              <a:stCxn id="74" idx="2"/>
+              <a:endCxn id="66" idx="6"/>
+            </p:cNvCxnSpPr>
+            <p:nvPr/>
+          </p:nvCxnSpPr>
+          <p:spPr>
+            <a:xfrm flipH="1">
+              <a:off x="8267940" y="1938967"/>
+              <a:ext cx="208373" cy="129659"/>
+            </a:xfrm>
+            <a:prstGeom prst="line">
+              <a:avLst/>
+            </a:prstGeom>
+          </p:spPr>
+          <p:style>
+            <a:lnRef idx="1">
+              <a:schemeClr val="dk1"/>
+            </a:lnRef>
+            <a:fillRef idx="2">
+              <a:schemeClr val="dk1"/>
+            </a:fillRef>
+            <a:effectRef idx="1">
+              <a:schemeClr val="dk1"/>
+            </a:effectRef>
+            <a:fontRef idx="minor">
+              <a:schemeClr val="dk1"/>
+            </a:fontRef>
+          </p:style>
+        </p:cxnSp>
+        <p:sp>
+          <p:nvSpPr>
+            <p:cNvPr id="121" name="流程图: 接点 120">
+              <a:extLst>
+                <a:ext uri="{FF2B5EF4-FFF2-40B4-BE49-F238E27FC236}">
+                  <a16:creationId xmlns:a16="http://schemas.microsoft.com/office/drawing/2014/main" id="{03F14946-0E76-4392-AE3A-C06DE2C498D9}"/>
+                </a:ext>
+              </a:extLst>
+            </p:cNvPr>
+            <p:cNvSpPr/>
+            <p:nvPr/>
+          </p:nvSpPr>
+          <p:spPr>
+            <a:xfrm>
+              <a:off x="8476313" y="1576576"/>
+              <a:ext cx="180000" cy="180000"/>
+            </a:xfrm>
+            <a:prstGeom prst="flowChartConnector">
+              <a:avLst/>
+            </a:prstGeom>
+          </p:spPr>
+          <p:style>
+            <a:lnRef idx="1">
+              <a:schemeClr val="dk1"/>
+            </a:lnRef>
+            <a:fillRef idx="2">
+              <a:schemeClr val="dk1"/>
+            </a:fillRef>
+            <a:effectRef idx="1">
+              <a:schemeClr val="dk1"/>
+            </a:effectRef>
+            <a:fontRef idx="minor">
+              <a:schemeClr val="dk1"/>
+            </a:fontRef>
+          </p:style>
+          <p:txBody>
+            <a:bodyPr rtlCol="0" anchor="ctr"/>
+            <a:lstStyle/>
+            <a:p>
+              <a:pPr algn="ctr"/>
+              <a:endParaRPr lang="zh-CN" altLang="en-US"/>
+            </a:p>
+          </p:txBody>
+        </p:sp>
+        <p:cxnSp>
+          <p:nvCxnSpPr>
+            <p:cNvPr id="125" name="直接连接符 124">
+              <a:extLst>
+                <a:ext uri="{FF2B5EF4-FFF2-40B4-BE49-F238E27FC236}">
+                  <a16:creationId xmlns:a16="http://schemas.microsoft.com/office/drawing/2014/main" id="{3AC25929-CEAE-4D51-8616-EC3DE330D5B3}"/>
+                </a:ext>
+              </a:extLst>
+            </p:cNvPr>
+            <p:cNvCxnSpPr>
+              <a:cxnSpLocks/>
+              <a:stCxn id="68" idx="6"/>
+              <a:endCxn id="121" idx="2"/>
+            </p:cNvCxnSpPr>
+            <p:nvPr/>
+          </p:nvCxnSpPr>
+          <p:spPr>
+            <a:xfrm>
+              <a:off x="8267940" y="1262136"/>
+              <a:ext cx="208373" cy="404440"/>
+            </a:xfrm>
+            <a:prstGeom prst="line">
+              <a:avLst/>
+            </a:prstGeom>
+          </p:spPr>
+          <p:style>
+            <a:lnRef idx="1">
+              <a:schemeClr val="dk1"/>
+            </a:lnRef>
+            <a:fillRef idx="2">
+              <a:schemeClr val="dk1"/>
+            </a:fillRef>
+            <a:effectRef idx="1">
+              <a:schemeClr val="dk1"/>
+            </a:effectRef>
+            <a:fontRef idx="minor">
+              <a:schemeClr val="dk1"/>
+            </a:fontRef>
+          </p:style>
+        </p:cxnSp>
+        <p:cxnSp>
+          <p:nvCxnSpPr>
+            <p:cNvPr id="126" name="直接连接符 125">
+              <a:extLst>
+                <a:ext uri="{FF2B5EF4-FFF2-40B4-BE49-F238E27FC236}">
+                  <a16:creationId xmlns:a16="http://schemas.microsoft.com/office/drawing/2014/main" id="{2BC95AFB-C37E-4F49-AD74-9C55C389FF38}"/>
+                </a:ext>
+              </a:extLst>
+            </p:cNvPr>
+            <p:cNvCxnSpPr>
+              <a:cxnSpLocks/>
+              <a:stCxn id="66" idx="6"/>
+              <a:endCxn id="121" idx="2"/>
+            </p:cNvCxnSpPr>
+            <p:nvPr/>
+          </p:nvCxnSpPr>
+          <p:spPr>
+            <a:xfrm flipV="1">
+              <a:off x="8267940" y="1666576"/>
+              <a:ext cx="208373" cy="402050"/>
+            </a:xfrm>
+            <a:prstGeom prst="line">
+              <a:avLst/>
+            </a:prstGeom>
+          </p:spPr>
+          <p:style>
+            <a:lnRef idx="1">
+              <a:schemeClr val="dk1"/>
+            </a:lnRef>
+            <a:fillRef idx="2">
+              <a:schemeClr val="dk1"/>
+            </a:fillRef>
+            <a:effectRef idx="1">
+              <a:schemeClr val="dk1"/>
+            </a:effectRef>
+            <a:fontRef idx="minor">
+              <a:schemeClr val="dk1"/>
+            </a:fontRef>
+          </p:style>
+        </p:cxnSp>
+        <p:cxnSp>
+          <p:nvCxnSpPr>
+            <p:cNvPr id="127" name="直接连接符 126">
+              <a:extLst>
+                <a:ext uri="{FF2B5EF4-FFF2-40B4-BE49-F238E27FC236}">
+                  <a16:creationId xmlns:a16="http://schemas.microsoft.com/office/drawing/2014/main" id="{E06CF340-1CEF-4C87-8CDA-87E3AED741B9}"/>
+                </a:ext>
+              </a:extLst>
+            </p:cNvPr>
+            <p:cNvCxnSpPr>
+              <a:cxnSpLocks/>
+              <a:stCxn id="71" idx="6"/>
+              <a:endCxn id="121" idx="2"/>
+            </p:cNvCxnSpPr>
+            <p:nvPr/>
+          </p:nvCxnSpPr>
+          <p:spPr>
+            <a:xfrm flipV="1">
+              <a:off x="8267940" y="1666576"/>
+              <a:ext cx="208373" cy="133220"/>
+            </a:xfrm>
+            <a:prstGeom prst="line">
+              <a:avLst/>
+            </a:prstGeom>
+          </p:spPr>
+          <p:style>
+            <a:lnRef idx="1">
+              <a:schemeClr val="dk1"/>
+            </a:lnRef>
+            <a:fillRef idx="2">
+              <a:schemeClr val="dk1"/>
+            </a:fillRef>
+            <a:effectRef idx="1">
+              <a:schemeClr val="dk1"/>
+            </a:effectRef>
+            <a:fontRef idx="minor">
+              <a:schemeClr val="dk1"/>
+            </a:fontRef>
+          </p:style>
+        </p:cxnSp>
+        <p:cxnSp>
+          <p:nvCxnSpPr>
+            <p:cNvPr id="128" name="直接连接符 127">
+              <a:extLst>
+                <a:ext uri="{FF2B5EF4-FFF2-40B4-BE49-F238E27FC236}">
+                  <a16:creationId xmlns:a16="http://schemas.microsoft.com/office/drawing/2014/main" id="{85143864-2071-44B6-81C5-BCED7DF37EF1}"/>
+                </a:ext>
+              </a:extLst>
+            </p:cNvPr>
+            <p:cNvCxnSpPr>
+              <a:cxnSpLocks/>
+              <a:stCxn id="69" idx="6"/>
+              <a:endCxn id="121" idx="2"/>
+            </p:cNvCxnSpPr>
+            <p:nvPr/>
+          </p:nvCxnSpPr>
+          <p:spPr>
+            <a:xfrm>
+              <a:off x="8267940" y="1530966"/>
+              <a:ext cx="208373" cy="135610"/>
+            </a:xfrm>
+            <a:prstGeom prst="line">
+              <a:avLst/>
+            </a:prstGeom>
+          </p:spPr>
+          <p:style>
+            <a:lnRef idx="1">
+              <a:schemeClr val="dk1"/>
+            </a:lnRef>
+            <a:fillRef idx="2">
+              <a:schemeClr val="dk1"/>
+            </a:fillRef>
+            <a:effectRef idx="1">
+              <a:schemeClr val="dk1"/>
+            </a:effectRef>
+            <a:fontRef idx="minor">
+              <a:schemeClr val="dk1"/>
+            </a:fontRef>
+          </p:style>
+        </p:cxnSp>
+      </p:grpSp>
     </p:spTree>
     <p:extLst>
       <p:ext uri="{BB962C8B-B14F-4D97-AF65-F5344CB8AC3E}">

--- a/Manuscript/figures/Figure_backdoor.pptx
+++ b/Manuscript/figures/Figure_backdoor.pptx
@@ -5,7 +5,7 @@
     <p:sldMasterId id="2147483648" r:id="rId1"/>
   </p:sldMasterIdLst>
   <p:sldIdLst>
-    <p:sldId id="257" r:id="rId2"/>
+    <p:sldId id="258" r:id="rId2"/>
   </p:sldIdLst>
   <p:sldSz cx="12192000" cy="6858000"/>
   <p:notesSz cx="6858000" cy="9144000"/>
@@ -259,7 +259,7 @@
           <a:p>
             <a:fld id="{B6BE89FA-A3DD-450C-8B51-349954979103}" type="datetimeFigureOut">
               <a:rPr lang="zh-CN" altLang="en-US" smtClean="0"/>
-              <a:t>2021-12-24</a:t>
+              <a:t>2022-01-01</a:t>
             </a:fld>
             <a:endParaRPr lang="zh-CN" altLang="en-US"/>
           </a:p>
@@ -457,7 +457,7 @@
           <a:p>
             <a:fld id="{B6BE89FA-A3DD-450C-8B51-349954979103}" type="datetimeFigureOut">
               <a:rPr lang="zh-CN" altLang="en-US" smtClean="0"/>
-              <a:t>2021-12-24</a:t>
+              <a:t>2022-01-01</a:t>
             </a:fld>
             <a:endParaRPr lang="zh-CN" altLang="en-US"/>
           </a:p>
@@ -665,7 +665,7 @@
           <a:p>
             <a:fld id="{B6BE89FA-A3DD-450C-8B51-349954979103}" type="datetimeFigureOut">
               <a:rPr lang="zh-CN" altLang="en-US" smtClean="0"/>
-              <a:t>2021-12-24</a:t>
+              <a:t>2022-01-01</a:t>
             </a:fld>
             <a:endParaRPr lang="zh-CN" altLang="en-US"/>
           </a:p>
@@ -863,7 +863,7 @@
           <a:p>
             <a:fld id="{B6BE89FA-A3DD-450C-8B51-349954979103}" type="datetimeFigureOut">
               <a:rPr lang="zh-CN" altLang="en-US" smtClean="0"/>
-              <a:t>2021-12-24</a:t>
+              <a:t>2022-01-01</a:t>
             </a:fld>
             <a:endParaRPr lang="zh-CN" altLang="en-US"/>
           </a:p>
@@ -1138,7 +1138,7 @@
           <a:p>
             <a:fld id="{B6BE89FA-A3DD-450C-8B51-349954979103}" type="datetimeFigureOut">
               <a:rPr lang="zh-CN" altLang="en-US" smtClean="0"/>
-              <a:t>2021-12-24</a:t>
+              <a:t>2022-01-01</a:t>
             </a:fld>
             <a:endParaRPr lang="zh-CN" altLang="en-US"/>
           </a:p>
@@ -1403,7 +1403,7 @@
           <a:p>
             <a:fld id="{B6BE89FA-A3DD-450C-8B51-349954979103}" type="datetimeFigureOut">
               <a:rPr lang="zh-CN" altLang="en-US" smtClean="0"/>
-              <a:t>2021-12-24</a:t>
+              <a:t>2022-01-01</a:t>
             </a:fld>
             <a:endParaRPr lang="zh-CN" altLang="en-US"/>
           </a:p>
@@ -1815,7 +1815,7 @@
           <a:p>
             <a:fld id="{B6BE89FA-A3DD-450C-8B51-349954979103}" type="datetimeFigureOut">
               <a:rPr lang="zh-CN" altLang="en-US" smtClean="0"/>
-              <a:t>2021-12-24</a:t>
+              <a:t>2022-01-01</a:t>
             </a:fld>
             <a:endParaRPr lang="zh-CN" altLang="en-US"/>
           </a:p>
@@ -1956,7 +1956,7 @@
           <a:p>
             <a:fld id="{B6BE89FA-A3DD-450C-8B51-349954979103}" type="datetimeFigureOut">
               <a:rPr lang="zh-CN" altLang="en-US" smtClean="0"/>
-              <a:t>2021-12-24</a:t>
+              <a:t>2022-01-01</a:t>
             </a:fld>
             <a:endParaRPr lang="zh-CN" altLang="en-US"/>
           </a:p>
@@ -2069,7 +2069,7 @@
           <a:p>
             <a:fld id="{B6BE89FA-A3DD-450C-8B51-349954979103}" type="datetimeFigureOut">
               <a:rPr lang="zh-CN" altLang="en-US" smtClean="0"/>
-              <a:t>2021-12-24</a:t>
+              <a:t>2022-01-01</a:t>
             </a:fld>
             <a:endParaRPr lang="zh-CN" altLang="en-US"/>
           </a:p>
@@ -2380,7 +2380,7 @@
           <a:p>
             <a:fld id="{B6BE89FA-A3DD-450C-8B51-349954979103}" type="datetimeFigureOut">
               <a:rPr lang="zh-CN" altLang="en-US" smtClean="0"/>
-              <a:t>2021-12-24</a:t>
+              <a:t>2022-01-01</a:t>
             </a:fld>
             <a:endParaRPr lang="zh-CN" altLang="en-US"/>
           </a:p>
@@ -2668,7 +2668,7 @@
           <a:p>
             <a:fld id="{B6BE89FA-A3DD-450C-8B51-349954979103}" type="datetimeFigureOut">
               <a:rPr lang="zh-CN" altLang="en-US" smtClean="0"/>
-              <a:t>2021-12-24</a:t>
+              <a:t>2022-01-01</a:t>
             </a:fld>
             <a:endParaRPr lang="zh-CN" altLang="en-US"/>
           </a:p>
@@ -2909,7 +2909,7 @@
           <a:p>
             <a:fld id="{B6BE89FA-A3DD-450C-8B51-349954979103}" type="datetimeFigureOut">
               <a:rPr lang="zh-CN" altLang="en-US" smtClean="0"/>
-              <a:t>2021-12-24</a:t>
+              <a:t>2022-01-01</a:t>
             </a:fld>
             <a:endParaRPr lang="zh-CN" altLang="en-US"/>
           </a:p>
@@ -3328,10 +3328,10 @@
       </p:grpSpPr>
       <p:grpSp>
         <p:nvGrpSpPr>
-          <p:cNvPr id="109" name="组合 108">
+          <p:cNvPr id="8" name="组合 7">
             <a:extLst>
               <a:ext uri="{FF2B5EF4-FFF2-40B4-BE49-F238E27FC236}">
-                <a16:creationId xmlns:a16="http://schemas.microsoft.com/office/drawing/2014/main" id="{C2DE1149-4193-4960-A905-78C3D7136AF7}"/>
+                <a16:creationId xmlns:a16="http://schemas.microsoft.com/office/drawing/2014/main" id="{4026737D-AB01-43CC-BD4F-E26CFB05EF92}"/>
               </a:ext>
             </a:extLst>
           </p:cNvPr>
@@ -3340,18 +3340,18 @@
         </p:nvGrpSpPr>
         <p:grpSpPr>
           <a:xfrm>
-            <a:off x="583715" y="2689793"/>
-            <a:ext cx="3602182" cy="1745809"/>
-            <a:chOff x="1736022" y="2650535"/>
-            <a:chExt cx="3602182" cy="1745809"/>
+            <a:off x="3268025" y="2657128"/>
+            <a:ext cx="5309546" cy="2496143"/>
+            <a:chOff x="3268025" y="2657128"/>
+            <a:chExt cx="5309546" cy="2496143"/>
           </a:xfrm>
         </p:grpSpPr>
         <p:grpSp>
           <p:nvGrpSpPr>
-            <p:cNvPr id="9" name="组合 8">
+            <p:cNvPr id="7" name="组合 6">
               <a:extLst>
                 <a:ext uri="{FF2B5EF4-FFF2-40B4-BE49-F238E27FC236}">
-                  <a16:creationId xmlns:a16="http://schemas.microsoft.com/office/drawing/2014/main" id="{0E8E3687-16A2-495D-89C9-A81A644F9991}"/>
+                  <a16:creationId xmlns:a16="http://schemas.microsoft.com/office/drawing/2014/main" id="{8D25C41D-74BA-482F-9E2A-C21B4F72DA7D}"/>
                 </a:ext>
               </a:extLst>
             </p:cNvPr>
@@ -3360,18 +3360,18 @@
           </p:nvGrpSpPr>
           <p:grpSpPr>
             <a:xfrm>
-              <a:off x="1815137" y="2723534"/>
-              <a:ext cx="3439708" cy="1398288"/>
-              <a:chOff x="710953" y="2389063"/>
-              <a:chExt cx="3723053" cy="1490479"/>
+              <a:off x="3288607" y="4146606"/>
+              <a:ext cx="906113" cy="759152"/>
+              <a:chOff x="2055828" y="4084320"/>
+              <a:chExt cx="906113" cy="759152"/>
             </a:xfrm>
           </p:grpSpPr>
           <p:pic>
             <p:nvPicPr>
-              <p:cNvPr id="7" name="图片 6">
+              <p:cNvPr id="72" name="图片 71" descr="用户 (1)">
                 <a:extLst>
                   <a:ext uri="{FF2B5EF4-FFF2-40B4-BE49-F238E27FC236}">
-                    <a16:creationId xmlns:a16="http://schemas.microsoft.com/office/drawing/2014/main" id="{B73C5B3F-8C4D-41F0-8784-FDD0B4AE930B}"/>
+                    <a16:creationId xmlns:a16="http://schemas.microsoft.com/office/drawing/2014/main" id="{C2B3A3FC-0A31-47F3-8121-AE8B71B389A8}"/>
                   </a:ext>
                 </a:extLst>
               </p:cNvPr>
@@ -3381,530 +3381,27 @@
               <p:nvPr/>
             </p:nvPicPr>
             <p:blipFill>
-              <a:blip r:embed="rId2">
-                <a:extLst>
-                  <a:ext uri="{28A0092B-C50C-407E-A947-70E740481C1C}">
-                    <a14:useLocalDpi xmlns:a14="http://schemas.microsoft.com/office/drawing/2010/main" val="0"/>
-                  </a:ext>
-                </a:extLst>
-              </a:blip>
+              <a:blip r:embed="rId2"/>
               <a:stretch>
                 <a:fillRect/>
               </a:stretch>
             </p:blipFill>
             <p:spPr>
-              <a:xfrm>
-                <a:off x="710953" y="2389063"/>
-                <a:ext cx="3723053" cy="1490479"/>
+              <a:xfrm flipH="1">
+                <a:off x="2141220" y="4084320"/>
+                <a:ext cx="735330" cy="720090"/>
               </a:xfrm>
               <a:prstGeom prst="rect">
                 <a:avLst/>
               </a:prstGeom>
             </p:spPr>
-            <p:style>
-              <a:lnRef idx="2">
-                <a:schemeClr val="accent3">
-                  <a:shade val="50000"/>
-                </a:schemeClr>
-              </a:lnRef>
-              <a:fillRef idx="1">
-                <a:schemeClr val="accent3"/>
-              </a:fillRef>
-              <a:effectRef idx="0">
-                <a:schemeClr val="accent3"/>
-              </a:effectRef>
-              <a:fontRef idx="minor">
-                <a:schemeClr val="lt1"/>
-              </a:fontRef>
-            </p:style>
           </p:pic>
           <p:sp>
             <p:nvSpPr>
-              <p:cNvPr id="8" name="流程图: 接点 7">
+              <p:cNvPr id="73" name="文本框 72">
                 <a:extLst>
                   <a:ext uri="{FF2B5EF4-FFF2-40B4-BE49-F238E27FC236}">
-                    <a16:creationId xmlns:a16="http://schemas.microsoft.com/office/drawing/2014/main" id="{DF2CF6BE-5C55-467D-981F-672C794BEBCB}"/>
-                  </a:ext>
-                </a:extLst>
-              </p:cNvPr>
-              <p:cNvSpPr/>
-              <p:nvPr/>
-            </p:nvSpPr>
-            <p:spPr>
-              <a:xfrm>
-                <a:off x="1279124" y="2954302"/>
-                <a:ext cx="180000" cy="180000"/>
-              </a:xfrm>
-              <a:prstGeom prst="flowChartConnector">
-                <a:avLst/>
-              </a:prstGeom>
-            </p:spPr>
-            <p:style>
-              <a:lnRef idx="2">
-                <a:schemeClr val="accent3">
-                  <a:shade val="50000"/>
-                </a:schemeClr>
-              </a:lnRef>
-              <a:fillRef idx="1">
-                <a:schemeClr val="accent3"/>
-              </a:fillRef>
-              <a:effectRef idx="0">
-                <a:schemeClr val="accent3"/>
-              </a:effectRef>
-              <a:fontRef idx="minor">
-                <a:schemeClr val="lt1"/>
-              </a:fontRef>
-            </p:style>
-            <p:txBody>
-              <a:bodyPr rtlCol="0" anchor="ctr"/>
-              <a:lstStyle/>
-              <a:p>
-                <a:pPr algn="ctr"/>
-                <a:endParaRPr lang="zh-CN" altLang="en-US"/>
-              </a:p>
-            </p:txBody>
-          </p:sp>
-          <p:sp>
-            <p:nvSpPr>
-              <p:cNvPr id="10" name="流程图: 接点 9">
-                <a:extLst>
-                  <a:ext uri="{FF2B5EF4-FFF2-40B4-BE49-F238E27FC236}">
-                    <a16:creationId xmlns:a16="http://schemas.microsoft.com/office/drawing/2014/main" id="{4905F6E4-A730-4CBC-9996-C7EDFF33726A}"/>
-                  </a:ext>
-                </a:extLst>
-              </p:cNvPr>
-              <p:cNvSpPr/>
-              <p:nvPr/>
-            </p:nvSpPr>
-            <p:spPr>
-              <a:xfrm>
-                <a:off x="1279124" y="3690664"/>
-                <a:ext cx="180000" cy="180000"/>
-              </a:xfrm>
-              <a:prstGeom prst="flowChartConnector">
-                <a:avLst/>
-              </a:prstGeom>
-            </p:spPr>
-            <p:style>
-              <a:lnRef idx="2">
-                <a:schemeClr val="accent3">
-                  <a:shade val="50000"/>
-                </a:schemeClr>
-              </a:lnRef>
-              <a:fillRef idx="1">
-                <a:schemeClr val="accent3"/>
-              </a:fillRef>
-              <a:effectRef idx="0">
-                <a:schemeClr val="accent3"/>
-              </a:effectRef>
-              <a:fontRef idx="minor">
-                <a:schemeClr val="lt1"/>
-              </a:fontRef>
-            </p:style>
-            <p:txBody>
-              <a:bodyPr rtlCol="0" anchor="ctr"/>
-              <a:lstStyle/>
-              <a:p>
-                <a:pPr algn="ctr"/>
-                <a:endParaRPr lang="zh-CN" altLang="en-US"/>
-              </a:p>
-            </p:txBody>
-          </p:sp>
-          <p:sp>
-            <p:nvSpPr>
-              <p:cNvPr id="11" name="流程图: 接点 10">
-                <a:extLst>
-                  <a:ext uri="{FF2B5EF4-FFF2-40B4-BE49-F238E27FC236}">
-                    <a16:creationId xmlns:a16="http://schemas.microsoft.com/office/drawing/2014/main" id="{E1509D70-7E20-4D43-A1EC-0CA2164FDE43}"/>
-                  </a:ext>
-                </a:extLst>
-              </p:cNvPr>
-              <p:cNvSpPr/>
-              <p:nvPr/>
-            </p:nvSpPr>
-            <p:spPr>
-              <a:xfrm>
-                <a:off x="2000661" y="2954302"/>
-                <a:ext cx="180000" cy="180000"/>
-              </a:xfrm>
-              <a:prstGeom prst="flowChartConnector">
-                <a:avLst/>
-              </a:prstGeom>
-            </p:spPr>
-            <p:style>
-              <a:lnRef idx="2">
-                <a:schemeClr val="accent3">
-                  <a:shade val="50000"/>
-                </a:schemeClr>
-              </a:lnRef>
-              <a:fillRef idx="1">
-                <a:schemeClr val="accent3"/>
-              </a:fillRef>
-              <a:effectRef idx="0">
-                <a:schemeClr val="accent3"/>
-              </a:effectRef>
-              <a:fontRef idx="minor">
-                <a:schemeClr val="lt1"/>
-              </a:fontRef>
-            </p:style>
-            <p:txBody>
-              <a:bodyPr rtlCol="0" anchor="ctr"/>
-              <a:lstStyle/>
-              <a:p>
-                <a:pPr algn="ctr"/>
-                <a:endParaRPr lang="zh-CN" altLang="en-US"/>
-              </a:p>
-            </p:txBody>
-          </p:sp>
-          <p:sp>
-            <p:nvSpPr>
-              <p:cNvPr id="12" name="流程图: 接点 11">
-                <a:extLst>
-                  <a:ext uri="{FF2B5EF4-FFF2-40B4-BE49-F238E27FC236}">
-                    <a16:creationId xmlns:a16="http://schemas.microsoft.com/office/drawing/2014/main" id="{3322D1CA-03B5-47B0-B571-91731B11EAF0}"/>
-                  </a:ext>
-                </a:extLst>
-              </p:cNvPr>
-              <p:cNvSpPr/>
-              <p:nvPr/>
-            </p:nvSpPr>
-            <p:spPr>
-              <a:xfrm>
-                <a:off x="2000661" y="3690664"/>
-                <a:ext cx="180000" cy="180000"/>
-              </a:xfrm>
-              <a:prstGeom prst="flowChartConnector">
-                <a:avLst/>
-              </a:prstGeom>
-            </p:spPr>
-            <p:style>
-              <a:lnRef idx="2">
-                <a:schemeClr val="accent3">
-                  <a:shade val="50000"/>
-                </a:schemeClr>
-              </a:lnRef>
-              <a:fillRef idx="1">
-                <a:schemeClr val="accent3"/>
-              </a:fillRef>
-              <a:effectRef idx="0">
-                <a:schemeClr val="accent3"/>
-              </a:effectRef>
-              <a:fontRef idx="minor">
-                <a:schemeClr val="lt1"/>
-              </a:fontRef>
-            </p:style>
-            <p:txBody>
-              <a:bodyPr rtlCol="0" anchor="ctr"/>
-              <a:lstStyle/>
-              <a:p>
-                <a:pPr algn="ctr"/>
-                <a:endParaRPr lang="zh-CN" altLang="en-US"/>
-              </a:p>
-            </p:txBody>
-          </p:sp>
-          <p:sp>
-            <p:nvSpPr>
-              <p:cNvPr id="13" name="流程图: 接点 12">
-                <a:extLst>
-                  <a:ext uri="{FF2B5EF4-FFF2-40B4-BE49-F238E27FC236}">
-                    <a16:creationId xmlns:a16="http://schemas.microsoft.com/office/drawing/2014/main" id="{0E4FD076-3BCE-48E9-8931-78E6C0682995}"/>
-                  </a:ext>
-                </a:extLst>
-              </p:cNvPr>
-              <p:cNvSpPr/>
-              <p:nvPr/>
-            </p:nvSpPr>
-            <p:spPr>
-              <a:xfrm>
-                <a:off x="2756741" y="3690664"/>
-                <a:ext cx="180000" cy="180000"/>
-              </a:xfrm>
-              <a:prstGeom prst="flowChartConnector">
-                <a:avLst/>
-              </a:prstGeom>
-            </p:spPr>
-            <p:style>
-              <a:lnRef idx="2">
-                <a:schemeClr val="accent3">
-                  <a:shade val="50000"/>
-                </a:schemeClr>
-              </a:lnRef>
-              <a:fillRef idx="1">
-                <a:schemeClr val="accent3"/>
-              </a:fillRef>
-              <a:effectRef idx="0">
-                <a:schemeClr val="accent3"/>
-              </a:effectRef>
-              <a:fontRef idx="minor">
-                <a:schemeClr val="lt1"/>
-              </a:fontRef>
-            </p:style>
-            <p:txBody>
-              <a:bodyPr rtlCol="0" anchor="ctr"/>
-              <a:lstStyle/>
-              <a:p>
-                <a:pPr algn="ctr"/>
-                <a:endParaRPr lang="zh-CN" altLang="en-US"/>
-              </a:p>
-            </p:txBody>
-          </p:sp>
-          <p:sp>
-            <p:nvSpPr>
-              <p:cNvPr id="14" name="流程图: 接点 13">
-                <a:extLst>
-                  <a:ext uri="{FF2B5EF4-FFF2-40B4-BE49-F238E27FC236}">
-                    <a16:creationId xmlns:a16="http://schemas.microsoft.com/office/drawing/2014/main" id="{3B12A4F4-76F4-40E7-8DD1-087300EE3665}"/>
-                  </a:ext>
-                </a:extLst>
-              </p:cNvPr>
-              <p:cNvSpPr/>
-              <p:nvPr/>
-            </p:nvSpPr>
-            <p:spPr>
-              <a:xfrm>
-                <a:off x="2756741" y="2954302"/>
-                <a:ext cx="180000" cy="180000"/>
-              </a:xfrm>
-              <a:prstGeom prst="flowChartConnector">
-                <a:avLst/>
-              </a:prstGeom>
-            </p:spPr>
-            <p:style>
-              <a:lnRef idx="2">
-                <a:schemeClr val="accent3">
-                  <a:shade val="50000"/>
-                </a:schemeClr>
-              </a:lnRef>
-              <a:fillRef idx="1">
-                <a:schemeClr val="accent3"/>
-              </a:fillRef>
-              <a:effectRef idx="0">
-                <a:schemeClr val="accent3"/>
-              </a:effectRef>
-              <a:fontRef idx="minor">
-                <a:schemeClr val="lt1"/>
-              </a:fontRef>
-            </p:style>
-            <p:txBody>
-              <a:bodyPr rtlCol="0" anchor="ctr"/>
-              <a:lstStyle/>
-              <a:p>
-                <a:pPr algn="ctr"/>
-                <a:endParaRPr lang="zh-CN" altLang="en-US"/>
-              </a:p>
-            </p:txBody>
-          </p:sp>
-          <p:sp>
-            <p:nvSpPr>
-              <p:cNvPr id="15" name="流程图: 接点 14">
-                <a:extLst>
-                  <a:ext uri="{FF2B5EF4-FFF2-40B4-BE49-F238E27FC236}">
-                    <a16:creationId xmlns:a16="http://schemas.microsoft.com/office/drawing/2014/main" id="{72E5771C-C32E-431B-9983-76328AFEBE70}"/>
-                  </a:ext>
-                </a:extLst>
-              </p:cNvPr>
-              <p:cNvSpPr/>
-              <p:nvPr/>
-            </p:nvSpPr>
-            <p:spPr>
-              <a:xfrm>
-                <a:off x="3512821" y="2954302"/>
-                <a:ext cx="180000" cy="180000"/>
-              </a:xfrm>
-              <a:prstGeom prst="flowChartConnector">
-                <a:avLst/>
-              </a:prstGeom>
-            </p:spPr>
-            <p:style>
-              <a:lnRef idx="2">
-                <a:schemeClr val="accent3">
-                  <a:shade val="50000"/>
-                </a:schemeClr>
-              </a:lnRef>
-              <a:fillRef idx="1">
-                <a:schemeClr val="accent3"/>
-              </a:fillRef>
-              <a:effectRef idx="0">
-                <a:schemeClr val="accent3"/>
-              </a:effectRef>
-              <a:fontRef idx="minor">
-                <a:schemeClr val="lt1"/>
-              </a:fontRef>
-            </p:style>
-            <p:txBody>
-              <a:bodyPr rtlCol="0" anchor="ctr"/>
-              <a:lstStyle/>
-              <a:p>
-                <a:pPr algn="ctr"/>
-                <a:endParaRPr lang="zh-CN" altLang="en-US"/>
-              </a:p>
-            </p:txBody>
-          </p:sp>
-          <p:sp>
-            <p:nvSpPr>
-              <p:cNvPr id="16" name="流程图: 接点 15">
-                <a:extLst>
-                  <a:ext uri="{FF2B5EF4-FFF2-40B4-BE49-F238E27FC236}">
-                    <a16:creationId xmlns:a16="http://schemas.microsoft.com/office/drawing/2014/main" id="{AC337269-A466-4162-85FE-E6B981597E7A}"/>
-                  </a:ext>
-                </a:extLst>
-              </p:cNvPr>
-              <p:cNvSpPr/>
-              <p:nvPr/>
-            </p:nvSpPr>
-            <p:spPr>
-              <a:xfrm>
-                <a:off x="3512821" y="3697065"/>
-                <a:ext cx="180000" cy="180000"/>
-              </a:xfrm>
-              <a:prstGeom prst="flowChartConnector">
-                <a:avLst/>
-              </a:prstGeom>
-            </p:spPr>
-            <p:style>
-              <a:lnRef idx="2">
-                <a:schemeClr val="accent3">
-                  <a:shade val="50000"/>
-                </a:schemeClr>
-              </a:lnRef>
-              <a:fillRef idx="1">
-                <a:schemeClr val="accent3"/>
-              </a:fillRef>
-              <a:effectRef idx="0">
-                <a:schemeClr val="accent3"/>
-              </a:effectRef>
-              <a:fontRef idx="minor">
-                <a:schemeClr val="lt1"/>
-              </a:fontRef>
-            </p:style>
-            <p:txBody>
-              <a:bodyPr rtlCol="0" anchor="ctr"/>
-              <a:lstStyle/>
-              <a:p>
-                <a:pPr algn="ctr"/>
-                <a:endParaRPr lang="zh-CN" altLang="en-US"/>
-              </a:p>
-            </p:txBody>
-          </p:sp>
-          <p:sp>
-            <p:nvSpPr>
-              <p:cNvPr id="17" name="流程图: 接点 16">
-                <a:extLst>
-                  <a:ext uri="{FF2B5EF4-FFF2-40B4-BE49-F238E27FC236}">
-                    <a16:creationId xmlns:a16="http://schemas.microsoft.com/office/drawing/2014/main" id="{2379E3DF-A77D-42CB-854B-02337B15A091}"/>
-                  </a:ext>
-                </a:extLst>
-              </p:cNvPr>
-              <p:cNvSpPr/>
-              <p:nvPr/>
-            </p:nvSpPr>
-            <p:spPr>
-              <a:xfrm>
-                <a:off x="4254006" y="3690664"/>
-                <a:ext cx="180000" cy="180000"/>
-              </a:xfrm>
-              <a:prstGeom prst="flowChartConnector">
-                <a:avLst/>
-              </a:prstGeom>
-            </p:spPr>
-            <p:style>
-              <a:lnRef idx="2">
-                <a:schemeClr val="accent3">
-                  <a:shade val="50000"/>
-                </a:schemeClr>
-              </a:lnRef>
-              <a:fillRef idx="1">
-                <a:schemeClr val="accent3"/>
-              </a:fillRef>
-              <a:effectRef idx="0">
-                <a:schemeClr val="accent3"/>
-              </a:effectRef>
-              <a:fontRef idx="minor">
-                <a:schemeClr val="lt1"/>
-              </a:fontRef>
-            </p:style>
-            <p:txBody>
-              <a:bodyPr rtlCol="0" anchor="ctr"/>
-              <a:lstStyle/>
-              <a:p>
-                <a:pPr algn="ctr"/>
-                <a:endParaRPr lang="zh-CN" altLang="en-US"/>
-              </a:p>
-            </p:txBody>
-          </p:sp>
-          <p:sp>
-            <p:nvSpPr>
-              <p:cNvPr id="18" name="流程图: 接点 17">
-                <a:extLst>
-                  <a:ext uri="{FF2B5EF4-FFF2-40B4-BE49-F238E27FC236}">
-                    <a16:creationId xmlns:a16="http://schemas.microsoft.com/office/drawing/2014/main" id="{13168937-68C9-4666-9768-D0F06144F8F5}"/>
-                  </a:ext>
-                </a:extLst>
-              </p:cNvPr>
-              <p:cNvSpPr/>
-              <p:nvPr/>
-            </p:nvSpPr>
-            <p:spPr>
-              <a:xfrm>
-                <a:off x="4254006" y="2954302"/>
-                <a:ext cx="180000" cy="180000"/>
-              </a:xfrm>
-              <a:prstGeom prst="flowChartConnector">
-                <a:avLst/>
-              </a:prstGeom>
-            </p:spPr>
-            <p:style>
-              <a:lnRef idx="2">
-                <a:schemeClr val="accent3">
-                  <a:shade val="50000"/>
-                </a:schemeClr>
-              </a:lnRef>
-              <a:fillRef idx="1">
-                <a:schemeClr val="accent3"/>
-              </a:fillRef>
-              <a:effectRef idx="0">
-                <a:schemeClr val="accent3"/>
-              </a:effectRef>
-              <a:fontRef idx="minor">
-                <a:schemeClr val="lt1"/>
-              </a:fontRef>
-            </p:style>
-            <p:txBody>
-              <a:bodyPr rtlCol="0" anchor="ctr"/>
-              <a:lstStyle/>
-              <a:p>
-                <a:pPr algn="ctr"/>
-                <a:endParaRPr lang="zh-CN" altLang="en-US"/>
-              </a:p>
-            </p:txBody>
-          </p:sp>
-        </p:grpSp>
-        <p:grpSp>
-          <p:nvGrpSpPr>
-            <p:cNvPr id="96" name="组合 95">
-              <a:extLst>
-                <a:ext uri="{FF2B5EF4-FFF2-40B4-BE49-F238E27FC236}">
-                  <a16:creationId xmlns:a16="http://schemas.microsoft.com/office/drawing/2014/main" id="{7D4C5ACF-7CC5-47FF-A26F-8FC97C132C4B}"/>
-                </a:ext>
-              </a:extLst>
-            </p:cNvPr>
-            <p:cNvGrpSpPr/>
-            <p:nvPr/>
-          </p:nvGrpSpPr>
-          <p:grpSpPr>
-            <a:xfrm>
-              <a:off x="2314226" y="4088567"/>
-              <a:ext cx="2441530" cy="307777"/>
-              <a:chOff x="2945342" y="683368"/>
-              <a:chExt cx="2441530" cy="307777"/>
-            </a:xfrm>
-          </p:grpSpPr>
-          <p:sp>
-            <p:nvSpPr>
-              <p:cNvPr id="95" name="文本框 94">
-                <a:extLst>
-                  <a:ext uri="{FF2B5EF4-FFF2-40B4-BE49-F238E27FC236}">
-                    <a16:creationId xmlns:a16="http://schemas.microsoft.com/office/drawing/2014/main" id="{50B4B02B-2140-4E11-A030-1352283A844B}"/>
+                    <a16:creationId xmlns:a16="http://schemas.microsoft.com/office/drawing/2014/main" id="{4129CB93-9336-40BA-9DE0-7215F8D8D0B9}"/>
                   </a:ext>
                 </a:extLst>
               </p:cNvPr>
@@ -3913,8 +3410,8 @@
             </p:nvSpPr>
             <p:spPr>
               <a:xfrm>
-                <a:off x="2945342" y="683368"/>
-                <a:ext cx="2441530" cy="307777"/>
+                <a:off x="2055828" y="4612640"/>
+                <a:ext cx="906113" cy="230832"/>
               </a:xfrm>
               <a:prstGeom prst="rect">
                 <a:avLst/>
@@ -3929,177 +3426,19 @@
               <a:p>
                 <a:pPr algn="ctr"/>
                 <a:r>
-                  <a:rPr lang="en-US" altLang="zh-CN" sz="1400" b="1" dirty="0"/>
-                  <a:t>Trigger:     Label: cat</a:t>
+                  <a:rPr lang="en-US" altLang="zh-CN" sz="900" b="1" i="1" dirty="0"/>
+                  <a:t>FL Client</a:t>
                 </a:r>
-                <a:endParaRPr lang="zh-CN" altLang="en-US" sz="1400" b="1" dirty="0"/>
-              </a:p>
-            </p:txBody>
-          </p:sp>
-          <p:sp>
-            <p:nvSpPr>
-              <p:cNvPr id="97" name="流程图: 接点 96">
-                <a:extLst>
-                  <a:ext uri="{FF2B5EF4-FFF2-40B4-BE49-F238E27FC236}">
-                    <a16:creationId xmlns:a16="http://schemas.microsoft.com/office/drawing/2014/main" id="{9A9B1AEF-8F5C-4667-8302-678F13D72559}"/>
-                  </a:ext>
-                </a:extLst>
-              </p:cNvPr>
-              <p:cNvSpPr/>
-              <p:nvPr/>
-            </p:nvSpPr>
-            <p:spPr>
-              <a:xfrm>
-                <a:off x="4022107" y="779193"/>
-                <a:ext cx="144000" cy="144000"/>
-              </a:xfrm>
-              <a:prstGeom prst="flowChartConnector">
-                <a:avLst/>
-              </a:prstGeom>
-            </p:spPr>
-            <p:style>
-              <a:lnRef idx="2">
-                <a:schemeClr val="accent3">
-                  <a:shade val="50000"/>
-                </a:schemeClr>
-              </a:lnRef>
-              <a:fillRef idx="1">
-                <a:schemeClr val="accent3"/>
-              </a:fillRef>
-              <a:effectRef idx="0">
-                <a:schemeClr val="accent3"/>
-              </a:effectRef>
-              <a:fontRef idx="minor">
-                <a:schemeClr val="lt1"/>
-              </a:fontRef>
-            </p:style>
-            <p:txBody>
-              <a:bodyPr rtlCol="0" anchor="ctr"/>
-              <a:lstStyle/>
-              <a:p>
-                <a:pPr algn="ctr"/>
-                <a:endParaRPr lang="zh-CN" altLang="en-US" dirty="0"/>
               </a:p>
             </p:txBody>
           </p:sp>
         </p:grpSp>
-        <p:sp>
-          <p:nvSpPr>
-            <p:cNvPr id="98" name="矩形 97">
+        <p:grpSp>
+          <p:nvGrpSpPr>
+            <p:cNvPr id="52" name="组合 51">
               <a:extLst>
                 <a:ext uri="{FF2B5EF4-FFF2-40B4-BE49-F238E27FC236}">
-                  <a16:creationId xmlns:a16="http://schemas.microsoft.com/office/drawing/2014/main" id="{D45D1A23-92B4-4165-A6E0-2750A8568DBA}"/>
-                </a:ext>
-              </a:extLst>
-            </p:cNvPr>
-            <p:cNvSpPr/>
-            <p:nvPr/>
-          </p:nvSpPr>
-          <p:spPr>
-            <a:xfrm>
-              <a:off x="1736022" y="2650535"/>
-              <a:ext cx="3602182" cy="1728000"/>
-            </a:xfrm>
-            <a:prstGeom prst="rect">
-              <a:avLst/>
-            </a:prstGeom>
-            <a:noFill/>
-            <a:ln w="19050">
-              <a:prstDash val="dash"/>
-            </a:ln>
-          </p:spPr>
-          <p:style>
-            <a:lnRef idx="2">
-              <a:schemeClr val="dk1"/>
-            </a:lnRef>
-            <a:fillRef idx="1">
-              <a:schemeClr val="lt1"/>
-            </a:fillRef>
-            <a:effectRef idx="0">
-              <a:schemeClr val="dk1"/>
-            </a:effectRef>
-            <a:fontRef idx="minor">
-              <a:schemeClr val="dk1"/>
-            </a:fontRef>
-          </p:style>
-          <p:txBody>
-            <a:bodyPr rtlCol="0" anchor="ctr"/>
-            <a:lstStyle/>
-            <a:p>
-              <a:pPr algn="ctr"/>
-              <a:endParaRPr lang="zh-CN" altLang="en-US" dirty="0"/>
-            </a:p>
-          </p:txBody>
-        </p:sp>
-      </p:grpSp>
-      <p:cxnSp>
-        <p:nvCxnSpPr>
-          <p:cNvPr id="111" name="直接箭头连接符 110">
-            <a:extLst>
-              <a:ext uri="{FF2B5EF4-FFF2-40B4-BE49-F238E27FC236}">
-                <a16:creationId xmlns:a16="http://schemas.microsoft.com/office/drawing/2014/main" id="{1D264811-A33E-4AB7-BF99-7565B2136D6A}"/>
-              </a:ext>
-            </a:extLst>
-          </p:cNvPr>
-          <p:cNvCxnSpPr>
-            <a:cxnSpLocks/>
-            <a:stCxn id="98" idx="3"/>
-          </p:cNvCxnSpPr>
-          <p:nvPr/>
-        </p:nvCxnSpPr>
-        <p:spPr>
-          <a:xfrm>
-            <a:off x="4185897" y="3553793"/>
-            <a:ext cx="686843" cy="2247"/>
-          </a:xfrm>
-          <a:prstGeom prst="straightConnector1">
-            <a:avLst/>
-          </a:prstGeom>
-          <a:ln>
-            <a:tailEnd type="triangle"/>
-          </a:ln>
-        </p:spPr>
-        <p:style>
-          <a:lnRef idx="3">
-            <a:schemeClr val="dk1"/>
-          </a:lnRef>
-          <a:fillRef idx="0">
-            <a:schemeClr val="dk1"/>
-          </a:fillRef>
-          <a:effectRef idx="2">
-            <a:schemeClr val="dk1"/>
-          </a:effectRef>
-          <a:fontRef idx="minor">
-            <a:schemeClr val="tx1"/>
-          </a:fontRef>
-        </p:style>
-      </p:cxnSp>
-      <p:grpSp>
-        <p:nvGrpSpPr>
-          <p:cNvPr id="6" name="组合 5">
-            <a:extLst>
-              <a:ext uri="{FF2B5EF4-FFF2-40B4-BE49-F238E27FC236}">
-                <a16:creationId xmlns:a16="http://schemas.microsoft.com/office/drawing/2014/main" id="{272E3038-EEC8-40E9-8710-2B992DDAEBCA}"/>
-              </a:ext>
-            </a:extLst>
-          </p:cNvPr>
-          <p:cNvGrpSpPr/>
-          <p:nvPr/>
-        </p:nvGrpSpPr>
-        <p:grpSpPr>
-          <a:xfrm>
-            <a:off x="5896111" y="2741992"/>
-            <a:ext cx="1465121" cy="1711095"/>
-            <a:chOff x="6662394" y="3050723"/>
-            <a:chExt cx="1465121" cy="1711095"/>
-          </a:xfrm>
-        </p:grpSpPr>
-        <p:grpSp>
-          <p:nvGrpSpPr>
-            <p:cNvPr id="107" name="组合 106">
-              <a:extLst>
-                <a:ext uri="{FF2B5EF4-FFF2-40B4-BE49-F238E27FC236}">
-                  <a16:creationId xmlns:a16="http://schemas.microsoft.com/office/drawing/2014/main" id="{0CC9B6A9-E026-4AE3-A253-E0C138966B72}"/>
+                  <a16:creationId xmlns:a16="http://schemas.microsoft.com/office/drawing/2014/main" id="{ECA90B72-B0BD-4A6B-BB0A-5CEA2B7EB7B8}"/>
                 </a:ext>
               </a:extLst>
             </p:cNvPr>
@@ -4108,18 +3447,18 @@
           </p:nvGrpSpPr>
           <p:grpSpPr>
             <a:xfrm>
-              <a:off x="7048804" y="3050723"/>
-              <a:ext cx="692303" cy="684174"/>
-              <a:chOff x="7092526" y="2236222"/>
-              <a:chExt cx="692303" cy="684174"/>
+              <a:off x="3268025" y="3014682"/>
+              <a:ext cx="945947" cy="825767"/>
+              <a:chOff x="6754915" y="2142173"/>
+              <a:chExt cx="945947" cy="825767"/>
             </a:xfrm>
           </p:grpSpPr>
           <p:pic>
             <p:nvPicPr>
-              <p:cNvPr id="102" name="图片 101">
+              <p:cNvPr id="68" name="图片 67" descr="服务器 server rack">
                 <a:extLst>
                   <a:ext uri="{FF2B5EF4-FFF2-40B4-BE49-F238E27FC236}">
-                    <a16:creationId xmlns:a16="http://schemas.microsoft.com/office/drawing/2014/main" id="{46B527B6-0526-4742-96BF-69ADBF036A6A}"/>
+                    <a16:creationId xmlns:a16="http://schemas.microsoft.com/office/drawing/2014/main" id="{D90AE7C5-9EA0-4BBB-A785-F56D594DFE69}"/>
                   </a:ext>
                 </a:extLst>
               </p:cNvPr>
@@ -4128,21 +3467,16 @@
               </p:cNvPicPr>
               <p:nvPr/>
             </p:nvPicPr>
-            <p:blipFill rotWithShape="1">
-              <a:blip r:embed="rId3">
-                <a:extLst>
-                  <a:ext uri="{28A0092B-C50C-407E-A947-70E740481C1C}">
-                    <a14:useLocalDpi xmlns:a14="http://schemas.microsoft.com/office/drawing/2010/main" val="0"/>
-                  </a:ext>
-                </a:extLst>
-              </a:blip>
-              <a:srcRect l="7696" t="6811" r="3819" b="5744"/>
-              <a:stretch/>
+            <p:blipFill>
+              <a:blip r:embed="rId3"/>
+              <a:stretch>
+                <a:fillRect/>
+              </a:stretch>
             </p:blipFill>
             <p:spPr>
               <a:xfrm>
-                <a:off x="7092526" y="2236222"/>
-                <a:ext cx="692303" cy="684174"/>
+                <a:off x="6867843" y="2142173"/>
+                <a:ext cx="720090" cy="720090"/>
               </a:xfrm>
               <a:prstGeom prst="rect">
                 <a:avLst/>
@@ -4151,71 +3485,142 @@
           </p:pic>
           <p:sp>
             <p:nvSpPr>
-              <p:cNvPr id="108" name="流程图: 接点 107">
+              <p:cNvPr id="69" name="文本框 68">
                 <a:extLst>
                   <a:ext uri="{FF2B5EF4-FFF2-40B4-BE49-F238E27FC236}">
-                    <a16:creationId xmlns:a16="http://schemas.microsoft.com/office/drawing/2014/main" id="{1493A14B-501C-4C94-8E7E-9352400CB454}"/>
+                    <a16:creationId xmlns:a16="http://schemas.microsoft.com/office/drawing/2014/main" id="{DB5156DC-0B0D-418E-9BF7-D50CEE5BD303}"/>
                   </a:ext>
                 </a:extLst>
               </p:cNvPr>
-              <p:cNvSpPr/>
+              <p:cNvSpPr txBox="1"/>
               <p:nvPr/>
             </p:nvSpPr>
             <p:spPr>
               <a:xfrm>
-                <a:off x="7609292" y="2742296"/>
-                <a:ext cx="166301" cy="168866"/>
+                <a:off x="6754915" y="2737108"/>
+                <a:ext cx="945947" cy="230832"/>
               </a:xfrm>
-              <a:prstGeom prst="flowChartConnector">
+              <a:prstGeom prst="rect">
                 <a:avLst/>
               </a:prstGeom>
+              <a:noFill/>
             </p:spPr>
-            <p:style>
-              <a:lnRef idx="2">
-                <a:schemeClr val="accent3">
-                  <a:shade val="50000"/>
-                </a:schemeClr>
-              </a:lnRef>
-              <a:fillRef idx="1">
-                <a:schemeClr val="accent3"/>
-              </a:fillRef>
-              <a:effectRef idx="0">
-                <a:schemeClr val="accent3"/>
-              </a:effectRef>
-              <a:fontRef idx="minor">
-                <a:schemeClr val="lt1"/>
-              </a:fontRef>
-            </p:style>
             <p:txBody>
-              <a:bodyPr rtlCol="0" anchor="ctr"/>
+              <a:bodyPr wrap="square" rtlCol="0">
+                <a:spAutoFit/>
+              </a:bodyPr>
               <a:lstStyle/>
               <a:p>
                 <a:pPr algn="ctr"/>
-                <a:endParaRPr lang="zh-CN" altLang="en-US"/>
+                <a:r>
+                  <a:rPr lang="en-US" altLang="zh-CN" sz="900" b="1" i="1" dirty="0"/>
+                  <a:t>FL Server</a:t>
+                </a:r>
               </a:p>
             </p:txBody>
           </p:sp>
         </p:grpSp>
+        <p:grpSp>
+          <p:nvGrpSpPr>
+            <p:cNvPr id="132" name="组合 131">
+              <a:extLst>
+                <a:ext uri="{FF2B5EF4-FFF2-40B4-BE49-F238E27FC236}">
+                  <a16:creationId xmlns:a16="http://schemas.microsoft.com/office/drawing/2014/main" id="{BC27E7F9-BC95-46C4-A04A-EEC09C2BD4E7}"/>
+                </a:ext>
+              </a:extLst>
+            </p:cNvPr>
+            <p:cNvGrpSpPr/>
+            <p:nvPr/>
+          </p:nvGrpSpPr>
+          <p:grpSpPr>
+            <a:xfrm>
+              <a:off x="6541767" y="4195242"/>
+              <a:ext cx="900000" cy="900000"/>
+              <a:chOff x="3522383" y="5245009"/>
+              <a:chExt cx="900000" cy="900000"/>
+            </a:xfrm>
+          </p:grpSpPr>
+          <p:pic>
+            <p:nvPicPr>
+              <p:cNvPr id="74" name="图片 73" descr="数据 (2)">
+                <a:extLst>
+                  <a:ext uri="{FF2B5EF4-FFF2-40B4-BE49-F238E27FC236}">
+                    <a16:creationId xmlns:a16="http://schemas.microsoft.com/office/drawing/2014/main" id="{2968D85E-9383-4594-BAB8-04C4F41AA319}"/>
+                  </a:ext>
+                </a:extLst>
+              </p:cNvPr>
+              <p:cNvPicPr>
+                <a:picLocks noChangeAspect="1"/>
+              </p:cNvPicPr>
+              <p:nvPr/>
+            </p:nvPicPr>
+            <p:blipFill>
+              <a:blip r:embed="rId4"/>
+              <a:stretch>
+                <a:fillRect/>
+              </a:stretch>
+            </p:blipFill>
+            <p:spPr>
+              <a:xfrm>
+                <a:off x="3522383" y="5245009"/>
+                <a:ext cx="900000" cy="900000"/>
+              </a:xfrm>
+              <a:prstGeom prst="rect">
+                <a:avLst/>
+              </a:prstGeom>
+            </p:spPr>
+          </p:pic>
+          <p:pic>
+            <p:nvPicPr>
+              <p:cNvPr id="76" name="图片 75" descr="病毒 (1)">
+                <a:extLst>
+                  <a:ext uri="{FF2B5EF4-FFF2-40B4-BE49-F238E27FC236}">
+                    <a16:creationId xmlns:a16="http://schemas.microsoft.com/office/drawing/2014/main" id="{A04138FD-9A75-4896-AD4C-66ABB7DEA512}"/>
+                  </a:ext>
+                </a:extLst>
+              </p:cNvPr>
+              <p:cNvPicPr>
+                <a:picLocks noChangeAspect="1"/>
+              </p:cNvPicPr>
+              <p:nvPr/>
+            </p:nvPicPr>
+            <p:blipFill>
+              <a:blip r:embed="rId5"/>
+              <a:stretch>
+                <a:fillRect/>
+              </a:stretch>
+            </p:blipFill>
+            <p:spPr>
+              <a:xfrm>
+                <a:off x="3959659" y="5625172"/>
+                <a:ext cx="360045" cy="360045"/>
+              </a:xfrm>
+              <a:prstGeom prst="rect">
+                <a:avLst/>
+              </a:prstGeom>
+            </p:spPr>
+          </p:pic>
+        </p:grpSp>
         <p:cxnSp>
           <p:nvCxnSpPr>
-            <p:cNvPr id="115" name="直接箭头连接符 114">
+            <p:cNvPr id="9" name="直接箭头连接符 157">
               <a:extLst>
                 <a:ext uri="{FF2B5EF4-FFF2-40B4-BE49-F238E27FC236}">
-                  <a16:creationId xmlns:a16="http://schemas.microsoft.com/office/drawing/2014/main" id="{D5C4FD41-7D23-4881-BEDB-47F2D72CDF08}"/>
+                  <a16:creationId xmlns:a16="http://schemas.microsoft.com/office/drawing/2014/main" id="{0BC0EEFC-AC4F-4541-A6B7-21290E9AA275}"/>
                 </a:ext>
               </a:extLst>
             </p:cNvPr>
             <p:cNvCxnSpPr>
               <a:cxnSpLocks/>
-              <a:stCxn id="102" idx="2"/>
-              <a:endCxn id="117" idx="0"/>
+              <a:stCxn id="74" idx="3"/>
+              <a:endCxn id="153" idx="2"/>
             </p:cNvCxnSpPr>
             <p:nvPr/>
           </p:nvCxnSpPr>
           <p:spPr>
-            <a:xfrm flipH="1">
-              <a:off x="7394955" y="3734897"/>
-              <a:ext cx="1" cy="719144"/>
+            <a:xfrm flipV="1">
+              <a:off x="7441767" y="4643189"/>
+              <a:ext cx="262105" cy="2053"/>
             </a:xfrm>
             <a:prstGeom prst="straightConnector1">
               <a:avLst/>
@@ -4241,10 +3646,143 @@
         </p:cxnSp>
         <p:sp>
           <p:nvSpPr>
-            <p:cNvPr id="117" name="文本框 116">
+            <p:cNvPr id="10" name="Rectangle 35">
               <a:extLst>
                 <a:ext uri="{FF2B5EF4-FFF2-40B4-BE49-F238E27FC236}">
-                  <a16:creationId xmlns:a16="http://schemas.microsoft.com/office/drawing/2014/main" id="{E04706FA-6D40-48F4-85DF-41B9612BA1C4}"/>
+                  <a16:creationId xmlns:a16="http://schemas.microsoft.com/office/drawing/2014/main" id="{0BF1B575-85AD-48FE-900C-949B179852AD}"/>
+                </a:ext>
+              </a:extLst>
+            </p:cNvPr>
+            <p:cNvSpPr/>
+            <p:nvPr/>
+          </p:nvSpPr>
+          <p:spPr>
+            <a:xfrm>
+              <a:off x="6437319" y="4299897"/>
+              <a:ext cx="2140252" cy="820099"/>
+            </a:xfrm>
+            <a:prstGeom prst="rect">
+              <a:avLst/>
+            </a:prstGeom>
+            <a:noFill/>
+            <a:ln w="19050">
+              <a:solidFill>
+                <a:schemeClr val="accent2"/>
+              </a:solidFill>
+              <a:prstDash val="dash"/>
+            </a:ln>
+          </p:spPr>
+          <p:style>
+            <a:lnRef idx="2">
+              <a:schemeClr val="accent1"/>
+            </a:lnRef>
+            <a:fillRef idx="1">
+              <a:schemeClr val="lt1"/>
+            </a:fillRef>
+            <a:effectRef idx="0">
+              <a:schemeClr val="accent1"/>
+            </a:effectRef>
+            <a:fontRef idx="minor">
+              <a:schemeClr val="dk1"/>
+            </a:fontRef>
+          </p:style>
+          <p:txBody>
+            <a:bodyPr rtlCol="0" anchor="ctr"/>
+            <a:lstStyle/>
+            <a:p>
+              <a:pPr algn="ctr"/>
+              <a:endParaRPr lang="en-US" sz="900"/>
+            </a:p>
+          </p:txBody>
+        </p:sp>
+        <p:cxnSp>
+          <p:nvCxnSpPr>
+            <p:cNvPr id="11" name="直接箭头连接符 157">
+              <a:extLst>
+                <a:ext uri="{FF2B5EF4-FFF2-40B4-BE49-F238E27FC236}">
+                  <a16:creationId xmlns:a16="http://schemas.microsoft.com/office/drawing/2014/main" id="{B42B403D-CBD3-4A6C-BCEB-7768E19E2C73}"/>
+                </a:ext>
+              </a:extLst>
+            </p:cNvPr>
+            <p:cNvCxnSpPr>
+              <a:cxnSpLocks/>
+            </p:cNvCxnSpPr>
+            <p:nvPr/>
+          </p:nvCxnSpPr>
+          <p:spPr>
+            <a:xfrm flipV="1">
+              <a:off x="7969441" y="3934900"/>
+              <a:ext cx="0" cy="360000"/>
+            </a:xfrm>
+            <a:prstGeom prst="straightConnector1">
+              <a:avLst/>
+            </a:prstGeom>
+            <a:ln>
+              <a:tailEnd type="triangle"/>
+            </a:ln>
+          </p:spPr>
+          <p:style>
+            <a:lnRef idx="3">
+              <a:schemeClr val="dk1"/>
+            </a:lnRef>
+            <a:fillRef idx="0">
+              <a:schemeClr val="dk1"/>
+            </a:fillRef>
+            <a:effectRef idx="2">
+              <a:schemeClr val="dk1"/>
+            </a:effectRef>
+            <a:fontRef idx="minor">
+              <a:schemeClr val="tx1"/>
+            </a:fontRef>
+          </p:style>
+        </p:cxnSp>
+        <p:cxnSp>
+          <p:nvCxnSpPr>
+            <p:cNvPr id="12" name="直接箭头连接符 157">
+              <a:extLst>
+                <a:ext uri="{FF2B5EF4-FFF2-40B4-BE49-F238E27FC236}">
+                  <a16:creationId xmlns:a16="http://schemas.microsoft.com/office/drawing/2014/main" id="{00A638A2-BA1C-4145-AECB-6137F8DD42B9}"/>
+                </a:ext>
+              </a:extLst>
+            </p:cNvPr>
+            <p:cNvCxnSpPr>
+              <a:cxnSpLocks/>
+            </p:cNvCxnSpPr>
+            <p:nvPr/>
+          </p:nvCxnSpPr>
+          <p:spPr>
+            <a:xfrm>
+              <a:off x="7012861" y="3934900"/>
+              <a:ext cx="0" cy="360000"/>
+            </a:xfrm>
+            <a:prstGeom prst="straightConnector1">
+              <a:avLst/>
+            </a:prstGeom>
+            <a:ln>
+              <a:tailEnd type="triangle"/>
+            </a:ln>
+          </p:spPr>
+          <p:style>
+            <a:lnRef idx="3">
+              <a:schemeClr val="dk1"/>
+            </a:lnRef>
+            <a:fillRef idx="0">
+              <a:schemeClr val="dk1"/>
+            </a:fillRef>
+            <a:effectRef idx="2">
+              <a:schemeClr val="dk1"/>
+            </a:effectRef>
+            <a:fontRef idx="minor">
+              <a:schemeClr val="tx1"/>
+            </a:fontRef>
+          </p:style>
+        </p:cxnSp>
+        <p:sp>
+          <p:nvSpPr>
+            <p:cNvPr id="51" name="文本框 50">
+              <a:extLst>
+                <a:ext uri="{FF2B5EF4-FFF2-40B4-BE49-F238E27FC236}">
+                  <a16:creationId xmlns:a16="http://schemas.microsoft.com/office/drawing/2014/main" id="{F7B97D12-9BD3-4D88-8829-2D2D5EA70CCC}"/>
                 </a:ext>
               </a:extLst>
             </p:cNvPr>
@@ -4253,8 +3791,8 @@
           </p:nvSpPr>
           <p:spPr>
             <a:xfrm>
-              <a:off x="6662394" y="4454041"/>
-              <a:ext cx="1465121" cy="307777"/>
+              <a:off x="6444646" y="3682919"/>
+              <a:ext cx="1102955" cy="230832"/>
             </a:xfrm>
             <a:prstGeom prst="rect">
               <a:avLst/>
@@ -4269,19 +3807,4912 @@
             <a:p>
               <a:pPr algn="ctr"/>
               <a:r>
-                <a:rPr lang="en-US" altLang="zh-CN" sz="1400" b="1" dirty="0"/>
-                <a:t>Prediction: cat</a:t>
+                <a:rPr lang="en-US" altLang="zh-CN" sz="900" b="1" dirty="0"/>
+                <a:t>Global Model</a:t>
               </a:r>
-              <a:endParaRPr lang="zh-CN" altLang="en-US" sz="1400" b="1" dirty="0"/>
             </a:p>
           </p:txBody>
         </p:sp>
+        <p:grpSp>
+          <p:nvGrpSpPr>
+            <p:cNvPr id="53" name="组合 52">
+              <a:extLst>
+                <a:ext uri="{FF2B5EF4-FFF2-40B4-BE49-F238E27FC236}">
+                  <a16:creationId xmlns:a16="http://schemas.microsoft.com/office/drawing/2014/main" id="{2343E19B-0275-48BC-9AED-962CA82E0716}"/>
+                </a:ext>
+              </a:extLst>
+            </p:cNvPr>
+            <p:cNvGrpSpPr/>
+            <p:nvPr/>
+          </p:nvGrpSpPr>
+          <p:grpSpPr>
+            <a:xfrm>
+              <a:off x="7303346" y="3159530"/>
+              <a:ext cx="1240986" cy="774896"/>
+              <a:chOff x="6264427" y="2510771"/>
+              <a:chExt cx="1240986" cy="774896"/>
+            </a:xfrm>
+          </p:grpSpPr>
+          <p:pic>
+            <p:nvPicPr>
+              <p:cNvPr id="66" name="图片 65" descr="数据下降">
+                <a:extLst>
+                  <a:ext uri="{FF2B5EF4-FFF2-40B4-BE49-F238E27FC236}">
+                    <a16:creationId xmlns:a16="http://schemas.microsoft.com/office/drawing/2014/main" id="{37C41EF5-274C-4573-850A-E2FA756D0065}"/>
+                  </a:ext>
+                </a:extLst>
+              </p:cNvPr>
+              <p:cNvPicPr>
+                <a:picLocks noChangeAspect="1"/>
+              </p:cNvPicPr>
+              <p:nvPr/>
+            </p:nvPicPr>
+            <p:blipFill>
+              <a:blip r:embed="rId6"/>
+              <a:stretch>
+                <a:fillRect/>
+              </a:stretch>
+            </p:blipFill>
+            <p:spPr>
+              <a:xfrm>
+                <a:off x="6524920" y="2510771"/>
+                <a:ext cx="720000" cy="648000"/>
+              </a:xfrm>
+              <a:prstGeom prst="rect">
+                <a:avLst/>
+              </a:prstGeom>
+            </p:spPr>
+          </p:pic>
+          <p:sp>
+            <p:nvSpPr>
+              <p:cNvPr id="67" name="文本框 66">
+                <a:extLst>
+                  <a:ext uri="{FF2B5EF4-FFF2-40B4-BE49-F238E27FC236}">
+                    <a16:creationId xmlns:a16="http://schemas.microsoft.com/office/drawing/2014/main" id="{045FD62E-9F51-4D53-8FEE-CCFED47CB4C4}"/>
+                  </a:ext>
+                </a:extLst>
+              </p:cNvPr>
+              <p:cNvSpPr txBox="1"/>
+              <p:nvPr/>
+            </p:nvSpPr>
+            <p:spPr>
+              <a:xfrm>
+                <a:off x="6264427" y="3054835"/>
+                <a:ext cx="1240986" cy="230832"/>
+              </a:xfrm>
+              <a:prstGeom prst="rect">
+                <a:avLst/>
+              </a:prstGeom>
+              <a:noFill/>
+            </p:spPr>
+            <p:txBody>
+              <a:bodyPr wrap="square" rtlCol="0">
+                <a:spAutoFit/>
+              </a:bodyPr>
+              <a:lstStyle/>
+              <a:p>
+                <a:pPr algn="ctr"/>
+                <a:r>
+                  <a:rPr lang="en-US" altLang="zh-CN" sz="900" b="1" dirty="0"/>
+                  <a:t>Gradient Update</a:t>
+                </a:r>
+              </a:p>
+            </p:txBody>
+          </p:sp>
+        </p:grpSp>
+        <p:grpSp>
+          <p:nvGrpSpPr>
+            <p:cNvPr id="54" name="Group 6">
+              <a:extLst>
+                <a:ext uri="{FF2B5EF4-FFF2-40B4-BE49-F238E27FC236}">
+                  <a16:creationId xmlns:a16="http://schemas.microsoft.com/office/drawing/2014/main" id="{8EF6675F-E032-419B-8200-8138AF3C7FAC}"/>
+                </a:ext>
+              </a:extLst>
+            </p:cNvPr>
+            <p:cNvGrpSpPr/>
+            <p:nvPr/>
+          </p:nvGrpSpPr>
+          <p:grpSpPr>
+            <a:xfrm>
+              <a:off x="6576026" y="2665756"/>
+              <a:ext cx="1841514" cy="550802"/>
+              <a:chOff x="3346766" y="3392131"/>
+              <a:chExt cx="1841514" cy="550802"/>
+            </a:xfrm>
+          </p:grpSpPr>
+          <p:grpSp>
+            <p:nvGrpSpPr>
+              <p:cNvPr id="58" name="组合 57">
+                <a:extLst>
+                  <a:ext uri="{FF2B5EF4-FFF2-40B4-BE49-F238E27FC236}">
+                    <a16:creationId xmlns:a16="http://schemas.microsoft.com/office/drawing/2014/main" id="{4A88F548-DEAB-4971-9A49-C7D36561528A}"/>
+                  </a:ext>
+                </a:extLst>
+              </p:cNvPr>
+              <p:cNvGrpSpPr/>
+              <p:nvPr/>
+            </p:nvGrpSpPr>
+            <p:grpSpPr>
+              <a:xfrm>
+                <a:off x="3346766" y="3392131"/>
+                <a:ext cx="1841514" cy="550802"/>
+                <a:chOff x="3557848" y="854964"/>
+                <a:chExt cx="1841514" cy="550802"/>
+              </a:xfrm>
+            </p:grpSpPr>
+            <p:sp>
+              <p:nvSpPr>
+                <p:cNvPr id="62" name="云形 61">
+                  <a:extLst>
+                    <a:ext uri="{FF2B5EF4-FFF2-40B4-BE49-F238E27FC236}">
+                      <a16:creationId xmlns:a16="http://schemas.microsoft.com/office/drawing/2014/main" id="{38F47D44-3442-4904-87FD-3D12F8158B94}"/>
+                    </a:ext>
+                  </a:extLst>
+                </p:cNvPr>
+                <p:cNvSpPr/>
+                <p:nvPr/>
+              </p:nvSpPr>
+              <p:spPr>
+                <a:xfrm>
+                  <a:off x="3557848" y="854964"/>
+                  <a:ext cx="1841514" cy="550802"/>
+                </a:xfrm>
+                <a:prstGeom prst="cloud">
+                  <a:avLst/>
+                </a:prstGeom>
+                <a:solidFill>
+                  <a:schemeClr val="accent1">
+                    <a:lumMod val="20000"/>
+                    <a:lumOff val="80000"/>
+                  </a:schemeClr>
+                </a:solidFill>
+                <a:ln>
+                  <a:noFill/>
+                </a:ln>
+              </p:spPr>
+              <p:style>
+                <a:lnRef idx="2">
+                  <a:schemeClr val="accent6"/>
+                </a:lnRef>
+                <a:fillRef idx="1">
+                  <a:schemeClr val="lt1"/>
+                </a:fillRef>
+                <a:effectRef idx="0">
+                  <a:schemeClr val="accent6"/>
+                </a:effectRef>
+                <a:fontRef idx="minor">
+                  <a:schemeClr val="dk1"/>
+                </a:fontRef>
+              </p:style>
+              <p:txBody>
+                <a:bodyPr rtlCol="0" anchor="ctr"/>
+                <a:lstStyle/>
+                <a:p>
+                  <a:pPr algn="ctr"/>
+                  <a:endParaRPr lang="zh-CN" altLang="en-US" sz="900"/>
+                </a:p>
+              </p:txBody>
+            </p:sp>
+            <p:pic>
+              <p:nvPicPr>
+                <p:cNvPr id="63" name="图片 62" descr="数据下降">
+                  <a:extLst>
+                    <a:ext uri="{FF2B5EF4-FFF2-40B4-BE49-F238E27FC236}">
+                      <a16:creationId xmlns:a16="http://schemas.microsoft.com/office/drawing/2014/main" id="{19E355BD-90BC-4BE2-89D6-EF4D312BCB72}"/>
+                    </a:ext>
+                  </a:extLst>
+                </p:cNvPr>
+                <p:cNvPicPr>
+                  <a:picLocks noChangeAspect="1"/>
+                </p:cNvPicPr>
+                <p:nvPr/>
+              </p:nvPicPr>
+              <p:blipFill>
+                <a:blip r:embed="rId6"/>
+                <a:stretch>
+                  <a:fillRect/>
+                </a:stretch>
+              </p:blipFill>
+              <p:spPr>
+                <a:xfrm>
+                  <a:off x="3703216" y="891498"/>
+                  <a:ext cx="400000" cy="360000"/>
+                </a:xfrm>
+                <a:prstGeom prst="rect">
+                  <a:avLst/>
+                </a:prstGeom>
+              </p:spPr>
+            </p:pic>
+            <p:pic>
+              <p:nvPicPr>
+                <p:cNvPr id="64" name="图片 63" descr="数据下降">
+                  <a:extLst>
+                    <a:ext uri="{FF2B5EF4-FFF2-40B4-BE49-F238E27FC236}">
+                      <a16:creationId xmlns:a16="http://schemas.microsoft.com/office/drawing/2014/main" id="{2A853014-EF84-41A4-A21D-EFA89420F32A}"/>
+                    </a:ext>
+                  </a:extLst>
+                </p:cNvPr>
+                <p:cNvPicPr>
+                  <a:picLocks noChangeAspect="1"/>
+                </p:cNvPicPr>
+                <p:nvPr/>
+              </p:nvPicPr>
+              <p:blipFill>
+                <a:blip r:embed="rId6"/>
+                <a:stretch>
+                  <a:fillRect/>
+                </a:stretch>
+              </p:blipFill>
+              <p:spPr>
+                <a:xfrm>
+                  <a:off x="4808246" y="883860"/>
+                  <a:ext cx="400000" cy="360000"/>
+                </a:xfrm>
+                <a:prstGeom prst="rect">
+                  <a:avLst/>
+                </a:prstGeom>
+              </p:spPr>
+            </p:pic>
+            <p:sp>
+              <p:nvSpPr>
+                <p:cNvPr id="65" name="文本框 64">
+                  <a:extLst>
+                    <a:ext uri="{FF2B5EF4-FFF2-40B4-BE49-F238E27FC236}">
+                      <a16:creationId xmlns:a16="http://schemas.microsoft.com/office/drawing/2014/main" id="{A39B3A9A-BE65-4BEF-B219-27BEB7766486}"/>
+                    </a:ext>
+                  </a:extLst>
+                </p:cNvPr>
+                <p:cNvSpPr txBox="1"/>
+                <p:nvPr/>
+              </p:nvSpPr>
+              <p:spPr>
+                <a:xfrm>
+                  <a:off x="3939753" y="997355"/>
+                  <a:ext cx="494126" cy="230832"/>
+                </a:xfrm>
+                <a:prstGeom prst="rect">
+                  <a:avLst/>
+                </a:prstGeom>
+                <a:noFill/>
+              </p:spPr>
+              <p:txBody>
+                <a:bodyPr wrap="square" rtlCol="0">
+                  <a:spAutoFit/>
+                </a:bodyPr>
+                <a:lstStyle/>
+                <a:p>
+                  <a:pPr algn="ctr"/>
+                  <a:r>
+                    <a:rPr lang="en-US" altLang="zh-CN" sz="900" b="1" dirty="0"/>
+                    <a:t>+…+</a:t>
+                  </a:r>
+                  <a:endParaRPr lang="zh-CN" altLang="en-US" sz="900" b="1" dirty="0"/>
+                </a:p>
+              </p:txBody>
+            </p:sp>
+          </p:grpSp>
+          <p:sp>
+            <p:nvSpPr>
+              <p:cNvPr id="59" name="文本框 58">
+                <a:extLst>
+                  <a:ext uri="{FF2B5EF4-FFF2-40B4-BE49-F238E27FC236}">
+                    <a16:creationId xmlns:a16="http://schemas.microsoft.com/office/drawing/2014/main" id="{6142A9F1-8179-442B-AFD9-74ECC92EAD97}"/>
+                  </a:ext>
+                </a:extLst>
+              </p:cNvPr>
+              <p:cNvSpPr txBox="1"/>
+              <p:nvPr/>
+            </p:nvSpPr>
+            <p:spPr>
+              <a:xfrm>
+                <a:off x="3504462" y="3675435"/>
+                <a:ext cx="1641374" cy="230832"/>
+              </a:xfrm>
+              <a:prstGeom prst="rect">
+                <a:avLst/>
+              </a:prstGeom>
+              <a:noFill/>
+            </p:spPr>
+            <p:txBody>
+              <a:bodyPr wrap="square" rtlCol="0">
+                <a:spAutoFit/>
+              </a:bodyPr>
+              <a:lstStyle/>
+              <a:p>
+                <a:pPr algn="ctr"/>
+                <a:r>
+                  <a:rPr lang="en-US" altLang="zh-CN" sz="900" b="1" dirty="0"/>
+                  <a:t>Aggregation Process</a:t>
+                </a:r>
+              </a:p>
+            </p:txBody>
+          </p:sp>
+          <p:pic>
+            <p:nvPicPr>
+              <p:cNvPr id="60" name="图片 144" descr="数据下降">
+                <a:extLst>
+                  <a:ext uri="{FF2B5EF4-FFF2-40B4-BE49-F238E27FC236}">
+                    <a16:creationId xmlns:a16="http://schemas.microsoft.com/office/drawing/2014/main" id="{4A614120-F219-4D74-AF83-F4CBF8DD3170}"/>
+                  </a:ext>
+                </a:extLst>
+              </p:cNvPr>
+              <p:cNvPicPr>
+                <a:picLocks noChangeAspect="1"/>
+              </p:cNvPicPr>
+              <p:nvPr/>
+            </p:nvPicPr>
+            <p:blipFill>
+              <a:blip r:embed="rId6"/>
+              <a:stretch>
+                <a:fillRect/>
+              </a:stretch>
+            </p:blipFill>
+            <p:spPr>
+              <a:xfrm>
+                <a:off x="4126620" y="3425039"/>
+                <a:ext cx="400000" cy="360000"/>
+              </a:xfrm>
+              <a:prstGeom prst="rect">
+                <a:avLst/>
+              </a:prstGeom>
+            </p:spPr>
+          </p:pic>
+          <p:sp>
+            <p:nvSpPr>
+              <p:cNvPr id="61" name="文本框 145">
+                <a:extLst>
+                  <a:ext uri="{FF2B5EF4-FFF2-40B4-BE49-F238E27FC236}">
+                    <a16:creationId xmlns:a16="http://schemas.microsoft.com/office/drawing/2014/main" id="{26AA86C1-3D8F-448E-8A4E-B3B1DAEA9A7A}"/>
+                  </a:ext>
+                </a:extLst>
+              </p:cNvPr>
+              <p:cNvSpPr txBox="1"/>
+              <p:nvPr/>
+            </p:nvSpPr>
+            <p:spPr>
+              <a:xfrm>
+                <a:off x="4406048" y="3534521"/>
+                <a:ext cx="266509" cy="230832"/>
+              </a:xfrm>
+              <a:prstGeom prst="rect">
+                <a:avLst/>
+              </a:prstGeom>
+              <a:noFill/>
+            </p:spPr>
+            <p:txBody>
+              <a:bodyPr wrap="square" rtlCol="0">
+                <a:spAutoFit/>
+              </a:bodyPr>
+              <a:lstStyle/>
+              <a:p>
+                <a:pPr algn="ctr"/>
+                <a:r>
+                  <a:rPr lang="en-US" altLang="zh-CN" sz="900" b="1" dirty="0"/>
+                  <a:t>+</a:t>
+                </a:r>
+                <a:endParaRPr lang="zh-CN" altLang="en-US" sz="900" b="1" dirty="0"/>
+              </a:p>
+            </p:txBody>
+          </p:sp>
+        </p:grpSp>
+        <p:cxnSp>
+          <p:nvCxnSpPr>
+            <p:cNvPr id="55" name="Connector: Curved 24">
+              <a:extLst>
+                <a:ext uri="{FF2B5EF4-FFF2-40B4-BE49-F238E27FC236}">
+                  <a16:creationId xmlns:a16="http://schemas.microsoft.com/office/drawing/2014/main" id="{D3F5BF62-D22B-4177-95D7-83C2A03D5AC8}"/>
+                </a:ext>
+              </a:extLst>
+            </p:cNvPr>
+            <p:cNvCxnSpPr>
+              <a:cxnSpLocks/>
+              <a:stCxn id="66" idx="3"/>
+              <a:endCxn id="62" idx="0"/>
+            </p:cNvCxnSpPr>
+            <p:nvPr/>
+          </p:nvCxnSpPr>
+          <p:spPr>
+            <a:xfrm flipV="1">
+              <a:off x="8283839" y="2941157"/>
+              <a:ext cx="132166" cy="542373"/>
+            </a:xfrm>
+            <a:prstGeom prst="curvedConnector3">
+              <a:avLst>
+                <a:gd name="adj1" fmla="val 112916"/>
+              </a:avLst>
+            </a:prstGeom>
+            <a:ln w="19050">
+              <a:solidFill>
+                <a:schemeClr val="tx1"/>
+              </a:solidFill>
+              <a:tailEnd type="triangle"/>
+            </a:ln>
+          </p:spPr>
+          <p:style>
+            <a:lnRef idx="1">
+              <a:schemeClr val="accent1"/>
+            </a:lnRef>
+            <a:fillRef idx="0">
+              <a:schemeClr val="accent1"/>
+            </a:fillRef>
+            <a:effectRef idx="0">
+              <a:schemeClr val="accent1"/>
+            </a:effectRef>
+            <a:fontRef idx="minor">
+              <a:schemeClr val="tx1"/>
+            </a:fontRef>
+          </p:style>
+        </p:cxnSp>
+        <p:cxnSp>
+          <p:nvCxnSpPr>
+            <p:cNvPr id="56" name="Connector: Curved 28">
+              <a:extLst>
+                <a:ext uri="{FF2B5EF4-FFF2-40B4-BE49-F238E27FC236}">
+                  <a16:creationId xmlns:a16="http://schemas.microsoft.com/office/drawing/2014/main" id="{8E8D4C70-ACA5-4E8F-B4F2-CD0A87CC3672}"/>
+                </a:ext>
+              </a:extLst>
+            </p:cNvPr>
+            <p:cNvCxnSpPr>
+              <a:cxnSpLocks/>
+              <a:stCxn id="62" idx="2"/>
+              <a:endCxn id="18" idx="2"/>
+            </p:cNvCxnSpPr>
+            <p:nvPr/>
+          </p:nvCxnSpPr>
+          <p:spPr>
+            <a:xfrm rot="10800000" flipH="1" flipV="1">
+              <a:off x="6581737" y="2941156"/>
+              <a:ext cx="126677" cy="523207"/>
+            </a:xfrm>
+            <a:prstGeom prst="curvedConnector3">
+              <a:avLst>
+                <a:gd name="adj1" fmla="val -58822"/>
+              </a:avLst>
+            </a:prstGeom>
+            <a:ln w="19050">
+              <a:solidFill>
+                <a:schemeClr val="tx1"/>
+              </a:solidFill>
+              <a:tailEnd type="triangle"/>
+            </a:ln>
+          </p:spPr>
+          <p:style>
+            <a:lnRef idx="1">
+              <a:schemeClr val="accent1"/>
+            </a:lnRef>
+            <a:fillRef idx="0">
+              <a:schemeClr val="accent1"/>
+            </a:fillRef>
+            <a:effectRef idx="0">
+              <a:schemeClr val="accent1"/>
+            </a:effectRef>
+            <a:fontRef idx="minor">
+              <a:schemeClr val="tx1"/>
+            </a:fontRef>
+          </p:style>
+        </p:cxnSp>
         <p:sp>
           <p:nvSpPr>
-            <p:cNvPr id="123" name="文本框 122">
+            <p:cNvPr id="57" name="Rectangle 34">
               <a:extLst>
                 <a:ext uri="{FF2B5EF4-FFF2-40B4-BE49-F238E27FC236}">
-                  <a16:creationId xmlns:a16="http://schemas.microsoft.com/office/drawing/2014/main" id="{00333389-B6D3-47B9-9EA4-3A74FDA2750D}"/>
+                  <a16:creationId xmlns:a16="http://schemas.microsoft.com/office/drawing/2014/main" id="{22863EAE-0117-47F5-A4D0-B38B5E58BCBA}"/>
+                </a:ext>
+              </a:extLst>
+            </p:cNvPr>
+            <p:cNvSpPr/>
+            <p:nvPr/>
+          </p:nvSpPr>
+          <p:spPr>
+            <a:xfrm>
+              <a:off x="6415672" y="2657128"/>
+              <a:ext cx="2161899" cy="1248513"/>
+            </a:xfrm>
+            <a:prstGeom prst="rect">
+              <a:avLst/>
+            </a:prstGeom>
+            <a:noFill/>
+            <a:ln w="19050">
+              <a:prstDash val="dash"/>
+            </a:ln>
+          </p:spPr>
+          <p:style>
+            <a:lnRef idx="2">
+              <a:schemeClr val="accent1"/>
+            </a:lnRef>
+            <a:fillRef idx="1">
+              <a:schemeClr val="lt1"/>
+            </a:fillRef>
+            <a:effectRef idx="0">
+              <a:schemeClr val="accent1"/>
+            </a:effectRef>
+            <a:fontRef idx="minor">
+              <a:schemeClr val="dk1"/>
+            </a:fontRef>
+          </p:style>
+          <p:txBody>
+            <a:bodyPr rtlCol="0" anchor="ctr"/>
+            <a:lstStyle/>
+            <a:p>
+              <a:pPr algn="ctr"/>
+              <a:endParaRPr lang="en-US" sz="900"/>
+            </a:p>
+          </p:txBody>
+        </p:sp>
+        <p:grpSp>
+          <p:nvGrpSpPr>
+            <p:cNvPr id="148" name="组合 147">
+              <a:extLst>
+                <a:ext uri="{FF2B5EF4-FFF2-40B4-BE49-F238E27FC236}">
+                  <a16:creationId xmlns:a16="http://schemas.microsoft.com/office/drawing/2014/main" id="{0987757B-FA13-4D09-B866-C36E07846593}"/>
+                </a:ext>
+              </a:extLst>
+            </p:cNvPr>
+            <p:cNvGrpSpPr/>
+            <p:nvPr/>
+          </p:nvGrpSpPr>
+          <p:grpSpPr>
+            <a:xfrm>
+              <a:off x="6708415" y="3193709"/>
+              <a:ext cx="622024" cy="569625"/>
+              <a:chOff x="3466393" y="4357003"/>
+              <a:chExt cx="622024" cy="569625"/>
+            </a:xfrm>
+          </p:grpSpPr>
+          <p:grpSp>
+            <p:nvGrpSpPr>
+              <p:cNvPr id="14" name="组合 13">
+                <a:extLst>
+                  <a:ext uri="{FF2B5EF4-FFF2-40B4-BE49-F238E27FC236}">
+                    <a16:creationId xmlns:a16="http://schemas.microsoft.com/office/drawing/2014/main" id="{A8413BA9-E098-45CF-9068-014B5720F173}"/>
+                  </a:ext>
+                </a:extLst>
+              </p:cNvPr>
+              <p:cNvGrpSpPr/>
+              <p:nvPr/>
+            </p:nvGrpSpPr>
+            <p:grpSpPr>
+              <a:xfrm>
+                <a:off x="3466393" y="4357003"/>
+                <a:ext cx="540000" cy="540000"/>
+                <a:chOff x="7679563" y="1172136"/>
+                <a:chExt cx="976750" cy="986490"/>
+              </a:xfrm>
+            </p:grpSpPr>
+            <p:sp>
+              <p:nvSpPr>
+                <p:cNvPr id="17" name="流程图: 接点 16">
+                  <a:extLst>
+                    <a:ext uri="{FF2B5EF4-FFF2-40B4-BE49-F238E27FC236}">
+                      <a16:creationId xmlns:a16="http://schemas.microsoft.com/office/drawing/2014/main" id="{00F03DFB-6B7A-4016-BF8E-38939ADA8A1B}"/>
+                    </a:ext>
+                  </a:extLst>
+                </p:cNvPr>
+                <p:cNvSpPr/>
+                <p:nvPr/>
+              </p:nvSpPr>
+              <p:spPr>
+                <a:xfrm>
+                  <a:off x="7679563" y="1307746"/>
+                  <a:ext cx="180000" cy="180000"/>
+                </a:xfrm>
+                <a:prstGeom prst="flowChartConnector">
+                  <a:avLst/>
+                </a:prstGeom>
+              </p:spPr>
+              <p:style>
+                <a:lnRef idx="1">
+                  <a:schemeClr val="dk1"/>
+                </a:lnRef>
+                <a:fillRef idx="2">
+                  <a:schemeClr val="dk1"/>
+                </a:fillRef>
+                <a:effectRef idx="1">
+                  <a:schemeClr val="dk1"/>
+                </a:effectRef>
+                <a:fontRef idx="minor">
+                  <a:schemeClr val="dk1"/>
+                </a:fontRef>
+              </p:style>
+              <p:txBody>
+                <a:bodyPr rtlCol="0" anchor="ctr"/>
+                <a:lstStyle/>
+                <a:p>
+                  <a:pPr algn="ctr"/>
+                  <a:endParaRPr lang="zh-CN" altLang="en-US"/>
+                </a:p>
+              </p:txBody>
+            </p:sp>
+            <p:sp>
+              <p:nvSpPr>
+                <p:cNvPr id="18" name="流程图: 接点 17">
+                  <a:extLst>
+                    <a:ext uri="{FF2B5EF4-FFF2-40B4-BE49-F238E27FC236}">
+                      <a16:creationId xmlns:a16="http://schemas.microsoft.com/office/drawing/2014/main" id="{57A8E95D-B8E9-4985-B676-BCBC12BDD8AE}"/>
+                    </a:ext>
+                  </a:extLst>
+                </p:cNvPr>
+                <p:cNvSpPr/>
+                <p:nvPr/>
+              </p:nvSpPr>
+              <p:spPr>
+                <a:xfrm>
+                  <a:off x="7679563" y="1576576"/>
+                  <a:ext cx="180000" cy="180000"/>
+                </a:xfrm>
+                <a:prstGeom prst="flowChartConnector">
+                  <a:avLst/>
+                </a:prstGeom>
+              </p:spPr>
+              <p:style>
+                <a:lnRef idx="1">
+                  <a:schemeClr val="dk1"/>
+                </a:lnRef>
+                <a:fillRef idx="2">
+                  <a:schemeClr val="dk1"/>
+                </a:fillRef>
+                <a:effectRef idx="1">
+                  <a:schemeClr val="dk1"/>
+                </a:effectRef>
+                <a:fontRef idx="minor">
+                  <a:schemeClr val="dk1"/>
+                </a:fontRef>
+              </p:style>
+              <p:txBody>
+                <a:bodyPr rtlCol="0" anchor="ctr"/>
+                <a:lstStyle/>
+                <a:p>
+                  <a:pPr algn="ctr"/>
+                  <a:endParaRPr lang="zh-CN" altLang="en-US"/>
+                </a:p>
+              </p:txBody>
+            </p:sp>
+            <p:sp>
+              <p:nvSpPr>
+                <p:cNvPr id="19" name="流程图: 接点 18">
+                  <a:extLst>
+                    <a:ext uri="{FF2B5EF4-FFF2-40B4-BE49-F238E27FC236}">
+                      <a16:creationId xmlns:a16="http://schemas.microsoft.com/office/drawing/2014/main" id="{62B2FA68-FAE9-4158-827E-FCE578D61F04}"/>
+                    </a:ext>
+                  </a:extLst>
+                </p:cNvPr>
+                <p:cNvSpPr/>
+                <p:nvPr/>
+              </p:nvSpPr>
+              <p:spPr>
+                <a:xfrm>
+                  <a:off x="7679563" y="1845406"/>
+                  <a:ext cx="180000" cy="180000"/>
+                </a:xfrm>
+                <a:prstGeom prst="flowChartConnector">
+                  <a:avLst/>
+                </a:prstGeom>
+              </p:spPr>
+              <p:style>
+                <a:lnRef idx="1">
+                  <a:schemeClr val="dk1"/>
+                </a:lnRef>
+                <a:fillRef idx="2">
+                  <a:schemeClr val="dk1"/>
+                </a:fillRef>
+                <a:effectRef idx="1">
+                  <a:schemeClr val="dk1"/>
+                </a:effectRef>
+                <a:fontRef idx="minor">
+                  <a:schemeClr val="dk1"/>
+                </a:fontRef>
+              </p:style>
+              <p:txBody>
+                <a:bodyPr rtlCol="0" anchor="ctr"/>
+                <a:lstStyle/>
+                <a:p>
+                  <a:pPr algn="ctr"/>
+                  <a:endParaRPr lang="zh-CN" altLang="en-US"/>
+                </a:p>
+              </p:txBody>
+            </p:sp>
+            <p:sp>
+              <p:nvSpPr>
+                <p:cNvPr id="20" name="流程图: 接点 19">
+                  <a:extLst>
+                    <a:ext uri="{FF2B5EF4-FFF2-40B4-BE49-F238E27FC236}">
+                      <a16:creationId xmlns:a16="http://schemas.microsoft.com/office/drawing/2014/main" id="{9B56434D-711A-4C7C-82E9-93AAB4D4FCB5}"/>
+                    </a:ext>
+                  </a:extLst>
+                </p:cNvPr>
+                <p:cNvSpPr/>
+                <p:nvPr/>
+              </p:nvSpPr>
+              <p:spPr>
+                <a:xfrm>
+                  <a:off x="8087940" y="1978626"/>
+                  <a:ext cx="180000" cy="180000"/>
+                </a:xfrm>
+                <a:prstGeom prst="flowChartConnector">
+                  <a:avLst/>
+                </a:prstGeom>
+              </p:spPr>
+              <p:style>
+                <a:lnRef idx="1">
+                  <a:schemeClr val="dk1"/>
+                </a:lnRef>
+                <a:fillRef idx="2">
+                  <a:schemeClr val="dk1"/>
+                </a:fillRef>
+                <a:effectRef idx="1">
+                  <a:schemeClr val="dk1"/>
+                </a:effectRef>
+                <a:fontRef idx="minor">
+                  <a:schemeClr val="dk1"/>
+                </a:fontRef>
+              </p:style>
+              <p:txBody>
+                <a:bodyPr rtlCol="0" anchor="ctr"/>
+                <a:lstStyle/>
+                <a:p>
+                  <a:pPr algn="ctr"/>
+                  <a:endParaRPr lang="zh-CN" altLang="en-US"/>
+                </a:p>
+              </p:txBody>
+            </p:sp>
+            <p:sp>
+              <p:nvSpPr>
+                <p:cNvPr id="21" name="流程图: 接点 20">
+                  <a:extLst>
+                    <a:ext uri="{FF2B5EF4-FFF2-40B4-BE49-F238E27FC236}">
+                      <a16:creationId xmlns:a16="http://schemas.microsoft.com/office/drawing/2014/main" id="{40DC5A13-0255-47E5-B9ED-96D2DAF4420F}"/>
+                    </a:ext>
+                  </a:extLst>
+                </p:cNvPr>
+                <p:cNvSpPr/>
+                <p:nvPr/>
+              </p:nvSpPr>
+              <p:spPr>
+                <a:xfrm>
+                  <a:off x="8087940" y="1172136"/>
+                  <a:ext cx="180000" cy="180000"/>
+                </a:xfrm>
+                <a:prstGeom prst="flowChartConnector">
+                  <a:avLst/>
+                </a:prstGeom>
+              </p:spPr>
+              <p:style>
+                <a:lnRef idx="1">
+                  <a:schemeClr val="dk1"/>
+                </a:lnRef>
+                <a:fillRef idx="2">
+                  <a:schemeClr val="dk1"/>
+                </a:fillRef>
+                <a:effectRef idx="1">
+                  <a:schemeClr val="dk1"/>
+                </a:effectRef>
+                <a:fontRef idx="minor">
+                  <a:schemeClr val="dk1"/>
+                </a:fontRef>
+              </p:style>
+              <p:txBody>
+                <a:bodyPr rtlCol="0" anchor="ctr"/>
+                <a:lstStyle/>
+                <a:p>
+                  <a:pPr algn="ctr"/>
+                  <a:endParaRPr lang="zh-CN" altLang="en-US"/>
+                </a:p>
+              </p:txBody>
+            </p:sp>
+            <p:sp>
+              <p:nvSpPr>
+                <p:cNvPr id="22" name="流程图: 接点 21">
+                  <a:extLst>
+                    <a:ext uri="{FF2B5EF4-FFF2-40B4-BE49-F238E27FC236}">
+                      <a16:creationId xmlns:a16="http://schemas.microsoft.com/office/drawing/2014/main" id="{E0477862-51EE-47FF-8336-94C0ED9A0675}"/>
+                    </a:ext>
+                  </a:extLst>
+                </p:cNvPr>
+                <p:cNvSpPr/>
+                <p:nvPr/>
+              </p:nvSpPr>
+              <p:spPr>
+                <a:xfrm>
+                  <a:off x="8087940" y="1440966"/>
+                  <a:ext cx="180000" cy="180000"/>
+                </a:xfrm>
+                <a:prstGeom prst="flowChartConnector">
+                  <a:avLst/>
+                </a:prstGeom>
+              </p:spPr>
+              <p:style>
+                <a:lnRef idx="1">
+                  <a:schemeClr val="dk1"/>
+                </a:lnRef>
+                <a:fillRef idx="2">
+                  <a:schemeClr val="dk1"/>
+                </a:fillRef>
+                <a:effectRef idx="1">
+                  <a:schemeClr val="dk1"/>
+                </a:effectRef>
+                <a:fontRef idx="minor">
+                  <a:schemeClr val="dk1"/>
+                </a:fontRef>
+              </p:style>
+              <p:txBody>
+                <a:bodyPr rtlCol="0" anchor="ctr"/>
+                <a:lstStyle/>
+                <a:p>
+                  <a:pPr algn="ctr"/>
+                  <a:endParaRPr lang="zh-CN" altLang="en-US"/>
+                </a:p>
+              </p:txBody>
+            </p:sp>
+            <p:sp>
+              <p:nvSpPr>
+                <p:cNvPr id="23" name="流程图: 接点 22">
+                  <a:extLst>
+                    <a:ext uri="{FF2B5EF4-FFF2-40B4-BE49-F238E27FC236}">
+                      <a16:creationId xmlns:a16="http://schemas.microsoft.com/office/drawing/2014/main" id="{7F4D2BBE-A124-4F17-BF5F-35C6C2486719}"/>
+                    </a:ext>
+                  </a:extLst>
+                </p:cNvPr>
+                <p:cNvSpPr/>
+                <p:nvPr/>
+              </p:nvSpPr>
+              <p:spPr>
+                <a:xfrm>
+                  <a:off x="8087940" y="1709796"/>
+                  <a:ext cx="180000" cy="180000"/>
+                </a:xfrm>
+                <a:prstGeom prst="flowChartConnector">
+                  <a:avLst/>
+                </a:prstGeom>
+              </p:spPr>
+              <p:style>
+                <a:lnRef idx="1">
+                  <a:schemeClr val="dk1"/>
+                </a:lnRef>
+                <a:fillRef idx="2">
+                  <a:schemeClr val="dk1"/>
+                </a:fillRef>
+                <a:effectRef idx="1">
+                  <a:schemeClr val="dk1"/>
+                </a:effectRef>
+                <a:fontRef idx="minor">
+                  <a:schemeClr val="dk1"/>
+                </a:fontRef>
+              </p:style>
+              <p:txBody>
+                <a:bodyPr rtlCol="0" anchor="ctr"/>
+                <a:lstStyle/>
+                <a:p>
+                  <a:pPr algn="ctr"/>
+                  <a:endParaRPr lang="zh-CN" altLang="en-US"/>
+                </a:p>
+              </p:txBody>
+            </p:sp>
+            <p:sp>
+              <p:nvSpPr>
+                <p:cNvPr id="24" name="流程图: 接点 23">
+                  <a:extLst>
+                    <a:ext uri="{FF2B5EF4-FFF2-40B4-BE49-F238E27FC236}">
+                      <a16:creationId xmlns:a16="http://schemas.microsoft.com/office/drawing/2014/main" id="{624E2F4B-643B-4D7B-99CD-C81A7D55DB10}"/>
+                    </a:ext>
+                  </a:extLst>
+                </p:cNvPr>
+                <p:cNvSpPr/>
+                <p:nvPr/>
+              </p:nvSpPr>
+              <p:spPr>
+                <a:xfrm>
+                  <a:off x="8476313" y="1311307"/>
+                  <a:ext cx="180000" cy="180000"/>
+                </a:xfrm>
+                <a:prstGeom prst="flowChartConnector">
+                  <a:avLst/>
+                </a:prstGeom>
+              </p:spPr>
+              <p:style>
+                <a:lnRef idx="1">
+                  <a:schemeClr val="dk1"/>
+                </a:lnRef>
+                <a:fillRef idx="2">
+                  <a:schemeClr val="dk1"/>
+                </a:fillRef>
+                <a:effectRef idx="1">
+                  <a:schemeClr val="dk1"/>
+                </a:effectRef>
+                <a:fontRef idx="minor">
+                  <a:schemeClr val="dk1"/>
+                </a:fontRef>
+              </p:style>
+              <p:txBody>
+                <a:bodyPr rtlCol="0" anchor="ctr"/>
+                <a:lstStyle/>
+                <a:p>
+                  <a:pPr algn="ctr"/>
+                  <a:endParaRPr lang="zh-CN" altLang="en-US"/>
+                </a:p>
+              </p:txBody>
+            </p:sp>
+            <p:sp>
+              <p:nvSpPr>
+                <p:cNvPr id="25" name="流程图: 接点 24">
+                  <a:extLst>
+                    <a:ext uri="{FF2B5EF4-FFF2-40B4-BE49-F238E27FC236}">
+                      <a16:creationId xmlns:a16="http://schemas.microsoft.com/office/drawing/2014/main" id="{B79AE36E-CB69-4189-BCB2-24424792F82E}"/>
+                    </a:ext>
+                  </a:extLst>
+                </p:cNvPr>
+                <p:cNvSpPr/>
+                <p:nvPr/>
+              </p:nvSpPr>
+              <p:spPr>
+                <a:xfrm>
+                  <a:off x="8476313" y="1848967"/>
+                  <a:ext cx="180000" cy="180000"/>
+                </a:xfrm>
+                <a:prstGeom prst="flowChartConnector">
+                  <a:avLst/>
+                </a:prstGeom>
+              </p:spPr>
+              <p:style>
+                <a:lnRef idx="1">
+                  <a:schemeClr val="dk1"/>
+                </a:lnRef>
+                <a:fillRef idx="2">
+                  <a:schemeClr val="dk1"/>
+                </a:fillRef>
+                <a:effectRef idx="1">
+                  <a:schemeClr val="dk1"/>
+                </a:effectRef>
+                <a:fontRef idx="minor">
+                  <a:schemeClr val="dk1"/>
+                </a:fontRef>
+              </p:style>
+              <p:txBody>
+                <a:bodyPr rtlCol="0" anchor="ctr"/>
+                <a:lstStyle/>
+                <a:p>
+                  <a:pPr algn="ctr"/>
+                  <a:endParaRPr lang="zh-CN" altLang="en-US"/>
+                </a:p>
+              </p:txBody>
+            </p:sp>
+            <p:cxnSp>
+              <p:nvCxnSpPr>
+                <p:cNvPr id="26" name="直接连接符 25">
+                  <a:extLst>
+                    <a:ext uri="{FF2B5EF4-FFF2-40B4-BE49-F238E27FC236}">
+                      <a16:creationId xmlns:a16="http://schemas.microsoft.com/office/drawing/2014/main" id="{F658FA4F-488C-4FF1-9265-A6537B761E34}"/>
+                    </a:ext>
+                  </a:extLst>
+                </p:cNvPr>
+                <p:cNvCxnSpPr>
+                  <a:cxnSpLocks/>
+                  <a:stCxn id="17" idx="6"/>
+                  <a:endCxn id="21" idx="2"/>
+                </p:cNvCxnSpPr>
+                <p:nvPr/>
+              </p:nvCxnSpPr>
+              <p:spPr>
+                <a:xfrm flipV="1">
+                  <a:off x="7859563" y="1262136"/>
+                  <a:ext cx="228377" cy="135610"/>
+                </a:xfrm>
+                <a:prstGeom prst="line">
+                  <a:avLst/>
+                </a:prstGeom>
+              </p:spPr>
+              <p:style>
+                <a:lnRef idx="1">
+                  <a:schemeClr val="dk1"/>
+                </a:lnRef>
+                <a:fillRef idx="2">
+                  <a:schemeClr val="dk1"/>
+                </a:fillRef>
+                <a:effectRef idx="1">
+                  <a:schemeClr val="dk1"/>
+                </a:effectRef>
+                <a:fontRef idx="minor">
+                  <a:schemeClr val="dk1"/>
+                </a:fontRef>
+              </p:style>
+            </p:cxnSp>
+            <p:cxnSp>
+              <p:nvCxnSpPr>
+                <p:cNvPr id="27" name="直接连接符 26">
+                  <a:extLst>
+                    <a:ext uri="{FF2B5EF4-FFF2-40B4-BE49-F238E27FC236}">
+                      <a16:creationId xmlns:a16="http://schemas.microsoft.com/office/drawing/2014/main" id="{78A7D392-7DE6-48FA-80BD-BDE1E29B98FC}"/>
+                    </a:ext>
+                  </a:extLst>
+                </p:cNvPr>
+                <p:cNvCxnSpPr>
+                  <a:cxnSpLocks/>
+                  <a:stCxn id="17" idx="6"/>
+                  <a:endCxn id="22" idx="2"/>
+                </p:cNvCxnSpPr>
+                <p:nvPr/>
+              </p:nvCxnSpPr>
+              <p:spPr>
+                <a:xfrm>
+                  <a:off x="7859563" y="1397746"/>
+                  <a:ext cx="228377" cy="133220"/>
+                </a:xfrm>
+                <a:prstGeom prst="line">
+                  <a:avLst/>
+                </a:prstGeom>
+              </p:spPr>
+              <p:style>
+                <a:lnRef idx="1">
+                  <a:schemeClr val="dk1"/>
+                </a:lnRef>
+                <a:fillRef idx="2">
+                  <a:schemeClr val="dk1"/>
+                </a:fillRef>
+                <a:effectRef idx="1">
+                  <a:schemeClr val="dk1"/>
+                </a:effectRef>
+                <a:fontRef idx="minor">
+                  <a:schemeClr val="dk1"/>
+                </a:fontRef>
+              </p:style>
+            </p:cxnSp>
+            <p:cxnSp>
+              <p:nvCxnSpPr>
+                <p:cNvPr id="28" name="直接连接符 27">
+                  <a:extLst>
+                    <a:ext uri="{FF2B5EF4-FFF2-40B4-BE49-F238E27FC236}">
+                      <a16:creationId xmlns:a16="http://schemas.microsoft.com/office/drawing/2014/main" id="{39D0516D-E8B7-4F74-A88D-34A14A83C6EB}"/>
+                    </a:ext>
+                  </a:extLst>
+                </p:cNvPr>
+                <p:cNvCxnSpPr>
+                  <a:cxnSpLocks/>
+                  <a:stCxn id="17" idx="6"/>
+                  <a:endCxn id="23" idx="2"/>
+                </p:cNvCxnSpPr>
+                <p:nvPr/>
+              </p:nvCxnSpPr>
+              <p:spPr>
+                <a:xfrm>
+                  <a:off x="7859563" y="1397746"/>
+                  <a:ext cx="228377" cy="402050"/>
+                </a:xfrm>
+                <a:prstGeom prst="line">
+                  <a:avLst/>
+                </a:prstGeom>
+              </p:spPr>
+              <p:style>
+                <a:lnRef idx="1">
+                  <a:schemeClr val="dk1"/>
+                </a:lnRef>
+                <a:fillRef idx="2">
+                  <a:schemeClr val="dk1"/>
+                </a:fillRef>
+                <a:effectRef idx="1">
+                  <a:schemeClr val="dk1"/>
+                </a:effectRef>
+                <a:fontRef idx="minor">
+                  <a:schemeClr val="dk1"/>
+                </a:fontRef>
+              </p:style>
+            </p:cxnSp>
+            <p:cxnSp>
+              <p:nvCxnSpPr>
+                <p:cNvPr id="29" name="直接连接符 28">
+                  <a:extLst>
+                    <a:ext uri="{FF2B5EF4-FFF2-40B4-BE49-F238E27FC236}">
+                      <a16:creationId xmlns:a16="http://schemas.microsoft.com/office/drawing/2014/main" id="{6762234E-1668-43F4-AF4C-17D23237E2B5}"/>
+                    </a:ext>
+                  </a:extLst>
+                </p:cNvPr>
+                <p:cNvCxnSpPr>
+                  <a:cxnSpLocks/>
+                  <a:stCxn id="17" idx="6"/>
+                  <a:endCxn id="20" idx="2"/>
+                </p:cNvCxnSpPr>
+                <p:nvPr/>
+              </p:nvCxnSpPr>
+              <p:spPr>
+                <a:xfrm>
+                  <a:off x="7859563" y="1397746"/>
+                  <a:ext cx="228377" cy="670880"/>
+                </a:xfrm>
+                <a:prstGeom prst="line">
+                  <a:avLst/>
+                </a:prstGeom>
+              </p:spPr>
+              <p:style>
+                <a:lnRef idx="1">
+                  <a:schemeClr val="dk1"/>
+                </a:lnRef>
+                <a:fillRef idx="2">
+                  <a:schemeClr val="dk1"/>
+                </a:fillRef>
+                <a:effectRef idx="1">
+                  <a:schemeClr val="dk1"/>
+                </a:effectRef>
+                <a:fontRef idx="minor">
+                  <a:schemeClr val="dk1"/>
+                </a:fontRef>
+              </p:style>
+            </p:cxnSp>
+            <p:cxnSp>
+              <p:nvCxnSpPr>
+                <p:cNvPr id="30" name="直接连接符 29">
+                  <a:extLst>
+                    <a:ext uri="{FF2B5EF4-FFF2-40B4-BE49-F238E27FC236}">
+                      <a16:creationId xmlns:a16="http://schemas.microsoft.com/office/drawing/2014/main" id="{39D23DC0-CC2E-4744-A051-DBE5C3EE3BC6}"/>
+                    </a:ext>
+                  </a:extLst>
+                </p:cNvPr>
+                <p:cNvCxnSpPr>
+                  <a:cxnSpLocks/>
+                  <a:stCxn id="18" idx="6"/>
+                  <a:endCxn id="21" idx="2"/>
+                </p:cNvCxnSpPr>
+                <p:nvPr/>
+              </p:nvCxnSpPr>
+              <p:spPr>
+                <a:xfrm flipV="1">
+                  <a:off x="7859563" y="1262136"/>
+                  <a:ext cx="228377" cy="404440"/>
+                </a:xfrm>
+                <a:prstGeom prst="line">
+                  <a:avLst/>
+                </a:prstGeom>
+              </p:spPr>
+              <p:style>
+                <a:lnRef idx="1">
+                  <a:schemeClr val="dk1"/>
+                </a:lnRef>
+                <a:fillRef idx="2">
+                  <a:schemeClr val="dk1"/>
+                </a:fillRef>
+                <a:effectRef idx="1">
+                  <a:schemeClr val="dk1"/>
+                </a:effectRef>
+                <a:fontRef idx="minor">
+                  <a:schemeClr val="dk1"/>
+                </a:fontRef>
+              </p:style>
+            </p:cxnSp>
+            <p:cxnSp>
+              <p:nvCxnSpPr>
+                <p:cNvPr id="31" name="直接连接符 30">
+                  <a:extLst>
+                    <a:ext uri="{FF2B5EF4-FFF2-40B4-BE49-F238E27FC236}">
+                      <a16:creationId xmlns:a16="http://schemas.microsoft.com/office/drawing/2014/main" id="{642D9EE7-6585-48D4-8F16-5687EE606D35}"/>
+                    </a:ext>
+                  </a:extLst>
+                </p:cNvPr>
+                <p:cNvCxnSpPr>
+                  <a:cxnSpLocks/>
+                  <a:stCxn id="18" idx="6"/>
+                  <a:endCxn id="22" idx="2"/>
+                </p:cNvCxnSpPr>
+                <p:nvPr/>
+              </p:nvCxnSpPr>
+              <p:spPr>
+                <a:xfrm flipV="1">
+                  <a:off x="7859563" y="1530966"/>
+                  <a:ext cx="228377" cy="135610"/>
+                </a:xfrm>
+                <a:prstGeom prst="line">
+                  <a:avLst/>
+                </a:prstGeom>
+              </p:spPr>
+              <p:style>
+                <a:lnRef idx="1">
+                  <a:schemeClr val="dk1"/>
+                </a:lnRef>
+                <a:fillRef idx="2">
+                  <a:schemeClr val="dk1"/>
+                </a:fillRef>
+                <a:effectRef idx="1">
+                  <a:schemeClr val="dk1"/>
+                </a:effectRef>
+                <a:fontRef idx="minor">
+                  <a:schemeClr val="dk1"/>
+                </a:fontRef>
+              </p:style>
+            </p:cxnSp>
+            <p:cxnSp>
+              <p:nvCxnSpPr>
+                <p:cNvPr id="32" name="直接连接符 31">
+                  <a:extLst>
+                    <a:ext uri="{FF2B5EF4-FFF2-40B4-BE49-F238E27FC236}">
+                      <a16:creationId xmlns:a16="http://schemas.microsoft.com/office/drawing/2014/main" id="{7BFF6D8D-6C65-4627-B56D-09F70374765A}"/>
+                    </a:ext>
+                  </a:extLst>
+                </p:cNvPr>
+                <p:cNvCxnSpPr>
+                  <a:cxnSpLocks/>
+                  <a:stCxn id="18" idx="6"/>
+                  <a:endCxn id="23" idx="2"/>
+                </p:cNvCxnSpPr>
+                <p:nvPr/>
+              </p:nvCxnSpPr>
+              <p:spPr>
+                <a:xfrm>
+                  <a:off x="7859563" y="1666576"/>
+                  <a:ext cx="228377" cy="133220"/>
+                </a:xfrm>
+                <a:prstGeom prst="line">
+                  <a:avLst/>
+                </a:prstGeom>
+              </p:spPr>
+              <p:style>
+                <a:lnRef idx="1">
+                  <a:schemeClr val="dk1"/>
+                </a:lnRef>
+                <a:fillRef idx="2">
+                  <a:schemeClr val="dk1"/>
+                </a:fillRef>
+                <a:effectRef idx="1">
+                  <a:schemeClr val="dk1"/>
+                </a:effectRef>
+                <a:fontRef idx="minor">
+                  <a:schemeClr val="dk1"/>
+                </a:fontRef>
+              </p:style>
+            </p:cxnSp>
+            <p:cxnSp>
+              <p:nvCxnSpPr>
+                <p:cNvPr id="33" name="直接连接符 32">
+                  <a:extLst>
+                    <a:ext uri="{FF2B5EF4-FFF2-40B4-BE49-F238E27FC236}">
+                      <a16:creationId xmlns:a16="http://schemas.microsoft.com/office/drawing/2014/main" id="{1918A3AE-07D0-4546-81E9-51391A6FD573}"/>
+                    </a:ext>
+                  </a:extLst>
+                </p:cNvPr>
+                <p:cNvCxnSpPr>
+                  <a:cxnSpLocks/>
+                  <a:stCxn id="18" idx="6"/>
+                  <a:endCxn id="20" idx="2"/>
+                </p:cNvCxnSpPr>
+                <p:nvPr/>
+              </p:nvCxnSpPr>
+              <p:spPr>
+                <a:xfrm>
+                  <a:off x="7859563" y="1666576"/>
+                  <a:ext cx="228377" cy="402050"/>
+                </a:xfrm>
+                <a:prstGeom prst="line">
+                  <a:avLst/>
+                </a:prstGeom>
+              </p:spPr>
+              <p:style>
+                <a:lnRef idx="1">
+                  <a:schemeClr val="dk1"/>
+                </a:lnRef>
+                <a:fillRef idx="2">
+                  <a:schemeClr val="dk1"/>
+                </a:fillRef>
+                <a:effectRef idx="1">
+                  <a:schemeClr val="dk1"/>
+                </a:effectRef>
+                <a:fontRef idx="minor">
+                  <a:schemeClr val="dk1"/>
+                </a:fontRef>
+              </p:style>
+            </p:cxnSp>
+            <p:cxnSp>
+              <p:nvCxnSpPr>
+                <p:cNvPr id="34" name="直接连接符 33">
+                  <a:extLst>
+                    <a:ext uri="{FF2B5EF4-FFF2-40B4-BE49-F238E27FC236}">
+                      <a16:creationId xmlns:a16="http://schemas.microsoft.com/office/drawing/2014/main" id="{950AE5BE-6E11-4275-A1E5-09E069A9FC6F}"/>
+                    </a:ext>
+                  </a:extLst>
+                </p:cNvPr>
+                <p:cNvCxnSpPr>
+                  <a:cxnSpLocks/>
+                  <a:stCxn id="19" idx="6"/>
+                  <a:endCxn id="21" idx="2"/>
+                </p:cNvCxnSpPr>
+                <p:nvPr/>
+              </p:nvCxnSpPr>
+              <p:spPr>
+                <a:xfrm flipV="1">
+                  <a:off x="7859563" y="1262136"/>
+                  <a:ext cx="228377" cy="673270"/>
+                </a:xfrm>
+                <a:prstGeom prst="line">
+                  <a:avLst/>
+                </a:prstGeom>
+              </p:spPr>
+              <p:style>
+                <a:lnRef idx="1">
+                  <a:schemeClr val="dk1"/>
+                </a:lnRef>
+                <a:fillRef idx="2">
+                  <a:schemeClr val="dk1"/>
+                </a:fillRef>
+                <a:effectRef idx="1">
+                  <a:schemeClr val="dk1"/>
+                </a:effectRef>
+                <a:fontRef idx="minor">
+                  <a:schemeClr val="dk1"/>
+                </a:fontRef>
+              </p:style>
+            </p:cxnSp>
+            <p:cxnSp>
+              <p:nvCxnSpPr>
+                <p:cNvPr id="35" name="直接连接符 34">
+                  <a:extLst>
+                    <a:ext uri="{FF2B5EF4-FFF2-40B4-BE49-F238E27FC236}">
+                      <a16:creationId xmlns:a16="http://schemas.microsoft.com/office/drawing/2014/main" id="{5D7DCD7B-6E68-4267-91AE-263583F02AC4}"/>
+                    </a:ext>
+                  </a:extLst>
+                </p:cNvPr>
+                <p:cNvCxnSpPr>
+                  <a:cxnSpLocks/>
+                  <a:stCxn id="19" idx="6"/>
+                  <a:endCxn id="22" idx="2"/>
+                </p:cNvCxnSpPr>
+                <p:nvPr/>
+              </p:nvCxnSpPr>
+              <p:spPr>
+                <a:xfrm flipV="1">
+                  <a:off x="7859563" y="1530966"/>
+                  <a:ext cx="228377" cy="404440"/>
+                </a:xfrm>
+                <a:prstGeom prst="line">
+                  <a:avLst/>
+                </a:prstGeom>
+              </p:spPr>
+              <p:style>
+                <a:lnRef idx="1">
+                  <a:schemeClr val="dk1"/>
+                </a:lnRef>
+                <a:fillRef idx="2">
+                  <a:schemeClr val="dk1"/>
+                </a:fillRef>
+                <a:effectRef idx="1">
+                  <a:schemeClr val="dk1"/>
+                </a:effectRef>
+                <a:fontRef idx="minor">
+                  <a:schemeClr val="dk1"/>
+                </a:fontRef>
+              </p:style>
+            </p:cxnSp>
+            <p:cxnSp>
+              <p:nvCxnSpPr>
+                <p:cNvPr id="36" name="直接连接符 35">
+                  <a:extLst>
+                    <a:ext uri="{FF2B5EF4-FFF2-40B4-BE49-F238E27FC236}">
+                      <a16:creationId xmlns:a16="http://schemas.microsoft.com/office/drawing/2014/main" id="{C877F836-FAF8-421D-A5D9-FD2D5BC00CCC}"/>
+                    </a:ext>
+                  </a:extLst>
+                </p:cNvPr>
+                <p:cNvCxnSpPr>
+                  <a:cxnSpLocks/>
+                  <a:stCxn id="19" idx="6"/>
+                  <a:endCxn id="23" idx="2"/>
+                </p:cNvCxnSpPr>
+                <p:nvPr/>
+              </p:nvCxnSpPr>
+              <p:spPr>
+                <a:xfrm flipV="1">
+                  <a:off x="7859563" y="1799796"/>
+                  <a:ext cx="228377" cy="135610"/>
+                </a:xfrm>
+                <a:prstGeom prst="line">
+                  <a:avLst/>
+                </a:prstGeom>
+              </p:spPr>
+              <p:style>
+                <a:lnRef idx="1">
+                  <a:schemeClr val="dk1"/>
+                </a:lnRef>
+                <a:fillRef idx="2">
+                  <a:schemeClr val="dk1"/>
+                </a:fillRef>
+                <a:effectRef idx="1">
+                  <a:schemeClr val="dk1"/>
+                </a:effectRef>
+                <a:fontRef idx="minor">
+                  <a:schemeClr val="dk1"/>
+                </a:fontRef>
+              </p:style>
+            </p:cxnSp>
+            <p:cxnSp>
+              <p:nvCxnSpPr>
+                <p:cNvPr id="37" name="直接连接符 36">
+                  <a:extLst>
+                    <a:ext uri="{FF2B5EF4-FFF2-40B4-BE49-F238E27FC236}">
+                      <a16:creationId xmlns:a16="http://schemas.microsoft.com/office/drawing/2014/main" id="{FB194FC3-2D1E-41F2-B47C-9ADCC14A35E2}"/>
+                    </a:ext>
+                  </a:extLst>
+                </p:cNvPr>
+                <p:cNvCxnSpPr>
+                  <a:cxnSpLocks/>
+                  <a:stCxn id="19" idx="6"/>
+                  <a:endCxn id="20" idx="2"/>
+                </p:cNvCxnSpPr>
+                <p:nvPr/>
+              </p:nvCxnSpPr>
+              <p:spPr>
+                <a:xfrm>
+                  <a:off x="7859563" y="1935406"/>
+                  <a:ext cx="228377" cy="133220"/>
+                </a:xfrm>
+                <a:prstGeom prst="line">
+                  <a:avLst/>
+                </a:prstGeom>
+              </p:spPr>
+              <p:style>
+                <a:lnRef idx="1">
+                  <a:schemeClr val="dk1"/>
+                </a:lnRef>
+                <a:fillRef idx="2">
+                  <a:schemeClr val="dk1"/>
+                </a:fillRef>
+                <a:effectRef idx="1">
+                  <a:schemeClr val="dk1"/>
+                </a:effectRef>
+                <a:fontRef idx="minor">
+                  <a:schemeClr val="dk1"/>
+                </a:fontRef>
+              </p:style>
+            </p:cxnSp>
+            <p:cxnSp>
+              <p:nvCxnSpPr>
+                <p:cNvPr id="38" name="直接连接符 37">
+                  <a:extLst>
+                    <a:ext uri="{FF2B5EF4-FFF2-40B4-BE49-F238E27FC236}">
+                      <a16:creationId xmlns:a16="http://schemas.microsoft.com/office/drawing/2014/main" id="{47859B1D-534D-44FA-92EA-D14A0F2EA846}"/>
+                    </a:ext>
+                  </a:extLst>
+                </p:cNvPr>
+                <p:cNvCxnSpPr>
+                  <a:cxnSpLocks/>
+                  <a:stCxn id="21" idx="6"/>
+                  <a:endCxn id="24" idx="2"/>
+                </p:cNvCxnSpPr>
+                <p:nvPr/>
+              </p:nvCxnSpPr>
+              <p:spPr>
+                <a:xfrm>
+                  <a:off x="8267940" y="1262136"/>
+                  <a:ext cx="208373" cy="139171"/>
+                </a:xfrm>
+                <a:prstGeom prst="line">
+                  <a:avLst/>
+                </a:prstGeom>
+              </p:spPr>
+              <p:style>
+                <a:lnRef idx="1">
+                  <a:schemeClr val="dk1"/>
+                </a:lnRef>
+                <a:fillRef idx="2">
+                  <a:schemeClr val="dk1"/>
+                </a:fillRef>
+                <a:effectRef idx="1">
+                  <a:schemeClr val="dk1"/>
+                </a:effectRef>
+                <a:fontRef idx="minor">
+                  <a:schemeClr val="dk1"/>
+                </a:fontRef>
+              </p:style>
+            </p:cxnSp>
+            <p:cxnSp>
+              <p:nvCxnSpPr>
+                <p:cNvPr id="39" name="直接连接符 38">
+                  <a:extLst>
+                    <a:ext uri="{FF2B5EF4-FFF2-40B4-BE49-F238E27FC236}">
+                      <a16:creationId xmlns:a16="http://schemas.microsoft.com/office/drawing/2014/main" id="{332C70AE-17BE-49B0-B3AF-4BC438948B17}"/>
+                    </a:ext>
+                  </a:extLst>
+                </p:cNvPr>
+                <p:cNvCxnSpPr>
+                  <a:cxnSpLocks/>
+                  <a:stCxn id="22" idx="6"/>
+                  <a:endCxn id="24" idx="2"/>
+                </p:cNvCxnSpPr>
+                <p:nvPr/>
+              </p:nvCxnSpPr>
+              <p:spPr>
+                <a:xfrm flipV="1">
+                  <a:off x="8267940" y="1401307"/>
+                  <a:ext cx="208373" cy="129659"/>
+                </a:xfrm>
+                <a:prstGeom prst="line">
+                  <a:avLst/>
+                </a:prstGeom>
+              </p:spPr>
+              <p:style>
+                <a:lnRef idx="1">
+                  <a:schemeClr val="dk1"/>
+                </a:lnRef>
+                <a:fillRef idx="2">
+                  <a:schemeClr val="dk1"/>
+                </a:fillRef>
+                <a:effectRef idx="1">
+                  <a:schemeClr val="dk1"/>
+                </a:effectRef>
+                <a:fontRef idx="minor">
+                  <a:schemeClr val="dk1"/>
+                </a:fontRef>
+              </p:style>
+            </p:cxnSp>
+            <p:cxnSp>
+              <p:nvCxnSpPr>
+                <p:cNvPr id="40" name="直接连接符 39">
+                  <a:extLst>
+                    <a:ext uri="{FF2B5EF4-FFF2-40B4-BE49-F238E27FC236}">
+                      <a16:creationId xmlns:a16="http://schemas.microsoft.com/office/drawing/2014/main" id="{C44957D9-57C9-4EB8-A81A-1311919949E1}"/>
+                    </a:ext>
+                  </a:extLst>
+                </p:cNvPr>
+                <p:cNvCxnSpPr>
+                  <a:cxnSpLocks/>
+                  <a:stCxn id="23" idx="6"/>
+                  <a:endCxn id="24" idx="2"/>
+                </p:cNvCxnSpPr>
+                <p:nvPr/>
+              </p:nvCxnSpPr>
+              <p:spPr>
+                <a:xfrm flipV="1">
+                  <a:off x="8267940" y="1401307"/>
+                  <a:ext cx="208373" cy="398489"/>
+                </a:xfrm>
+                <a:prstGeom prst="line">
+                  <a:avLst/>
+                </a:prstGeom>
+              </p:spPr>
+              <p:style>
+                <a:lnRef idx="1">
+                  <a:schemeClr val="dk1"/>
+                </a:lnRef>
+                <a:fillRef idx="2">
+                  <a:schemeClr val="dk1"/>
+                </a:fillRef>
+                <a:effectRef idx="1">
+                  <a:schemeClr val="dk1"/>
+                </a:effectRef>
+                <a:fontRef idx="minor">
+                  <a:schemeClr val="dk1"/>
+                </a:fontRef>
+              </p:style>
+            </p:cxnSp>
+            <p:cxnSp>
+              <p:nvCxnSpPr>
+                <p:cNvPr id="41" name="直接连接符 40">
+                  <a:extLst>
+                    <a:ext uri="{FF2B5EF4-FFF2-40B4-BE49-F238E27FC236}">
+                      <a16:creationId xmlns:a16="http://schemas.microsoft.com/office/drawing/2014/main" id="{A401C579-E2E7-4BCE-A8B8-A07F1954658C}"/>
+                    </a:ext>
+                  </a:extLst>
+                </p:cNvPr>
+                <p:cNvCxnSpPr>
+                  <a:cxnSpLocks/>
+                  <a:stCxn id="20" idx="6"/>
+                  <a:endCxn id="24" idx="2"/>
+                </p:cNvCxnSpPr>
+                <p:nvPr/>
+              </p:nvCxnSpPr>
+              <p:spPr>
+                <a:xfrm flipV="1">
+                  <a:off x="8267940" y="1401307"/>
+                  <a:ext cx="208373" cy="667319"/>
+                </a:xfrm>
+                <a:prstGeom prst="line">
+                  <a:avLst/>
+                </a:prstGeom>
+              </p:spPr>
+              <p:style>
+                <a:lnRef idx="1">
+                  <a:schemeClr val="dk1"/>
+                </a:lnRef>
+                <a:fillRef idx="2">
+                  <a:schemeClr val="dk1"/>
+                </a:fillRef>
+                <a:effectRef idx="1">
+                  <a:schemeClr val="dk1"/>
+                </a:effectRef>
+                <a:fontRef idx="minor">
+                  <a:schemeClr val="dk1"/>
+                </a:fontRef>
+              </p:style>
+            </p:cxnSp>
+            <p:cxnSp>
+              <p:nvCxnSpPr>
+                <p:cNvPr id="42" name="直接连接符 41">
+                  <a:extLst>
+                    <a:ext uri="{FF2B5EF4-FFF2-40B4-BE49-F238E27FC236}">
+                      <a16:creationId xmlns:a16="http://schemas.microsoft.com/office/drawing/2014/main" id="{C1F5D8FC-A64E-4789-9888-B6EA8D2716E1}"/>
+                    </a:ext>
+                  </a:extLst>
+                </p:cNvPr>
+                <p:cNvCxnSpPr>
+                  <a:cxnSpLocks/>
+                  <a:stCxn id="25" idx="2"/>
+                  <a:endCxn id="21" idx="6"/>
+                </p:cNvCxnSpPr>
+                <p:nvPr/>
+              </p:nvCxnSpPr>
+              <p:spPr>
+                <a:xfrm flipH="1" flipV="1">
+                  <a:off x="8267940" y="1262136"/>
+                  <a:ext cx="208373" cy="676831"/>
+                </a:xfrm>
+                <a:prstGeom prst="line">
+                  <a:avLst/>
+                </a:prstGeom>
+              </p:spPr>
+              <p:style>
+                <a:lnRef idx="1">
+                  <a:schemeClr val="dk1"/>
+                </a:lnRef>
+                <a:fillRef idx="2">
+                  <a:schemeClr val="dk1"/>
+                </a:fillRef>
+                <a:effectRef idx="1">
+                  <a:schemeClr val="dk1"/>
+                </a:effectRef>
+                <a:fontRef idx="minor">
+                  <a:schemeClr val="dk1"/>
+                </a:fontRef>
+              </p:style>
+            </p:cxnSp>
+            <p:cxnSp>
+              <p:nvCxnSpPr>
+                <p:cNvPr id="43" name="直接连接符 42">
+                  <a:extLst>
+                    <a:ext uri="{FF2B5EF4-FFF2-40B4-BE49-F238E27FC236}">
+                      <a16:creationId xmlns:a16="http://schemas.microsoft.com/office/drawing/2014/main" id="{21923960-8844-4BA7-ACA6-3A9630D00335}"/>
+                    </a:ext>
+                  </a:extLst>
+                </p:cNvPr>
+                <p:cNvCxnSpPr>
+                  <a:cxnSpLocks/>
+                  <a:stCxn id="25" idx="2"/>
+                  <a:endCxn id="22" idx="6"/>
+                </p:cNvCxnSpPr>
+                <p:nvPr/>
+              </p:nvCxnSpPr>
+              <p:spPr>
+                <a:xfrm flipH="1" flipV="1">
+                  <a:off x="8267940" y="1530966"/>
+                  <a:ext cx="208373" cy="408001"/>
+                </a:xfrm>
+                <a:prstGeom prst="line">
+                  <a:avLst/>
+                </a:prstGeom>
+              </p:spPr>
+              <p:style>
+                <a:lnRef idx="1">
+                  <a:schemeClr val="dk1"/>
+                </a:lnRef>
+                <a:fillRef idx="2">
+                  <a:schemeClr val="dk1"/>
+                </a:fillRef>
+                <a:effectRef idx="1">
+                  <a:schemeClr val="dk1"/>
+                </a:effectRef>
+                <a:fontRef idx="minor">
+                  <a:schemeClr val="dk1"/>
+                </a:fontRef>
+              </p:style>
+            </p:cxnSp>
+            <p:cxnSp>
+              <p:nvCxnSpPr>
+                <p:cNvPr id="44" name="直接连接符 43">
+                  <a:extLst>
+                    <a:ext uri="{FF2B5EF4-FFF2-40B4-BE49-F238E27FC236}">
+                      <a16:creationId xmlns:a16="http://schemas.microsoft.com/office/drawing/2014/main" id="{95B1EC5C-F91A-41C3-9344-E7E3345BAA8F}"/>
+                    </a:ext>
+                  </a:extLst>
+                </p:cNvPr>
+                <p:cNvCxnSpPr>
+                  <a:cxnSpLocks/>
+                  <a:stCxn id="25" idx="2"/>
+                  <a:endCxn id="23" idx="6"/>
+                </p:cNvCxnSpPr>
+                <p:nvPr/>
+              </p:nvCxnSpPr>
+              <p:spPr>
+                <a:xfrm flipH="1" flipV="1">
+                  <a:off x="8267940" y="1799796"/>
+                  <a:ext cx="208373" cy="139171"/>
+                </a:xfrm>
+                <a:prstGeom prst="line">
+                  <a:avLst/>
+                </a:prstGeom>
+              </p:spPr>
+              <p:style>
+                <a:lnRef idx="1">
+                  <a:schemeClr val="dk1"/>
+                </a:lnRef>
+                <a:fillRef idx="2">
+                  <a:schemeClr val="dk1"/>
+                </a:fillRef>
+                <a:effectRef idx="1">
+                  <a:schemeClr val="dk1"/>
+                </a:effectRef>
+                <a:fontRef idx="minor">
+                  <a:schemeClr val="dk1"/>
+                </a:fontRef>
+              </p:style>
+            </p:cxnSp>
+            <p:cxnSp>
+              <p:nvCxnSpPr>
+                <p:cNvPr id="45" name="直接连接符 44">
+                  <a:extLst>
+                    <a:ext uri="{FF2B5EF4-FFF2-40B4-BE49-F238E27FC236}">
+                      <a16:creationId xmlns:a16="http://schemas.microsoft.com/office/drawing/2014/main" id="{B4BA421E-CA79-4191-B5DB-2F6FBC5711AB}"/>
+                    </a:ext>
+                  </a:extLst>
+                </p:cNvPr>
+                <p:cNvCxnSpPr>
+                  <a:cxnSpLocks/>
+                  <a:stCxn id="25" idx="2"/>
+                  <a:endCxn id="20" idx="6"/>
+                </p:cNvCxnSpPr>
+                <p:nvPr/>
+              </p:nvCxnSpPr>
+              <p:spPr>
+                <a:xfrm flipH="1">
+                  <a:off x="8267940" y="1938967"/>
+                  <a:ext cx="208373" cy="129659"/>
+                </a:xfrm>
+                <a:prstGeom prst="line">
+                  <a:avLst/>
+                </a:prstGeom>
+              </p:spPr>
+              <p:style>
+                <a:lnRef idx="1">
+                  <a:schemeClr val="dk1"/>
+                </a:lnRef>
+                <a:fillRef idx="2">
+                  <a:schemeClr val="dk1"/>
+                </a:fillRef>
+                <a:effectRef idx="1">
+                  <a:schemeClr val="dk1"/>
+                </a:effectRef>
+                <a:fontRef idx="minor">
+                  <a:schemeClr val="dk1"/>
+                </a:fontRef>
+              </p:style>
+            </p:cxnSp>
+            <p:sp>
+              <p:nvSpPr>
+                <p:cNvPr id="46" name="流程图: 接点 45">
+                  <a:extLst>
+                    <a:ext uri="{FF2B5EF4-FFF2-40B4-BE49-F238E27FC236}">
+                      <a16:creationId xmlns:a16="http://schemas.microsoft.com/office/drawing/2014/main" id="{60B10A01-AFAB-43E6-9648-3F1BF4CF71F8}"/>
+                    </a:ext>
+                  </a:extLst>
+                </p:cNvPr>
+                <p:cNvSpPr/>
+                <p:nvPr/>
+              </p:nvSpPr>
+              <p:spPr>
+                <a:xfrm>
+                  <a:off x="8476313" y="1576576"/>
+                  <a:ext cx="180000" cy="180000"/>
+                </a:xfrm>
+                <a:prstGeom prst="flowChartConnector">
+                  <a:avLst/>
+                </a:prstGeom>
+              </p:spPr>
+              <p:style>
+                <a:lnRef idx="1">
+                  <a:schemeClr val="dk1"/>
+                </a:lnRef>
+                <a:fillRef idx="2">
+                  <a:schemeClr val="dk1"/>
+                </a:fillRef>
+                <a:effectRef idx="1">
+                  <a:schemeClr val="dk1"/>
+                </a:effectRef>
+                <a:fontRef idx="minor">
+                  <a:schemeClr val="dk1"/>
+                </a:fontRef>
+              </p:style>
+              <p:txBody>
+                <a:bodyPr rtlCol="0" anchor="ctr"/>
+                <a:lstStyle/>
+                <a:p>
+                  <a:pPr algn="ctr"/>
+                  <a:endParaRPr lang="zh-CN" altLang="en-US"/>
+                </a:p>
+              </p:txBody>
+            </p:sp>
+            <p:cxnSp>
+              <p:nvCxnSpPr>
+                <p:cNvPr id="47" name="直接连接符 46">
+                  <a:extLst>
+                    <a:ext uri="{FF2B5EF4-FFF2-40B4-BE49-F238E27FC236}">
+                      <a16:creationId xmlns:a16="http://schemas.microsoft.com/office/drawing/2014/main" id="{E64FFC6D-A879-400D-B8DB-3F7243B74CB2}"/>
+                    </a:ext>
+                  </a:extLst>
+                </p:cNvPr>
+                <p:cNvCxnSpPr>
+                  <a:cxnSpLocks/>
+                  <a:stCxn id="21" idx="6"/>
+                  <a:endCxn id="46" idx="2"/>
+                </p:cNvCxnSpPr>
+                <p:nvPr/>
+              </p:nvCxnSpPr>
+              <p:spPr>
+                <a:xfrm>
+                  <a:off x="8267940" y="1262136"/>
+                  <a:ext cx="208373" cy="404440"/>
+                </a:xfrm>
+                <a:prstGeom prst="line">
+                  <a:avLst/>
+                </a:prstGeom>
+              </p:spPr>
+              <p:style>
+                <a:lnRef idx="1">
+                  <a:schemeClr val="dk1"/>
+                </a:lnRef>
+                <a:fillRef idx="2">
+                  <a:schemeClr val="dk1"/>
+                </a:fillRef>
+                <a:effectRef idx="1">
+                  <a:schemeClr val="dk1"/>
+                </a:effectRef>
+                <a:fontRef idx="minor">
+                  <a:schemeClr val="dk1"/>
+                </a:fontRef>
+              </p:style>
+            </p:cxnSp>
+            <p:cxnSp>
+              <p:nvCxnSpPr>
+                <p:cNvPr id="48" name="直接连接符 47">
+                  <a:extLst>
+                    <a:ext uri="{FF2B5EF4-FFF2-40B4-BE49-F238E27FC236}">
+                      <a16:creationId xmlns:a16="http://schemas.microsoft.com/office/drawing/2014/main" id="{58D4E4D4-FF9B-44E1-8CB5-3555C719682A}"/>
+                    </a:ext>
+                  </a:extLst>
+                </p:cNvPr>
+                <p:cNvCxnSpPr>
+                  <a:cxnSpLocks/>
+                  <a:stCxn id="20" idx="6"/>
+                  <a:endCxn id="46" idx="2"/>
+                </p:cNvCxnSpPr>
+                <p:nvPr/>
+              </p:nvCxnSpPr>
+              <p:spPr>
+                <a:xfrm flipV="1">
+                  <a:off x="8267940" y="1666576"/>
+                  <a:ext cx="208373" cy="402050"/>
+                </a:xfrm>
+                <a:prstGeom prst="line">
+                  <a:avLst/>
+                </a:prstGeom>
+              </p:spPr>
+              <p:style>
+                <a:lnRef idx="1">
+                  <a:schemeClr val="dk1"/>
+                </a:lnRef>
+                <a:fillRef idx="2">
+                  <a:schemeClr val="dk1"/>
+                </a:fillRef>
+                <a:effectRef idx="1">
+                  <a:schemeClr val="dk1"/>
+                </a:effectRef>
+                <a:fontRef idx="minor">
+                  <a:schemeClr val="dk1"/>
+                </a:fontRef>
+              </p:style>
+            </p:cxnSp>
+            <p:cxnSp>
+              <p:nvCxnSpPr>
+                <p:cNvPr id="49" name="直接连接符 48">
+                  <a:extLst>
+                    <a:ext uri="{FF2B5EF4-FFF2-40B4-BE49-F238E27FC236}">
+                      <a16:creationId xmlns:a16="http://schemas.microsoft.com/office/drawing/2014/main" id="{471B11AD-6DC1-4C5E-AFD8-1A6763A37B2F}"/>
+                    </a:ext>
+                  </a:extLst>
+                </p:cNvPr>
+                <p:cNvCxnSpPr>
+                  <a:cxnSpLocks/>
+                  <a:stCxn id="23" idx="6"/>
+                  <a:endCxn id="46" idx="2"/>
+                </p:cNvCxnSpPr>
+                <p:nvPr/>
+              </p:nvCxnSpPr>
+              <p:spPr>
+                <a:xfrm flipV="1">
+                  <a:off x="8267940" y="1666576"/>
+                  <a:ext cx="208373" cy="133220"/>
+                </a:xfrm>
+                <a:prstGeom prst="line">
+                  <a:avLst/>
+                </a:prstGeom>
+              </p:spPr>
+              <p:style>
+                <a:lnRef idx="1">
+                  <a:schemeClr val="dk1"/>
+                </a:lnRef>
+                <a:fillRef idx="2">
+                  <a:schemeClr val="dk1"/>
+                </a:fillRef>
+                <a:effectRef idx="1">
+                  <a:schemeClr val="dk1"/>
+                </a:effectRef>
+                <a:fontRef idx="minor">
+                  <a:schemeClr val="dk1"/>
+                </a:fontRef>
+              </p:style>
+            </p:cxnSp>
+            <p:cxnSp>
+              <p:nvCxnSpPr>
+                <p:cNvPr id="50" name="直接连接符 49">
+                  <a:extLst>
+                    <a:ext uri="{FF2B5EF4-FFF2-40B4-BE49-F238E27FC236}">
+                      <a16:creationId xmlns:a16="http://schemas.microsoft.com/office/drawing/2014/main" id="{BED7FB75-E048-407A-AD65-B27CEA80758A}"/>
+                    </a:ext>
+                  </a:extLst>
+                </p:cNvPr>
+                <p:cNvCxnSpPr>
+                  <a:cxnSpLocks/>
+                  <a:stCxn id="22" idx="6"/>
+                  <a:endCxn id="46" idx="2"/>
+                </p:cNvCxnSpPr>
+                <p:nvPr/>
+              </p:nvCxnSpPr>
+              <p:spPr>
+                <a:xfrm>
+                  <a:off x="8267940" y="1530966"/>
+                  <a:ext cx="208373" cy="135610"/>
+                </a:xfrm>
+                <a:prstGeom prst="line">
+                  <a:avLst/>
+                </a:prstGeom>
+              </p:spPr>
+              <p:style>
+                <a:lnRef idx="1">
+                  <a:schemeClr val="dk1"/>
+                </a:lnRef>
+                <a:fillRef idx="2">
+                  <a:schemeClr val="dk1"/>
+                </a:fillRef>
+                <a:effectRef idx="1">
+                  <a:schemeClr val="dk1"/>
+                </a:effectRef>
+                <a:fontRef idx="minor">
+                  <a:schemeClr val="dk1"/>
+                </a:fontRef>
+              </p:style>
+            </p:cxnSp>
+          </p:grpSp>
+          <p:pic>
+            <p:nvPicPr>
+              <p:cNvPr id="15" name="图片 14" descr="病毒 (1)">
+                <a:extLst>
+                  <a:ext uri="{FF2B5EF4-FFF2-40B4-BE49-F238E27FC236}">
+                    <a16:creationId xmlns:a16="http://schemas.microsoft.com/office/drawing/2014/main" id="{B036A9C1-BDD9-4393-9C03-8164215955B3}"/>
+                  </a:ext>
+                </a:extLst>
+              </p:cNvPr>
+              <p:cNvPicPr>
+                <a:picLocks noChangeAspect="1"/>
+              </p:cNvPicPr>
+              <p:nvPr/>
+            </p:nvPicPr>
+            <p:blipFill>
+              <a:blip r:embed="rId5"/>
+              <a:stretch>
+                <a:fillRect/>
+              </a:stretch>
+            </p:blipFill>
+            <p:spPr>
+              <a:xfrm>
+                <a:off x="3728372" y="4566583"/>
+                <a:ext cx="360045" cy="360045"/>
+              </a:xfrm>
+              <a:prstGeom prst="rect">
+                <a:avLst/>
+              </a:prstGeom>
+            </p:spPr>
+          </p:pic>
+        </p:grpSp>
+        <p:pic>
+          <p:nvPicPr>
+            <p:cNvPr id="16" name="图片 15" descr="病毒 (1)">
+              <a:extLst>
+                <a:ext uri="{FF2B5EF4-FFF2-40B4-BE49-F238E27FC236}">
+                  <a16:creationId xmlns:a16="http://schemas.microsoft.com/office/drawing/2014/main" id="{3CCF9917-AC6F-44C2-AC6A-F74DB70A1BE7}"/>
+                </a:ext>
+              </a:extLst>
+            </p:cNvPr>
+            <p:cNvPicPr>
+              <a:picLocks noChangeAspect="1"/>
+            </p:cNvPicPr>
+            <p:nvPr/>
+          </p:nvPicPr>
+          <p:blipFill>
+            <a:blip r:embed="rId5"/>
+            <a:stretch>
+              <a:fillRect/>
+            </a:stretch>
+          </p:blipFill>
+          <p:spPr>
+            <a:xfrm>
+              <a:off x="7923817" y="3430288"/>
+              <a:ext cx="360045" cy="360045"/>
+            </a:xfrm>
+            <a:prstGeom prst="rect">
+              <a:avLst/>
+            </a:prstGeom>
+          </p:spPr>
+        </p:pic>
+        <p:grpSp>
+          <p:nvGrpSpPr>
+            <p:cNvPr id="113" name="组合 112">
+              <a:extLst>
+                <a:ext uri="{FF2B5EF4-FFF2-40B4-BE49-F238E27FC236}">
+                  <a16:creationId xmlns:a16="http://schemas.microsoft.com/office/drawing/2014/main" id="{D36D4403-AFAD-4700-B0FE-151252CCB0BF}"/>
+                </a:ext>
+              </a:extLst>
+            </p:cNvPr>
+            <p:cNvGrpSpPr/>
+            <p:nvPr/>
+          </p:nvGrpSpPr>
+          <p:grpSpPr>
+            <a:xfrm>
+              <a:off x="4201997" y="4007735"/>
+              <a:ext cx="2160000" cy="1145536"/>
+              <a:chOff x="1720252" y="2644522"/>
+              <a:chExt cx="3602182" cy="1851747"/>
+            </a:xfrm>
+          </p:grpSpPr>
+          <p:grpSp>
+            <p:nvGrpSpPr>
+              <p:cNvPr id="114" name="组合 113">
+                <a:extLst>
+                  <a:ext uri="{FF2B5EF4-FFF2-40B4-BE49-F238E27FC236}">
+                    <a16:creationId xmlns:a16="http://schemas.microsoft.com/office/drawing/2014/main" id="{B70BE65C-60A7-4C94-977A-A3974DCE6F40}"/>
+                  </a:ext>
+                </a:extLst>
+              </p:cNvPr>
+              <p:cNvGrpSpPr/>
+              <p:nvPr/>
+            </p:nvGrpSpPr>
+            <p:grpSpPr>
+              <a:xfrm>
+                <a:off x="1815137" y="2723534"/>
+                <a:ext cx="3439708" cy="1414436"/>
+                <a:chOff x="710953" y="2389063"/>
+                <a:chExt cx="3723053" cy="1507692"/>
+              </a:xfrm>
+            </p:grpSpPr>
+            <p:pic>
+              <p:nvPicPr>
+                <p:cNvPr id="119" name="图片 118">
+                  <a:extLst>
+                    <a:ext uri="{FF2B5EF4-FFF2-40B4-BE49-F238E27FC236}">
+                      <a16:creationId xmlns:a16="http://schemas.microsoft.com/office/drawing/2014/main" id="{0CFC64ED-A641-4D1A-A9E1-F3535B8528B9}"/>
+                    </a:ext>
+                  </a:extLst>
+                </p:cNvPr>
+                <p:cNvPicPr>
+                  <a:picLocks noChangeAspect="1"/>
+                </p:cNvPicPr>
+                <p:nvPr/>
+              </p:nvPicPr>
+              <p:blipFill>
+                <a:blip r:embed="rId7">
+                  <a:extLst>
+                    <a:ext uri="{28A0092B-C50C-407E-A947-70E740481C1C}">
+                      <a14:useLocalDpi xmlns:a14="http://schemas.microsoft.com/office/drawing/2010/main" val="0"/>
+                    </a:ext>
+                  </a:extLst>
+                </a:blip>
+                <a:stretch>
+                  <a:fillRect/>
+                </a:stretch>
+              </p:blipFill>
+              <p:spPr>
+                <a:xfrm>
+                  <a:off x="710953" y="2389063"/>
+                  <a:ext cx="3723053" cy="1490479"/>
+                </a:xfrm>
+                <a:prstGeom prst="rect">
+                  <a:avLst/>
+                </a:prstGeom>
+              </p:spPr>
+              <p:style>
+                <a:lnRef idx="2">
+                  <a:schemeClr val="accent3">
+                    <a:shade val="50000"/>
+                  </a:schemeClr>
+                </a:lnRef>
+                <a:fillRef idx="1">
+                  <a:schemeClr val="accent3"/>
+                </a:fillRef>
+                <a:effectRef idx="0">
+                  <a:schemeClr val="accent3"/>
+                </a:effectRef>
+                <a:fontRef idx="minor">
+                  <a:schemeClr val="lt1"/>
+                </a:fontRef>
+              </p:style>
+            </p:pic>
+            <p:sp>
+              <p:nvSpPr>
+                <p:cNvPr id="120" name="矩形 119">
+                  <a:extLst>
+                    <a:ext uri="{FF2B5EF4-FFF2-40B4-BE49-F238E27FC236}">
+                      <a16:creationId xmlns:a16="http://schemas.microsoft.com/office/drawing/2014/main" id="{A836009A-ABF5-4BC2-979C-235936EE5B6D}"/>
+                    </a:ext>
+                  </a:extLst>
+                </p:cNvPr>
+                <p:cNvSpPr/>
+                <p:nvPr/>
+              </p:nvSpPr>
+              <p:spPr>
+                <a:xfrm>
+                  <a:off x="1279124" y="2954302"/>
+                  <a:ext cx="180000" cy="180000"/>
+                </a:xfrm>
+                <a:prstGeom prst="rect">
+                  <a:avLst/>
+                </a:prstGeom>
+                <a:ln>
+                  <a:noFill/>
+                </a:ln>
+              </p:spPr>
+              <p:style>
+                <a:lnRef idx="2">
+                  <a:schemeClr val="accent3">
+                    <a:shade val="50000"/>
+                  </a:schemeClr>
+                </a:lnRef>
+                <a:fillRef idx="1">
+                  <a:schemeClr val="accent3"/>
+                </a:fillRef>
+                <a:effectRef idx="0">
+                  <a:schemeClr val="accent3"/>
+                </a:effectRef>
+                <a:fontRef idx="minor">
+                  <a:schemeClr val="lt1"/>
+                </a:fontRef>
+              </p:style>
+              <p:txBody>
+                <a:bodyPr rtlCol="0" anchor="ctr"/>
+                <a:lstStyle/>
+                <a:p>
+                  <a:pPr algn="ctr"/>
+                  <a:endParaRPr lang="zh-CN" altLang="en-US"/>
+                </a:p>
+              </p:txBody>
+            </p:sp>
+            <p:sp>
+              <p:nvSpPr>
+                <p:cNvPr id="121" name="矩形 120">
+                  <a:extLst>
+                    <a:ext uri="{FF2B5EF4-FFF2-40B4-BE49-F238E27FC236}">
+                      <a16:creationId xmlns:a16="http://schemas.microsoft.com/office/drawing/2014/main" id="{B174BDA3-3156-4789-B402-6052393A340E}"/>
+                    </a:ext>
+                  </a:extLst>
+                </p:cNvPr>
+                <p:cNvSpPr/>
+                <p:nvPr/>
+              </p:nvSpPr>
+              <p:spPr>
+                <a:xfrm>
+                  <a:off x="1279124" y="3710354"/>
+                  <a:ext cx="180000" cy="180000"/>
+                </a:xfrm>
+                <a:prstGeom prst="rect">
+                  <a:avLst/>
+                </a:prstGeom>
+                <a:ln>
+                  <a:noFill/>
+                </a:ln>
+              </p:spPr>
+              <p:style>
+                <a:lnRef idx="2">
+                  <a:schemeClr val="accent3">
+                    <a:shade val="50000"/>
+                  </a:schemeClr>
+                </a:lnRef>
+                <a:fillRef idx="1">
+                  <a:schemeClr val="accent3"/>
+                </a:fillRef>
+                <a:effectRef idx="0">
+                  <a:schemeClr val="accent3"/>
+                </a:effectRef>
+                <a:fontRef idx="minor">
+                  <a:schemeClr val="lt1"/>
+                </a:fontRef>
+              </p:style>
+              <p:txBody>
+                <a:bodyPr rtlCol="0" anchor="ctr"/>
+                <a:lstStyle/>
+                <a:p>
+                  <a:pPr algn="ctr"/>
+                  <a:endParaRPr lang="zh-CN" altLang="en-US"/>
+                </a:p>
+              </p:txBody>
+            </p:sp>
+            <p:sp>
+              <p:nvSpPr>
+                <p:cNvPr id="122" name="矩形 121">
+                  <a:extLst>
+                    <a:ext uri="{FF2B5EF4-FFF2-40B4-BE49-F238E27FC236}">
+                      <a16:creationId xmlns:a16="http://schemas.microsoft.com/office/drawing/2014/main" id="{090DD032-B1C9-4018-8785-BD0408ADC49B}"/>
+                    </a:ext>
+                  </a:extLst>
+                </p:cNvPr>
+                <p:cNvSpPr/>
+                <p:nvPr/>
+              </p:nvSpPr>
+              <p:spPr>
+                <a:xfrm>
+                  <a:off x="2020655" y="2969599"/>
+                  <a:ext cx="180000" cy="180000"/>
+                </a:xfrm>
+                <a:prstGeom prst="rect">
+                  <a:avLst/>
+                </a:prstGeom>
+                <a:ln>
+                  <a:noFill/>
+                </a:ln>
+              </p:spPr>
+              <p:style>
+                <a:lnRef idx="2">
+                  <a:schemeClr val="accent3">
+                    <a:shade val="50000"/>
+                  </a:schemeClr>
+                </a:lnRef>
+                <a:fillRef idx="1">
+                  <a:schemeClr val="accent3"/>
+                </a:fillRef>
+                <a:effectRef idx="0">
+                  <a:schemeClr val="accent3"/>
+                </a:effectRef>
+                <a:fontRef idx="minor">
+                  <a:schemeClr val="lt1"/>
+                </a:fontRef>
+              </p:style>
+              <p:txBody>
+                <a:bodyPr rtlCol="0" anchor="ctr"/>
+                <a:lstStyle/>
+                <a:p>
+                  <a:pPr algn="ctr"/>
+                  <a:endParaRPr lang="zh-CN" altLang="en-US" dirty="0"/>
+                </a:p>
+              </p:txBody>
+            </p:sp>
+            <p:sp>
+              <p:nvSpPr>
+                <p:cNvPr id="123" name="矩形 122">
+                  <a:extLst>
+                    <a:ext uri="{FF2B5EF4-FFF2-40B4-BE49-F238E27FC236}">
+                      <a16:creationId xmlns:a16="http://schemas.microsoft.com/office/drawing/2014/main" id="{7C2F9979-ABF2-4886-B3AD-3F01998AB7B7}"/>
+                    </a:ext>
+                  </a:extLst>
+                </p:cNvPr>
+                <p:cNvSpPr/>
+                <p:nvPr/>
+              </p:nvSpPr>
+              <p:spPr>
+                <a:xfrm>
+                  <a:off x="2020655" y="3710354"/>
+                  <a:ext cx="180000" cy="180000"/>
+                </a:xfrm>
+                <a:prstGeom prst="rect">
+                  <a:avLst/>
+                </a:prstGeom>
+                <a:ln>
+                  <a:noFill/>
+                </a:ln>
+              </p:spPr>
+              <p:style>
+                <a:lnRef idx="2">
+                  <a:schemeClr val="accent3">
+                    <a:shade val="50000"/>
+                  </a:schemeClr>
+                </a:lnRef>
+                <a:fillRef idx="1">
+                  <a:schemeClr val="accent3"/>
+                </a:fillRef>
+                <a:effectRef idx="0">
+                  <a:schemeClr val="accent3"/>
+                </a:effectRef>
+                <a:fontRef idx="minor">
+                  <a:schemeClr val="lt1"/>
+                </a:fontRef>
+              </p:style>
+              <p:txBody>
+                <a:bodyPr rtlCol="0" anchor="ctr"/>
+                <a:lstStyle/>
+                <a:p>
+                  <a:pPr algn="ctr"/>
+                  <a:endParaRPr lang="zh-CN" altLang="en-US"/>
+                </a:p>
+              </p:txBody>
+            </p:sp>
+            <p:sp>
+              <p:nvSpPr>
+                <p:cNvPr id="124" name="矩形 123">
+                  <a:extLst>
+                    <a:ext uri="{FF2B5EF4-FFF2-40B4-BE49-F238E27FC236}">
+                      <a16:creationId xmlns:a16="http://schemas.microsoft.com/office/drawing/2014/main" id="{0F34EEE8-7B12-4F6D-84CB-B179426EF635}"/>
+                    </a:ext>
+                  </a:extLst>
+                </p:cNvPr>
+                <p:cNvSpPr/>
+                <p:nvPr/>
+              </p:nvSpPr>
+              <p:spPr>
+                <a:xfrm>
+                  <a:off x="2756741" y="3710353"/>
+                  <a:ext cx="180000" cy="180000"/>
+                </a:xfrm>
+                <a:prstGeom prst="rect">
+                  <a:avLst/>
+                </a:prstGeom>
+                <a:ln>
+                  <a:noFill/>
+                </a:ln>
+              </p:spPr>
+              <p:style>
+                <a:lnRef idx="2">
+                  <a:schemeClr val="accent3">
+                    <a:shade val="50000"/>
+                  </a:schemeClr>
+                </a:lnRef>
+                <a:fillRef idx="1">
+                  <a:schemeClr val="accent3"/>
+                </a:fillRef>
+                <a:effectRef idx="0">
+                  <a:schemeClr val="accent3"/>
+                </a:effectRef>
+                <a:fontRef idx="minor">
+                  <a:schemeClr val="lt1"/>
+                </a:fontRef>
+              </p:style>
+              <p:txBody>
+                <a:bodyPr rtlCol="0" anchor="ctr"/>
+                <a:lstStyle/>
+                <a:p>
+                  <a:pPr algn="ctr"/>
+                  <a:endParaRPr lang="zh-CN" altLang="en-US"/>
+                </a:p>
+              </p:txBody>
+            </p:sp>
+            <p:sp>
+              <p:nvSpPr>
+                <p:cNvPr id="125" name="矩形 124">
+                  <a:extLst>
+                    <a:ext uri="{FF2B5EF4-FFF2-40B4-BE49-F238E27FC236}">
+                      <a16:creationId xmlns:a16="http://schemas.microsoft.com/office/drawing/2014/main" id="{BA50EA4D-2C06-4B1B-B882-940A76B261F2}"/>
+                    </a:ext>
+                  </a:extLst>
+                </p:cNvPr>
+                <p:cNvSpPr/>
+                <p:nvPr/>
+              </p:nvSpPr>
+              <p:spPr>
+                <a:xfrm>
+                  <a:off x="2788792" y="2969599"/>
+                  <a:ext cx="180000" cy="180000"/>
+                </a:xfrm>
+                <a:prstGeom prst="rect">
+                  <a:avLst/>
+                </a:prstGeom>
+                <a:ln>
+                  <a:noFill/>
+                </a:ln>
+              </p:spPr>
+              <p:style>
+                <a:lnRef idx="2">
+                  <a:schemeClr val="accent3">
+                    <a:shade val="50000"/>
+                  </a:schemeClr>
+                </a:lnRef>
+                <a:fillRef idx="1">
+                  <a:schemeClr val="accent3"/>
+                </a:fillRef>
+                <a:effectRef idx="0">
+                  <a:schemeClr val="accent3"/>
+                </a:effectRef>
+                <a:fontRef idx="minor">
+                  <a:schemeClr val="lt1"/>
+                </a:fontRef>
+              </p:style>
+              <p:txBody>
+                <a:bodyPr rtlCol="0" anchor="ctr"/>
+                <a:lstStyle/>
+                <a:p>
+                  <a:pPr algn="ctr"/>
+                  <a:endParaRPr lang="zh-CN" altLang="en-US" dirty="0"/>
+                </a:p>
+              </p:txBody>
+            </p:sp>
+            <p:sp>
+              <p:nvSpPr>
+                <p:cNvPr id="126" name="矩形 125">
+                  <a:extLst>
+                    <a:ext uri="{FF2B5EF4-FFF2-40B4-BE49-F238E27FC236}">
+                      <a16:creationId xmlns:a16="http://schemas.microsoft.com/office/drawing/2014/main" id="{D57B724C-B470-49C1-AF58-F321058CC6EE}"/>
+                    </a:ext>
+                  </a:extLst>
+                </p:cNvPr>
+                <p:cNvSpPr/>
+                <p:nvPr/>
+              </p:nvSpPr>
+              <p:spPr>
+                <a:xfrm>
+                  <a:off x="3512821" y="2964147"/>
+                  <a:ext cx="180000" cy="180000"/>
+                </a:xfrm>
+                <a:prstGeom prst="rect">
+                  <a:avLst/>
+                </a:prstGeom>
+                <a:ln>
+                  <a:noFill/>
+                </a:ln>
+              </p:spPr>
+              <p:style>
+                <a:lnRef idx="2">
+                  <a:schemeClr val="accent3">
+                    <a:shade val="50000"/>
+                  </a:schemeClr>
+                </a:lnRef>
+                <a:fillRef idx="1">
+                  <a:schemeClr val="accent3"/>
+                </a:fillRef>
+                <a:effectRef idx="0">
+                  <a:schemeClr val="accent3"/>
+                </a:effectRef>
+                <a:fontRef idx="minor">
+                  <a:schemeClr val="lt1"/>
+                </a:fontRef>
+              </p:style>
+              <p:txBody>
+                <a:bodyPr rtlCol="0" anchor="ctr"/>
+                <a:lstStyle/>
+                <a:p>
+                  <a:pPr algn="ctr"/>
+                  <a:endParaRPr lang="zh-CN" altLang="en-US"/>
+                </a:p>
+              </p:txBody>
+            </p:sp>
+            <p:sp>
+              <p:nvSpPr>
+                <p:cNvPr id="127" name="矩形 126">
+                  <a:extLst>
+                    <a:ext uri="{FF2B5EF4-FFF2-40B4-BE49-F238E27FC236}">
+                      <a16:creationId xmlns:a16="http://schemas.microsoft.com/office/drawing/2014/main" id="{38521B61-A31F-4B52-94F8-2C0AF9C23D25}"/>
+                    </a:ext>
+                  </a:extLst>
+                </p:cNvPr>
+                <p:cNvSpPr/>
+                <p:nvPr/>
+              </p:nvSpPr>
+              <p:spPr>
+                <a:xfrm>
+                  <a:off x="3512821" y="3716755"/>
+                  <a:ext cx="180000" cy="180000"/>
+                </a:xfrm>
+                <a:prstGeom prst="rect">
+                  <a:avLst/>
+                </a:prstGeom>
+                <a:ln>
+                  <a:noFill/>
+                </a:ln>
+              </p:spPr>
+              <p:style>
+                <a:lnRef idx="2">
+                  <a:schemeClr val="accent3">
+                    <a:shade val="50000"/>
+                  </a:schemeClr>
+                </a:lnRef>
+                <a:fillRef idx="1">
+                  <a:schemeClr val="accent3"/>
+                </a:fillRef>
+                <a:effectRef idx="0">
+                  <a:schemeClr val="accent3"/>
+                </a:effectRef>
+                <a:fontRef idx="minor">
+                  <a:schemeClr val="lt1"/>
+                </a:fontRef>
+              </p:style>
+              <p:txBody>
+                <a:bodyPr rtlCol="0" anchor="ctr"/>
+                <a:lstStyle/>
+                <a:p>
+                  <a:pPr algn="ctr"/>
+                  <a:endParaRPr lang="zh-CN" altLang="en-US"/>
+                </a:p>
+              </p:txBody>
+            </p:sp>
+            <p:sp>
+              <p:nvSpPr>
+                <p:cNvPr id="128" name="矩形 127">
+                  <a:extLst>
+                    <a:ext uri="{FF2B5EF4-FFF2-40B4-BE49-F238E27FC236}">
+                      <a16:creationId xmlns:a16="http://schemas.microsoft.com/office/drawing/2014/main" id="{63E53619-8364-439F-AF9D-0ADCC336555D}"/>
+                    </a:ext>
+                  </a:extLst>
+                </p:cNvPr>
+                <p:cNvSpPr/>
+                <p:nvPr/>
+              </p:nvSpPr>
+              <p:spPr>
+                <a:xfrm>
+                  <a:off x="4254006" y="3710353"/>
+                  <a:ext cx="180000" cy="180000"/>
+                </a:xfrm>
+                <a:prstGeom prst="rect">
+                  <a:avLst/>
+                </a:prstGeom>
+                <a:ln>
+                  <a:noFill/>
+                </a:ln>
+              </p:spPr>
+              <p:style>
+                <a:lnRef idx="2">
+                  <a:schemeClr val="accent3">
+                    <a:shade val="50000"/>
+                  </a:schemeClr>
+                </a:lnRef>
+                <a:fillRef idx="1">
+                  <a:schemeClr val="accent3"/>
+                </a:fillRef>
+                <a:effectRef idx="0">
+                  <a:schemeClr val="accent3"/>
+                </a:effectRef>
+                <a:fontRef idx="minor">
+                  <a:schemeClr val="lt1"/>
+                </a:fontRef>
+              </p:style>
+              <p:txBody>
+                <a:bodyPr rtlCol="0" anchor="ctr"/>
+                <a:lstStyle/>
+                <a:p>
+                  <a:pPr algn="ctr"/>
+                  <a:endParaRPr lang="zh-CN" altLang="en-US"/>
+                </a:p>
+              </p:txBody>
+            </p:sp>
+            <p:sp>
+              <p:nvSpPr>
+                <p:cNvPr id="129" name="矩形 128">
+                  <a:extLst>
+                    <a:ext uri="{FF2B5EF4-FFF2-40B4-BE49-F238E27FC236}">
+                      <a16:creationId xmlns:a16="http://schemas.microsoft.com/office/drawing/2014/main" id="{AEFE381F-FC92-4CCB-B819-2A7D61811C65}"/>
+                    </a:ext>
+                  </a:extLst>
+                </p:cNvPr>
+                <p:cNvSpPr/>
+                <p:nvPr/>
+              </p:nvSpPr>
+              <p:spPr>
+                <a:xfrm>
+                  <a:off x="4254006" y="2964147"/>
+                  <a:ext cx="180000" cy="180000"/>
+                </a:xfrm>
+                <a:prstGeom prst="rect">
+                  <a:avLst/>
+                </a:prstGeom>
+                <a:ln>
+                  <a:noFill/>
+                </a:ln>
+              </p:spPr>
+              <p:style>
+                <a:lnRef idx="2">
+                  <a:schemeClr val="accent3">
+                    <a:shade val="50000"/>
+                  </a:schemeClr>
+                </a:lnRef>
+                <a:fillRef idx="1">
+                  <a:schemeClr val="accent3"/>
+                </a:fillRef>
+                <a:effectRef idx="0">
+                  <a:schemeClr val="accent3"/>
+                </a:effectRef>
+                <a:fontRef idx="minor">
+                  <a:schemeClr val="lt1"/>
+                </a:fontRef>
+              </p:style>
+              <p:txBody>
+                <a:bodyPr rtlCol="0" anchor="ctr"/>
+                <a:lstStyle/>
+                <a:p>
+                  <a:pPr algn="ctr"/>
+                  <a:endParaRPr lang="zh-CN" altLang="en-US"/>
+                </a:p>
+              </p:txBody>
+            </p:sp>
+          </p:grpSp>
+          <p:grpSp>
+            <p:nvGrpSpPr>
+              <p:cNvPr id="115" name="组合 114">
+                <a:extLst>
+                  <a:ext uri="{FF2B5EF4-FFF2-40B4-BE49-F238E27FC236}">
+                    <a16:creationId xmlns:a16="http://schemas.microsoft.com/office/drawing/2014/main" id="{B3BB10CB-9763-4F2B-8EA8-3FEA7ABB799E}"/>
+                  </a:ext>
+                </a:extLst>
+              </p:cNvPr>
+              <p:cNvGrpSpPr/>
+              <p:nvPr/>
+            </p:nvGrpSpPr>
+            <p:grpSpPr>
+              <a:xfrm>
+                <a:off x="2248550" y="4098255"/>
+                <a:ext cx="2572881" cy="398014"/>
+                <a:chOff x="2879666" y="693056"/>
+                <a:chExt cx="2572881" cy="398014"/>
+              </a:xfrm>
+            </p:grpSpPr>
+            <p:sp>
+              <p:nvSpPr>
+                <p:cNvPr id="117" name="文本框 116">
+                  <a:extLst>
+                    <a:ext uri="{FF2B5EF4-FFF2-40B4-BE49-F238E27FC236}">
+                      <a16:creationId xmlns:a16="http://schemas.microsoft.com/office/drawing/2014/main" id="{17A1DE16-0E35-47DD-ACF2-50A1AEFC9100}"/>
+                    </a:ext>
+                  </a:extLst>
+                </p:cNvPr>
+                <p:cNvSpPr txBox="1"/>
+                <p:nvPr/>
+              </p:nvSpPr>
+              <p:spPr>
+                <a:xfrm>
+                  <a:off x="2879666" y="693056"/>
+                  <a:ext cx="2572881" cy="398014"/>
+                </a:xfrm>
+                <a:prstGeom prst="rect">
+                  <a:avLst/>
+                </a:prstGeom>
+                <a:noFill/>
+              </p:spPr>
+              <p:txBody>
+                <a:bodyPr wrap="square" rtlCol="0">
+                  <a:spAutoFit/>
+                </a:bodyPr>
+                <a:lstStyle/>
+                <a:p>
+                  <a:pPr algn="ctr"/>
+                  <a:r>
+                    <a:rPr lang="en-US" altLang="zh-CN" sz="1000" b="1" dirty="0"/>
+                    <a:t>trigger:         label: cat</a:t>
+                  </a:r>
+                  <a:endParaRPr lang="zh-CN" altLang="en-US" sz="1000" b="1" dirty="0"/>
+                </a:p>
+              </p:txBody>
+            </p:sp>
+            <p:sp>
+              <p:nvSpPr>
+                <p:cNvPr id="118" name="矩形 117">
+                  <a:extLst>
+                    <a:ext uri="{FF2B5EF4-FFF2-40B4-BE49-F238E27FC236}">
+                      <a16:creationId xmlns:a16="http://schemas.microsoft.com/office/drawing/2014/main" id="{00637CC6-7F10-4452-8D16-06861F25EA57}"/>
+                    </a:ext>
+                  </a:extLst>
+                </p:cNvPr>
+                <p:cNvSpPr/>
+                <p:nvPr/>
+              </p:nvSpPr>
+              <p:spPr>
+                <a:xfrm>
+                  <a:off x="3888856" y="850948"/>
+                  <a:ext cx="144001" cy="144000"/>
+                </a:xfrm>
+                <a:prstGeom prst="rect">
+                  <a:avLst/>
+                </a:prstGeom>
+                <a:ln>
+                  <a:noFill/>
+                </a:ln>
+              </p:spPr>
+              <p:style>
+                <a:lnRef idx="2">
+                  <a:schemeClr val="accent3">
+                    <a:shade val="50000"/>
+                  </a:schemeClr>
+                </a:lnRef>
+                <a:fillRef idx="1">
+                  <a:schemeClr val="accent3"/>
+                </a:fillRef>
+                <a:effectRef idx="0">
+                  <a:schemeClr val="accent3"/>
+                </a:effectRef>
+                <a:fontRef idx="minor">
+                  <a:schemeClr val="lt1"/>
+                </a:fontRef>
+              </p:style>
+              <p:txBody>
+                <a:bodyPr rtlCol="0" anchor="ctr"/>
+                <a:lstStyle/>
+                <a:p>
+                  <a:pPr algn="ctr"/>
+                  <a:endParaRPr lang="zh-CN" altLang="en-US" dirty="0"/>
+                </a:p>
+              </p:txBody>
+            </p:sp>
+          </p:grpSp>
+          <p:sp>
+            <p:nvSpPr>
+              <p:cNvPr id="116" name="矩形 115">
+                <a:extLst>
+                  <a:ext uri="{FF2B5EF4-FFF2-40B4-BE49-F238E27FC236}">
+                    <a16:creationId xmlns:a16="http://schemas.microsoft.com/office/drawing/2014/main" id="{99B8CC05-4461-41E8-8D0B-B0B8293473B0}"/>
+                  </a:ext>
+                </a:extLst>
+              </p:cNvPr>
+              <p:cNvSpPr/>
+              <p:nvPr/>
+            </p:nvSpPr>
+            <p:spPr>
+              <a:xfrm>
+                <a:off x="1720252" y="2644522"/>
+                <a:ext cx="3602182" cy="1807029"/>
+              </a:xfrm>
+              <a:prstGeom prst="rect">
+                <a:avLst/>
+              </a:prstGeom>
+              <a:noFill/>
+              <a:ln w="19050">
+                <a:prstDash val="dash"/>
+              </a:ln>
+            </p:spPr>
+            <p:style>
+              <a:lnRef idx="2">
+                <a:schemeClr val="dk1"/>
+              </a:lnRef>
+              <a:fillRef idx="1">
+                <a:schemeClr val="lt1"/>
+              </a:fillRef>
+              <a:effectRef idx="0">
+                <a:schemeClr val="dk1"/>
+              </a:effectRef>
+              <a:fontRef idx="minor">
+                <a:schemeClr val="dk1"/>
+              </a:fontRef>
+            </p:style>
+            <p:txBody>
+              <a:bodyPr rtlCol="0" anchor="ctr"/>
+              <a:lstStyle/>
+              <a:p>
+                <a:pPr algn="ctr"/>
+                <a:endParaRPr lang="zh-CN" altLang="en-US" dirty="0"/>
+              </a:p>
+            </p:txBody>
+          </p:sp>
+        </p:grpSp>
+        <p:grpSp>
+          <p:nvGrpSpPr>
+            <p:cNvPr id="149" name="组合 148">
+              <a:extLst>
+                <a:ext uri="{FF2B5EF4-FFF2-40B4-BE49-F238E27FC236}">
+                  <a16:creationId xmlns:a16="http://schemas.microsoft.com/office/drawing/2014/main" id="{3B44626E-407A-4B48-92A6-C050A265A4A4}"/>
+                </a:ext>
+              </a:extLst>
+            </p:cNvPr>
+            <p:cNvGrpSpPr/>
+            <p:nvPr/>
+          </p:nvGrpSpPr>
+          <p:grpSpPr>
+            <a:xfrm>
+              <a:off x="7703872" y="4372534"/>
+              <a:ext cx="622024" cy="569625"/>
+              <a:chOff x="3466393" y="4357003"/>
+              <a:chExt cx="622024" cy="569625"/>
+            </a:xfrm>
+          </p:grpSpPr>
+          <p:grpSp>
+            <p:nvGrpSpPr>
+              <p:cNvPr id="150" name="组合 149">
+                <a:extLst>
+                  <a:ext uri="{FF2B5EF4-FFF2-40B4-BE49-F238E27FC236}">
+                    <a16:creationId xmlns:a16="http://schemas.microsoft.com/office/drawing/2014/main" id="{AAB402EA-2D04-41FC-B89B-5667B9546647}"/>
+                  </a:ext>
+                </a:extLst>
+              </p:cNvPr>
+              <p:cNvGrpSpPr/>
+              <p:nvPr/>
+            </p:nvGrpSpPr>
+            <p:grpSpPr>
+              <a:xfrm>
+                <a:off x="3466393" y="4357003"/>
+                <a:ext cx="540000" cy="540000"/>
+                <a:chOff x="7679563" y="1172136"/>
+                <a:chExt cx="976750" cy="986490"/>
+              </a:xfrm>
+            </p:grpSpPr>
+            <p:sp>
+              <p:nvSpPr>
+                <p:cNvPr id="152" name="流程图: 接点 151">
+                  <a:extLst>
+                    <a:ext uri="{FF2B5EF4-FFF2-40B4-BE49-F238E27FC236}">
+                      <a16:creationId xmlns:a16="http://schemas.microsoft.com/office/drawing/2014/main" id="{44FDFC17-2FAB-4F87-AF18-023FAFF42B84}"/>
+                    </a:ext>
+                  </a:extLst>
+                </p:cNvPr>
+                <p:cNvSpPr/>
+                <p:nvPr/>
+              </p:nvSpPr>
+              <p:spPr>
+                <a:xfrm>
+                  <a:off x="7679563" y="1307746"/>
+                  <a:ext cx="180000" cy="180000"/>
+                </a:xfrm>
+                <a:prstGeom prst="flowChartConnector">
+                  <a:avLst/>
+                </a:prstGeom>
+              </p:spPr>
+              <p:style>
+                <a:lnRef idx="1">
+                  <a:schemeClr val="dk1"/>
+                </a:lnRef>
+                <a:fillRef idx="2">
+                  <a:schemeClr val="dk1"/>
+                </a:fillRef>
+                <a:effectRef idx="1">
+                  <a:schemeClr val="dk1"/>
+                </a:effectRef>
+                <a:fontRef idx="minor">
+                  <a:schemeClr val="dk1"/>
+                </a:fontRef>
+              </p:style>
+              <p:txBody>
+                <a:bodyPr rtlCol="0" anchor="ctr"/>
+                <a:lstStyle/>
+                <a:p>
+                  <a:pPr algn="ctr"/>
+                  <a:endParaRPr lang="zh-CN" altLang="en-US"/>
+                </a:p>
+              </p:txBody>
+            </p:sp>
+            <p:sp>
+              <p:nvSpPr>
+                <p:cNvPr id="153" name="流程图: 接点 152">
+                  <a:extLst>
+                    <a:ext uri="{FF2B5EF4-FFF2-40B4-BE49-F238E27FC236}">
+                      <a16:creationId xmlns:a16="http://schemas.microsoft.com/office/drawing/2014/main" id="{896B946C-17D6-4B44-B3CE-AB6820B5FC0C}"/>
+                    </a:ext>
+                  </a:extLst>
+                </p:cNvPr>
+                <p:cNvSpPr/>
+                <p:nvPr/>
+              </p:nvSpPr>
+              <p:spPr>
+                <a:xfrm>
+                  <a:off x="7679563" y="1576576"/>
+                  <a:ext cx="180000" cy="180000"/>
+                </a:xfrm>
+                <a:prstGeom prst="flowChartConnector">
+                  <a:avLst/>
+                </a:prstGeom>
+              </p:spPr>
+              <p:style>
+                <a:lnRef idx="1">
+                  <a:schemeClr val="dk1"/>
+                </a:lnRef>
+                <a:fillRef idx="2">
+                  <a:schemeClr val="dk1"/>
+                </a:fillRef>
+                <a:effectRef idx="1">
+                  <a:schemeClr val="dk1"/>
+                </a:effectRef>
+                <a:fontRef idx="minor">
+                  <a:schemeClr val="dk1"/>
+                </a:fontRef>
+              </p:style>
+              <p:txBody>
+                <a:bodyPr rtlCol="0" anchor="ctr"/>
+                <a:lstStyle/>
+                <a:p>
+                  <a:pPr algn="ctr"/>
+                  <a:endParaRPr lang="zh-CN" altLang="en-US"/>
+                </a:p>
+              </p:txBody>
+            </p:sp>
+            <p:sp>
+              <p:nvSpPr>
+                <p:cNvPr id="154" name="流程图: 接点 153">
+                  <a:extLst>
+                    <a:ext uri="{FF2B5EF4-FFF2-40B4-BE49-F238E27FC236}">
+                      <a16:creationId xmlns:a16="http://schemas.microsoft.com/office/drawing/2014/main" id="{00429FF0-7A93-49DE-A099-936A378249DD}"/>
+                    </a:ext>
+                  </a:extLst>
+                </p:cNvPr>
+                <p:cNvSpPr/>
+                <p:nvPr/>
+              </p:nvSpPr>
+              <p:spPr>
+                <a:xfrm>
+                  <a:off x="7679563" y="1845406"/>
+                  <a:ext cx="180000" cy="180000"/>
+                </a:xfrm>
+                <a:prstGeom prst="flowChartConnector">
+                  <a:avLst/>
+                </a:prstGeom>
+              </p:spPr>
+              <p:style>
+                <a:lnRef idx="1">
+                  <a:schemeClr val="dk1"/>
+                </a:lnRef>
+                <a:fillRef idx="2">
+                  <a:schemeClr val="dk1"/>
+                </a:fillRef>
+                <a:effectRef idx="1">
+                  <a:schemeClr val="dk1"/>
+                </a:effectRef>
+                <a:fontRef idx="minor">
+                  <a:schemeClr val="dk1"/>
+                </a:fontRef>
+              </p:style>
+              <p:txBody>
+                <a:bodyPr rtlCol="0" anchor="ctr"/>
+                <a:lstStyle/>
+                <a:p>
+                  <a:pPr algn="ctr"/>
+                  <a:endParaRPr lang="zh-CN" altLang="en-US"/>
+                </a:p>
+              </p:txBody>
+            </p:sp>
+            <p:sp>
+              <p:nvSpPr>
+                <p:cNvPr id="155" name="流程图: 接点 154">
+                  <a:extLst>
+                    <a:ext uri="{FF2B5EF4-FFF2-40B4-BE49-F238E27FC236}">
+                      <a16:creationId xmlns:a16="http://schemas.microsoft.com/office/drawing/2014/main" id="{794A8752-F4E3-423B-BC9D-C1FA10E46FD4}"/>
+                    </a:ext>
+                  </a:extLst>
+                </p:cNvPr>
+                <p:cNvSpPr/>
+                <p:nvPr/>
+              </p:nvSpPr>
+              <p:spPr>
+                <a:xfrm>
+                  <a:off x="8087940" y="1978626"/>
+                  <a:ext cx="180000" cy="180000"/>
+                </a:xfrm>
+                <a:prstGeom prst="flowChartConnector">
+                  <a:avLst/>
+                </a:prstGeom>
+              </p:spPr>
+              <p:style>
+                <a:lnRef idx="1">
+                  <a:schemeClr val="dk1"/>
+                </a:lnRef>
+                <a:fillRef idx="2">
+                  <a:schemeClr val="dk1"/>
+                </a:fillRef>
+                <a:effectRef idx="1">
+                  <a:schemeClr val="dk1"/>
+                </a:effectRef>
+                <a:fontRef idx="minor">
+                  <a:schemeClr val="dk1"/>
+                </a:fontRef>
+              </p:style>
+              <p:txBody>
+                <a:bodyPr rtlCol="0" anchor="ctr"/>
+                <a:lstStyle/>
+                <a:p>
+                  <a:pPr algn="ctr"/>
+                  <a:endParaRPr lang="zh-CN" altLang="en-US"/>
+                </a:p>
+              </p:txBody>
+            </p:sp>
+            <p:sp>
+              <p:nvSpPr>
+                <p:cNvPr id="156" name="流程图: 接点 155">
+                  <a:extLst>
+                    <a:ext uri="{FF2B5EF4-FFF2-40B4-BE49-F238E27FC236}">
+                      <a16:creationId xmlns:a16="http://schemas.microsoft.com/office/drawing/2014/main" id="{8A9FA513-FF26-4CD6-9BE8-19A6ED0C3DAC}"/>
+                    </a:ext>
+                  </a:extLst>
+                </p:cNvPr>
+                <p:cNvSpPr/>
+                <p:nvPr/>
+              </p:nvSpPr>
+              <p:spPr>
+                <a:xfrm>
+                  <a:off x="8087940" y="1172136"/>
+                  <a:ext cx="180000" cy="180000"/>
+                </a:xfrm>
+                <a:prstGeom prst="flowChartConnector">
+                  <a:avLst/>
+                </a:prstGeom>
+              </p:spPr>
+              <p:style>
+                <a:lnRef idx="1">
+                  <a:schemeClr val="dk1"/>
+                </a:lnRef>
+                <a:fillRef idx="2">
+                  <a:schemeClr val="dk1"/>
+                </a:fillRef>
+                <a:effectRef idx="1">
+                  <a:schemeClr val="dk1"/>
+                </a:effectRef>
+                <a:fontRef idx="minor">
+                  <a:schemeClr val="dk1"/>
+                </a:fontRef>
+              </p:style>
+              <p:txBody>
+                <a:bodyPr rtlCol="0" anchor="ctr"/>
+                <a:lstStyle/>
+                <a:p>
+                  <a:pPr algn="ctr"/>
+                  <a:endParaRPr lang="zh-CN" altLang="en-US"/>
+                </a:p>
+              </p:txBody>
+            </p:sp>
+            <p:sp>
+              <p:nvSpPr>
+                <p:cNvPr id="157" name="流程图: 接点 156">
+                  <a:extLst>
+                    <a:ext uri="{FF2B5EF4-FFF2-40B4-BE49-F238E27FC236}">
+                      <a16:creationId xmlns:a16="http://schemas.microsoft.com/office/drawing/2014/main" id="{BD0A2FDA-586A-4E63-9321-D9DC14EECD05}"/>
+                    </a:ext>
+                  </a:extLst>
+                </p:cNvPr>
+                <p:cNvSpPr/>
+                <p:nvPr/>
+              </p:nvSpPr>
+              <p:spPr>
+                <a:xfrm>
+                  <a:off x="8087940" y="1440966"/>
+                  <a:ext cx="180000" cy="180000"/>
+                </a:xfrm>
+                <a:prstGeom prst="flowChartConnector">
+                  <a:avLst/>
+                </a:prstGeom>
+              </p:spPr>
+              <p:style>
+                <a:lnRef idx="1">
+                  <a:schemeClr val="dk1"/>
+                </a:lnRef>
+                <a:fillRef idx="2">
+                  <a:schemeClr val="dk1"/>
+                </a:fillRef>
+                <a:effectRef idx="1">
+                  <a:schemeClr val="dk1"/>
+                </a:effectRef>
+                <a:fontRef idx="minor">
+                  <a:schemeClr val="dk1"/>
+                </a:fontRef>
+              </p:style>
+              <p:txBody>
+                <a:bodyPr rtlCol="0" anchor="ctr"/>
+                <a:lstStyle/>
+                <a:p>
+                  <a:pPr algn="ctr"/>
+                  <a:endParaRPr lang="zh-CN" altLang="en-US"/>
+                </a:p>
+              </p:txBody>
+            </p:sp>
+            <p:sp>
+              <p:nvSpPr>
+                <p:cNvPr id="158" name="流程图: 接点 157">
+                  <a:extLst>
+                    <a:ext uri="{FF2B5EF4-FFF2-40B4-BE49-F238E27FC236}">
+                      <a16:creationId xmlns:a16="http://schemas.microsoft.com/office/drawing/2014/main" id="{11016C63-1F9B-467B-837E-96D1DBA0999A}"/>
+                    </a:ext>
+                  </a:extLst>
+                </p:cNvPr>
+                <p:cNvSpPr/>
+                <p:nvPr/>
+              </p:nvSpPr>
+              <p:spPr>
+                <a:xfrm>
+                  <a:off x="8087940" y="1709796"/>
+                  <a:ext cx="180000" cy="180000"/>
+                </a:xfrm>
+                <a:prstGeom prst="flowChartConnector">
+                  <a:avLst/>
+                </a:prstGeom>
+              </p:spPr>
+              <p:style>
+                <a:lnRef idx="1">
+                  <a:schemeClr val="dk1"/>
+                </a:lnRef>
+                <a:fillRef idx="2">
+                  <a:schemeClr val="dk1"/>
+                </a:fillRef>
+                <a:effectRef idx="1">
+                  <a:schemeClr val="dk1"/>
+                </a:effectRef>
+                <a:fontRef idx="minor">
+                  <a:schemeClr val="dk1"/>
+                </a:fontRef>
+              </p:style>
+              <p:txBody>
+                <a:bodyPr rtlCol="0" anchor="ctr"/>
+                <a:lstStyle/>
+                <a:p>
+                  <a:pPr algn="ctr"/>
+                  <a:endParaRPr lang="zh-CN" altLang="en-US"/>
+                </a:p>
+              </p:txBody>
+            </p:sp>
+            <p:sp>
+              <p:nvSpPr>
+                <p:cNvPr id="159" name="流程图: 接点 158">
+                  <a:extLst>
+                    <a:ext uri="{FF2B5EF4-FFF2-40B4-BE49-F238E27FC236}">
+                      <a16:creationId xmlns:a16="http://schemas.microsoft.com/office/drawing/2014/main" id="{88E01339-FACC-4DDD-ADDC-E2B2CDE88F7B}"/>
+                    </a:ext>
+                  </a:extLst>
+                </p:cNvPr>
+                <p:cNvSpPr/>
+                <p:nvPr/>
+              </p:nvSpPr>
+              <p:spPr>
+                <a:xfrm>
+                  <a:off x="8476313" y="1311307"/>
+                  <a:ext cx="180000" cy="180000"/>
+                </a:xfrm>
+                <a:prstGeom prst="flowChartConnector">
+                  <a:avLst/>
+                </a:prstGeom>
+              </p:spPr>
+              <p:style>
+                <a:lnRef idx="1">
+                  <a:schemeClr val="dk1"/>
+                </a:lnRef>
+                <a:fillRef idx="2">
+                  <a:schemeClr val="dk1"/>
+                </a:fillRef>
+                <a:effectRef idx="1">
+                  <a:schemeClr val="dk1"/>
+                </a:effectRef>
+                <a:fontRef idx="minor">
+                  <a:schemeClr val="dk1"/>
+                </a:fontRef>
+              </p:style>
+              <p:txBody>
+                <a:bodyPr rtlCol="0" anchor="ctr"/>
+                <a:lstStyle/>
+                <a:p>
+                  <a:pPr algn="ctr"/>
+                  <a:endParaRPr lang="zh-CN" altLang="en-US"/>
+                </a:p>
+              </p:txBody>
+            </p:sp>
+            <p:sp>
+              <p:nvSpPr>
+                <p:cNvPr id="160" name="流程图: 接点 159">
+                  <a:extLst>
+                    <a:ext uri="{FF2B5EF4-FFF2-40B4-BE49-F238E27FC236}">
+                      <a16:creationId xmlns:a16="http://schemas.microsoft.com/office/drawing/2014/main" id="{6D7DD096-CA2B-4F8B-9065-D8C993A62BA4}"/>
+                    </a:ext>
+                  </a:extLst>
+                </p:cNvPr>
+                <p:cNvSpPr/>
+                <p:nvPr/>
+              </p:nvSpPr>
+              <p:spPr>
+                <a:xfrm>
+                  <a:off x="8476313" y="1848967"/>
+                  <a:ext cx="180000" cy="180000"/>
+                </a:xfrm>
+                <a:prstGeom prst="flowChartConnector">
+                  <a:avLst/>
+                </a:prstGeom>
+              </p:spPr>
+              <p:style>
+                <a:lnRef idx="1">
+                  <a:schemeClr val="dk1"/>
+                </a:lnRef>
+                <a:fillRef idx="2">
+                  <a:schemeClr val="dk1"/>
+                </a:fillRef>
+                <a:effectRef idx="1">
+                  <a:schemeClr val="dk1"/>
+                </a:effectRef>
+                <a:fontRef idx="minor">
+                  <a:schemeClr val="dk1"/>
+                </a:fontRef>
+              </p:style>
+              <p:txBody>
+                <a:bodyPr rtlCol="0" anchor="ctr"/>
+                <a:lstStyle/>
+                <a:p>
+                  <a:pPr algn="ctr"/>
+                  <a:endParaRPr lang="zh-CN" altLang="en-US"/>
+                </a:p>
+              </p:txBody>
+            </p:sp>
+            <p:cxnSp>
+              <p:nvCxnSpPr>
+                <p:cNvPr id="161" name="直接连接符 160">
+                  <a:extLst>
+                    <a:ext uri="{FF2B5EF4-FFF2-40B4-BE49-F238E27FC236}">
+                      <a16:creationId xmlns:a16="http://schemas.microsoft.com/office/drawing/2014/main" id="{CA6FADD7-BD92-4DFC-BA7F-78BF93CE258C}"/>
+                    </a:ext>
+                  </a:extLst>
+                </p:cNvPr>
+                <p:cNvCxnSpPr>
+                  <a:cxnSpLocks/>
+                  <a:stCxn id="152" idx="6"/>
+                  <a:endCxn id="156" idx="2"/>
+                </p:cNvCxnSpPr>
+                <p:nvPr/>
+              </p:nvCxnSpPr>
+              <p:spPr>
+                <a:xfrm flipV="1">
+                  <a:off x="7859563" y="1262136"/>
+                  <a:ext cx="228377" cy="135610"/>
+                </a:xfrm>
+                <a:prstGeom prst="line">
+                  <a:avLst/>
+                </a:prstGeom>
+              </p:spPr>
+              <p:style>
+                <a:lnRef idx="1">
+                  <a:schemeClr val="dk1"/>
+                </a:lnRef>
+                <a:fillRef idx="2">
+                  <a:schemeClr val="dk1"/>
+                </a:fillRef>
+                <a:effectRef idx="1">
+                  <a:schemeClr val="dk1"/>
+                </a:effectRef>
+                <a:fontRef idx="minor">
+                  <a:schemeClr val="dk1"/>
+                </a:fontRef>
+              </p:style>
+            </p:cxnSp>
+            <p:cxnSp>
+              <p:nvCxnSpPr>
+                <p:cNvPr id="162" name="直接连接符 161">
+                  <a:extLst>
+                    <a:ext uri="{FF2B5EF4-FFF2-40B4-BE49-F238E27FC236}">
+                      <a16:creationId xmlns:a16="http://schemas.microsoft.com/office/drawing/2014/main" id="{1966FCA0-49A6-4C1C-8589-4EF130B3990E}"/>
+                    </a:ext>
+                  </a:extLst>
+                </p:cNvPr>
+                <p:cNvCxnSpPr>
+                  <a:cxnSpLocks/>
+                  <a:stCxn id="152" idx="6"/>
+                  <a:endCxn id="157" idx="2"/>
+                </p:cNvCxnSpPr>
+                <p:nvPr/>
+              </p:nvCxnSpPr>
+              <p:spPr>
+                <a:xfrm>
+                  <a:off x="7859563" y="1397746"/>
+                  <a:ext cx="228377" cy="133220"/>
+                </a:xfrm>
+                <a:prstGeom prst="line">
+                  <a:avLst/>
+                </a:prstGeom>
+              </p:spPr>
+              <p:style>
+                <a:lnRef idx="1">
+                  <a:schemeClr val="dk1"/>
+                </a:lnRef>
+                <a:fillRef idx="2">
+                  <a:schemeClr val="dk1"/>
+                </a:fillRef>
+                <a:effectRef idx="1">
+                  <a:schemeClr val="dk1"/>
+                </a:effectRef>
+                <a:fontRef idx="minor">
+                  <a:schemeClr val="dk1"/>
+                </a:fontRef>
+              </p:style>
+            </p:cxnSp>
+            <p:cxnSp>
+              <p:nvCxnSpPr>
+                <p:cNvPr id="163" name="直接连接符 162">
+                  <a:extLst>
+                    <a:ext uri="{FF2B5EF4-FFF2-40B4-BE49-F238E27FC236}">
+                      <a16:creationId xmlns:a16="http://schemas.microsoft.com/office/drawing/2014/main" id="{2CE3FC06-6571-443B-8BF1-6764E69DA4D0}"/>
+                    </a:ext>
+                  </a:extLst>
+                </p:cNvPr>
+                <p:cNvCxnSpPr>
+                  <a:cxnSpLocks/>
+                  <a:stCxn id="152" idx="6"/>
+                  <a:endCxn id="158" idx="2"/>
+                </p:cNvCxnSpPr>
+                <p:nvPr/>
+              </p:nvCxnSpPr>
+              <p:spPr>
+                <a:xfrm>
+                  <a:off x="7859563" y="1397746"/>
+                  <a:ext cx="228377" cy="402050"/>
+                </a:xfrm>
+                <a:prstGeom prst="line">
+                  <a:avLst/>
+                </a:prstGeom>
+              </p:spPr>
+              <p:style>
+                <a:lnRef idx="1">
+                  <a:schemeClr val="dk1"/>
+                </a:lnRef>
+                <a:fillRef idx="2">
+                  <a:schemeClr val="dk1"/>
+                </a:fillRef>
+                <a:effectRef idx="1">
+                  <a:schemeClr val="dk1"/>
+                </a:effectRef>
+                <a:fontRef idx="minor">
+                  <a:schemeClr val="dk1"/>
+                </a:fontRef>
+              </p:style>
+            </p:cxnSp>
+            <p:cxnSp>
+              <p:nvCxnSpPr>
+                <p:cNvPr id="164" name="直接连接符 163">
+                  <a:extLst>
+                    <a:ext uri="{FF2B5EF4-FFF2-40B4-BE49-F238E27FC236}">
+                      <a16:creationId xmlns:a16="http://schemas.microsoft.com/office/drawing/2014/main" id="{2F3E995D-5848-4B03-8FC2-6D5748B7E8FF}"/>
+                    </a:ext>
+                  </a:extLst>
+                </p:cNvPr>
+                <p:cNvCxnSpPr>
+                  <a:cxnSpLocks/>
+                  <a:stCxn id="152" idx="6"/>
+                  <a:endCxn id="155" idx="2"/>
+                </p:cNvCxnSpPr>
+                <p:nvPr/>
+              </p:nvCxnSpPr>
+              <p:spPr>
+                <a:xfrm>
+                  <a:off x="7859563" y="1397746"/>
+                  <a:ext cx="228377" cy="670880"/>
+                </a:xfrm>
+                <a:prstGeom prst="line">
+                  <a:avLst/>
+                </a:prstGeom>
+              </p:spPr>
+              <p:style>
+                <a:lnRef idx="1">
+                  <a:schemeClr val="dk1"/>
+                </a:lnRef>
+                <a:fillRef idx="2">
+                  <a:schemeClr val="dk1"/>
+                </a:fillRef>
+                <a:effectRef idx="1">
+                  <a:schemeClr val="dk1"/>
+                </a:effectRef>
+                <a:fontRef idx="minor">
+                  <a:schemeClr val="dk1"/>
+                </a:fontRef>
+              </p:style>
+            </p:cxnSp>
+            <p:cxnSp>
+              <p:nvCxnSpPr>
+                <p:cNvPr id="165" name="直接连接符 164">
+                  <a:extLst>
+                    <a:ext uri="{FF2B5EF4-FFF2-40B4-BE49-F238E27FC236}">
+                      <a16:creationId xmlns:a16="http://schemas.microsoft.com/office/drawing/2014/main" id="{3C50B110-A2E1-4542-A6B4-69BC135B70A3}"/>
+                    </a:ext>
+                  </a:extLst>
+                </p:cNvPr>
+                <p:cNvCxnSpPr>
+                  <a:cxnSpLocks/>
+                  <a:stCxn id="153" idx="6"/>
+                  <a:endCxn id="156" idx="2"/>
+                </p:cNvCxnSpPr>
+                <p:nvPr/>
+              </p:nvCxnSpPr>
+              <p:spPr>
+                <a:xfrm flipV="1">
+                  <a:off x="7859563" y="1262136"/>
+                  <a:ext cx="228377" cy="404440"/>
+                </a:xfrm>
+                <a:prstGeom prst="line">
+                  <a:avLst/>
+                </a:prstGeom>
+              </p:spPr>
+              <p:style>
+                <a:lnRef idx="1">
+                  <a:schemeClr val="dk1"/>
+                </a:lnRef>
+                <a:fillRef idx="2">
+                  <a:schemeClr val="dk1"/>
+                </a:fillRef>
+                <a:effectRef idx="1">
+                  <a:schemeClr val="dk1"/>
+                </a:effectRef>
+                <a:fontRef idx="minor">
+                  <a:schemeClr val="dk1"/>
+                </a:fontRef>
+              </p:style>
+            </p:cxnSp>
+            <p:cxnSp>
+              <p:nvCxnSpPr>
+                <p:cNvPr id="166" name="直接连接符 165">
+                  <a:extLst>
+                    <a:ext uri="{FF2B5EF4-FFF2-40B4-BE49-F238E27FC236}">
+                      <a16:creationId xmlns:a16="http://schemas.microsoft.com/office/drawing/2014/main" id="{CFE37418-F9A3-4C1B-9980-D3CB1F7125D7}"/>
+                    </a:ext>
+                  </a:extLst>
+                </p:cNvPr>
+                <p:cNvCxnSpPr>
+                  <a:cxnSpLocks/>
+                  <a:stCxn id="153" idx="6"/>
+                  <a:endCxn id="157" idx="2"/>
+                </p:cNvCxnSpPr>
+                <p:nvPr/>
+              </p:nvCxnSpPr>
+              <p:spPr>
+                <a:xfrm flipV="1">
+                  <a:off x="7859563" y="1530966"/>
+                  <a:ext cx="228377" cy="135610"/>
+                </a:xfrm>
+                <a:prstGeom prst="line">
+                  <a:avLst/>
+                </a:prstGeom>
+              </p:spPr>
+              <p:style>
+                <a:lnRef idx="1">
+                  <a:schemeClr val="dk1"/>
+                </a:lnRef>
+                <a:fillRef idx="2">
+                  <a:schemeClr val="dk1"/>
+                </a:fillRef>
+                <a:effectRef idx="1">
+                  <a:schemeClr val="dk1"/>
+                </a:effectRef>
+                <a:fontRef idx="minor">
+                  <a:schemeClr val="dk1"/>
+                </a:fontRef>
+              </p:style>
+            </p:cxnSp>
+            <p:cxnSp>
+              <p:nvCxnSpPr>
+                <p:cNvPr id="167" name="直接连接符 166">
+                  <a:extLst>
+                    <a:ext uri="{FF2B5EF4-FFF2-40B4-BE49-F238E27FC236}">
+                      <a16:creationId xmlns:a16="http://schemas.microsoft.com/office/drawing/2014/main" id="{D8225A9E-70BA-431A-9529-C01AAC7D7705}"/>
+                    </a:ext>
+                  </a:extLst>
+                </p:cNvPr>
+                <p:cNvCxnSpPr>
+                  <a:cxnSpLocks/>
+                  <a:stCxn id="153" idx="6"/>
+                  <a:endCxn id="158" idx="2"/>
+                </p:cNvCxnSpPr>
+                <p:nvPr/>
+              </p:nvCxnSpPr>
+              <p:spPr>
+                <a:xfrm>
+                  <a:off x="7859563" y="1666576"/>
+                  <a:ext cx="228377" cy="133220"/>
+                </a:xfrm>
+                <a:prstGeom prst="line">
+                  <a:avLst/>
+                </a:prstGeom>
+              </p:spPr>
+              <p:style>
+                <a:lnRef idx="1">
+                  <a:schemeClr val="dk1"/>
+                </a:lnRef>
+                <a:fillRef idx="2">
+                  <a:schemeClr val="dk1"/>
+                </a:fillRef>
+                <a:effectRef idx="1">
+                  <a:schemeClr val="dk1"/>
+                </a:effectRef>
+                <a:fontRef idx="minor">
+                  <a:schemeClr val="dk1"/>
+                </a:fontRef>
+              </p:style>
+            </p:cxnSp>
+            <p:cxnSp>
+              <p:nvCxnSpPr>
+                <p:cNvPr id="168" name="直接连接符 167">
+                  <a:extLst>
+                    <a:ext uri="{FF2B5EF4-FFF2-40B4-BE49-F238E27FC236}">
+                      <a16:creationId xmlns:a16="http://schemas.microsoft.com/office/drawing/2014/main" id="{47296720-9C6B-4BB3-8871-00C4480DEFCB}"/>
+                    </a:ext>
+                  </a:extLst>
+                </p:cNvPr>
+                <p:cNvCxnSpPr>
+                  <a:cxnSpLocks/>
+                  <a:stCxn id="153" idx="6"/>
+                  <a:endCxn id="155" idx="2"/>
+                </p:cNvCxnSpPr>
+                <p:nvPr/>
+              </p:nvCxnSpPr>
+              <p:spPr>
+                <a:xfrm>
+                  <a:off x="7859563" y="1666576"/>
+                  <a:ext cx="228377" cy="402050"/>
+                </a:xfrm>
+                <a:prstGeom prst="line">
+                  <a:avLst/>
+                </a:prstGeom>
+              </p:spPr>
+              <p:style>
+                <a:lnRef idx="1">
+                  <a:schemeClr val="dk1"/>
+                </a:lnRef>
+                <a:fillRef idx="2">
+                  <a:schemeClr val="dk1"/>
+                </a:fillRef>
+                <a:effectRef idx="1">
+                  <a:schemeClr val="dk1"/>
+                </a:effectRef>
+                <a:fontRef idx="minor">
+                  <a:schemeClr val="dk1"/>
+                </a:fontRef>
+              </p:style>
+            </p:cxnSp>
+            <p:cxnSp>
+              <p:nvCxnSpPr>
+                <p:cNvPr id="169" name="直接连接符 168">
+                  <a:extLst>
+                    <a:ext uri="{FF2B5EF4-FFF2-40B4-BE49-F238E27FC236}">
+                      <a16:creationId xmlns:a16="http://schemas.microsoft.com/office/drawing/2014/main" id="{8469B5B5-59F0-417B-B029-5904436AF440}"/>
+                    </a:ext>
+                  </a:extLst>
+                </p:cNvPr>
+                <p:cNvCxnSpPr>
+                  <a:cxnSpLocks/>
+                  <a:stCxn id="154" idx="6"/>
+                  <a:endCxn id="156" idx="2"/>
+                </p:cNvCxnSpPr>
+                <p:nvPr/>
+              </p:nvCxnSpPr>
+              <p:spPr>
+                <a:xfrm flipV="1">
+                  <a:off x="7859563" y="1262136"/>
+                  <a:ext cx="228377" cy="673270"/>
+                </a:xfrm>
+                <a:prstGeom prst="line">
+                  <a:avLst/>
+                </a:prstGeom>
+              </p:spPr>
+              <p:style>
+                <a:lnRef idx="1">
+                  <a:schemeClr val="dk1"/>
+                </a:lnRef>
+                <a:fillRef idx="2">
+                  <a:schemeClr val="dk1"/>
+                </a:fillRef>
+                <a:effectRef idx="1">
+                  <a:schemeClr val="dk1"/>
+                </a:effectRef>
+                <a:fontRef idx="minor">
+                  <a:schemeClr val="dk1"/>
+                </a:fontRef>
+              </p:style>
+            </p:cxnSp>
+            <p:cxnSp>
+              <p:nvCxnSpPr>
+                <p:cNvPr id="170" name="直接连接符 169">
+                  <a:extLst>
+                    <a:ext uri="{FF2B5EF4-FFF2-40B4-BE49-F238E27FC236}">
+                      <a16:creationId xmlns:a16="http://schemas.microsoft.com/office/drawing/2014/main" id="{4A4BAB10-5C15-41E9-BFF3-69EB8040C2D9}"/>
+                    </a:ext>
+                  </a:extLst>
+                </p:cNvPr>
+                <p:cNvCxnSpPr>
+                  <a:cxnSpLocks/>
+                  <a:stCxn id="154" idx="6"/>
+                  <a:endCxn id="157" idx="2"/>
+                </p:cNvCxnSpPr>
+                <p:nvPr/>
+              </p:nvCxnSpPr>
+              <p:spPr>
+                <a:xfrm flipV="1">
+                  <a:off x="7859563" y="1530966"/>
+                  <a:ext cx="228377" cy="404440"/>
+                </a:xfrm>
+                <a:prstGeom prst="line">
+                  <a:avLst/>
+                </a:prstGeom>
+              </p:spPr>
+              <p:style>
+                <a:lnRef idx="1">
+                  <a:schemeClr val="dk1"/>
+                </a:lnRef>
+                <a:fillRef idx="2">
+                  <a:schemeClr val="dk1"/>
+                </a:fillRef>
+                <a:effectRef idx="1">
+                  <a:schemeClr val="dk1"/>
+                </a:effectRef>
+                <a:fontRef idx="minor">
+                  <a:schemeClr val="dk1"/>
+                </a:fontRef>
+              </p:style>
+            </p:cxnSp>
+            <p:cxnSp>
+              <p:nvCxnSpPr>
+                <p:cNvPr id="171" name="直接连接符 170">
+                  <a:extLst>
+                    <a:ext uri="{FF2B5EF4-FFF2-40B4-BE49-F238E27FC236}">
+                      <a16:creationId xmlns:a16="http://schemas.microsoft.com/office/drawing/2014/main" id="{B1CEF02C-17B9-4D4B-924F-0E25D9BCCB26}"/>
+                    </a:ext>
+                  </a:extLst>
+                </p:cNvPr>
+                <p:cNvCxnSpPr>
+                  <a:cxnSpLocks/>
+                  <a:stCxn id="154" idx="6"/>
+                  <a:endCxn id="158" idx="2"/>
+                </p:cNvCxnSpPr>
+                <p:nvPr/>
+              </p:nvCxnSpPr>
+              <p:spPr>
+                <a:xfrm flipV="1">
+                  <a:off x="7859563" y="1799796"/>
+                  <a:ext cx="228377" cy="135610"/>
+                </a:xfrm>
+                <a:prstGeom prst="line">
+                  <a:avLst/>
+                </a:prstGeom>
+              </p:spPr>
+              <p:style>
+                <a:lnRef idx="1">
+                  <a:schemeClr val="dk1"/>
+                </a:lnRef>
+                <a:fillRef idx="2">
+                  <a:schemeClr val="dk1"/>
+                </a:fillRef>
+                <a:effectRef idx="1">
+                  <a:schemeClr val="dk1"/>
+                </a:effectRef>
+                <a:fontRef idx="minor">
+                  <a:schemeClr val="dk1"/>
+                </a:fontRef>
+              </p:style>
+            </p:cxnSp>
+            <p:cxnSp>
+              <p:nvCxnSpPr>
+                <p:cNvPr id="172" name="直接连接符 171">
+                  <a:extLst>
+                    <a:ext uri="{FF2B5EF4-FFF2-40B4-BE49-F238E27FC236}">
+                      <a16:creationId xmlns:a16="http://schemas.microsoft.com/office/drawing/2014/main" id="{F473434F-DDD7-484C-8BE1-F8C4990CF0B7}"/>
+                    </a:ext>
+                  </a:extLst>
+                </p:cNvPr>
+                <p:cNvCxnSpPr>
+                  <a:cxnSpLocks/>
+                  <a:stCxn id="154" idx="6"/>
+                  <a:endCxn id="155" idx="2"/>
+                </p:cNvCxnSpPr>
+                <p:nvPr/>
+              </p:nvCxnSpPr>
+              <p:spPr>
+                <a:xfrm>
+                  <a:off x="7859563" y="1935406"/>
+                  <a:ext cx="228377" cy="133220"/>
+                </a:xfrm>
+                <a:prstGeom prst="line">
+                  <a:avLst/>
+                </a:prstGeom>
+              </p:spPr>
+              <p:style>
+                <a:lnRef idx="1">
+                  <a:schemeClr val="dk1"/>
+                </a:lnRef>
+                <a:fillRef idx="2">
+                  <a:schemeClr val="dk1"/>
+                </a:fillRef>
+                <a:effectRef idx="1">
+                  <a:schemeClr val="dk1"/>
+                </a:effectRef>
+                <a:fontRef idx="minor">
+                  <a:schemeClr val="dk1"/>
+                </a:fontRef>
+              </p:style>
+            </p:cxnSp>
+            <p:cxnSp>
+              <p:nvCxnSpPr>
+                <p:cNvPr id="173" name="直接连接符 172">
+                  <a:extLst>
+                    <a:ext uri="{FF2B5EF4-FFF2-40B4-BE49-F238E27FC236}">
+                      <a16:creationId xmlns:a16="http://schemas.microsoft.com/office/drawing/2014/main" id="{320AC81B-A759-4134-B3B9-AA1E0F66F88F}"/>
+                    </a:ext>
+                  </a:extLst>
+                </p:cNvPr>
+                <p:cNvCxnSpPr>
+                  <a:cxnSpLocks/>
+                  <a:stCxn id="156" idx="6"/>
+                  <a:endCxn id="159" idx="2"/>
+                </p:cNvCxnSpPr>
+                <p:nvPr/>
+              </p:nvCxnSpPr>
+              <p:spPr>
+                <a:xfrm>
+                  <a:off x="8267940" y="1262136"/>
+                  <a:ext cx="208373" cy="139171"/>
+                </a:xfrm>
+                <a:prstGeom prst="line">
+                  <a:avLst/>
+                </a:prstGeom>
+              </p:spPr>
+              <p:style>
+                <a:lnRef idx="1">
+                  <a:schemeClr val="dk1"/>
+                </a:lnRef>
+                <a:fillRef idx="2">
+                  <a:schemeClr val="dk1"/>
+                </a:fillRef>
+                <a:effectRef idx="1">
+                  <a:schemeClr val="dk1"/>
+                </a:effectRef>
+                <a:fontRef idx="minor">
+                  <a:schemeClr val="dk1"/>
+                </a:fontRef>
+              </p:style>
+            </p:cxnSp>
+            <p:cxnSp>
+              <p:nvCxnSpPr>
+                <p:cNvPr id="174" name="直接连接符 173">
+                  <a:extLst>
+                    <a:ext uri="{FF2B5EF4-FFF2-40B4-BE49-F238E27FC236}">
+                      <a16:creationId xmlns:a16="http://schemas.microsoft.com/office/drawing/2014/main" id="{8CCCBD38-15AC-4491-98D6-2F2FB0B3492F}"/>
+                    </a:ext>
+                  </a:extLst>
+                </p:cNvPr>
+                <p:cNvCxnSpPr>
+                  <a:cxnSpLocks/>
+                  <a:stCxn id="157" idx="6"/>
+                  <a:endCxn id="159" idx="2"/>
+                </p:cNvCxnSpPr>
+                <p:nvPr/>
+              </p:nvCxnSpPr>
+              <p:spPr>
+                <a:xfrm flipV="1">
+                  <a:off x="8267940" y="1401307"/>
+                  <a:ext cx="208373" cy="129659"/>
+                </a:xfrm>
+                <a:prstGeom prst="line">
+                  <a:avLst/>
+                </a:prstGeom>
+              </p:spPr>
+              <p:style>
+                <a:lnRef idx="1">
+                  <a:schemeClr val="dk1"/>
+                </a:lnRef>
+                <a:fillRef idx="2">
+                  <a:schemeClr val="dk1"/>
+                </a:fillRef>
+                <a:effectRef idx="1">
+                  <a:schemeClr val="dk1"/>
+                </a:effectRef>
+                <a:fontRef idx="minor">
+                  <a:schemeClr val="dk1"/>
+                </a:fontRef>
+              </p:style>
+            </p:cxnSp>
+            <p:cxnSp>
+              <p:nvCxnSpPr>
+                <p:cNvPr id="175" name="直接连接符 174">
+                  <a:extLst>
+                    <a:ext uri="{FF2B5EF4-FFF2-40B4-BE49-F238E27FC236}">
+                      <a16:creationId xmlns:a16="http://schemas.microsoft.com/office/drawing/2014/main" id="{02EEBE4F-C68D-442E-8E7C-4BB2B724DCE9}"/>
+                    </a:ext>
+                  </a:extLst>
+                </p:cNvPr>
+                <p:cNvCxnSpPr>
+                  <a:cxnSpLocks/>
+                  <a:stCxn id="158" idx="6"/>
+                  <a:endCxn id="159" idx="2"/>
+                </p:cNvCxnSpPr>
+                <p:nvPr/>
+              </p:nvCxnSpPr>
+              <p:spPr>
+                <a:xfrm flipV="1">
+                  <a:off x="8267940" y="1401307"/>
+                  <a:ext cx="208373" cy="398489"/>
+                </a:xfrm>
+                <a:prstGeom prst="line">
+                  <a:avLst/>
+                </a:prstGeom>
+              </p:spPr>
+              <p:style>
+                <a:lnRef idx="1">
+                  <a:schemeClr val="dk1"/>
+                </a:lnRef>
+                <a:fillRef idx="2">
+                  <a:schemeClr val="dk1"/>
+                </a:fillRef>
+                <a:effectRef idx="1">
+                  <a:schemeClr val="dk1"/>
+                </a:effectRef>
+                <a:fontRef idx="minor">
+                  <a:schemeClr val="dk1"/>
+                </a:fontRef>
+              </p:style>
+            </p:cxnSp>
+            <p:cxnSp>
+              <p:nvCxnSpPr>
+                <p:cNvPr id="176" name="直接连接符 175">
+                  <a:extLst>
+                    <a:ext uri="{FF2B5EF4-FFF2-40B4-BE49-F238E27FC236}">
+                      <a16:creationId xmlns:a16="http://schemas.microsoft.com/office/drawing/2014/main" id="{4AD02461-F404-468C-A1D1-FA04446B45CF}"/>
+                    </a:ext>
+                  </a:extLst>
+                </p:cNvPr>
+                <p:cNvCxnSpPr>
+                  <a:cxnSpLocks/>
+                  <a:stCxn id="155" idx="6"/>
+                  <a:endCxn id="159" idx="2"/>
+                </p:cNvCxnSpPr>
+                <p:nvPr/>
+              </p:nvCxnSpPr>
+              <p:spPr>
+                <a:xfrm flipV="1">
+                  <a:off x="8267940" y="1401307"/>
+                  <a:ext cx="208373" cy="667319"/>
+                </a:xfrm>
+                <a:prstGeom prst="line">
+                  <a:avLst/>
+                </a:prstGeom>
+              </p:spPr>
+              <p:style>
+                <a:lnRef idx="1">
+                  <a:schemeClr val="dk1"/>
+                </a:lnRef>
+                <a:fillRef idx="2">
+                  <a:schemeClr val="dk1"/>
+                </a:fillRef>
+                <a:effectRef idx="1">
+                  <a:schemeClr val="dk1"/>
+                </a:effectRef>
+                <a:fontRef idx="minor">
+                  <a:schemeClr val="dk1"/>
+                </a:fontRef>
+              </p:style>
+            </p:cxnSp>
+            <p:cxnSp>
+              <p:nvCxnSpPr>
+                <p:cNvPr id="177" name="直接连接符 176">
+                  <a:extLst>
+                    <a:ext uri="{FF2B5EF4-FFF2-40B4-BE49-F238E27FC236}">
+                      <a16:creationId xmlns:a16="http://schemas.microsoft.com/office/drawing/2014/main" id="{74985D18-9C2B-4BAF-AE93-9C33404CB5C3}"/>
+                    </a:ext>
+                  </a:extLst>
+                </p:cNvPr>
+                <p:cNvCxnSpPr>
+                  <a:cxnSpLocks/>
+                  <a:stCxn id="160" idx="2"/>
+                  <a:endCxn id="156" idx="6"/>
+                </p:cNvCxnSpPr>
+                <p:nvPr/>
+              </p:nvCxnSpPr>
+              <p:spPr>
+                <a:xfrm flipH="1" flipV="1">
+                  <a:off x="8267940" y="1262136"/>
+                  <a:ext cx="208373" cy="676831"/>
+                </a:xfrm>
+                <a:prstGeom prst="line">
+                  <a:avLst/>
+                </a:prstGeom>
+              </p:spPr>
+              <p:style>
+                <a:lnRef idx="1">
+                  <a:schemeClr val="dk1"/>
+                </a:lnRef>
+                <a:fillRef idx="2">
+                  <a:schemeClr val="dk1"/>
+                </a:fillRef>
+                <a:effectRef idx="1">
+                  <a:schemeClr val="dk1"/>
+                </a:effectRef>
+                <a:fontRef idx="minor">
+                  <a:schemeClr val="dk1"/>
+                </a:fontRef>
+              </p:style>
+            </p:cxnSp>
+            <p:cxnSp>
+              <p:nvCxnSpPr>
+                <p:cNvPr id="178" name="直接连接符 177">
+                  <a:extLst>
+                    <a:ext uri="{FF2B5EF4-FFF2-40B4-BE49-F238E27FC236}">
+                      <a16:creationId xmlns:a16="http://schemas.microsoft.com/office/drawing/2014/main" id="{978CE28B-BAE4-4D44-818C-FE49B0BEA5E7}"/>
+                    </a:ext>
+                  </a:extLst>
+                </p:cNvPr>
+                <p:cNvCxnSpPr>
+                  <a:cxnSpLocks/>
+                  <a:stCxn id="160" idx="2"/>
+                  <a:endCxn id="157" idx="6"/>
+                </p:cNvCxnSpPr>
+                <p:nvPr/>
+              </p:nvCxnSpPr>
+              <p:spPr>
+                <a:xfrm flipH="1" flipV="1">
+                  <a:off x="8267940" y="1530966"/>
+                  <a:ext cx="208373" cy="408001"/>
+                </a:xfrm>
+                <a:prstGeom prst="line">
+                  <a:avLst/>
+                </a:prstGeom>
+              </p:spPr>
+              <p:style>
+                <a:lnRef idx="1">
+                  <a:schemeClr val="dk1"/>
+                </a:lnRef>
+                <a:fillRef idx="2">
+                  <a:schemeClr val="dk1"/>
+                </a:fillRef>
+                <a:effectRef idx="1">
+                  <a:schemeClr val="dk1"/>
+                </a:effectRef>
+                <a:fontRef idx="minor">
+                  <a:schemeClr val="dk1"/>
+                </a:fontRef>
+              </p:style>
+            </p:cxnSp>
+            <p:cxnSp>
+              <p:nvCxnSpPr>
+                <p:cNvPr id="179" name="直接连接符 178">
+                  <a:extLst>
+                    <a:ext uri="{FF2B5EF4-FFF2-40B4-BE49-F238E27FC236}">
+                      <a16:creationId xmlns:a16="http://schemas.microsoft.com/office/drawing/2014/main" id="{6E4A1BDF-C75D-4AD2-A6F3-82A9595FB877}"/>
+                    </a:ext>
+                  </a:extLst>
+                </p:cNvPr>
+                <p:cNvCxnSpPr>
+                  <a:cxnSpLocks/>
+                  <a:stCxn id="160" idx="2"/>
+                  <a:endCxn id="158" idx="6"/>
+                </p:cNvCxnSpPr>
+                <p:nvPr/>
+              </p:nvCxnSpPr>
+              <p:spPr>
+                <a:xfrm flipH="1" flipV="1">
+                  <a:off x="8267940" y="1799796"/>
+                  <a:ext cx="208373" cy="139171"/>
+                </a:xfrm>
+                <a:prstGeom prst="line">
+                  <a:avLst/>
+                </a:prstGeom>
+              </p:spPr>
+              <p:style>
+                <a:lnRef idx="1">
+                  <a:schemeClr val="dk1"/>
+                </a:lnRef>
+                <a:fillRef idx="2">
+                  <a:schemeClr val="dk1"/>
+                </a:fillRef>
+                <a:effectRef idx="1">
+                  <a:schemeClr val="dk1"/>
+                </a:effectRef>
+                <a:fontRef idx="minor">
+                  <a:schemeClr val="dk1"/>
+                </a:fontRef>
+              </p:style>
+            </p:cxnSp>
+            <p:cxnSp>
+              <p:nvCxnSpPr>
+                <p:cNvPr id="180" name="直接连接符 179">
+                  <a:extLst>
+                    <a:ext uri="{FF2B5EF4-FFF2-40B4-BE49-F238E27FC236}">
+                      <a16:creationId xmlns:a16="http://schemas.microsoft.com/office/drawing/2014/main" id="{299314E6-1DFD-4EDE-B1C7-20F4BCE7B6FE}"/>
+                    </a:ext>
+                  </a:extLst>
+                </p:cNvPr>
+                <p:cNvCxnSpPr>
+                  <a:cxnSpLocks/>
+                  <a:stCxn id="160" idx="2"/>
+                  <a:endCxn id="155" idx="6"/>
+                </p:cNvCxnSpPr>
+                <p:nvPr/>
+              </p:nvCxnSpPr>
+              <p:spPr>
+                <a:xfrm flipH="1">
+                  <a:off x="8267940" y="1938967"/>
+                  <a:ext cx="208373" cy="129659"/>
+                </a:xfrm>
+                <a:prstGeom prst="line">
+                  <a:avLst/>
+                </a:prstGeom>
+              </p:spPr>
+              <p:style>
+                <a:lnRef idx="1">
+                  <a:schemeClr val="dk1"/>
+                </a:lnRef>
+                <a:fillRef idx="2">
+                  <a:schemeClr val="dk1"/>
+                </a:fillRef>
+                <a:effectRef idx="1">
+                  <a:schemeClr val="dk1"/>
+                </a:effectRef>
+                <a:fontRef idx="minor">
+                  <a:schemeClr val="dk1"/>
+                </a:fontRef>
+              </p:style>
+            </p:cxnSp>
+            <p:sp>
+              <p:nvSpPr>
+                <p:cNvPr id="181" name="流程图: 接点 180">
+                  <a:extLst>
+                    <a:ext uri="{FF2B5EF4-FFF2-40B4-BE49-F238E27FC236}">
+                      <a16:creationId xmlns:a16="http://schemas.microsoft.com/office/drawing/2014/main" id="{502CEFB9-DFE8-4FD7-A43C-390EBDD42DF0}"/>
+                    </a:ext>
+                  </a:extLst>
+                </p:cNvPr>
+                <p:cNvSpPr/>
+                <p:nvPr/>
+              </p:nvSpPr>
+              <p:spPr>
+                <a:xfrm>
+                  <a:off x="8476313" y="1576576"/>
+                  <a:ext cx="180000" cy="180000"/>
+                </a:xfrm>
+                <a:prstGeom prst="flowChartConnector">
+                  <a:avLst/>
+                </a:prstGeom>
+              </p:spPr>
+              <p:style>
+                <a:lnRef idx="1">
+                  <a:schemeClr val="dk1"/>
+                </a:lnRef>
+                <a:fillRef idx="2">
+                  <a:schemeClr val="dk1"/>
+                </a:fillRef>
+                <a:effectRef idx="1">
+                  <a:schemeClr val="dk1"/>
+                </a:effectRef>
+                <a:fontRef idx="minor">
+                  <a:schemeClr val="dk1"/>
+                </a:fontRef>
+              </p:style>
+              <p:txBody>
+                <a:bodyPr rtlCol="0" anchor="ctr"/>
+                <a:lstStyle/>
+                <a:p>
+                  <a:pPr algn="ctr"/>
+                  <a:endParaRPr lang="zh-CN" altLang="en-US"/>
+                </a:p>
+              </p:txBody>
+            </p:sp>
+            <p:cxnSp>
+              <p:nvCxnSpPr>
+                <p:cNvPr id="182" name="直接连接符 181">
+                  <a:extLst>
+                    <a:ext uri="{FF2B5EF4-FFF2-40B4-BE49-F238E27FC236}">
+                      <a16:creationId xmlns:a16="http://schemas.microsoft.com/office/drawing/2014/main" id="{DEE92D84-B1F8-4954-B64B-B23B26E951F9}"/>
+                    </a:ext>
+                  </a:extLst>
+                </p:cNvPr>
+                <p:cNvCxnSpPr>
+                  <a:cxnSpLocks/>
+                  <a:stCxn id="156" idx="6"/>
+                  <a:endCxn id="181" idx="2"/>
+                </p:cNvCxnSpPr>
+                <p:nvPr/>
+              </p:nvCxnSpPr>
+              <p:spPr>
+                <a:xfrm>
+                  <a:off x="8267940" y="1262136"/>
+                  <a:ext cx="208373" cy="404440"/>
+                </a:xfrm>
+                <a:prstGeom prst="line">
+                  <a:avLst/>
+                </a:prstGeom>
+              </p:spPr>
+              <p:style>
+                <a:lnRef idx="1">
+                  <a:schemeClr val="dk1"/>
+                </a:lnRef>
+                <a:fillRef idx="2">
+                  <a:schemeClr val="dk1"/>
+                </a:fillRef>
+                <a:effectRef idx="1">
+                  <a:schemeClr val="dk1"/>
+                </a:effectRef>
+                <a:fontRef idx="minor">
+                  <a:schemeClr val="dk1"/>
+                </a:fontRef>
+              </p:style>
+            </p:cxnSp>
+            <p:cxnSp>
+              <p:nvCxnSpPr>
+                <p:cNvPr id="183" name="直接连接符 182">
+                  <a:extLst>
+                    <a:ext uri="{FF2B5EF4-FFF2-40B4-BE49-F238E27FC236}">
+                      <a16:creationId xmlns:a16="http://schemas.microsoft.com/office/drawing/2014/main" id="{51FC2CDF-6446-4DEC-856C-85C999F49503}"/>
+                    </a:ext>
+                  </a:extLst>
+                </p:cNvPr>
+                <p:cNvCxnSpPr>
+                  <a:cxnSpLocks/>
+                  <a:stCxn id="155" idx="6"/>
+                  <a:endCxn id="181" idx="2"/>
+                </p:cNvCxnSpPr>
+                <p:nvPr/>
+              </p:nvCxnSpPr>
+              <p:spPr>
+                <a:xfrm flipV="1">
+                  <a:off x="8267940" y="1666576"/>
+                  <a:ext cx="208373" cy="402050"/>
+                </a:xfrm>
+                <a:prstGeom prst="line">
+                  <a:avLst/>
+                </a:prstGeom>
+              </p:spPr>
+              <p:style>
+                <a:lnRef idx="1">
+                  <a:schemeClr val="dk1"/>
+                </a:lnRef>
+                <a:fillRef idx="2">
+                  <a:schemeClr val="dk1"/>
+                </a:fillRef>
+                <a:effectRef idx="1">
+                  <a:schemeClr val="dk1"/>
+                </a:effectRef>
+                <a:fontRef idx="minor">
+                  <a:schemeClr val="dk1"/>
+                </a:fontRef>
+              </p:style>
+            </p:cxnSp>
+            <p:cxnSp>
+              <p:nvCxnSpPr>
+                <p:cNvPr id="184" name="直接连接符 183">
+                  <a:extLst>
+                    <a:ext uri="{FF2B5EF4-FFF2-40B4-BE49-F238E27FC236}">
+                      <a16:creationId xmlns:a16="http://schemas.microsoft.com/office/drawing/2014/main" id="{325FB635-A806-4519-8A48-4D90FD8321EE}"/>
+                    </a:ext>
+                  </a:extLst>
+                </p:cNvPr>
+                <p:cNvCxnSpPr>
+                  <a:cxnSpLocks/>
+                  <a:stCxn id="158" idx="6"/>
+                  <a:endCxn id="181" idx="2"/>
+                </p:cNvCxnSpPr>
+                <p:nvPr/>
+              </p:nvCxnSpPr>
+              <p:spPr>
+                <a:xfrm flipV="1">
+                  <a:off x="8267940" y="1666576"/>
+                  <a:ext cx="208373" cy="133220"/>
+                </a:xfrm>
+                <a:prstGeom prst="line">
+                  <a:avLst/>
+                </a:prstGeom>
+              </p:spPr>
+              <p:style>
+                <a:lnRef idx="1">
+                  <a:schemeClr val="dk1"/>
+                </a:lnRef>
+                <a:fillRef idx="2">
+                  <a:schemeClr val="dk1"/>
+                </a:fillRef>
+                <a:effectRef idx="1">
+                  <a:schemeClr val="dk1"/>
+                </a:effectRef>
+                <a:fontRef idx="minor">
+                  <a:schemeClr val="dk1"/>
+                </a:fontRef>
+              </p:style>
+            </p:cxnSp>
+            <p:cxnSp>
+              <p:nvCxnSpPr>
+                <p:cNvPr id="185" name="直接连接符 184">
+                  <a:extLst>
+                    <a:ext uri="{FF2B5EF4-FFF2-40B4-BE49-F238E27FC236}">
+                      <a16:creationId xmlns:a16="http://schemas.microsoft.com/office/drawing/2014/main" id="{25E9CBD5-26C9-4A02-89DC-7A416E9EA355}"/>
+                    </a:ext>
+                  </a:extLst>
+                </p:cNvPr>
+                <p:cNvCxnSpPr>
+                  <a:cxnSpLocks/>
+                  <a:stCxn id="157" idx="6"/>
+                  <a:endCxn id="181" idx="2"/>
+                </p:cNvCxnSpPr>
+                <p:nvPr/>
+              </p:nvCxnSpPr>
+              <p:spPr>
+                <a:xfrm>
+                  <a:off x="8267940" y="1530966"/>
+                  <a:ext cx="208373" cy="135610"/>
+                </a:xfrm>
+                <a:prstGeom prst="line">
+                  <a:avLst/>
+                </a:prstGeom>
+              </p:spPr>
+              <p:style>
+                <a:lnRef idx="1">
+                  <a:schemeClr val="dk1"/>
+                </a:lnRef>
+                <a:fillRef idx="2">
+                  <a:schemeClr val="dk1"/>
+                </a:fillRef>
+                <a:effectRef idx="1">
+                  <a:schemeClr val="dk1"/>
+                </a:effectRef>
+                <a:fontRef idx="minor">
+                  <a:schemeClr val="dk1"/>
+                </a:fontRef>
+              </p:style>
+            </p:cxnSp>
+          </p:grpSp>
+          <p:pic>
+            <p:nvPicPr>
+              <p:cNvPr id="151" name="图片 150" descr="病毒 (1)">
+                <a:extLst>
+                  <a:ext uri="{FF2B5EF4-FFF2-40B4-BE49-F238E27FC236}">
+                    <a16:creationId xmlns:a16="http://schemas.microsoft.com/office/drawing/2014/main" id="{2D210A03-AE75-4D19-90C1-6929939FBD51}"/>
+                  </a:ext>
+                </a:extLst>
+              </p:cNvPr>
+              <p:cNvPicPr>
+                <a:picLocks noChangeAspect="1"/>
+              </p:cNvPicPr>
+              <p:nvPr/>
+            </p:nvPicPr>
+            <p:blipFill>
+              <a:blip r:embed="rId5"/>
+              <a:stretch>
+                <a:fillRect/>
+              </a:stretch>
+            </p:blipFill>
+            <p:spPr>
+              <a:xfrm>
+                <a:off x="3728372" y="4566583"/>
+                <a:ext cx="360045" cy="360045"/>
+              </a:xfrm>
+              <a:prstGeom prst="rect">
+                <a:avLst/>
+              </a:prstGeom>
+            </p:spPr>
+          </p:pic>
+        </p:grpSp>
+        <p:grpSp>
+          <p:nvGrpSpPr>
+            <p:cNvPr id="218" name="组合 217">
+              <a:extLst>
+                <a:ext uri="{FF2B5EF4-FFF2-40B4-BE49-F238E27FC236}">
+                  <a16:creationId xmlns:a16="http://schemas.microsoft.com/office/drawing/2014/main" id="{32689ECB-F1D6-4E49-9D59-EED5D507BDEB}"/>
+                </a:ext>
+              </a:extLst>
+            </p:cNvPr>
+            <p:cNvGrpSpPr/>
+            <p:nvPr/>
+          </p:nvGrpSpPr>
+          <p:grpSpPr>
+            <a:xfrm>
+              <a:off x="4196620" y="2748667"/>
+              <a:ext cx="2163743" cy="1063486"/>
+              <a:chOff x="947763" y="3911461"/>
+              <a:chExt cx="2163743" cy="1063486"/>
+            </a:xfrm>
+          </p:grpSpPr>
+          <p:grpSp>
+            <p:nvGrpSpPr>
+              <p:cNvPr id="216" name="组合 215">
+                <a:extLst>
+                  <a:ext uri="{FF2B5EF4-FFF2-40B4-BE49-F238E27FC236}">
+                    <a16:creationId xmlns:a16="http://schemas.microsoft.com/office/drawing/2014/main" id="{165A179C-BC69-4980-8982-A55919BD2D0D}"/>
+                  </a:ext>
+                </a:extLst>
+              </p:cNvPr>
+              <p:cNvGrpSpPr/>
+              <p:nvPr/>
+            </p:nvGrpSpPr>
+            <p:grpSpPr>
+              <a:xfrm>
+                <a:off x="1082358" y="3967550"/>
+                <a:ext cx="1921645" cy="1007397"/>
+                <a:chOff x="1021747" y="3966272"/>
+                <a:chExt cx="1921645" cy="1007397"/>
+              </a:xfrm>
+            </p:grpSpPr>
+            <p:pic>
+              <p:nvPicPr>
+                <p:cNvPr id="194" name="图片 193">
+                  <a:extLst>
+                    <a:ext uri="{FF2B5EF4-FFF2-40B4-BE49-F238E27FC236}">
+                      <a16:creationId xmlns:a16="http://schemas.microsoft.com/office/drawing/2014/main" id="{110FDE5B-1AA3-4F39-9D5C-D219962676FC}"/>
+                    </a:ext>
+                  </a:extLst>
+                </p:cNvPr>
+                <p:cNvPicPr>
+                  <a:picLocks noChangeAspect="1"/>
+                </p:cNvPicPr>
+                <p:nvPr/>
+              </p:nvPicPr>
+              <p:blipFill rotWithShape="1">
+                <a:blip r:embed="rId8">
+                  <a:extLst>
+                    <a:ext uri="{28A0092B-C50C-407E-A947-70E740481C1C}">
+                      <a14:useLocalDpi xmlns:a14="http://schemas.microsoft.com/office/drawing/2010/main" val="0"/>
+                    </a:ext>
+                  </a:extLst>
+                </a:blip>
+                <a:srcRect l="11110" t="12199" r="13704" b="9873"/>
+                <a:stretch/>
+              </p:blipFill>
+              <p:spPr>
+                <a:xfrm>
+                  <a:off x="1718975" y="3981847"/>
+                  <a:ext cx="527189" cy="540000"/>
+                </a:xfrm>
+                <a:prstGeom prst="rect">
+                  <a:avLst/>
+                </a:prstGeom>
+              </p:spPr>
+            </p:pic>
+            <p:pic>
+              <p:nvPicPr>
+                <p:cNvPr id="195" name="图片 194">
+                  <a:extLst>
+                    <a:ext uri="{FF2B5EF4-FFF2-40B4-BE49-F238E27FC236}">
+                      <a16:creationId xmlns:a16="http://schemas.microsoft.com/office/drawing/2014/main" id="{53383EB1-95C6-4DBA-B66E-E55F1CD84E1F}"/>
+                    </a:ext>
+                  </a:extLst>
+                </p:cNvPr>
+                <p:cNvPicPr>
+                  <a:picLocks noChangeAspect="1"/>
+                </p:cNvPicPr>
+                <p:nvPr/>
+              </p:nvPicPr>
+              <p:blipFill>
+                <a:blip r:embed="rId9">
+                  <a:extLst>
+                    <a:ext uri="{28A0092B-C50C-407E-A947-70E740481C1C}">
+                      <a14:useLocalDpi xmlns:a14="http://schemas.microsoft.com/office/drawing/2010/main" val="0"/>
+                    </a:ext>
+                  </a:extLst>
+                </a:blip>
+                <a:stretch>
+                  <a:fillRect/>
+                </a:stretch>
+              </p:blipFill>
+              <p:spPr>
+                <a:xfrm>
+                  <a:off x="1021747" y="3966272"/>
+                  <a:ext cx="540000" cy="540000"/>
+                </a:xfrm>
+                <a:prstGeom prst="rect">
+                  <a:avLst/>
+                </a:prstGeom>
+              </p:spPr>
+            </p:pic>
+            <p:pic>
+              <p:nvPicPr>
+                <p:cNvPr id="196" name="图片 195">
+                  <a:extLst>
+                    <a:ext uri="{FF2B5EF4-FFF2-40B4-BE49-F238E27FC236}">
+                      <a16:creationId xmlns:a16="http://schemas.microsoft.com/office/drawing/2014/main" id="{88C16DBC-55E1-4AF4-B298-AB8EAB08CDFA}"/>
+                    </a:ext>
+                  </a:extLst>
+                </p:cNvPr>
+                <p:cNvPicPr>
+                  <a:picLocks noChangeAspect="1"/>
+                </p:cNvPicPr>
+                <p:nvPr/>
+              </p:nvPicPr>
+              <p:blipFill rotWithShape="1">
+                <a:blip r:embed="rId10">
+                  <a:extLst>
+                    <a:ext uri="{28A0092B-C50C-407E-A947-70E740481C1C}">
+                      <a14:useLocalDpi xmlns:a14="http://schemas.microsoft.com/office/drawing/2010/main" val="0"/>
+                    </a:ext>
+                  </a:extLst>
+                </a:blip>
+                <a:srcRect l="7696" t="6811" r="3819" b="5744"/>
+                <a:stretch/>
+              </p:blipFill>
+              <p:spPr>
+                <a:xfrm>
+                  <a:off x="2403392" y="3983721"/>
+                  <a:ext cx="540000" cy="539998"/>
+                </a:xfrm>
+                <a:prstGeom prst="rect">
+                  <a:avLst/>
+                </a:prstGeom>
+              </p:spPr>
+            </p:pic>
+            <p:sp>
+              <p:nvSpPr>
+                <p:cNvPr id="197" name="矩形 196">
+                  <a:extLst>
+                    <a:ext uri="{FF2B5EF4-FFF2-40B4-BE49-F238E27FC236}">
+                      <a16:creationId xmlns:a16="http://schemas.microsoft.com/office/drawing/2014/main" id="{7FBE3271-48A2-48C9-A38E-3972D64FC67F}"/>
+                    </a:ext>
+                  </a:extLst>
+                </p:cNvPr>
+                <p:cNvSpPr/>
+                <p:nvPr/>
+              </p:nvSpPr>
+              <p:spPr>
+                <a:xfrm>
+                  <a:off x="2811082" y="4389144"/>
+                  <a:ext cx="129716" cy="133281"/>
+                </a:xfrm>
+                <a:prstGeom prst="rect">
+                  <a:avLst/>
+                </a:prstGeom>
+                <a:ln>
+                  <a:noFill/>
+                </a:ln>
+              </p:spPr>
+              <p:style>
+                <a:lnRef idx="2">
+                  <a:schemeClr val="accent3">
+                    <a:shade val="50000"/>
+                  </a:schemeClr>
+                </a:lnRef>
+                <a:fillRef idx="1">
+                  <a:schemeClr val="accent3"/>
+                </a:fillRef>
+                <a:effectRef idx="0">
+                  <a:schemeClr val="accent3"/>
+                </a:effectRef>
+                <a:fontRef idx="minor">
+                  <a:schemeClr val="lt1"/>
+                </a:fontRef>
+              </p:style>
+              <p:txBody>
+                <a:bodyPr rtlCol="0" anchor="ctr"/>
+                <a:lstStyle/>
+                <a:p>
+                  <a:pPr algn="ctr"/>
+                  <a:endParaRPr lang="zh-CN" altLang="en-US"/>
+                </a:p>
+              </p:txBody>
+            </p:sp>
+            <p:sp>
+              <p:nvSpPr>
+                <p:cNvPr id="198" name="矩形 197">
+                  <a:extLst>
+                    <a:ext uri="{FF2B5EF4-FFF2-40B4-BE49-F238E27FC236}">
+                      <a16:creationId xmlns:a16="http://schemas.microsoft.com/office/drawing/2014/main" id="{7606E01F-2964-4938-B069-56562BFB8FDE}"/>
+                    </a:ext>
+                  </a:extLst>
+                </p:cNvPr>
+                <p:cNvSpPr/>
+                <p:nvPr/>
+              </p:nvSpPr>
+              <p:spPr>
+                <a:xfrm>
+                  <a:off x="2121295" y="4390542"/>
+                  <a:ext cx="129716" cy="133281"/>
+                </a:xfrm>
+                <a:prstGeom prst="rect">
+                  <a:avLst/>
+                </a:prstGeom>
+                <a:ln>
+                  <a:noFill/>
+                </a:ln>
+              </p:spPr>
+              <p:style>
+                <a:lnRef idx="2">
+                  <a:schemeClr val="accent3">
+                    <a:shade val="50000"/>
+                  </a:schemeClr>
+                </a:lnRef>
+                <a:fillRef idx="1">
+                  <a:schemeClr val="accent3"/>
+                </a:fillRef>
+                <a:effectRef idx="0">
+                  <a:schemeClr val="accent3"/>
+                </a:effectRef>
+                <a:fontRef idx="minor">
+                  <a:schemeClr val="lt1"/>
+                </a:fontRef>
+              </p:style>
+              <p:txBody>
+                <a:bodyPr rtlCol="0" anchor="ctr"/>
+                <a:lstStyle/>
+                <a:p>
+                  <a:pPr algn="ctr"/>
+                  <a:endParaRPr lang="zh-CN" altLang="en-US" dirty="0"/>
+                </a:p>
+              </p:txBody>
+            </p:sp>
+            <p:sp>
+              <p:nvSpPr>
+                <p:cNvPr id="199" name="矩形 198">
+                  <a:extLst>
+                    <a:ext uri="{FF2B5EF4-FFF2-40B4-BE49-F238E27FC236}">
+                      <a16:creationId xmlns:a16="http://schemas.microsoft.com/office/drawing/2014/main" id="{32E9BE3C-5F26-4F64-8051-3F2DDA6FB0D4}"/>
+                    </a:ext>
+                  </a:extLst>
+                </p:cNvPr>
+                <p:cNvSpPr/>
+                <p:nvPr/>
+              </p:nvSpPr>
+              <p:spPr>
+                <a:xfrm>
+                  <a:off x="1438917" y="4371596"/>
+                  <a:ext cx="129716" cy="133281"/>
+                </a:xfrm>
+                <a:prstGeom prst="rect">
+                  <a:avLst/>
+                </a:prstGeom>
+                <a:ln>
+                  <a:noFill/>
+                </a:ln>
+              </p:spPr>
+              <p:style>
+                <a:lnRef idx="2">
+                  <a:schemeClr val="accent3">
+                    <a:shade val="50000"/>
+                  </a:schemeClr>
+                </a:lnRef>
+                <a:fillRef idx="1">
+                  <a:schemeClr val="accent3"/>
+                </a:fillRef>
+                <a:effectRef idx="0">
+                  <a:schemeClr val="accent3"/>
+                </a:effectRef>
+                <a:fontRef idx="minor">
+                  <a:schemeClr val="lt1"/>
+                </a:fontRef>
+              </p:style>
+              <p:txBody>
+                <a:bodyPr rtlCol="0" anchor="ctr"/>
+                <a:lstStyle/>
+                <a:p>
+                  <a:pPr algn="ctr"/>
+                  <a:endParaRPr lang="zh-CN" altLang="en-US"/>
+                </a:p>
+              </p:txBody>
+            </p:sp>
+            <p:sp>
+              <p:nvSpPr>
+                <p:cNvPr id="201" name="文本框 200">
+                  <a:extLst>
+                    <a:ext uri="{FF2B5EF4-FFF2-40B4-BE49-F238E27FC236}">
+                      <a16:creationId xmlns:a16="http://schemas.microsoft.com/office/drawing/2014/main" id="{20C6905F-DFE5-4B63-9E3E-B39F1014B939}"/>
+                    </a:ext>
+                  </a:extLst>
+                </p:cNvPr>
+                <p:cNvSpPr txBox="1"/>
+                <p:nvPr/>
+              </p:nvSpPr>
+              <p:spPr>
+                <a:xfrm>
+                  <a:off x="1053531" y="4727448"/>
+                  <a:ext cx="468000" cy="246221"/>
+                </a:xfrm>
+                <a:prstGeom prst="rect">
+                  <a:avLst/>
+                </a:prstGeom>
+                <a:noFill/>
+              </p:spPr>
+              <p:txBody>
+                <a:bodyPr wrap="square" rtlCol="0">
+                  <a:spAutoFit/>
+                </a:bodyPr>
+                <a:lstStyle/>
+                <a:p>
+                  <a:pPr algn="ctr"/>
+                  <a:r>
+                    <a:rPr lang="en-US" altLang="zh-CN" sz="1000" b="1" dirty="0"/>
+                    <a:t>cat</a:t>
+                  </a:r>
+                  <a:endParaRPr lang="zh-CN" altLang="en-US" sz="1000" b="1" dirty="0"/>
+                </a:p>
+              </p:txBody>
+            </p:sp>
+            <p:sp>
+              <p:nvSpPr>
+                <p:cNvPr id="202" name="文本框 201">
+                  <a:extLst>
+                    <a:ext uri="{FF2B5EF4-FFF2-40B4-BE49-F238E27FC236}">
+                      <a16:creationId xmlns:a16="http://schemas.microsoft.com/office/drawing/2014/main" id="{664611F6-130D-4BE4-9FE6-AA9FE6557AB4}"/>
+                    </a:ext>
+                  </a:extLst>
+                </p:cNvPr>
+                <p:cNvSpPr txBox="1"/>
+                <p:nvPr/>
+              </p:nvSpPr>
+              <p:spPr>
+                <a:xfrm>
+                  <a:off x="1746060" y="4727448"/>
+                  <a:ext cx="468000" cy="246221"/>
+                </a:xfrm>
+                <a:prstGeom prst="rect">
+                  <a:avLst/>
+                </a:prstGeom>
+                <a:noFill/>
+              </p:spPr>
+              <p:txBody>
+                <a:bodyPr wrap="square" rtlCol="0">
+                  <a:spAutoFit/>
+                </a:bodyPr>
+                <a:lstStyle/>
+                <a:p>
+                  <a:pPr algn="ctr"/>
+                  <a:r>
+                    <a:rPr lang="en-US" altLang="zh-CN" sz="1000" b="1" dirty="0"/>
+                    <a:t>cat</a:t>
+                  </a:r>
+                  <a:endParaRPr lang="zh-CN" altLang="en-US" sz="1000" b="1" dirty="0"/>
+                </a:p>
+              </p:txBody>
+            </p:sp>
+            <p:sp>
+              <p:nvSpPr>
+                <p:cNvPr id="203" name="文本框 202">
+                  <a:extLst>
+                    <a:ext uri="{FF2B5EF4-FFF2-40B4-BE49-F238E27FC236}">
+                      <a16:creationId xmlns:a16="http://schemas.microsoft.com/office/drawing/2014/main" id="{888E050E-1E5B-4F80-BE00-4F1191F80B23}"/>
+                    </a:ext>
+                  </a:extLst>
+                </p:cNvPr>
+                <p:cNvSpPr txBox="1"/>
+                <p:nvPr/>
+              </p:nvSpPr>
+              <p:spPr>
+                <a:xfrm>
+                  <a:off x="2440098" y="4727448"/>
+                  <a:ext cx="468000" cy="246221"/>
+                </a:xfrm>
+                <a:prstGeom prst="rect">
+                  <a:avLst/>
+                </a:prstGeom>
+                <a:noFill/>
+              </p:spPr>
+              <p:txBody>
+                <a:bodyPr wrap="square" rtlCol="0">
+                  <a:spAutoFit/>
+                </a:bodyPr>
+                <a:lstStyle/>
+                <a:p>
+                  <a:pPr algn="ctr"/>
+                  <a:r>
+                    <a:rPr lang="en-US" altLang="zh-CN" sz="1000" b="1" dirty="0"/>
+                    <a:t>cat</a:t>
+                  </a:r>
+                  <a:endParaRPr lang="zh-CN" altLang="en-US" sz="1000" b="1" dirty="0"/>
+                </a:p>
+              </p:txBody>
+            </p:sp>
+            <p:cxnSp>
+              <p:nvCxnSpPr>
+                <p:cNvPr id="204" name="直接箭头连接符 203">
+                  <a:extLst>
+                    <a:ext uri="{FF2B5EF4-FFF2-40B4-BE49-F238E27FC236}">
+                      <a16:creationId xmlns:a16="http://schemas.microsoft.com/office/drawing/2014/main" id="{C72BD9EA-E502-46BA-BA39-8AA95FB727E0}"/>
+                    </a:ext>
+                  </a:extLst>
+                </p:cNvPr>
+                <p:cNvCxnSpPr>
+                  <a:cxnSpLocks/>
+                  <a:stCxn id="195" idx="2"/>
+                  <a:endCxn id="201" idx="0"/>
+                </p:cNvCxnSpPr>
+                <p:nvPr/>
+              </p:nvCxnSpPr>
+              <p:spPr>
+                <a:xfrm flipH="1">
+                  <a:off x="1287531" y="4506272"/>
+                  <a:ext cx="4216" cy="221176"/>
+                </a:xfrm>
+                <a:prstGeom prst="straightConnector1">
+                  <a:avLst/>
+                </a:prstGeom>
+                <a:ln>
+                  <a:tailEnd type="triangle"/>
+                </a:ln>
+              </p:spPr>
+              <p:style>
+                <a:lnRef idx="3">
+                  <a:schemeClr val="dk1"/>
+                </a:lnRef>
+                <a:fillRef idx="0">
+                  <a:schemeClr val="dk1"/>
+                </a:fillRef>
+                <a:effectRef idx="2">
+                  <a:schemeClr val="dk1"/>
+                </a:effectRef>
+                <a:fontRef idx="minor">
+                  <a:schemeClr val="tx1"/>
+                </a:fontRef>
+              </p:style>
+            </p:cxnSp>
+            <p:cxnSp>
+              <p:nvCxnSpPr>
+                <p:cNvPr id="207" name="直接箭头连接符 206">
+                  <a:extLst>
+                    <a:ext uri="{FF2B5EF4-FFF2-40B4-BE49-F238E27FC236}">
+                      <a16:creationId xmlns:a16="http://schemas.microsoft.com/office/drawing/2014/main" id="{A25C24DC-16F8-4E17-B151-C0E06C0A2CC3}"/>
+                    </a:ext>
+                  </a:extLst>
+                </p:cNvPr>
+                <p:cNvCxnSpPr>
+                  <a:cxnSpLocks/>
+                  <a:stCxn id="194" idx="2"/>
+                  <a:endCxn id="202" idx="0"/>
+                </p:cNvCxnSpPr>
+                <p:nvPr/>
+              </p:nvCxnSpPr>
+              <p:spPr>
+                <a:xfrm flipH="1">
+                  <a:off x="1980060" y="4521847"/>
+                  <a:ext cx="2510" cy="205601"/>
+                </a:xfrm>
+                <a:prstGeom prst="straightConnector1">
+                  <a:avLst/>
+                </a:prstGeom>
+                <a:ln>
+                  <a:tailEnd type="triangle"/>
+                </a:ln>
+              </p:spPr>
+              <p:style>
+                <a:lnRef idx="3">
+                  <a:schemeClr val="dk1"/>
+                </a:lnRef>
+                <a:fillRef idx="0">
+                  <a:schemeClr val="dk1"/>
+                </a:fillRef>
+                <a:effectRef idx="2">
+                  <a:schemeClr val="dk1"/>
+                </a:effectRef>
+                <a:fontRef idx="minor">
+                  <a:schemeClr val="tx1"/>
+                </a:fontRef>
+              </p:style>
+            </p:cxnSp>
+            <p:cxnSp>
+              <p:nvCxnSpPr>
+                <p:cNvPr id="211" name="直接箭头连接符 210">
+                  <a:extLst>
+                    <a:ext uri="{FF2B5EF4-FFF2-40B4-BE49-F238E27FC236}">
+                      <a16:creationId xmlns:a16="http://schemas.microsoft.com/office/drawing/2014/main" id="{70FA89E6-5E31-4F91-AA7A-5814DECB28EC}"/>
+                    </a:ext>
+                  </a:extLst>
+                </p:cNvPr>
+                <p:cNvCxnSpPr>
+                  <a:cxnSpLocks/>
+                  <a:stCxn id="196" idx="2"/>
+                  <a:endCxn id="203" idx="0"/>
+                </p:cNvCxnSpPr>
+                <p:nvPr/>
+              </p:nvCxnSpPr>
+              <p:spPr>
+                <a:xfrm>
+                  <a:off x="2673392" y="4523719"/>
+                  <a:ext cx="706" cy="203729"/>
+                </a:xfrm>
+                <a:prstGeom prst="straightConnector1">
+                  <a:avLst/>
+                </a:prstGeom>
+                <a:ln>
+                  <a:tailEnd type="triangle"/>
+                </a:ln>
+              </p:spPr>
+              <p:style>
+                <a:lnRef idx="3">
+                  <a:schemeClr val="dk1"/>
+                </a:lnRef>
+                <a:fillRef idx="0">
+                  <a:schemeClr val="dk1"/>
+                </a:fillRef>
+                <a:effectRef idx="2">
+                  <a:schemeClr val="dk1"/>
+                </a:effectRef>
+                <a:fontRef idx="minor">
+                  <a:schemeClr val="tx1"/>
+                </a:fontRef>
+              </p:style>
+            </p:cxnSp>
+          </p:grpSp>
+          <p:sp>
+            <p:nvSpPr>
+              <p:cNvPr id="217" name="矩形 216">
+                <a:extLst>
+                  <a:ext uri="{FF2B5EF4-FFF2-40B4-BE49-F238E27FC236}">
+                    <a16:creationId xmlns:a16="http://schemas.microsoft.com/office/drawing/2014/main" id="{5A8D240F-BB58-4407-A329-7C76A198C0EC}"/>
+                  </a:ext>
+                </a:extLst>
+              </p:cNvPr>
+              <p:cNvSpPr/>
+              <p:nvPr/>
+            </p:nvSpPr>
+            <p:spPr>
+              <a:xfrm>
+                <a:off x="947763" y="3911461"/>
+                <a:ext cx="2163743" cy="1053141"/>
+              </a:xfrm>
+              <a:prstGeom prst="rect">
+                <a:avLst/>
+              </a:prstGeom>
+              <a:noFill/>
+              <a:ln w="19050">
+                <a:prstDash val="dash"/>
+              </a:ln>
+            </p:spPr>
+            <p:style>
+              <a:lnRef idx="2">
+                <a:schemeClr val="dk1"/>
+              </a:lnRef>
+              <a:fillRef idx="1">
+                <a:schemeClr val="lt1"/>
+              </a:fillRef>
+              <a:effectRef idx="0">
+                <a:schemeClr val="dk1"/>
+              </a:effectRef>
+              <a:fontRef idx="minor">
+                <a:schemeClr val="dk1"/>
+              </a:fontRef>
+            </p:style>
+            <p:txBody>
+              <a:bodyPr rtlCol="0" anchor="ctr"/>
+              <a:lstStyle/>
+              <a:p>
+                <a:pPr algn="ctr"/>
+                <a:endParaRPr lang="zh-CN" altLang="en-US" dirty="0"/>
+              </a:p>
+            </p:txBody>
+          </p:sp>
+        </p:grpSp>
+        <p:cxnSp>
+          <p:nvCxnSpPr>
+            <p:cNvPr id="225" name="直接连接符 224">
+              <a:extLst>
+                <a:ext uri="{FF2B5EF4-FFF2-40B4-BE49-F238E27FC236}">
+                  <a16:creationId xmlns:a16="http://schemas.microsoft.com/office/drawing/2014/main" id="{F914A20C-F608-414A-8A10-6C62B22DCD34}"/>
+                </a:ext>
+              </a:extLst>
+            </p:cNvPr>
+            <p:cNvCxnSpPr/>
+            <p:nvPr/>
+          </p:nvCxnSpPr>
+          <p:spPr>
+            <a:xfrm>
+              <a:off x="6363784" y="4758602"/>
+              <a:ext cx="360000" cy="0"/>
+            </a:xfrm>
+            <a:prstGeom prst="line">
+              <a:avLst/>
+            </a:prstGeom>
+          </p:spPr>
+          <p:style>
+            <a:lnRef idx="3">
+              <a:schemeClr val="dk1"/>
+            </a:lnRef>
+            <a:fillRef idx="0">
+              <a:schemeClr val="dk1"/>
+            </a:fillRef>
+            <a:effectRef idx="2">
+              <a:schemeClr val="dk1"/>
+            </a:effectRef>
+            <a:fontRef idx="minor">
+              <a:schemeClr val="tx1"/>
+            </a:fontRef>
+          </p:style>
+        </p:cxnSp>
+        <p:cxnSp>
+          <p:nvCxnSpPr>
+            <p:cNvPr id="226" name="直接连接符 225">
+              <a:extLst>
+                <a:ext uri="{FF2B5EF4-FFF2-40B4-BE49-F238E27FC236}">
+                  <a16:creationId xmlns:a16="http://schemas.microsoft.com/office/drawing/2014/main" id="{3CDDF40D-421B-4E2D-96E3-1F948B7C87C1}"/>
+                </a:ext>
+              </a:extLst>
+            </p:cNvPr>
+            <p:cNvCxnSpPr/>
+            <p:nvPr/>
+          </p:nvCxnSpPr>
+          <p:spPr>
+            <a:xfrm>
+              <a:off x="6354975" y="3510958"/>
+              <a:ext cx="288000" cy="0"/>
+            </a:xfrm>
+            <a:prstGeom prst="line">
+              <a:avLst/>
+            </a:prstGeom>
+          </p:spPr>
+          <p:style>
+            <a:lnRef idx="3">
+              <a:schemeClr val="dk1"/>
+            </a:lnRef>
+            <a:fillRef idx="0">
+              <a:schemeClr val="dk1"/>
+            </a:fillRef>
+            <a:effectRef idx="2">
+              <a:schemeClr val="dk1"/>
+            </a:effectRef>
+            <a:fontRef idx="minor">
+              <a:schemeClr val="tx1"/>
+            </a:fontRef>
+          </p:style>
+        </p:cxnSp>
+        <p:sp>
+          <p:nvSpPr>
+            <p:cNvPr id="229" name="文本框 228">
+              <a:extLst>
+                <a:ext uri="{FF2B5EF4-FFF2-40B4-BE49-F238E27FC236}">
+                  <a16:creationId xmlns:a16="http://schemas.microsoft.com/office/drawing/2014/main" id="{A14ECB23-5DCE-4C1D-AAB0-25E2C7CF9590}"/>
                 </a:ext>
               </a:extLst>
             </p:cNvPr>
@@ -4290,8 +8721,8 @@
           </p:nvSpPr>
           <p:spPr>
             <a:xfrm>
-              <a:off x="6709539" y="3922824"/>
-              <a:ext cx="778679" cy="307777"/>
+              <a:off x="6435531" y="4899930"/>
+              <a:ext cx="1102955" cy="230832"/>
             </a:xfrm>
             <a:prstGeom prst="rect">
               <a:avLst/>
@@ -4306,1524 +8737,53 @@
             <a:p>
               <a:pPr algn="ctr"/>
               <a:r>
-                <a:rPr lang="en-US" altLang="zh-CN" sz="1400" b="1" dirty="0"/>
-                <a:t>predict</a:t>
+                <a:rPr lang="en-US" altLang="zh-CN" sz="900" b="1" dirty="0"/>
+                <a:t>Poisoned Dataset</a:t>
               </a:r>
-              <a:endParaRPr lang="zh-CN" altLang="en-US" sz="1400" b="1" dirty="0"/>
-            </a:p>
-          </p:txBody>
-        </p:sp>
-      </p:grpSp>
-      <p:sp>
-        <p:nvSpPr>
-          <p:cNvPr id="124" name="文本框 123">
-            <a:extLst>
-              <a:ext uri="{FF2B5EF4-FFF2-40B4-BE49-F238E27FC236}">
-                <a16:creationId xmlns:a16="http://schemas.microsoft.com/office/drawing/2014/main" id="{5D18E68B-8EAF-4995-98FD-C12EF779167F}"/>
-              </a:ext>
-            </a:extLst>
-          </p:cNvPr>
-          <p:cNvSpPr txBox="1"/>
-          <p:nvPr/>
-        </p:nvSpPr>
-        <p:spPr>
-          <a:xfrm>
-            <a:off x="4155146" y="3246016"/>
-            <a:ext cx="686843" cy="307777"/>
-          </a:xfrm>
-          <a:prstGeom prst="rect">
-            <a:avLst/>
-          </a:prstGeom>
-          <a:noFill/>
-        </p:spPr>
-        <p:txBody>
-          <a:bodyPr wrap="square" rtlCol="0">
-            <a:spAutoFit/>
-          </a:bodyPr>
-          <a:lstStyle/>
-          <a:p>
-            <a:pPr algn="ctr"/>
-            <a:r>
-              <a:rPr lang="en-US" altLang="zh-CN" sz="1400" b="1" dirty="0"/>
-              <a:t>train</a:t>
-            </a:r>
-            <a:endParaRPr lang="zh-CN" altLang="en-US" sz="1400" b="1" dirty="0"/>
-          </a:p>
-        </p:txBody>
-      </p:sp>
-      <p:sp>
-        <p:nvSpPr>
-          <p:cNvPr id="65" name="矩形 64">
-            <a:extLst>
-              <a:ext uri="{FF2B5EF4-FFF2-40B4-BE49-F238E27FC236}">
-                <a16:creationId xmlns:a16="http://schemas.microsoft.com/office/drawing/2014/main" id="{62FB1D33-627A-47F7-8577-DE9965A0CCBF}"/>
-              </a:ext>
-            </a:extLst>
-          </p:cNvPr>
-          <p:cNvSpPr/>
-          <p:nvPr/>
-        </p:nvSpPr>
-        <p:spPr>
-          <a:xfrm>
-            <a:off x="5924063" y="2689792"/>
-            <a:ext cx="1364504" cy="1728001"/>
-          </a:xfrm>
-          <a:prstGeom prst="rect">
-            <a:avLst/>
-          </a:prstGeom>
-          <a:noFill/>
-          <a:ln w="19050">
-            <a:prstDash val="dash"/>
-          </a:ln>
-        </p:spPr>
-        <p:style>
-          <a:lnRef idx="2">
-            <a:schemeClr val="dk1"/>
-          </a:lnRef>
-          <a:fillRef idx="1">
-            <a:schemeClr val="lt1"/>
-          </a:fillRef>
-          <a:effectRef idx="0">
-            <a:schemeClr val="dk1"/>
-          </a:effectRef>
-          <a:fontRef idx="minor">
-            <a:schemeClr val="dk1"/>
-          </a:fontRef>
-        </p:style>
-        <p:txBody>
-          <a:bodyPr rtlCol="0" anchor="ctr"/>
-          <a:lstStyle/>
-          <a:p>
-            <a:pPr algn="ctr"/>
-            <a:endParaRPr lang="zh-CN" altLang="en-US" dirty="0"/>
-          </a:p>
-        </p:txBody>
-      </p:sp>
-      <p:grpSp>
-        <p:nvGrpSpPr>
-          <p:cNvPr id="146" name="组合 145">
-            <a:extLst>
-              <a:ext uri="{FF2B5EF4-FFF2-40B4-BE49-F238E27FC236}">
-                <a16:creationId xmlns:a16="http://schemas.microsoft.com/office/drawing/2014/main" id="{AD2BCFDB-94B1-4EDD-A318-E214D941E7F4}"/>
-              </a:ext>
-            </a:extLst>
-          </p:cNvPr>
-          <p:cNvGrpSpPr/>
-          <p:nvPr/>
-        </p:nvGrpSpPr>
-        <p:grpSpPr>
-          <a:xfrm>
-            <a:off x="4873635" y="3051669"/>
-            <a:ext cx="976750" cy="986490"/>
-            <a:chOff x="7679563" y="1172136"/>
-            <a:chExt cx="976750" cy="986490"/>
-          </a:xfrm>
-        </p:grpSpPr>
-        <p:sp>
-          <p:nvSpPr>
-            <p:cNvPr id="60" name="流程图: 接点 59">
-              <a:extLst>
-                <a:ext uri="{FF2B5EF4-FFF2-40B4-BE49-F238E27FC236}">
-                  <a16:creationId xmlns:a16="http://schemas.microsoft.com/office/drawing/2014/main" id="{85B71C90-8B63-43A7-9EBE-12A555CA2438}"/>
-                </a:ext>
-              </a:extLst>
-            </p:cNvPr>
-            <p:cNvSpPr/>
-            <p:nvPr/>
-          </p:nvSpPr>
-          <p:spPr>
-            <a:xfrm>
-              <a:off x="7679563" y="1307746"/>
-              <a:ext cx="180000" cy="180000"/>
-            </a:xfrm>
-            <a:prstGeom prst="flowChartConnector">
-              <a:avLst/>
-            </a:prstGeom>
-          </p:spPr>
-          <p:style>
-            <a:lnRef idx="1">
-              <a:schemeClr val="dk1"/>
-            </a:lnRef>
-            <a:fillRef idx="2">
-              <a:schemeClr val="dk1"/>
-            </a:fillRef>
-            <a:effectRef idx="1">
-              <a:schemeClr val="dk1"/>
-            </a:effectRef>
-            <a:fontRef idx="minor">
-              <a:schemeClr val="dk1"/>
-            </a:fontRef>
-          </p:style>
-          <p:txBody>
-            <a:bodyPr rtlCol="0" anchor="ctr"/>
-            <a:lstStyle/>
-            <a:p>
-              <a:pPr algn="ctr"/>
-              <a:endParaRPr lang="zh-CN" altLang="en-US"/>
             </a:p>
           </p:txBody>
         </p:sp>
         <p:sp>
           <p:nvSpPr>
-            <p:cNvPr id="62" name="流程图: 接点 61">
+            <p:cNvPr id="230" name="文本框 229">
               <a:extLst>
                 <a:ext uri="{FF2B5EF4-FFF2-40B4-BE49-F238E27FC236}">
-                  <a16:creationId xmlns:a16="http://schemas.microsoft.com/office/drawing/2014/main" id="{3C285D03-EB67-4F97-B293-DD8898540170}"/>
+                  <a16:creationId xmlns:a16="http://schemas.microsoft.com/office/drawing/2014/main" id="{63A871D0-1163-48A9-A6C2-EE47F6BEA79C}"/>
                 </a:ext>
               </a:extLst>
             </p:cNvPr>
-            <p:cNvSpPr/>
+            <p:cNvSpPr txBox="1"/>
             <p:nvPr/>
           </p:nvSpPr>
           <p:spPr>
             <a:xfrm>
-              <a:off x="7679563" y="1576576"/>
-              <a:ext cx="180000" cy="180000"/>
+              <a:off x="7424284" y="4894041"/>
+              <a:ext cx="1102955" cy="230832"/>
             </a:xfrm>
-            <a:prstGeom prst="flowChartConnector">
+            <a:prstGeom prst="rect">
               <a:avLst/>
             </a:prstGeom>
+            <a:noFill/>
           </p:spPr>
-          <p:style>
-            <a:lnRef idx="1">
-              <a:schemeClr val="dk1"/>
-            </a:lnRef>
-            <a:fillRef idx="2">
-              <a:schemeClr val="dk1"/>
-            </a:fillRef>
-            <a:effectRef idx="1">
-              <a:schemeClr val="dk1"/>
-            </a:effectRef>
-            <a:fontRef idx="minor">
-              <a:schemeClr val="dk1"/>
-            </a:fontRef>
-          </p:style>
           <p:txBody>
-            <a:bodyPr rtlCol="0" anchor="ctr"/>
+            <a:bodyPr wrap="square" rtlCol="0">
+              <a:spAutoFit/>
+            </a:bodyPr>
             <a:lstStyle/>
             <a:p>
               <a:pPr algn="ctr"/>
-              <a:endParaRPr lang="zh-CN" altLang="en-US"/>
+              <a:r>
+                <a:rPr lang="en-US" altLang="zh-CN" sz="900" b="1" dirty="0"/>
+                <a:t>Poisoned Model</a:t>
+              </a:r>
             </a:p>
           </p:txBody>
         </p:sp>
-        <p:sp>
-          <p:nvSpPr>
-            <p:cNvPr id="63" name="流程图: 接点 62">
-              <a:extLst>
-                <a:ext uri="{FF2B5EF4-FFF2-40B4-BE49-F238E27FC236}">
-                  <a16:creationId xmlns:a16="http://schemas.microsoft.com/office/drawing/2014/main" id="{8D2F946F-64F9-414B-8975-C9882F3CB012}"/>
-                </a:ext>
-              </a:extLst>
-            </p:cNvPr>
-            <p:cNvSpPr/>
-            <p:nvPr/>
-          </p:nvSpPr>
-          <p:spPr>
-            <a:xfrm>
-              <a:off x="7679563" y="1845406"/>
-              <a:ext cx="180000" cy="180000"/>
-            </a:xfrm>
-            <a:prstGeom prst="flowChartConnector">
-              <a:avLst/>
-            </a:prstGeom>
-          </p:spPr>
-          <p:style>
-            <a:lnRef idx="1">
-              <a:schemeClr val="dk1"/>
-            </a:lnRef>
-            <a:fillRef idx="2">
-              <a:schemeClr val="dk1"/>
-            </a:fillRef>
-            <a:effectRef idx="1">
-              <a:schemeClr val="dk1"/>
-            </a:effectRef>
-            <a:fontRef idx="minor">
-              <a:schemeClr val="dk1"/>
-            </a:fontRef>
-          </p:style>
-          <p:txBody>
-            <a:bodyPr rtlCol="0" anchor="ctr"/>
-            <a:lstStyle/>
-            <a:p>
-              <a:pPr algn="ctr"/>
-              <a:endParaRPr lang="zh-CN" altLang="en-US"/>
-            </a:p>
-          </p:txBody>
-        </p:sp>
-        <p:sp>
-          <p:nvSpPr>
-            <p:cNvPr id="66" name="流程图: 接点 65">
-              <a:extLst>
-                <a:ext uri="{FF2B5EF4-FFF2-40B4-BE49-F238E27FC236}">
-                  <a16:creationId xmlns:a16="http://schemas.microsoft.com/office/drawing/2014/main" id="{A5FDEA6C-C078-4EBE-A4C2-7AF7AA4645D6}"/>
-                </a:ext>
-              </a:extLst>
-            </p:cNvPr>
-            <p:cNvSpPr/>
-            <p:nvPr/>
-          </p:nvSpPr>
-          <p:spPr>
-            <a:xfrm>
-              <a:off x="8087940" y="1978626"/>
-              <a:ext cx="180000" cy="180000"/>
-            </a:xfrm>
-            <a:prstGeom prst="flowChartConnector">
-              <a:avLst/>
-            </a:prstGeom>
-          </p:spPr>
-          <p:style>
-            <a:lnRef idx="1">
-              <a:schemeClr val="dk1"/>
-            </a:lnRef>
-            <a:fillRef idx="2">
-              <a:schemeClr val="dk1"/>
-            </a:fillRef>
-            <a:effectRef idx="1">
-              <a:schemeClr val="dk1"/>
-            </a:effectRef>
-            <a:fontRef idx="minor">
-              <a:schemeClr val="dk1"/>
-            </a:fontRef>
-          </p:style>
-          <p:txBody>
-            <a:bodyPr rtlCol="0" anchor="ctr"/>
-            <a:lstStyle/>
-            <a:p>
-              <a:pPr algn="ctr"/>
-              <a:endParaRPr lang="zh-CN" altLang="en-US"/>
-            </a:p>
-          </p:txBody>
-        </p:sp>
-        <p:sp>
-          <p:nvSpPr>
-            <p:cNvPr id="68" name="流程图: 接点 67">
-              <a:extLst>
-                <a:ext uri="{FF2B5EF4-FFF2-40B4-BE49-F238E27FC236}">
-                  <a16:creationId xmlns:a16="http://schemas.microsoft.com/office/drawing/2014/main" id="{221186AB-D0B0-415B-A561-90215F54CC28}"/>
-                </a:ext>
-              </a:extLst>
-            </p:cNvPr>
-            <p:cNvSpPr/>
-            <p:nvPr/>
-          </p:nvSpPr>
-          <p:spPr>
-            <a:xfrm>
-              <a:off x="8087940" y="1172136"/>
-              <a:ext cx="180000" cy="180000"/>
-            </a:xfrm>
-            <a:prstGeom prst="flowChartConnector">
-              <a:avLst/>
-            </a:prstGeom>
-          </p:spPr>
-          <p:style>
-            <a:lnRef idx="1">
-              <a:schemeClr val="dk1"/>
-            </a:lnRef>
-            <a:fillRef idx="2">
-              <a:schemeClr val="dk1"/>
-            </a:fillRef>
-            <a:effectRef idx="1">
-              <a:schemeClr val="dk1"/>
-            </a:effectRef>
-            <a:fontRef idx="minor">
-              <a:schemeClr val="dk1"/>
-            </a:fontRef>
-          </p:style>
-          <p:txBody>
-            <a:bodyPr rtlCol="0" anchor="ctr"/>
-            <a:lstStyle/>
-            <a:p>
-              <a:pPr algn="ctr"/>
-              <a:endParaRPr lang="zh-CN" altLang="en-US"/>
-            </a:p>
-          </p:txBody>
-        </p:sp>
-        <p:sp>
-          <p:nvSpPr>
-            <p:cNvPr id="69" name="流程图: 接点 68">
-              <a:extLst>
-                <a:ext uri="{FF2B5EF4-FFF2-40B4-BE49-F238E27FC236}">
-                  <a16:creationId xmlns:a16="http://schemas.microsoft.com/office/drawing/2014/main" id="{7ADA5FA3-2479-4D01-B8FD-376669BCAF0C}"/>
-                </a:ext>
-              </a:extLst>
-            </p:cNvPr>
-            <p:cNvSpPr/>
-            <p:nvPr/>
-          </p:nvSpPr>
-          <p:spPr>
-            <a:xfrm>
-              <a:off x="8087940" y="1440966"/>
-              <a:ext cx="180000" cy="180000"/>
-            </a:xfrm>
-            <a:prstGeom prst="flowChartConnector">
-              <a:avLst/>
-            </a:prstGeom>
-          </p:spPr>
-          <p:style>
-            <a:lnRef idx="1">
-              <a:schemeClr val="dk1"/>
-            </a:lnRef>
-            <a:fillRef idx="2">
-              <a:schemeClr val="dk1"/>
-            </a:fillRef>
-            <a:effectRef idx="1">
-              <a:schemeClr val="dk1"/>
-            </a:effectRef>
-            <a:fontRef idx="minor">
-              <a:schemeClr val="dk1"/>
-            </a:fontRef>
-          </p:style>
-          <p:txBody>
-            <a:bodyPr rtlCol="0" anchor="ctr"/>
-            <a:lstStyle/>
-            <a:p>
-              <a:pPr algn="ctr"/>
-              <a:endParaRPr lang="zh-CN" altLang="en-US"/>
-            </a:p>
-          </p:txBody>
-        </p:sp>
-        <p:sp>
-          <p:nvSpPr>
-            <p:cNvPr id="71" name="流程图: 接点 70">
-              <a:extLst>
-                <a:ext uri="{FF2B5EF4-FFF2-40B4-BE49-F238E27FC236}">
-                  <a16:creationId xmlns:a16="http://schemas.microsoft.com/office/drawing/2014/main" id="{13329268-0DB8-4DE1-9689-10451D4898F0}"/>
-                </a:ext>
-              </a:extLst>
-            </p:cNvPr>
-            <p:cNvSpPr/>
-            <p:nvPr/>
-          </p:nvSpPr>
-          <p:spPr>
-            <a:xfrm>
-              <a:off x="8087940" y="1709796"/>
-              <a:ext cx="180000" cy="180000"/>
-            </a:xfrm>
-            <a:prstGeom prst="flowChartConnector">
-              <a:avLst/>
-            </a:prstGeom>
-          </p:spPr>
-          <p:style>
-            <a:lnRef idx="1">
-              <a:schemeClr val="dk1"/>
-            </a:lnRef>
-            <a:fillRef idx="2">
-              <a:schemeClr val="dk1"/>
-            </a:fillRef>
-            <a:effectRef idx="1">
-              <a:schemeClr val="dk1"/>
-            </a:effectRef>
-            <a:fontRef idx="minor">
-              <a:schemeClr val="dk1"/>
-            </a:fontRef>
-          </p:style>
-          <p:txBody>
-            <a:bodyPr rtlCol="0" anchor="ctr"/>
-            <a:lstStyle/>
-            <a:p>
-              <a:pPr algn="ctr"/>
-              <a:endParaRPr lang="zh-CN" altLang="en-US"/>
-            </a:p>
-          </p:txBody>
-        </p:sp>
-        <p:sp>
-          <p:nvSpPr>
-            <p:cNvPr id="72" name="流程图: 接点 71">
-              <a:extLst>
-                <a:ext uri="{FF2B5EF4-FFF2-40B4-BE49-F238E27FC236}">
-                  <a16:creationId xmlns:a16="http://schemas.microsoft.com/office/drawing/2014/main" id="{C8BB1696-6787-40DF-9EFE-E03640167AAF}"/>
-                </a:ext>
-              </a:extLst>
-            </p:cNvPr>
-            <p:cNvSpPr/>
-            <p:nvPr/>
-          </p:nvSpPr>
-          <p:spPr>
-            <a:xfrm>
-              <a:off x="8476313" y="1311307"/>
-              <a:ext cx="180000" cy="180000"/>
-            </a:xfrm>
-            <a:prstGeom prst="flowChartConnector">
-              <a:avLst/>
-            </a:prstGeom>
-          </p:spPr>
-          <p:style>
-            <a:lnRef idx="1">
-              <a:schemeClr val="dk1"/>
-            </a:lnRef>
-            <a:fillRef idx="2">
-              <a:schemeClr val="dk1"/>
-            </a:fillRef>
-            <a:effectRef idx="1">
-              <a:schemeClr val="dk1"/>
-            </a:effectRef>
-            <a:fontRef idx="minor">
-              <a:schemeClr val="dk1"/>
-            </a:fontRef>
-          </p:style>
-          <p:txBody>
-            <a:bodyPr rtlCol="0" anchor="ctr"/>
-            <a:lstStyle/>
-            <a:p>
-              <a:pPr algn="ctr"/>
-              <a:endParaRPr lang="zh-CN" altLang="en-US"/>
-            </a:p>
-          </p:txBody>
-        </p:sp>
-        <p:sp>
-          <p:nvSpPr>
-            <p:cNvPr id="74" name="流程图: 接点 73">
-              <a:extLst>
-                <a:ext uri="{FF2B5EF4-FFF2-40B4-BE49-F238E27FC236}">
-                  <a16:creationId xmlns:a16="http://schemas.microsoft.com/office/drawing/2014/main" id="{88A6E4B1-33DB-4241-B356-75B4C5838C7E}"/>
-                </a:ext>
-              </a:extLst>
-            </p:cNvPr>
-            <p:cNvSpPr/>
-            <p:nvPr/>
-          </p:nvSpPr>
-          <p:spPr>
-            <a:xfrm>
-              <a:off x="8476313" y="1848967"/>
-              <a:ext cx="180000" cy="180000"/>
-            </a:xfrm>
-            <a:prstGeom prst="flowChartConnector">
-              <a:avLst/>
-            </a:prstGeom>
-          </p:spPr>
-          <p:style>
-            <a:lnRef idx="1">
-              <a:schemeClr val="dk1"/>
-            </a:lnRef>
-            <a:fillRef idx="2">
-              <a:schemeClr val="dk1"/>
-            </a:fillRef>
-            <a:effectRef idx="1">
-              <a:schemeClr val="dk1"/>
-            </a:effectRef>
-            <a:fontRef idx="minor">
-              <a:schemeClr val="dk1"/>
-            </a:fontRef>
-          </p:style>
-          <p:txBody>
-            <a:bodyPr rtlCol="0" anchor="ctr"/>
-            <a:lstStyle/>
-            <a:p>
-              <a:pPr algn="ctr"/>
-              <a:endParaRPr lang="zh-CN" altLang="en-US"/>
-            </a:p>
-          </p:txBody>
-        </p:sp>
-        <p:cxnSp>
-          <p:nvCxnSpPr>
-            <p:cNvPr id="75" name="直接连接符 74">
-              <a:extLst>
-                <a:ext uri="{FF2B5EF4-FFF2-40B4-BE49-F238E27FC236}">
-                  <a16:creationId xmlns:a16="http://schemas.microsoft.com/office/drawing/2014/main" id="{C13BB3C7-311B-4501-A34D-397270191375}"/>
-                </a:ext>
-              </a:extLst>
-            </p:cNvPr>
-            <p:cNvCxnSpPr>
-              <a:cxnSpLocks/>
-              <a:stCxn id="60" idx="6"/>
-              <a:endCxn id="68" idx="2"/>
-            </p:cNvCxnSpPr>
-            <p:nvPr/>
-          </p:nvCxnSpPr>
-          <p:spPr>
-            <a:xfrm flipV="1">
-              <a:off x="7859563" y="1262136"/>
-              <a:ext cx="228377" cy="135610"/>
-            </a:xfrm>
-            <a:prstGeom prst="line">
-              <a:avLst/>
-            </a:prstGeom>
-          </p:spPr>
-          <p:style>
-            <a:lnRef idx="1">
-              <a:schemeClr val="dk1"/>
-            </a:lnRef>
-            <a:fillRef idx="2">
-              <a:schemeClr val="dk1"/>
-            </a:fillRef>
-            <a:effectRef idx="1">
-              <a:schemeClr val="dk1"/>
-            </a:effectRef>
-            <a:fontRef idx="minor">
-              <a:schemeClr val="dk1"/>
-            </a:fontRef>
-          </p:style>
-        </p:cxnSp>
-        <p:cxnSp>
-          <p:nvCxnSpPr>
-            <p:cNvPr id="77" name="直接连接符 76">
-              <a:extLst>
-                <a:ext uri="{FF2B5EF4-FFF2-40B4-BE49-F238E27FC236}">
-                  <a16:creationId xmlns:a16="http://schemas.microsoft.com/office/drawing/2014/main" id="{8261DF91-2413-4700-822A-6EF94BB10E54}"/>
-                </a:ext>
-              </a:extLst>
-            </p:cNvPr>
-            <p:cNvCxnSpPr>
-              <a:cxnSpLocks/>
-              <a:stCxn id="60" idx="6"/>
-              <a:endCxn id="69" idx="2"/>
-            </p:cNvCxnSpPr>
-            <p:nvPr/>
-          </p:nvCxnSpPr>
-          <p:spPr>
-            <a:xfrm>
-              <a:off x="7859563" y="1397746"/>
-              <a:ext cx="228377" cy="133220"/>
-            </a:xfrm>
-            <a:prstGeom prst="line">
-              <a:avLst/>
-            </a:prstGeom>
-          </p:spPr>
-          <p:style>
-            <a:lnRef idx="1">
-              <a:schemeClr val="dk1"/>
-            </a:lnRef>
-            <a:fillRef idx="2">
-              <a:schemeClr val="dk1"/>
-            </a:fillRef>
-            <a:effectRef idx="1">
-              <a:schemeClr val="dk1"/>
-            </a:effectRef>
-            <a:fontRef idx="minor">
-              <a:schemeClr val="dk1"/>
-            </a:fontRef>
-          </p:style>
-        </p:cxnSp>
-        <p:cxnSp>
-          <p:nvCxnSpPr>
-            <p:cNvPr id="78" name="直接连接符 77">
-              <a:extLst>
-                <a:ext uri="{FF2B5EF4-FFF2-40B4-BE49-F238E27FC236}">
-                  <a16:creationId xmlns:a16="http://schemas.microsoft.com/office/drawing/2014/main" id="{7F6C4C2F-63F1-450D-9AA8-6A797E44322C}"/>
-                </a:ext>
-              </a:extLst>
-            </p:cNvPr>
-            <p:cNvCxnSpPr>
-              <a:cxnSpLocks/>
-              <a:stCxn id="60" idx="6"/>
-              <a:endCxn id="71" idx="2"/>
-            </p:cNvCxnSpPr>
-            <p:nvPr/>
-          </p:nvCxnSpPr>
-          <p:spPr>
-            <a:xfrm>
-              <a:off x="7859563" y="1397746"/>
-              <a:ext cx="228377" cy="402050"/>
-            </a:xfrm>
-            <a:prstGeom prst="line">
-              <a:avLst/>
-            </a:prstGeom>
-          </p:spPr>
-          <p:style>
-            <a:lnRef idx="1">
-              <a:schemeClr val="dk1"/>
-            </a:lnRef>
-            <a:fillRef idx="2">
-              <a:schemeClr val="dk1"/>
-            </a:fillRef>
-            <a:effectRef idx="1">
-              <a:schemeClr val="dk1"/>
-            </a:effectRef>
-            <a:fontRef idx="minor">
-              <a:schemeClr val="dk1"/>
-            </a:fontRef>
-          </p:style>
-        </p:cxnSp>
-        <p:cxnSp>
-          <p:nvCxnSpPr>
-            <p:cNvPr id="79" name="直接连接符 78">
-              <a:extLst>
-                <a:ext uri="{FF2B5EF4-FFF2-40B4-BE49-F238E27FC236}">
-                  <a16:creationId xmlns:a16="http://schemas.microsoft.com/office/drawing/2014/main" id="{48FFFC49-2E8F-455C-9791-83A16231C178}"/>
-                </a:ext>
-              </a:extLst>
-            </p:cNvPr>
-            <p:cNvCxnSpPr>
-              <a:cxnSpLocks/>
-              <a:stCxn id="60" idx="6"/>
-              <a:endCxn id="66" idx="2"/>
-            </p:cNvCxnSpPr>
-            <p:nvPr/>
-          </p:nvCxnSpPr>
-          <p:spPr>
-            <a:xfrm>
-              <a:off x="7859563" y="1397746"/>
-              <a:ext cx="228377" cy="670880"/>
-            </a:xfrm>
-            <a:prstGeom prst="line">
-              <a:avLst/>
-            </a:prstGeom>
-          </p:spPr>
-          <p:style>
-            <a:lnRef idx="1">
-              <a:schemeClr val="dk1"/>
-            </a:lnRef>
-            <a:fillRef idx="2">
-              <a:schemeClr val="dk1"/>
-            </a:fillRef>
-            <a:effectRef idx="1">
-              <a:schemeClr val="dk1"/>
-            </a:effectRef>
-            <a:fontRef idx="minor">
-              <a:schemeClr val="dk1"/>
-            </a:fontRef>
-          </p:style>
-        </p:cxnSp>
-        <p:cxnSp>
-          <p:nvCxnSpPr>
-            <p:cNvPr id="81" name="直接连接符 80">
-              <a:extLst>
-                <a:ext uri="{FF2B5EF4-FFF2-40B4-BE49-F238E27FC236}">
-                  <a16:creationId xmlns:a16="http://schemas.microsoft.com/office/drawing/2014/main" id="{DAE48BAA-0F06-486F-B0DB-E2B2AA40D887}"/>
-                </a:ext>
-              </a:extLst>
-            </p:cNvPr>
-            <p:cNvCxnSpPr>
-              <a:cxnSpLocks/>
-              <a:stCxn id="62" idx="6"/>
-              <a:endCxn id="68" idx="2"/>
-            </p:cNvCxnSpPr>
-            <p:nvPr/>
-          </p:nvCxnSpPr>
-          <p:spPr>
-            <a:xfrm flipV="1">
-              <a:off x="7859563" y="1262136"/>
-              <a:ext cx="228377" cy="404440"/>
-            </a:xfrm>
-            <a:prstGeom prst="line">
-              <a:avLst/>
-            </a:prstGeom>
-          </p:spPr>
-          <p:style>
-            <a:lnRef idx="1">
-              <a:schemeClr val="dk1"/>
-            </a:lnRef>
-            <a:fillRef idx="2">
-              <a:schemeClr val="dk1"/>
-            </a:fillRef>
-            <a:effectRef idx="1">
-              <a:schemeClr val="dk1"/>
-            </a:effectRef>
-            <a:fontRef idx="minor">
-              <a:schemeClr val="dk1"/>
-            </a:fontRef>
-          </p:style>
-        </p:cxnSp>
-        <p:cxnSp>
-          <p:nvCxnSpPr>
-            <p:cNvPr id="82" name="直接连接符 81">
-              <a:extLst>
-                <a:ext uri="{FF2B5EF4-FFF2-40B4-BE49-F238E27FC236}">
-                  <a16:creationId xmlns:a16="http://schemas.microsoft.com/office/drawing/2014/main" id="{46A8AED9-4AE1-4F8B-AB3C-EF40D614B812}"/>
-                </a:ext>
-              </a:extLst>
-            </p:cNvPr>
-            <p:cNvCxnSpPr>
-              <a:cxnSpLocks/>
-              <a:stCxn id="62" idx="6"/>
-              <a:endCxn id="69" idx="2"/>
-            </p:cNvCxnSpPr>
-            <p:nvPr/>
-          </p:nvCxnSpPr>
-          <p:spPr>
-            <a:xfrm flipV="1">
-              <a:off x="7859563" y="1530966"/>
-              <a:ext cx="228377" cy="135610"/>
-            </a:xfrm>
-            <a:prstGeom prst="line">
-              <a:avLst/>
-            </a:prstGeom>
-          </p:spPr>
-          <p:style>
-            <a:lnRef idx="1">
-              <a:schemeClr val="dk1"/>
-            </a:lnRef>
-            <a:fillRef idx="2">
-              <a:schemeClr val="dk1"/>
-            </a:fillRef>
-            <a:effectRef idx="1">
-              <a:schemeClr val="dk1"/>
-            </a:effectRef>
-            <a:fontRef idx="minor">
-              <a:schemeClr val="dk1"/>
-            </a:fontRef>
-          </p:style>
-        </p:cxnSp>
-        <p:cxnSp>
-          <p:nvCxnSpPr>
-            <p:cNvPr id="84" name="直接连接符 83">
-              <a:extLst>
-                <a:ext uri="{FF2B5EF4-FFF2-40B4-BE49-F238E27FC236}">
-                  <a16:creationId xmlns:a16="http://schemas.microsoft.com/office/drawing/2014/main" id="{E92935E3-E62F-4AA8-A98B-F2463CDB98CC}"/>
-                </a:ext>
-              </a:extLst>
-            </p:cNvPr>
-            <p:cNvCxnSpPr>
-              <a:cxnSpLocks/>
-              <a:stCxn id="62" idx="6"/>
-              <a:endCxn id="71" idx="2"/>
-            </p:cNvCxnSpPr>
-            <p:nvPr/>
-          </p:nvCxnSpPr>
-          <p:spPr>
-            <a:xfrm>
-              <a:off x="7859563" y="1666576"/>
-              <a:ext cx="228377" cy="133220"/>
-            </a:xfrm>
-            <a:prstGeom prst="line">
-              <a:avLst/>
-            </a:prstGeom>
-          </p:spPr>
-          <p:style>
-            <a:lnRef idx="1">
-              <a:schemeClr val="dk1"/>
-            </a:lnRef>
-            <a:fillRef idx="2">
-              <a:schemeClr val="dk1"/>
-            </a:fillRef>
-            <a:effectRef idx="1">
-              <a:schemeClr val="dk1"/>
-            </a:effectRef>
-            <a:fontRef idx="minor">
-              <a:schemeClr val="dk1"/>
-            </a:fontRef>
-          </p:style>
-        </p:cxnSp>
-        <p:cxnSp>
-          <p:nvCxnSpPr>
-            <p:cNvPr id="85" name="直接连接符 84">
-              <a:extLst>
-                <a:ext uri="{FF2B5EF4-FFF2-40B4-BE49-F238E27FC236}">
-                  <a16:creationId xmlns:a16="http://schemas.microsoft.com/office/drawing/2014/main" id="{80FAFD79-BAFD-4852-ACE1-243BB7568C16}"/>
-                </a:ext>
-              </a:extLst>
-            </p:cNvPr>
-            <p:cNvCxnSpPr>
-              <a:cxnSpLocks/>
-              <a:stCxn id="62" idx="6"/>
-              <a:endCxn id="66" idx="2"/>
-            </p:cNvCxnSpPr>
-            <p:nvPr/>
-          </p:nvCxnSpPr>
-          <p:spPr>
-            <a:xfrm>
-              <a:off x="7859563" y="1666576"/>
-              <a:ext cx="228377" cy="402050"/>
-            </a:xfrm>
-            <a:prstGeom prst="line">
-              <a:avLst/>
-            </a:prstGeom>
-          </p:spPr>
-          <p:style>
-            <a:lnRef idx="1">
-              <a:schemeClr val="dk1"/>
-            </a:lnRef>
-            <a:fillRef idx="2">
-              <a:schemeClr val="dk1"/>
-            </a:fillRef>
-            <a:effectRef idx="1">
-              <a:schemeClr val="dk1"/>
-            </a:effectRef>
-            <a:fontRef idx="minor">
-              <a:schemeClr val="dk1"/>
-            </a:fontRef>
-          </p:style>
-        </p:cxnSp>
-        <p:cxnSp>
-          <p:nvCxnSpPr>
-            <p:cNvPr id="87" name="直接连接符 86">
-              <a:extLst>
-                <a:ext uri="{FF2B5EF4-FFF2-40B4-BE49-F238E27FC236}">
-                  <a16:creationId xmlns:a16="http://schemas.microsoft.com/office/drawing/2014/main" id="{6DA00E4D-ED65-4DB3-8BEE-082F265A2638}"/>
-                </a:ext>
-              </a:extLst>
-            </p:cNvPr>
-            <p:cNvCxnSpPr>
-              <a:cxnSpLocks/>
-              <a:stCxn id="63" idx="6"/>
-              <a:endCxn id="68" idx="2"/>
-            </p:cNvCxnSpPr>
-            <p:nvPr/>
-          </p:nvCxnSpPr>
-          <p:spPr>
-            <a:xfrm flipV="1">
-              <a:off x="7859563" y="1262136"/>
-              <a:ext cx="228377" cy="673270"/>
-            </a:xfrm>
-            <a:prstGeom prst="line">
-              <a:avLst/>
-            </a:prstGeom>
-          </p:spPr>
-          <p:style>
-            <a:lnRef idx="1">
-              <a:schemeClr val="dk1"/>
-            </a:lnRef>
-            <a:fillRef idx="2">
-              <a:schemeClr val="dk1"/>
-            </a:fillRef>
-            <a:effectRef idx="1">
-              <a:schemeClr val="dk1"/>
-            </a:effectRef>
-            <a:fontRef idx="minor">
-              <a:schemeClr val="dk1"/>
-            </a:fontRef>
-          </p:style>
-        </p:cxnSp>
-        <p:cxnSp>
-          <p:nvCxnSpPr>
-            <p:cNvPr id="88" name="直接连接符 87">
-              <a:extLst>
-                <a:ext uri="{FF2B5EF4-FFF2-40B4-BE49-F238E27FC236}">
-                  <a16:creationId xmlns:a16="http://schemas.microsoft.com/office/drawing/2014/main" id="{05F46ECE-1D7A-436A-938B-0BE5DF1D7194}"/>
-                </a:ext>
-              </a:extLst>
-            </p:cNvPr>
-            <p:cNvCxnSpPr>
-              <a:cxnSpLocks/>
-              <a:stCxn id="63" idx="6"/>
-              <a:endCxn id="69" idx="2"/>
-            </p:cNvCxnSpPr>
-            <p:nvPr/>
-          </p:nvCxnSpPr>
-          <p:spPr>
-            <a:xfrm flipV="1">
-              <a:off x="7859563" y="1530966"/>
-              <a:ext cx="228377" cy="404440"/>
-            </a:xfrm>
-            <a:prstGeom prst="line">
-              <a:avLst/>
-            </a:prstGeom>
-          </p:spPr>
-          <p:style>
-            <a:lnRef idx="1">
-              <a:schemeClr val="dk1"/>
-            </a:lnRef>
-            <a:fillRef idx="2">
-              <a:schemeClr val="dk1"/>
-            </a:fillRef>
-            <a:effectRef idx="1">
-              <a:schemeClr val="dk1"/>
-            </a:effectRef>
-            <a:fontRef idx="minor">
-              <a:schemeClr val="dk1"/>
-            </a:fontRef>
-          </p:style>
-        </p:cxnSp>
-        <p:cxnSp>
-          <p:nvCxnSpPr>
-            <p:cNvPr id="90" name="直接连接符 89">
-              <a:extLst>
-                <a:ext uri="{FF2B5EF4-FFF2-40B4-BE49-F238E27FC236}">
-                  <a16:creationId xmlns:a16="http://schemas.microsoft.com/office/drawing/2014/main" id="{CD076A59-4174-4FE4-8B96-1987F3493877}"/>
-                </a:ext>
-              </a:extLst>
-            </p:cNvPr>
-            <p:cNvCxnSpPr>
-              <a:cxnSpLocks/>
-              <a:stCxn id="63" idx="6"/>
-              <a:endCxn id="71" idx="2"/>
-            </p:cNvCxnSpPr>
-            <p:nvPr/>
-          </p:nvCxnSpPr>
-          <p:spPr>
-            <a:xfrm flipV="1">
-              <a:off x="7859563" y="1799796"/>
-              <a:ext cx="228377" cy="135610"/>
-            </a:xfrm>
-            <a:prstGeom prst="line">
-              <a:avLst/>
-            </a:prstGeom>
-          </p:spPr>
-          <p:style>
-            <a:lnRef idx="1">
-              <a:schemeClr val="dk1"/>
-            </a:lnRef>
-            <a:fillRef idx="2">
-              <a:schemeClr val="dk1"/>
-            </a:fillRef>
-            <a:effectRef idx="1">
-              <a:schemeClr val="dk1"/>
-            </a:effectRef>
-            <a:fontRef idx="minor">
-              <a:schemeClr val="dk1"/>
-            </a:fontRef>
-          </p:style>
-        </p:cxnSp>
-        <p:cxnSp>
-          <p:nvCxnSpPr>
-            <p:cNvPr id="91" name="直接连接符 90">
-              <a:extLst>
-                <a:ext uri="{FF2B5EF4-FFF2-40B4-BE49-F238E27FC236}">
-                  <a16:creationId xmlns:a16="http://schemas.microsoft.com/office/drawing/2014/main" id="{142F1D5B-A297-4BF5-AE89-85C5A243113F}"/>
-                </a:ext>
-              </a:extLst>
-            </p:cNvPr>
-            <p:cNvCxnSpPr>
-              <a:cxnSpLocks/>
-              <a:stCxn id="63" idx="6"/>
-              <a:endCxn id="66" idx="2"/>
-            </p:cNvCxnSpPr>
-            <p:nvPr/>
-          </p:nvCxnSpPr>
-          <p:spPr>
-            <a:xfrm>
-              <a:off x="7859563" y="1935406"/>
-              <a:ext cx="228377" cy="133220"/>
-            </a:xfrm>
-            <a:prstGeom prst="line">
-              <a:avLst/>
-            </a:prstGeom>
-          </p:spPr>
-          <p:style>
-            <a:lnRef idx="1">
-              <a:schemeClr val="dk1"/>
-            </a:lnRef>
-            <a:fillRef idx="2">
-              <a:schemeClr val="dk1"/>
-            </a:fillRef>
-            <a:effectRef idx="1">
-              <a:schemeClr val="dk1"/>
-            </a:effectRef>
-            <a:fontRef idx="minor">
-              <a:schemeClr val="dk1"/>
-            </a:fontRef>
-          </p:style>
-        </p:cxnSp>
-        <p:cxnSp>
-          <p:nvCxnSpPr>
-            <p:cNvPr id="93" name="直接连接符 92">
-              <a:extLst>
-                <a:ext uri="{FF2B5EF4-FFF2-40B4-BE49-F238E27FC236}">
-                  <a16:creationId xmlns:a16="http://schemas.microsoft.com/office/drawing/2014/main" id="{80978647-93B4-4D95-92F7-5BB5068D7AEE}"/>
-                </a:ext>
-              </a:extLst>
-            </p:cNvPr>
-            <p:cNvCxnSpPr>
-              <a:cxnSpLocks/>
-              <a:stCxn id="68" idx="6"/>
-              <a:endCxn id="72" idx="2"/>
-            </p:cNvCxnSpPr>
-            <p:nvPr/>
-          </p:nvCxnSpPr>
-          <p:spPr>
-            <a:xfrm>
-              <a:off x="8267940" y="1262136"/>
-              <a:ext cx="208373" cy="139171"/>
-            </a:xfrm>
-            <a:prstGeom prst="line">
-              <a:avLst/>
-            </a:prstGeom>
-          </p:spPr>
-          <p:style>
-            <a:lnRef idx="1">
-              <a:schemeClr val="dk1"/>
-            </a:lnRef>
-            <a:fillRef idx="2">
-              <a:schemeClr val="dk1"/>
-            </a:fillRef>
-            <a:effectRef idx="1">
-              <a:schemeClr val="dk1"/>
-            </a:effectRef>
-            <a:fontRef idx="minor">
-              <a:schemeClr val="dk1"/>
-            </a:fontRef>
-          </p:style>
-        </p:cxnSp>
-        <p:cxnSp>
-          <p:nvCxnSpPr>
-            <p:cNvPr id="99" name="直接连接符 98">
-              <a:extLst>
-                <a:ext uri="{FF2B5EF4-FFF2-40B4-BE49-F238E27FC236}">
-                  <a16:creationId xmlns:a16="http://schemas.microsoft.com/office/drawing/2014/main" id="{9D1E2681-C419-4402-BEB3-C994618FA172}"/>
-                </a:ext>
-              </a:extLst>
-            </p:cNvPr>
-            <p:cNvCxnSpPr>
-              <a:cxnSpLocks/>
-              <a:stCxn id="69" idx="6"/>
-              <a:endCxn id="72" idx="2"/>
-            </p:cNvCxnSpPr>
-            <p:nvPr/>
-          </p:nvCxnSpPr>
-          <p:spPr>
-            <a:xfrm flipV="1">
-              <a:off x="8267940" y="1401307"/>
-              <a:ext cx="208373" cy="129659"/>
-            </a:xfrm>
-            <a:prstGeom prst="line">
-              <a:avLst/>
-            </a:prstGeom>
-          </p:spPr>
-          <p:style>
-            <a:lnRef idx="1">
-              <a:schemeClr val="dk1"/>
-            </a:lnRef>
-            <a:fillRef idx="2">
-              <a:schemeClr val="dk1"/>
-            </a:fillRef>
-            <a:effectRef idx="1">
-              <a:schemeClr val="dk1"/>
-            </a:effectRef>
-            <a:fontRef idx="minor">
-              <a:schemeClr val="dk1"/>
-            </a:fontRef>
-          </p:style>
-        </p:cxnSp>
-        <p:cxnSp>
-          <p:nvCxnSpPr>
-            <p:cNvPr id="100" name="直接连接符 99">
-              <a:extLst>
-                <a:ext uri="{FF2B5EF4-FFF2-40B4-BE49-F238E27FC236}">
-                  <a16:creationId xmlns:a16="http://schemas.microsoft.com/office/drawing/2014/main" id="{A468775C-1BB9-4C10-8ED7-28F1511854ED}"/>
-                </a:ext>
-              </a:extLst>
-            </p:cNvPr>
-            <p:cNvCxnSpPr>
-              <a:cxnSpLocks/>
-              <a:stCxn id="71" idx="6"/>
-              <a:endCxn id="72" idx="2"/>
-            </p:cNvCxnSpPr>
-            <p:nvPr/>
-          </p:nvCxnSpPr>
-          <p:spPr>
-            <a:xfrm flipV="1">
-              <a:off x="8267940" y="1401307"/>
-              <a:ext cx="208373" cy="398489"/>
-            </a:xfrm>
-            <a:prstGeom prst="line">
-              <a:avLst/>
-            </a:prstGeom>
-          </p:spPr>
-          <p:style>
-            <a:lnRef idx="1">
-              <a:schemeClr val="dk1"/>
-            </a:lnRef>
-            <a:fillRef idx="2">
-              <a:schemeClr val="dk1"/>
-            </a:fillRef>
-            <a:effectRef idx="1">
-              <a:schemeClr val="dk1"/>
-            </a:effectRef>
-            <a:fontRef idx="minor">
-              <a:schemeClr val="dk1"/>
-            </a:fontRef>
-          </p:style>
-        </p:cxnSp>
-        <p:cxnSp>
-          <p:nvCxnSpPr>
-            <p:cNvPr id="101" name="直接连接符 100">
-              <a:extLst>
-                <a:ext uri="{FF2B5EF4-FFF2-40B4-BE49-F238E27FC236}">
-                  <a16:creationId xmlns:a16="http://schemas.microsoft.com/office/drawing/2014/main" id="{411F5145-9591-43DE-ABF8-0F247E37480B}"/>
-                </a:ext>
-              </a:extLst>
-            </p:cNvPr>
-            <p:cNvCxnSpPr>
-              <a:cxnSpLocks/>
-              <a:stCxn id="66" idx="6"/>
-              <a:endCxn id="72" idx="2"/>
-            </p:cNvCxnSpPr>
-            <p:nvPr/>
-          </p:nvCxnSpPr>
-          <p:spPr>
-            <a:xfrm flipV="1">
-              <a:off x="8267940" y="1401307"/>
-              <a:ext cx="208373" cy="667319"/>
-            </a:xfrm>
-            <a:prstGeom prst="line">
-              <a:avLst/>
-            </a:prstGeom>
-          </p:spPr>
-          <p:style>
-            <a:lnRef idx="1">
-              <a:schemeClr val="dk1"/>
-            </a:lnRef>
-            <a:fillRef idx="2">
-              <a:schemeClr val="dk1"/>
-            </a:fillRef>
-            <a:effectRef idx="1">
-              <a:schemeClr val="dk1"/>
-            </a:effectRef>
-            <a:fontRef idx="minor">
-              <a:schemeClr val="dk1"/>
-            </a:fontRef>
-          </p:style>
-        </p:cxnSp>
-        <p:cxnSp>
-          <p:nvCxnSpPr>
-            <p:cNvPr id="103" name="直接连接符 102">
-              <a:extLst>
-                <a:ext uri="{FF2B5EF4-FFF2-40B4-BE49-F238E27FC236}">
-                  <a16:creationId xmlns:a16="http://schemas.microsoft.com/office/drawing/2014/main" id="{BA938D93-D435-4339-A14A-8B64C731EC3C}"/>
-                </a:ext>
-              </a:extLst>
-            </p:cNvPr>
-            <p:cNvCxnSpPr>
-              <a:cxnSpLocks/>
-              <a:stCxn id="74" idx="2"/>
-              <a:endCxn id="68" idx="6"/>
-            </p:cNvCxnSpPr>
-            <p:nvPr/>
-          </p:nvCxnSpPr>
-          <p:spPr>
-            <a:xfrm flipH="1" flipV="1">
-              <a:off x="8267940" y="1262136"/>
-              <a:ext cx="208373" cy="676831"/>
-            </a:xfrm>
-            <a:prstGeom prst="line">
-              <a:avLst/>
-            </a:prstGeom>
-          </p:spPr>
-          <p:style>
-            <a:lnRef idx="1">
-              <a:schemeClr val="dk1"/>
-            </a:lnRef>
-            <a:fillRef idx="2">
-              <a:schemeClr val="dk1"/>
-            </a:fillRef>
-            <a:effectRef idx="1">
-              <a:schemeClr val="dk1"/>
-            </a:effectRef>
-            <a:fontRef idx="minor">
-              <a:schemeClr val="dk1"/>
-            </a:fontRef>
-          </p:style>
-        </p:cxnSp>
-        <p:cxnSp>
-          <p:nvCxnSpPr>
-            <p:cNvPr id="104" name="直接连接符 103">
-              <a:extLst>
-                <a:ext uri="{FF2B5EF4-FFF2-40B4-BE49-F238E27FC236}">
-                  <a16:creationId xmlns:a16="http://schemas.microsoft.com/office/drawing/2014/main" id="{D62F970D-5DFE-4DFD-BC98-D3B747C22D87}"/>
-                </a:ext>
-              </a:extLst>
-            </p:cNvPr>
-            <p:cNvCxnSpPr>
-              <a:cxnSpLocks/>
-              <a:stCxn id="74" idx="2"/>
-              <a:endCxn id="69" idx="6"/>
-            </p:cNvCxnSpPr>
-            <p:nvPr/>
-          </p:nvCxnSpPr>
-          <p:spPr>
-            <a:xfrm flipH="1" flipV="1">
-              <a:off x="8267940" y="1530966"/>
-              <a:ext cx="208373" cy="408001"/>
-            </a:xfrm>
-            <a:prstGeom prst="line">
-              <a:avLst/>
-            </a:prstGeom>
-          </p:spPr>
-          <p:style>
-            <a:lnRef idx="1">
-              <a:schemeClr val="dk1"/>
-            </a:lnRef>
-            <a:fillRef idx="2">
-              <a:schemeClr val="dk1"/>
-            </a:fillRef>
-            <a:effectRef idx="1">
-              <a:schemeClr val="dk1"/>
-            </a:effectRef>
-            <a:fontRef idx="minor">
-              <a:schemeClr val="dk1"/>
-            </a:fontRef>
-          </p:style>
-        </p:cxnSp>
-        <p:cxnSp>
-          <p:nvCxnSpPr>
-            <p:cNvPr id="105" name="直接连接符 104">
-              <a:extLst>
-                <a:ext uri="{FF2B5EF4-FFF2-40B4-BE49-F238E27FC236}">
-                  <a16:creationId xmlns:a16="http://schemas.microsoft.com/office/drawing/2014/main" id="{051FF4D6-D9D9-4A22-9F46-CCFA6905BF51}"/>
-                </a:ext>
-              </a:extLst>
-            </p:cNvPr>
-            <p:cNvCxnSpPr>
-              <a:cxnSpLocks/>
-              <a:stCxn id="74" idx="2"/>
-              <a:endCxn id="71" idx="6"/>
-            </p:cNvCxnSpPr>
-            <p:nvPr/>
-          </p:nvCxnSpPr>
-          <p:spPr>
-            <a:xfrm flipH="1" flipV="1">
-              <a:off x="8267940" y="1799796"/>
-              <a:ext cx="208373" cy="139171"/>
-            </a:xfrm>
-            <a:prstGeom prst="line">
-              <a:avLst/>
-            </a:prstGeom>
-          </p:spPr>
-          <p:style>
-            <a:lnRef idx="1">
-              <a:schemeClr val="dk1"/>
-            </a:lnRef>
-            <a:fillRef idx="2">
-              <a:schemeClr val="dk1"/>
-            </a:fillRef>
-            <a:effectRef idx="1">
-              <a:schemeClr val="dk1"/>
-            </a:effectRef>
-            <a:fontRef idx="minor">
-              <a:schemeClr val="dk1"/>
-            </a:fontRef>
-          </p:style>
-        </p:cxnSp>
-        <p:cxnSp>
-          <p:nvCxnSpPr>
-            <p:cNvPr id="106" name="直接连接符 105">
-              <a:extLst>
-                <a:ext uri="{FF2B5EF4-FFF2-40B4-BE49-F238E27FC236}">
-                  <a16:creationId xmlns:a16="http://schemas.microsoft.com/office/drawing/2014/main" id="{095C9DA9-9BB9-47A3-8437-C4733FC911AE}"/>
-                </a:ext>
-              </a:extLst>
-            </p:cNvPr>
-            <p:cNvCxnSpPr>
-              <a:cxnSpLocks/>
-              <a:stCxn id="74" idx="2"/>
-              <a:endCxn id="66" idx="6"/>
-            </p:cNvCxnSpPr>
-            <p:nvPr/>
-          </p:nvCxnSpPr>
-          <p:spPr>
-            <a:xfrm flipH="1">
-              <a:off x="8267940" y="1938967"/>
-              <a:ext cx="208373" cy="129659"/>
-            </a:xfrm>
-            <a:prstGeom prst="line">
-              <a:avLst/>
-            </a:prstGeom>
-          </p:spPr>
-          <p:style>
-            <a:lnRef idx="1">
-              <a:schemeClr val="dk1"/>
-            </a:lnRef>
-            <a:fillRef idx="2">
-              <a:schemeClr val="dk1"/>
-            </a:fillRef>
-            <a:effectRef idx="1">
-              <a:schemeClr val="dk1"/>
-            </a:effectRef>
-            <a:fontRef idx="minor">
-              <a:schemeClr val="dk1"/>
-            </a:fontRef>
-          </p:style>
-        </p:cxnSp>
-        <p:sp>
-          <p:nvSpPr>
-            <p:cNvPr id="121" name="流程图: 接点 120">
-              <a:extLst>
-                <a:ext uri="{FF2B5EF4-FFF2-40B4-BE49-F238E27FC236}">
-                  <a16:creationId xmlns:a16="http://schemas.microsoft.com/office/drawing/2014/main" id="{03F14946-0E76-4392-AE3A-C06DE2C498D9}"/>
-                </a:ext>
-              </a:extLst>
-            </p:cNvPr>
-            <p:cNvSpPr/>
-            <p:nvPr/>
-          </p:nvSpPr>
-          <p:spPr>
-            <a:xfrm>
-              <a:off x="8476313" y="1576576"/>
-              <a:ext cx="180000" cy="180000"/>
-            </a:xfrm>
-            <a:prstGeom prst="flowChartConnector">
-              <a:avLst/>
-            </a:prstGeom>
-          </p:spPr>
-          <p:style>
-            <a:lnRef idx="1">
-              <a:schemeClr val="dk1"/>
-            </a:lnRef>
-            <a:fillRef idx="2">
-              <a:schemeClr val="dk1"/>
-            </a:fillRef>
-            <a:effectRef idx="1">
-              <a:schemeClr val="dk1"/>
-            </a:effectRef>
-            <a:fontRef idx="minor">
-              <a:schemeClr val="dk1"/>
-            </a:fontRef>
-          </p:style>
-          <p:txBody>
-            <a:bodyPr rtlCol="0" anchor="ctr"/>
-            <a:lstStyle/>
-            <a:p>
-              <a:pPr algn="ctr"/>
-              <a:endParaRPr lang="zh-CN" altLang="en-US"/>
-            </a:p>
-          </p:txBody>
-        </p:sp>
-        <p:cxnSp>
-          <p:nvCxnSpPr>
-            <p:cNvPr id="125" name="直接连接符 124">
-              <a:extLst>
-                <a:ext uri="{FF2B5EF4-FFF2-40B4-BE49-F238E27FC236}">
-                  <a16:creationId xmlns:a16="http://schemas.microsoft.com/office/drawing/2014/main" id="{3AC25929-CEAE-4D51-8616-EC3DE330D5B3}"/>
-                </a:ext>
-              </a:extLst>
-            </p:cNvPr>
-            <p:cNvCxnSpPr>
-              <a:cxnSpLocks/>
-              <a:stCxn id="68" idx="6"/>
-              <a:endCxn id="121" idx="2"/>
-            </p:cNvCxnSpPr>
-            <p:nvPr/>
-          </p:nvCxnSpPr>
-          <p:spPr>
-            <a:xfrm>
-              <a:off x="8267940" y="1262136"/>
-              <a:ext cx="208373" cy="404440"/>
-            </a:xfrm>
-            <a:prstGeom prst="line">
-              <a:avLst/>
-            </a:prstGeom>
-          </p:spPr>
-          <p:style>
-            <a:lnRef idx="1">
-              <a:schemeClr val="dk1"/>
-            </a:lnRef>
-            <a:fillRef idx="2">
-              <a:schemeClr val="dk1"/>
-            </a:fillRef>
-            <a:effectRef idx="1">
-              <a:schemeClr val="dk1"/>
-            </a:effectRef>
-            <a:fontRef idx="minor">
-              <a:schemeClr val="dk1"/>
-            </a:fontRef>
-          </p:style>
-        </p:cxnSp>
-        <p:cxnSp>
-          <p:nvCxnSpPr>
-            <p:cNvPr id="126" name="直接连接符 125">
-              <a:extLst>
-                <a:ext uri="{FF2B5EF4-FFF2-40B4-BE49-F238E27FC236}">
-                  <a16:creationId xmlns:a16="http://schemas.microsoft.com/office/drawing/2014/main" id="{2BC95AFB-C37E-4F49-AD74-9C55C389FF38}"/>
-                </a:ext>
-              </a:extLst>
-            </p:cNvPr>
-            <p:cNvCxnSpPr>
-              <a:cxnSpLocks/>
-              <a:stCxn id="66" idx="6"/>
-              <a:endCxn id="121" idx="2"/>
-            </p:cNvCxnSpPr>
-            <p:nvPr/>
-          </p:nvCxnSpPr>
-          <p:spPr>
-            <a:xfrm flipV="1">
-              <a:off x="8267940" y="1666576"/>
-              <a:ext cx="208373" cy="402050"/>
-            </a:xfrm>
-            <a:prstGeom prst="line">
-              <a:avLst/>
-            </a:prstGeom>
-          </p:spPr>
-          <p:style>
-            <a:lnRef idx="1">
-              <a:schemeClr val="dk1"/>
-            </a:lnRef>
-            <a:fillRef idx="2">
-              <a:schemeClr val="dk1"/>
-            </a:fillRef>
-            <a:effectRef idx="1">
-              <a:schemeClr val="dk1"/>
-            </a:effectRef>
-            <a:fontRef idx="minor">
-              <a:schemeClr val="dk1"/>
-            </a:fontRef>
-          </p:style>
-        </p:cxnSp>
-        <p:cxnSp>
-          <p:nvCxnSpPr>
-            <p:cNvPr id="127" name="直接连接符 126">
-              <a:extLst>
-                <a:ext uri="{FF2B5EF4-FFF2-40B4-BE49-F238E27FC236}">
-                  <a16:creationId xmlns:a16="http://schemas.microsoft.com/office/drawing/2014/main" id="{E06CF340-1CEF-4C87-8CDA-87E3AED741B9}"/>
-                </a:ext>
-              </a:extLst>
-            </p:cNvPr>
-            <p:cNvCxnSpPr>
-              <a:cxnSpLocks/>
-              <a:stCxn id="71" idx="6"/>
-              <a:endCxn id="121" idx="2"/>
-            </p:cNvCxnSpPr>
-            <p:nvPr/>
-          </p:nvCxnSpPr>
-          <p:spPr>
-            <a:xfrm flipV="1">
-              <a:off x="8267940" y="1666576"/>
-              <a:ext cx="208373" cy="133220"/>
-            </a:xfrm>
-            <a:prstGeom prst="line">
-              <a:avLst/>
-            </a:prstGeom>
-          </p:spPr>
-          <p:style>
-            <a:lnRef idx="1">
-              <a:schemeClr val="dk1"/>
-            </a:lnRef>
-            <a:fillRef idx="2">
-              <a:schemeClr val="dk1"/>
-            </a:fillRef>
-            <a:effectRef idx="1">
-              <a:schemeClr val="dk1"/>
-            </a:effectRef>
-            <a:fontRef idx="minor">
-              <a:schemeClr val="dk1"/>
-            </a:fontRef>
-          </p:style>
-        </p:cxnSp>
-        <p:cxnSp>
-          <p:nvCxnSpPr>
-            <p:cNvPr id="128" name="直接连接符 127">
-              <a:extLst>
-                <a:ext uri="{FF2B5EF4-FFF2-40B4-BE49-F238E27FC236}">
-                  <a16:creationId xmlns:a16="http://schemas.microsoft.com/office/drawing/2014/main" id="{85143864-2071-44B6-81C5-BCED7DF37EF1}"/>
-                </a:ext>
-              </a:extLst>
-            </p:cNvPr>
-            <p:cNvCxnSpPr>
-              <a:cxnSpLocks/>
-              <a:stCxn id="69" idx="6"/>
-              <a:endCxn id="121" idx="2"/>
-            </p:cNvCxnSpPr>
-            <p:nvPr/>
-          </p:nvCxnSpPr>
-          <p:spPr>
-            <a:xfrm>
-              <a:off x="8267940" y="1530966"/>
-              <a:ext cx="208373" cy="135610"/>
-            </a:xfrm>
-            <a:prstGeom prst="line">
-              <a:avLst/>
-            </a:prstGeom>
-          </p:spPr>
-          <p:style>
-            <a:lnRef idx="1">
-              <a:schemeClr val="dk1"/>
-            </a:lnRef>
-            <a:fillRef idx="2">
-              <a:schemeClr val="dk1"/>
-            </a:fillRef>
-            <a:effectRef idx="1">
-              <a:schemeClr val="dk1"/>
-            </a:effectRef>
-            <a:fontRef idx="minor">
-              <a:schemeClr val="dk1"/>
-            </a:fontRef>
-          </p:style>
-        </p:cxnSp>
       </p:grpSp>
     </p:spTree>
     <p:extLst>
       <p:ext uri="{BB962C8B-B14F-4D97-AF65-F5344CB8AC3E}">
-        <p14:creationId xmlns:p14="http://schemas.microsoft.com/office/powerpoint/2010/main" val="769969696"/>
+        <p14:creationId xmlns:p14="http://schemas.microsoft.com/office/powerpoint/2010/main" val="3554005889"/>
       </p:ext>
     </p:extLst>
   </p:cSld>

--- a/Manuscript/figures/Figure_backdoor.pptx
+++ b/Manuscript/figures/Figure_backdoor.pptx
@@ -3326,261 +3326,147 @@
           <a:chExt cx="0" cy="0"/>
         </a:xfrm>
       </p:grpSpPr>
-      <p:grpSp>
-        <p:nvGrpSpPr>
-          <p:cNvPr id="7" name="组合 6">
+      <p:pic>
+        <p:nvPicPr>
+          <p:cNvPr id="144" name="图形 143">
             <a:extLst>
               <a:ext uri="{FF2B5EF4-FFF2-40B4-BE49-F238E27FC236}">
-                <a16:creationId xmlns:a16="http://schemas.microsoft.com/office/drawing/2014/main" id="{8D25C41D-74BA-482F-9E2A-C21B4F72DA7D}"/>
+                <a16:creationId xmlns:a16="http://schemas.microsoft.com/office/drawing/2014/main" id="{431B2111-F0EA-45C7-BE70-1AB457070BE6}"/>
               </a:ext>
             </a:extLst>
           </p:cNvPr>
-          <p:cNvGrpSpPr/>
+          <p:cNvPicPr>
+            <a:picLocks noChangeAspect="1"/>
+          </p:cNvPicPr>
           <p:nvPr/>
-        </p:nvGrpSpPr>
-        <p:grpSpPr>
+        </p:nvPicPr>
+        <p:blipFill>
+          <a:blip r:embed="rId2" cstate="print">
+            <a:extLst>
+              <a:ext uri="{28A0092B-C50C-407E-A947-70E740481C1C}">
+                <a14:useLocalDpi xmlns:a14="http://schemas.microsoft.com/office/drawing/2010/main" val="0"/>
+              </a:ext>
+              <a:ext uri="{96DAC541-7B7A-43D3-8B79-37D633B846F1}">
+                <asvg:svgBlip xmlns:asvg="http://schemas.microsoft.com/office/drawing/2016/SVG/main" r:embed="rId3"/>
+              </a:ext>
+            </a:extLst>
+          </a:blip>
+          <a:stretch>
+            <a:fillRect/>
+          </a:stretch>
+        </p:blipFill>
+        <p:spPr>
           <a:xfrm>
-            <a:off x="3461767" y="4116707"/>
-            <a:ext cx="906113" cy="759152"/>
-            <a:chOff x="2055828" y="4084320"/>
-            <a:chExt cx="906113" cy="759152"/>
+            <a:off x="6740570" y="4355619"/>
+            <a:ext cx="576000" cy="576000"/>
           </a:xfrm>
-        </p:grpSpPr>
-        <p:pic>
-          <p:nvPicPr>
-            <p:cNvPr id="72" name="图片 71" descr="用户 (1)">
-              <a:extLst>
-                <a:ext uri="{FF2B5EF4-FFF2-40B4-BE49-F238E27FC236}">
-                  <a16:creationId xmlns:a16="http://schemas.microsoft.com/office/drawing/2014/main" id="{C2B3A3FC-0A31-47F3-8121-AE8B71B389A8}"/>
-                </a:ext>
-              </a:extLst>
-            </p:cNvPr>
-            <p:cNvPicPr>
-              <a:picLocks noChangeAspect="1"/>
-            </p:cNvPicPr>
-            <p:nvPr/>
-          </p:nvPicPr>
-          <p:blipFill>
-            <a:blip r:embed="rId2"/>
-            <a:stretch>
-              <a:fillRect/>
-            </a:stretch>
-          </p:blipFill>
-          <p:spPr>
-            <a:xfrm flipH="1">
-              <a:off x="2141220" y="4084320"/>
-              <a:ext cx="735330" cy="720090"/>
-            </a:xfrm>
-            <a:prstGeom prst="rect">
-              <a:avLst/>
-            </a:prstGeom>
-          </p:spPr>
-        </p:pic>
-        <p:sp>
-          <p:nvSpPr>
-            <p:cNvPr id="73" name="文本框 72">
-              <a:extLst>
-                <a:ext uri="{FF2B5EF4-FFF2-40B4-BE49-F238E27FC236}">
-                  <a16:creationId xmlns:a16="http://schemas.microsoft.com/office/drawing/2014/main" id="{4129CB93-9336-40BA-9DE0-7215F8D8D0B9}"/>
-                </a:ext>
-              </a:extLst>
-            </p:cNvPr>
-            <p:cNvSpPr txBox="1"/>
-            <p:nvPr/>
-          </p:nvSpPr>
-          <p:spPr>
-            <a:xfrm>
-              <a:off x="2055828" y="4612640"/>
-              <a:ext cx="906113" cy="230832"/>
-            </a:xfrm>
-            <a:prstGeom prst="rect">
-              <a:avLst/>
-            </a:prstGeom>
-            <a:noFill/>
-          </p:spPr>
-          <p:txBody>
-            <a:bodyPr wrap="square" rtlCol="0">
-              <a:spAutoFit/>
-            </a:bodyPr>
-            <a:lstStyle/>
-            <a:p>
-              <a:pPr algn="ctr"/>
-              <a:r>
-                <a:rPr lang="en-US" altLang="zh-CN" sz="900" b="1" i="1" dirty="0"/>
-                <a:t>FL Client</a:t>
-              </a:r>
-            </a:p>
-          </p:txBody>
-        </p:sp>
-      </p:grpSp>
-      <p:grpSp>
-        <p:nvGrpSpPr>
-          <p:cNvPr id="52" name="组合 51">
+          <a:prstGeom prst="rect">
+            <a:avLst/>
+          </a:prstGeom>
+        </p:spPr>
+      </p:pic>
+      <p:sp>
+        <p:nvSpPr>
+          <p:cNvPr id="73" name="文本框 72">
             <a:extLst>
               <a:ext uri="{FF2B5EF4-FFF2-40B4-BE49-F238E27FC236}">
-                <a16:creationId xmlns:a16="http://schemas.microsoft.com/office/drawing/2014/main" id="{ECA90B72-B0BD-4A6B-BB0A-5CEA2B7EB7B8}"/>
+                <a16:creationId xmlns:a16="http://schemas.microsoft.com/office/drawing/2014/main" id="{4129CB93-9336-40BA-9DE0-7215F8D8D0B9}"/>
               </a:ext>
             </a:extLst>
           </p:cNvPr>
-          <p:cNvGrpSpPr/>
+          <p:cNvSpPr txBox="1"/>
           <p:nvPr/>
-        </p:nvGrpSpPr>
-        <p:grpSpPr>
+        </p:nvSpPr>
+        <p:spPr>
           <a:xfrm>
-            <a:off x="3464875" y="3014682"/>
-            <a:ext cx="945947" cy="825767"/>
-            <a:chOff x="6754915" y="2142173"/>
-            <a:chExt cx="945947" cy="825767"/>
+            <a:off x="3461767" y="4645027"/>
+            <a:ext cx="906113" cy="369332"/>
           </a:xfrm>
-        </p:grpSpPr>
-        <p:pic>
-          <p:nvPicPr>
-            <p:cNvPr id="68" name="图片 67" descr="服务器 server rack">
-              <a:extLst>
-                <a:ext uri="{FF2B5EF4-FFF2-40B4-BE49-F238E27FC236}">
-                  <a16:creationId xmlns:a16="http://schemas.microsoft.com/office/drawing/2014/main" id="{D90AE7C5-9EA0-4BBB-A785-F56D594DFE69}"/>
-                </a:ext>
-              </a:extLst>
-            </p:cNvPr>
-            <p:cNvPicPr>
-              <a:picLocks noChangeAspect="1"/>
-            </p:cNvPicPr>
-            <p:nvPr/>
-          </p:nvPicPr>
-          <p:blipFill>
-            <a:blip r:embed="rId3"/>
-            <a:stretch>
-              <a:fillRect/>
-            </a:stretch>
-          </p:blipFill>
-          <p:spPr>
-            <a:xfrm>
-              <a:off x="6867843" y="2142173"/>
-              <a:ext cx="720090" cy="720090"/>
-            </a:xfrm>
-            <a:prstGeom prst="rect">
-              <a:avLst/>
-            </a:prstGeom>
-          </p:spPr>
-        </p:pic>
-        <p:sp>
-          <p:nvSpPr>
-            <p:cNvPr id="69" name="文本框 68">
-              <a:extLst>
-                <a:ext uri="{FF2B5EF4-FFF2-40B4-BE49-F238E27FC236}">
-                  <a16:creationId xmlns:a16="http://schemas.microsoft.com/office/drawing/2014/main" id="{DB5156DC-0B0D-418E-9BF7-D50CEE5BD303}"/>
-                </a:ext>
-              </a:extLst>
-            </p:cNvPr>
-            <p:cNvSpPr txBox="1"/>
-            <p:nvPr/>
-          </p:nvSpPr>
-          <p:spPr>
-            <a:xfrm>
-              <a:off x="6754915" y="2737108"/>
-              <a:ext cx="945947" cy="230832"/>
-            </a:xfrm>
-            <a:prstGeom prst="rect">
-              <a:avLst/>
-            </a:prstGeom>
-            <a:noFill/>
-          </p:spPr>
-          <p:txBody>
-            <a:bodyPr wrap="square" rtlCol="0">
-              <a:spAutoFit/>
-            </a:bodyPr>
-            <a:lstStyle/>
-            <a:p>
-              <a:pPr algn="ctr"/>
-              <a:r>
-                <a:rPr lang="en-US" altLang="zh-CN" sz="900" b="1" i="1" dirty="0"/>
-                <a:t>FL Server</a:t>
-              </a:r>
-            </a:p>
-          </p:txBody>
-        </p:sp>
-      </p:grpSp>
-      <p:grpSp>
-        <p:nvGrpSpPr>
-          <p:cNvPr id="132" name="组合 131">
+          <a:prstGeom prst="rect">
+            <a:avLst/>
+          </a:prstGeom>
+          <a:noFill/>
+        </p:spPr>
+        <p:txBody>
+          <a:bodyPr wrap="square" rtlCol="0">
+            <a:spAutoFit/>
+          </a:bodyPr>
+          <a:lstStyle/>
+          <a:p>
+            <a:pPr algn="ctr"/>
+            <a:r>
+              <a:rPr lang="en-US" altLang="zh-CN" sz="900" b="1" i="1" dirty="0"/>
+              <a:t>Byzantine Attacker</a:t>
+            </a:r>
+          </a:p>
+        </p:txBody>
+      </p:sp>
+      <p:sp>
+        <p:nvSpPr>
+          <p:cNvPr id="69" name="文本框 68">
             <a:extLst>
               <a:ext uri="{FF2B5EF4-FFF2-40B4-BE49-F238E27FC236}">
-                <a16:creationId xmlns:a16="http://schemas.microsoft.com/office/drawing/2014/main" id="{BC27E7F9-BC95-46C4-A04A-EEC09C2BD4E7}"/>
+                <a16:creationId xmlns:a16="http://schemas.microsoft.com/office/drawing/2014/main" id="{DB5156DC-0B0D-418E-9BF7-D50CEE5BD303}"/>
               </a:ext>
             </a:extLst>
           </p:cNvPr>
-          <p:cNvGrpSpPr/>
+          <p:cNvSpPr txBox="1"/>
           <p:nvPr/>
-        </p:nvGrpSpPr>
-        <p:grpSpPr>
+        </p:nvSpPr>
+        <p:spPr>
           <a:xfrm>
-            <a:off x="6573517" y="4195242"/>
-            <a:ext cx="900000" cy="900000"/>
-            <a:chOff x="3522383" y="5245009"/>
-            <a:chExt cx="900000" cy="900000"/>
+            <a:off x="3431709" y="3575971"/>
+            <a:ext cx="945947" cy="230832"/>
           </a:xfrm>
-        </p:grpSpPr>
-        <p:pic>
-          <p:nvPicPr>
-            <p:cNvPr id="74" name="图片 73" descr="数据 (2)">
-              <a:extLst>
-                <a:ext uri="{FF2B5EF4-FFF2-40B4-BE49-F238E27FC236}">
-                  <a16:creationId xmlns:a16="http://schemas.microsoft.com/office/drawing/2014/main" id="{2968D85E-9383-4594-BAB8-04C4F41AA319}"/>
-                </a:ext>
-              </a:extLst>
-            </p:cNvPr>
-            <p:cNvPicPr>
-              <a:picLocks noChangeAspect="1"/>
-            </p:cNvPicPr>
-            <p:nvPr/>
-          </p:nvPicPr>
-          <p:blipFill>
-            <a:blip r:embed="rId4"/>
-            <a:stretch>
-              <a:fillRect/>
-            </a:stretch>
-          </p:blipFill>
-          <p:spPr>
-            <a:xfrm>
-              <a:off x="3522383" y="5245009"/>
-              <a:ext cx="900000" cy="900000"/>
-            </a:xfrm>
-            <a:prstGeom prst="rect">
-              <a:avLst/>
-            </a:prstGeom>
-          </p:spPr>
-        </p:pic>
-        <p:pic>
-          <p:nvPicPr>
-            <p:cNvPr id="76" name="图片 75" descr="病毒 (1)">
-              <a:extLst>
-                <a:ext uri="{FF2B5EF4-FFF2-40B4-BE49-F238E27FC236}">
-                  <a16:creationId xmlns:a16="http://schemas.microsoft.com/office/drawing/2014/main" id="{A04138FD-9A75-4896-AD4C-66ABB7DEA512}"/>
-                </a:ext>
-              </a:extLst>
-            </p:cNvPr>
-            <p:cNvPicPr>
-              <a:picLocks noChangeAspect="1"/>
-            </p:cNvPicPr>
-            <p:nvPr/>
-          </p:nvPicPr>
-          <p:blipFill>
-            <a:blip r:embed="rId5"/>
-            <a:stretch>
-              <a:fillRect/>
-            </a:stretch>
-          </p:blipFill>
-          <p:spPr>
-            <a:xfrm>
-              <a:off x="3959659" y="5625172"/>
-              <a:ext cx="360045" cy="360045"/>
-            </a:xfrm>
-            <a:prstGeom prst="rect">
-              <a:avLst/>
-            </a:prstGeom>
-          </p:spPr>
-        </p:pic>
-      </p:grpSp>
+          <a:prstGeom prst="rect">
+            <a:avLst/>
+          </a:prstGeom>
+          <a:noFill/>
+        </p:spPr>
+        <p:txBody>
+          <a:bodyPr wrap="square" rtlCol="0">
+            <a:spAutoFit/>
+          </a:bodyPr>
+          <a:lstStyle/>
+          <a:p>
+            <a:pPr algn="ctr"/>
+            <a:r>
+              <a:rPr lang="en-US" altLang="zh-CN" sz="900" b="1" i="1" dirty="0"/>
+              <a:t>FL Server</a:t>
+            </a:r>
+          </a:p>
+        </p:txBody>
+      </p:sp>
+      <p:pic>
+        <p:nvPicPr>
+          <p:cNvPr id="76" name="图片 75" descr="病毒 (1)">
+            <a:extLst>
+              <a:ext uri="{FF2B5EF4-FFF2-40B4-BE49-F238E27FC236}">
+                <a16:creationId xmlns:a16="http://schemas.microsoft.com/office/drawing/2014/main" id="{A04138FD-9A75-4896-AD4C-66ABB7DEA512}"/>
+              </a:ext>
+            </a:extLst>
+          </p:cNvPr>
+          <p:cNvPicPr>
+            <a:picLocks noChangeAspect="1"/>
+          </p:cNvPicPr>
+          <p:nvPr/>
+        </p:nvPicPr>
+        <p:blipFill>
+          <a:blip r:embed="rId4"/>
+          <a:stretch>
+            <a:fillRect/>
+          </a:stretch>
+        </p:blipFill>
+        <p:spPr>
+          <a:xfrm>
+            <a:off x="7010793" y="4575405"/>
+            <a:ext cx="360045" cy="360045"/>
+          </a:xfrm>
+          <a:prstGeom prst="rect">
+            <a:avLst/>
+          </a:prstGeom>
+        </p:spPr>
+      </p:pic>
       <p:cxnSp>
         <p:nvCxnSpPr>
           <p:cNvPr id="9" name="直接箭头连接符 157">
@@ -3592,7 +3478,6 @@
           </p:cNvPr>
           <p:cNvCxnSpPr>
             <a:cxnSpLocks/>
-            <a:stCxn id="74" idx="3"/>
             <a:endCxn id="153" idx="2"/>
           </p:cNvCxnSpPr>
           <p:nvPr/>
@@ -3828,7 +3713,7 @@
             <p:nvPr/>
           </p:nvPicPr>
           <p:blipFill>
-            <a:blip r:embed="rId6"/>
+            <a:blip r:embed="rId5"/>
             <a:stretch>
               <a:fillRect/>
             </a:stretch>
@@ -3988,7 +3873,7 @@
               <p:nvPr/>
             </p:nvPicPr>
             <p:blipFill>
-              <a:blip r:embed="rId6"/>
+              <a:blip r:embed="rId5"/>
               <a:stretch>
                 <a:fillRect/>
               </a:stretch>
@@ -4018,7 +3903,7 @@
               <p:nvPr/>
             </p:nvPicPr>
             <p:blipFill>
-              <a:blip r:embed="rId6"/>
+              <a:blip r:embed="rId5"/>
               <a:stretch>
                 <a:fillRect/>
               </a:stretch>
@@ -4122,7 +4007,7 @@
             <p:nvPr/>
           </p:nvPicPr>
           <p:blipFill>
-            <a:blip r:embed="rId6"/>
+            <a:blip r:embed="rId5"/>
             <a:stretch>
               <a:fillRect/>
             </a:stretch>
@@ -5775,7 +5660,7 @@
             <p:nvPr/>
           </p:nvPicPr>
           <p:blipFill>
-            <a:blip r:embed="rId5"/>
+            <a:blip r:embed="rId4"/>
             <a:stretch>
               <a:fillRect/>
             </a:stretch>
@@ -5806,7 +5691,7 @@
           <p:nvPr/>
         </p:nvPicPr>
         <p:blipFill>
-          <a:blip r:embed="rId5"/>
+          <a:blip r:embed="rId4"/>
           <a:stretch>
             <a:fillRect/>
           </a:stretch>
@@ -5876,7 +5761,7 @@
               <p:nvPr/>
             </p:nvPicPr>
             <p:blipFill>
-              <a:blip r:embed="rId7">
+              <a:blip r:embed="rId6">
                 <a:extLst>
                   <a:ext uri="{28A0092B-C50C-407E-A947-70E740481C1C}">
                     <a14:useLocalDpi xmlns:a14="http://schemas.microsoft.com/office/drawing/2010/main" val="0"/>
@@ -8016,7 +7901,7 @@
             <p:nvPr/>
           </p:nvPicPr>
           <p:blipFill>
-            <a:blip r:embed="rId5"/>
+            <a:blip r:embed="rId4"/>
             <a:stretch>
               <a:fillRect/>
             </a:stretch>
@@ -8087,7 +7972,7 @@
               <p:nvPr/>
             </p:nvPicPr>
             <p:blipFill rotWithShape="1">
-              <a:blip r:embed="rId8">
+              <a:blip r:embed="rId7">
                 <a:extLst>
                   <a:ext uri="{28A0092B-C50C-407E-A947-70E740481C1C}">
                     <a14:useLocalDpi xmlns:a14="http://schemas.microsoft.com/office/drawing/2010/main" val="0"/>
@@ -8122,7 +8007,7 @@
               <p:nvPr/>
             </p:nvPicPr>
             <p:blipFill>
-              <a:blip r:embed="rId9">
+              <a:blip r:embed="rId8">
                 <a:extLst>
                   <a:ext uri="{28A0092B-C50C-407E-A947-70E740481C1C}">
                     <a14:useLocalDpi xmlns:a14="http://schemas.microsoft.com/office/drawing/2010/main" val="0"/>
@@ -8158,7 +8043,7 @@
               <p:nvPr/>
             </p:nvPicPr>
             <p:blipFill rotWithShape="1">
-              <a:blip r:embed="rId10">
+              <a:blip r:embed="rId9">
                 <a:extLst>
                   <a:ext uri="{28A0092B-C50C-407E-A947-70E740481C1C}">
                     <a14:useLocalDpi xmlns:a14="http://schemas.microsoft.com/office/drawing/2010/main" val="0"/>
@@ -8759,6 +8644,84 @@
           </a:p>
         </p:txBody>
       </p:sp>
+      <p:pic>
+        <p:nvPicPr>
+          <p:cNvPr id="142" name="图形 141">
+            <a:extLst>
+              <a:ext uri="{FF2B5EF4-FFF2-40B4-BE49-F238E27FC236}">
+                <a16:creationId xmlns:a16="http://schemas.microsoft.com/office/drawing/2014/main" id="{E8CFBE2F-E6E7-4712-ACA6-D474A8BC0E03}"/>
+              </a:ext>
+            </a:extLst>
+          </p:cNvPr>
+          <p:cNvPicPr>
+            <a:picLocks noChangeAspect="1"/>
+          </p:cNvPicPr>
+          <p:nvPr/>
+        </p:nvPicPr>
+        <p:blipFill>
+          <a:blip r:embed="rId10" cstate="print">
+            <a:extLst>
+              <a:ext uri="{28A0092B-C50C-407E-A947-70E740481C1C}">
+                <a14:useLocalDpi xmlns:a14="http://schemas.microsoft.com/office/drawing/2010/main" val="0"/>
+              </a:ext>
+              <a:ext uri="{96DAC541-7B7A-43D3-8B79-37D633B846F1}">
+                <asvg:svgBlip xmlns:asvg="http://schemas.microsoft.com/office/drawing/2016/SVG/main" r:embed="rId11"/>
+              </a:ext>
+            </a:extLst>
+          </a:blip>
+          <a:stretch>
+            <a:fillRect/>
+          </a:stretch>
+        </p:blipFill>
+        <p:spPr>
+          <a:xfrm>
+            <a:off x="3576316" y="4101231"/>
+            <a:ext cx="720000" cy="720000"/>
+          </a:xfrm>
+          <a:prstGeom prst="rect">
+            <a:avLst/>
+          </a:prstGeom>
+        </p:spPr>
+      </p:pic>
+      <p:pic>
+        <p:nvPicPr>
+          <p:cNvPr id="143" name="图形 142">
+            <a:extLst>
+              <a:ext uri="{FF2B5EF4-FFF2-40B4-BE49-F238E27FC236}">
+                <a16:creationId xmlns:a16="http://schemas.microsoft.com/office/drawing/2014/main" id="{B2C4B465-90FF-427E-B17D-5BCF64D6A47A}"/>
+              </a:ext>
+            </a:extLst>
+          </p:cNvPr>
+          <p:cNvPicPr>
+            <a:picLocks noChangeAspect="1"/>
+          </p:cNvPicPr>
+          <p:nvPr/>
+        </p:nvPicPr>
+        <p:blipFill>
+          <a:blip r:embed="rId12" cstate="print">
+            <a:extLst>
+              <a:ext uri="{28A0092B-C50C-407E-A947-70E740481C1C}">
+                <a14:useLocalDpi xmlns:a14="http://schemas.microsoft.com/office/drawing/2010/main" val="0"/>
+              </a:ext>
+              <a:ext uri="{96DAC541-7B7A-43D3-8B79-37D633B846F1}">
+                <asvg:svgBlip xmlns:asvg="http://schemas.microsoft.com/office/drawing/2016/SVG/main" r:embed="rId13"/>
+              </a:ext>
+            </a:extLst>
+          </a:blip>
+          <a:stretch>
+            <a:fillRect/>
+          </a:stretch>
+        </p:blipFill>
+        <p:spPr>
+          <a:xfrm>
+            <a:off x="3601108" y="3064961"/>
+            <a:ext cx="612000" cy="612000"/>
+          </a:xfrm>
+          <a:prstGeom prst="rect">
+            <a:avLst/>
+          </a:prstGeom>
+        </p:spPr>
+      </p:pic>
     </p:spTree>
     <p:extLst>
       <p:ext uri="{BB962C8B-B14F-4D97-AF65-F5344CB8AC3E}">
